--- a/week08/oop.pptx
+++ b/week08/oop.pptx
@@ -7,7 +7,7 @@
     <p:sldMasterId id="2147483731" r:id="rId3"/>
   </p:sldMasterIdLst>
   <p:notesMasterIdLst>
-    <p:notesMasterId r:id="rId35"/>
+    <p:notesMasterId r:id="rId34"/>
   </p:notesMasterIdLst>
   <p:sldIdLst>
     <p:sldId id="285" r:id="rId4"/>
@@ -37,20 +37,19 @@
     <p:sldId id="383" r:id="rId28"/>
     <p:sldId id="384" r:id="rId29"/>
     <p:sldId id="385" r:id="rId30"/>
-    <p:sldId id="386" r:id="rId31"/>
-    <p:sldId id="387" r:id="rId32"/>
-    <p:sldId id="388" r:id="rId33"/>
-    <p:sldId id="389" r:id="rId34"/>
+    <p:sldId id="387" r:id="rId31"/>
+    <p:sldId id="388" r:id="rId32"/>
+    <p:sldId id="389" r:id="rId33"/>
   </p:sldIdLst>
   <p:sldSz cx="16256000" cy="9144000"/>
   <p:notesSz cx="6858000" cy="9144000"/>
   <p:embeddedFontLst>
     <p:embeddedFont>
       <p:font typeface="Cabin" panose="020B0604020202020204" charset="0"/>
-      <p:regular r:id="rId36"/>
-      <p:bold r:id="rId37"/>
-      <p:italic r:id="rId38"/>
-      <p:boldItalic r:id="rId39"/>
+      <p:regular r:id="rId35"/>
+      <p:bold r:id="rId36"/>
+      <p:italic r:id="rId37"/>
+      <p:boldItalic r:id="rId38"/>
     </p:embeddedFont>
   </p:embeddedFontLst>
   <p:defaultTextStyle>
@@ -2514,7 +2513,7 @@
     </p:spTree>
     <p:extLst>
       <p:ext uri="{BB962C8B-B14F-4D97-AF65-F5344CB8AC3E}">
-        <p14:creationId xmlns:p14="http://schemas.microsoft.com/office/powerpoint/2010/main" val="2219666539"/>
+        <p14:creationId xmlns:p14="http://schemas.microsoft.com/office/powerpoint/2010/main" val="4148972357"/>
       </p:ext>
     </p:extLst>
   </p:cSld>
@@ -2525,116 +2524,6 @@
 </file>
 
 <file path=ppt/notesSlides/notesSlide26.xml><?xml version="1.0" encoding="utf-8"?>
-<p:notes xmlns:a="http://schemas.openxmlformats.org/drawingml/2006/main" xmlns:r="http://schemas.openxmlformats.org/officeDocument/2006/relationships" xmlns:p="http://schemas.openxmlformats.org/presentationml/2006/main" showMasterSp="0" showMasterPhAnim="0">
-  <p:cSld>
-    <p:spTree>
-      <p:nvGrpSpPr>
-        <p:cNvPr id="1" name="Shape 209"/>
-        <p:cNvGrpSpPr/>
-        <p:nvPr/>
-      </p:nvGrpSpPr>
-      <p:grpSpPr>
-        <a:xfrm>
-          <a:off x="0" y="0"/>
-          <a:ext cx="0" cy="0"/>
-          <a:chOff x="0" y="0"/>
-          <a:chExt cx="0" cy="0"/>
-        </a:xfrm>
-      </p:grpSpPr>
-      <p:sp>
-        <p:nvSpPr>
-          <p:cNvPr id="210" name="Shape 210"/>
-          <p:cNvSpPr txBox="1">
-            <a:spLocks noGrp="1"/>
-          </p:cNvSpPr>
-          <p:nvPr>
-            <p:ph type="body" idx="1"/>
-          </p:nvPr>
-        </p:nvSpPr>
-        <p:spPr>
-          <a:xfrm>
-            <a:off x="685800" y="4343400"/>
-            <a:ext cx="5486399" cy="4114800"/>
-          </a:xfrm>
-          <a:prstGeom prst="rect">
-            <a:avLst/>
-          </a:prstGeom>
-          <a:noFill/>
-          <a:ln>
-            <a:noFill/>
-          </a:ln>
-        </p:spPr>
-        <p:txBody>
-          <a:bodyPr lIns="91425" tIns="91425" rIns="91425" bIns="91425" anchor="ctr" anchorCtr="0">
-            <a:noAutofit/>
-          </a:bodyPr>
-          <a:lstStyle/>
-          <a:p>
-            <a:pPr lvl="0">
-              <a:spcBef>
-                <a:spcPts val="0"/>
-              </a:spcBef>
-              <a:buNone/>
-            </a:pPr>
-            <a:endParaRPr/>
-          </a:p>
-        </p:txBody>
-      </p:sp>
-      <p:sp>
-        <p:nvSpPr>
-          <p:cNvPr id="211" name="Shape 211"/>
-          <p:cNvSpPr>
-            <a:spLocks noGrp="1" noRot="1" noChangeAspect="1"/>
-          </p:cNvSpPr>
-          <p:nvPr>
-            <p:ph type="sldImg" idx="2"/>
-          </p:nvPr>
-        </p:nvSpPr>
-        <p:spPr>
-          <a:xfrm>
-            <a:off x="381000" y="685800"/>
-            <a:ext cx="6096000" cy="3429000"/>
-          </a:xfrm>
-          <a:custGeom>
-            <a:avLst/>
-            <a:gdLst/>
-            <a:ahLst/>
-            <a:cxnLst/>
-            <a:rect l="0" t="0" r="0" b="0"/>
-            <a:pathLst>
-              <a:path w="120000" h="120000" extrusionOk="0">
-                <a:moveTo>
-                  <a:pt x="0" y="0"/>
-                </a:moveTo>
-                <a:lnTo>
-                  <a:pt x="120000" y="0"/>
-                </a:lnTo>
-                <a:lnTo>
-                  <a:pt x="120000" y="120000"/>
-                </a:lnTo>
-                <a:lnTo>
-                  <a:pt x="0" y="120000"/>
-                </a:lnTo>
-                <a:close/>
-              </a:path>
-            </a:pathLst>
-          </a:custGeom>
-        </p:spPr>
-      </p:sp>
-    </p:spTree>
-    <p:extLst>
-      <p:ext uri="{BB962C8B-B14F-4D97-AF65-F5344CB8AC3E}">
-        <p14:creationId xmlns:p14="http://schemas.microsoft.com/office/powerpoint/2010/main" val="4148972357"/>
-      </p:ext>
-    </p:extLst>
-  </p:cSld>
-  <p:clrMapOvr>
-    <a:masterClrMapping/>
-  </p:clrMapOvr>
-</p:notes>
-</file>
-
-<file path=ppt/notesSlides/notesSlide27.xml><?xml version="1.0" encoding="utf-8"?>
 <p:notes xmlns:a="http://schemas.openxmlformats.org/drawingml/2006/main" xmlns:r="http://schemas.openxmlformats.org/officeDocument/2006/relationships" xmlns:p="http://schemas.openxmlformats.org/presentationml/2006/main" showMasterSp="0" showMasterPhAnim="0">
   <p:cSld>
     <p:spTree>
@@ -2744,7 +2633,7 @@
 </p:notes>
 </file>
 
-<file path=ppt/notesSlides/notesSlide28.xml><?xml version="1.0" encoding="utf-8"?>
+<file path=ppt/notesSlides/notesSlide27.xml><?xml version="1.0" encoding="utf-8"?>
 <p:notes xmlns:a="http://schemas.openxmlformats.org/drawingml/2006/main" xmlns:r="http://schemas.openxmlformats.org/officeDocument/2006/relationships" xmlns:p="http://schemas.openxmlformats.org/presentationml/2006/main" showMasterSp="0" showMasterPhAnim="0">
   <p:cSld>
     <p:spTree>
@@ -19771,19 +19660,7 @@
                 <a:latin typeface="Courier New" pitchFamily="49" charset="0"/>
                 <a:cs typeface="Courier New" pitchFamily="49" charset="0"/>
               </a:rPr>
-              <a:t>еще</a:t>
-            </a:r>
-            <a:r>
-              <a:rPr lang="ru-RU" sz="3200" b="1" dirty="0" smtClean="0">
-                <a:solidFill>
-                  <a:schemeClr val="bg1">
-                    <a:lumMod val="50000"/>
-                  </a:schemeClr>
-                </a:solidFill>
-                <a:latin typeface="Courier New" pitchFamily="49" charset="0"/>
-                <a:cs typeface="Courier New" pitchFamily="49" charset="0"/>
-              </a:rPr>
-              <a:t> двумя атрибутами объекта – названием автомобиля (</a:t>
+              <a:t>еще двумя атрибутами объекта – названием автомобиля (</a:t>
             </a:r>
             <a:r>
               <a:rPr lang="en-US" sz="3200" b="1" dirty="0" smtClean="0">
@@ -27014,35 +26891,18 @@
                 <a:latin typeface="Courier New" pitchFamily="49" charset="0"/>
                 <a:cs typeface="Courier New" pitchFamily="49" charset="0"/>
               </a:rPr>
-              <a:t>Car</a:t>
-            </a:r>
-            <a:r>
-              <a:rPr lang="en-US" sz="3200" b="1" dirty="0" smtClean="0">
+              <a:t>Car()</a:t>
+            </a:r>
+            <a:r>
+              <a:rPr lang="ru-RU" sz="3200" b="1" dirty="0" smtClean="0">
                 <a:solidFill>
                   <a:srgbClr val="00B050"/>
                 </a:solidFill>
                 <a:latin typeface="Courier New" pitchFamily="49" charset="0"/>
                 <a:cs typeface="Courier New" pitchFamily="49" charset="0"/>
               </a:rPr>
-              <a:t>()</a:t>
-            </a:r>
-            <a:r>
-              <a:rPr lang="ru-RU" sz="3200" b="1" dirty="0" smtClean="0">
-                <a:solidFill>
-                  <a:srgbClr val="00B050"/>
-                </a:solidFill>
-                <a:latin typeface="Courier New" pitchFamily="49" charset="0"/>
-                <a:cs typeface="Courier New" pitchFamily="49" charset="0"/>
-              </a:rPr>
               <a:t> </a:t>
             </a:r>
-            <a:endParaRPr lang="ru-RU" sz="3200" b="1" dirty="0" smtClean="0">
-              <a:solidFill>
-                <a:srgbClr val="00B050"/>
-              </a:solidFill>
-              <a:latin typeface="Courier New" pitchFamily="49" charset="0"/>
-              <a:cs typeface="Courier New" pitchFamily="49" charset="0"/>
-            </a:endParaRPr>
           </a:p>
           <a:p>
             <a:pPr marL="82296">
@@ -36101,240 +35961,118 @@
               <a:buNone/>
             </a:pPr>
             <a:r>
+              <a:rPr lang="en-US" sz="3200" dirty="0">
+                <a:solidFill>
+                  <a:srgbClr val="7030A0"/>
+                </a:solidFill>
+              </a:rPr>
+              <a:t>__call__(self[, </a:t>
+            </a:r>
+            <a:r>
+              <a:rPr lang="en-US" sz="3200" dirty="0" err="1">
+                <a:solidFill>
+                  <a:srgbClr val="7030A0"/>
+                </a:solidFill>
+              </a:rPr>
+              <a:t>args</a:t>
+            </a:r>
+            <a:r>
+              <a:rPr lang="en-US" sz="3200" dirty="0">
+                <a:solidFill>
+                  <a:srgbClr val="7030A0"/>
+                </a:solidFill>
+              </a:rPr>
+              <a:t>...]) - </a:t>
+            </a:r>
+            <a:r>
               <a:rPr lang="ru-RU" sz="3200" dirty="0">
                 <a:solidFill>
-                  <a:srgbClr val="7030A0"/>
-                </a:solidFill>
-              </a:rPr>
-              <a:t>__</a:t>
-            </a:r>
-            <a:r>
-              <a:rPr lang="ru-RU" sz="3200" dirty="0" err="1">
-                <a:solidFill>
-                  <a:srgbClr val="7030A0"/>
-                </a:solidFill>
-              </a:rPr>
-              <a:t>hash</a:t>
-            </a:r>
-            <a:r>
-              <a:rPr lang="ru-RU" sz="3200" dirty="0">
-                <a:solidFill>
-                  <a:srgbClr val="7030A0"/>
-                </a:solidFill>
-              </a:rPr>
-              <a:t>__(</a:t>
-            </a:r>
-            <a:r>
-              <a:rPr lang="ru-RU" sz="3200" dirty="0" err="1">
-                <a:solidFill>
-                  <a:srgbClr val="7030A0"/>
-                </a:solidFill>
-              </a:rPr>
-              <a:t>self</a:t>
-            </a:r>
-            <a:r>
-              <a:rPr lang="ru-RU" sz="3200" dirty="0">
-                <a:solidFill>
-                  <a:srgbClr val="7030A0"/>
-                </a:solidFill>
-              </a:rPr>
-              <a:t>) </a:t>
-            </a:r>
-            <a:r>
-              <a:rPr lang="ru-RU" sz="3200" dirty="0">
-                <a:solidFill>
                   <a:schemeClr val="bg2"/>
                 </a:solidFill>
               </a:rPr>
-              <a:t>- получение </a:t>
-            </a:r>
-            <a:r>
-              <a:rPr lang="ru-RU" sz="3200" dirty="0" err="1">
-                <a:solidFill>
-                  <a:schemeClr val="bg2"/>
-                </a:solidFill>
-              </a:rPr>
-              <a:t>хэш</a:t>
-            </a:r>
-            <a:r>
-              <a:rPr lang="ru-RU" sz="3200" dirty="0">
-                <a:solidFill>
-                  <a:schemeClr val="bg2"/>
-                </a:solidFill>
-              </a:rPr>
-              <a:t>-суммы объекта, например, для добавления в словарь</a:t>
-            </a:r>
-            <a:r>
-              <a:rPr lang="ru-RU" sz="3200" dirty="0" smtClean="0">
-                <a:solidFill>
-                  <a:schemeClr val="bg2"/>
-                </a:solidFill>
-              </a:rPr>
-              <a:t>.</a:t>
-            </a:r>
-            <a:endParaRPr lang="ru-RU" sz="3200" dirty="0">
-              <a:solidFill>
-                <a:schemeClr val="bg2"/>
-              </a:solidFill>
-            </a:endParaRPr>
+              <a:t>вызов экземпляра класса как функции.</a:t>
+            </a:r>
           </a:p>
           <a:p>
             <a:pPr marL="679324" indent="0">
               <a:buNone/>
             </a:pPr>
             <a:r>
+              <a:rPr lang="ru-RU" sz="3200" dirty="0" smtClean="0">
+                <a:solidFill>
+                  <a:srgbClr val="7030A0"/>
+                </a:solidFill>
+              </a:rPr>
+              <a:t>__</a:t>
+            </a:r>
+            <a:r>
+              <a:rPr lang="en-US" sz="3200" dirty="0" err="1">
+                <a:solidFill>
+                  <a:srgbClr val="7030A0"/>
+                </a:solidFill>
+              </a:rPr>
+              <a:t>len</a:t>
+            </a:r>
+            <a:r>
+              <a:rPr lang="en-US" sz="3200" dirty="0">
+                <a:solidFill>
+                  <a:srgbClr val="7030A0"/>
+                </a:solidFill>
+              </a:rPr>
+              <a:t>__(self) - </a:t>
+            </a:r>
+            <a:r>
               <a:rPr lang="ru-RU" sz="3200" dirty="0">
                 <a:solidFill>
+                  <a:schemeClr val="bg2"/>
+                </a:solidFill>
+              </a:rPr>
+              <a:t>длина объекта</a:t>
+            </a:r>
+            <a:r>
+              <a:rPr lang="ru-RU" sz="3200" dirty="0">
+                <a:solidFill>
                   <a:srgbClr val="7030A0"/>
                 </a:solidFill>
               </a:rPr>
-              <a:t>__</a:t>
-            </a:r>
-            <a:r>
-              <a:rPr lang="ru-RU" sz="3200" dirty="0" err="1">
-                <a:solidFill>
-                  <a:srgbClr val="7030A0"/>
-                </a:solidFill>
-              </a:rPr>
-              <a:t>bool</a:t>
-            </a:r>
-            <a:r>
-              <a:rPr lang="ru-RU" sz="3200" dirty="0">
-                <a:solidFill>
-                  <a:srgbClr val="7030A0"/>
-                </a:solidFill>
-              </a:rPr>
-              <a:t>__(</a:t>
-            </a:r>
-            <a:r>
-              <a:rPr lang="ru-RU" sz="3200" dirty="0" err="1">
-                <a:solidFill>
-                  <a:srgbClr val="7030A0"/>
-                </a:solidFill>
-              </a:rPr>
-              <a:t>self</a:t>
-            </a:r>
-            <a:r>
-              <a:rPr lang="ru-RU" sz="3200" dirty="0">
-                <a:solidFill>
-                  <a:srgbClr val="7030A0"/>
-                </a:solidFill>
-              </a:rPr>
-              <a:t>) - </a:t>
-            </a:r>
-            <a:r>
-              <a:rPr lang="ru-RU" sz="3200" dirty="0">
-                <a:solidFill>
-                  <a:schemeClr val="bg2"/>
-                </a:solidFill>
-              </a:rPr>
-              <a:t>вызывается при проверке истинности. Если этот метод не определён, вызывается метод __</a:t>
-            </a:r>
-            <a:r>
-              <a:rPr lang="ru-RU" sz="3200" dirty="0" err="1">
-                <a:solidFill>
-                  <a:schemeClr val="bg2"/>
-                </a:solidFill>
-              </a:rPr>
-              <a:t>len</a:t>
-            </a:r>
-            <a:r>
-              <a:rPr lang="ru-RU" sz="3200" dirty="0">
-                <a:solidFill>
-                  <a:schemeClr val="bg2"/>
-                </a:solidFill>
-              </a:rPr>
-              <a:t>__ (объекты, имеющие ненулевую длину, считаются истинными</a:t>
-            </a:r>
-            <a:r>
-              <a:rPr lang="ru-RU" sz="3200" dirty="0" smtClean="0">
-                <a:solidFill>
-                  <a:schemeClr val="bg2"/>
-                </a:solidFill>
-              </a:rPr>
-              <a:t>).</a:t>
-            </a:r>
-            <a:endParaRPr lang="ru-RU" sz="3200" dirty="0">
-              <a:solidFill>
-                <a:schemeClr val="bg2"/>
-              </a:solidFill>
-            </a:endParaRPr>
+              <a:t>.</a:t>
+            </a:r>
           </a:p>
           <a:p>
             <a:pPr marL="679324" indent="0">
               <a:buNone/>
             </a:pPr>
             <a:r>
+              <a:rPr lang="ru-RU" sz="3200" dirty="0" smtClean="0">
+                <a:solidFill>
+                  <a:srgbClr val="7030A0"/>
+                </a:solidFill>
+              </a:rPr>
+              <a:t>__</a:t>
+            </a:r>
+            <a:r>
+              <a:rPr lang="en-US" sz="3200" dirty="0" err="1">
+                <a:solidFill>
+                  <a:srgbClr val="7030A0"/>
+                </a:solidFill>
+              </a:rPr>
+              <a:t>getitem</a:t>
+            </a:r>
+            <a:r>
+              <a:rPr lang="en-US" sz="3200" dirty="0">
+                <a:solidFill>
+                  <a:srgbClr val="7030A0"/>
+                </a:solidFill>
+              </a:rPr>
+              <a:t>__(self, key) - </a:t>
+            </a:r>
+            <a:r>
               <a:rPr lang="ru-RU" sz="3200" dirty="0">
                 <a:solidFill>
-                  <a:srgbClr val="7030A0"/>
-                </a:solidFill>
-              </a:rPr>
-              <a:t>__</a:t>
-            </a:r>
-            <a:r>
-              <a:rPr lang="ru-RU" sz="3200" dirty="0" err="1">
-                <a:solidFill>
-                  <a:srgbClr val="7030A0"/>
-                </a:solidFill>
-              </a:rPr>
-              <a:t>getattr</a:t>
-            </a:r>
-            <a:r>
-              <a:rPr lang="ru-RU" sz="3200" dirty="0">
-                <a:solidFill>
-                  <a:srgbClr val="7030A0"/>
-                </a:solidFill>
-              </a:rPr>
-              <a:t>__(</a:t>
-            </a:r>
-            <a:r>
-              <a:rPr lang="ru-RU" sz="3200" dirty="0" err="1">
-                <a:solidFill>
-                  <a:srgbClr val="7030A0"/>
-                </a:solidFill>
-              </a:rPr>
-              <a:t>self</a:t>
-            </a:r>
-            <a:r>
-              <a:rPr lang="ru-RU" sz="3200" dirty="0">
-                <a:solidFill>
-                  <a:srgbClr val="7030A0"/>
-                </a:solidFill>
-              </a:rPr>
-              <a:t>, </a:t>
-            </a:r>
-            <a:r>
-              <a:rPr lang="ru-RU" sz="3200" dirty="0" err="1">
-                <a:solidFill>
-                  <a:srgbClr val="7030A0"/>
-                </a:solidFill>
-              </a:rPr>
-              <a:t>name</a:t>
-            </a:r>
-            <a:r>
-              <a:rPr lang="ru-RU" sz="3200" dirty="0">
-                <a:solidFill>
-                  <a:srgbClr val="7030A0"/>
-                </a:solidFill>
-              </a:rPr>
-              <a:t>) - </a:t>
-            </a:r>
-            <a:r>
-              <a:rPr lang="ru-RU" sz="3200" dirty="0">
-                <a:solidFill>
                   <a:schemeClr val="bg2"/>
                 </a:solidFill>
               </a:rPr>
-              <a:t>вызывается, когда атрибут экземпляра класса не найден в обычных местах (например, у экземпляра нет метода с таким названием</a:t>
-            </a:r>
-            <a:r>
-              <a:rPr lang="ru-RU" sz="3200" dirty="0" smtClean="0">
-                <a:solidFill>
-                  <a:schemeClr val="bg2"/>
-                </a:solidFill>
-              </a:rPr>
-              <a:t>).</a:t>
+              <a:t>доступ по индексу (или ключу).</a:t>
             </a:r>
           </a:p>
           <a:p>
@@ -36342,44 +36080,36 @@
               <a:buNone/>
             </a:pPr>
             <a:r>
+              <a:rPr lang="ru-RU" sz="3200" dirty="0" smtClean="0">
+                <a:solidFill>
+                  <a:srgbClr val="7030A0"/>
+                </a:solidFill>
+              </a:rPr>
+              <a:t>__</a:t>
+            </a:r>
+            <a:r>
+              <a:rPr lang="en-US" sz="3200" dirty="0" err="1">
+                <a:solidFill>
+                  <a:srgbClr val="7030A0"/>
+                </a:solidFill>
+              </a:rPr>
+              <a:t>setitem</a:t>
+            </a:r>
+            <a:r>
               <a:rPr lang="en-US" sz="3200" dirty="0">
                 <a:solidFill>
                   <a:srgbClr val="7030A0"/>
                 </a:solidFill>
               </a:rPr>
-              <a:t>__</a:t>
-            </a:r>
-            <a:r>
-              <a:rPr lang="en-US" sz="3200" dirty="0" err="1">
-                <a:solidFill>
-                  <a:srgbClr val="7030A0"/>
-                </a:solidFill>
-              </a:rPr>
-              <a:t>setattr</a:t>
-            </a:r>
-            <a:r>
-              <a:rPr lang="en-US" sz="3200" dirty="0">
-                <a:solidFill>
-                  <a:srgbClr val="7030A0"/>
-                </a:solidFill>
-              </a:rPr>
-              <a:t>__(self, name, value) </a:t>
-            </a:r>
-            <a:r>
-              <a:rPr lang="en-US" sz="3200" dirty="0">
+              <a:t>__(self, key, value) - </a:t>
+            </a:r>
+            <a:r>
+              <a:rPr lang="ru-RU" sz="3200" dirty="0">
                 <a:solidFill>
                   <a:schemeClr val="bg2"/>
                 </a:solidFill>
               </a:rPr>
-              <a:t>- </a:t>
-            </a:r>
-            <a:r>
-              <a:rPr lang="ru-RU" sz="3200" dirty="0">
-                <a:solidFill>
-                  <a:schemeClr val="bg2"/>
-                </a:solidFill>
-              </a:rPr>
-              <a:t>назначение атрибута.</a:t>
+              <a:t>назначение элемента по индексу.</a:t>
             </a:r>
           </a:p>
           <a:p>
@@ -36400,7 +36130,7 @@
                   <a:srgbClr val="7030A0"/>
                 </a:solidFill>
               </a:rPr>
-              <a:t>delattr</a:t>
+              <a:t>delitem</a:t>
             </a:r>
             <a:r>
               <a:rPr lang="en-US" sz="3200" dirty="0">
@@ -36408,14 +36138,80 @@
                   <a:srgbClr val="7030A0"/>
                 </a:solidFill>
               </a:rPr>
-              <a:t>__(self, name) </a:t>
+              <a:t>__(self, key) - </a:t>
+            </a:r>
+            <a:r>
+              <a:rPr lang="ru-RU" sz="3200" dirty="0">
+                <a:solidFill>
+                  <a:schemeClr val="bg2"/>
+                </a:solidFill>
+              </a:rPr>
+              <a:t>удаление элемента по индексу.</a:t>
+            </a:r>
+          </a:p>
+          <a:p>
+            <a:pPr marL="679324" indent="0">
+              <a:buNone/>
+            </a:pPr>
+            <a:r>
+              <a:rPr lang="ru-RU" sz="3200" dirty="0" smtClean="0">
+                <a:solidFill>
+                  <a:srgbClr val="7030A0"/>
+                </a:solidFill>
+              </a:rPr>
+              <a:t>__</a:t>
+            </a:r>
+            <a:r>
+              <a:rPr lang="en-US" sz="3200" dirty="0" err="1">
+                <a:solidFill>
+                  <a:srgbClr val="7030A0"/>
+                </a:solidFill>
+              </a:rPr>
+              <a:t>iter</a:t>
             </a:r>
             <a:r>
               <a:rPr lang="en-US" sz="3200" dirty="0">
                 <a:solidFill>
+                  <a:srgbClr val="7030A0"/>
+                </a:solidFill>
+              </a:rPr>
+              <a:t>__(self) - </a:t>
+            </a:r>
+            <a:r>
+              <a:rPr lang="ru-RU" sz="3200" dirty="0">
+                <a:solidFill>
                   <a:schemeClr val="bg2"/>
                 </a:solidFill>
               </a:rPr>
+              <a:t>возвращает итератор для контейнера.</a:t>
+            </a:r>
+          </a:p>
+          <a:p>
+            <a:pPr marL="679324" indent="0">
+              <a:buNone/>
+            </a:pPr>
+            <a:r>
+              <a:rPr lang="ru-RU" sz="3200" dirty="0" smtClean="0">
+                <a:solidFill>
+                  <a:srgbClr val="7030A0"/>
+                </a:solidFill>
+              </a:rPr>
+              <a:t>__</a:t>
+            </a:r>
+            <a:r>
+              <a:rPr lang="en-US" sz="3200" dirty="0">
+                <a:solidFill>
+                  <a:srgbClr val="7030A0"/>
+                </a:solidFill>
+              </a:rPr>
+              <a:t>reversed__(self) </a:t>
+            </a:r>
+            <a:r>
+              <a:rPr lang="en-US" sz="3200" dirty="0">
+                <a:solidFill>
+                  <a:schemeClr val="bg2"/>
+                </a:solidFill>
+              </a:rPr>
               <a:t>- </a:t>
             </a:r>
             <a:r>
@@ -36424,15 +36220,52 @@
                   <a:schemeClr val="bg2"/>
                 </a:solidFill>
               </a:rPr>
-              <a:t>удаление атрибута (</a:t>
+              <a:t>итератор из элементов, следующих в обратном порядке.</a:t>
+            </a:r>
+          </a:p>
+          <a:p>
+            <a:pPr marL="679324" indent="0">
+              <a:buNone/>
+            </a:pPr>
+            <a:r>
+              <a:rPr lang="ru-RU" sz="3200" dirty="0" smtClean="0">
+                <a:solidFill>
+                  <a:srgbClr val="7030A0"/>
+                </a:solidFill>
+              </a:rPr>
+              <a:t>__</a:t>
             </a:r>
             <a:r>
               <a:rPr lang="en-US" sz="3200" dirty="0">
                 <a:solidFill>
+                  <a:srgbClr val="7030A0"/>
+                </a:solidFill>
+              </a:rPr>
+              <a:t>contains__(self, item) </a:t>
+            </a:r>
+            <a:r>
+              <a:rPr lang="en-US" sz="3200" dirty="0">
+                <a:solidFill>
                   <a:schemeClr val="bg2"/>
                 </a:solidFill>
               </a:rPr>
-              <a:t>del obj.name).</a:t>
+              <a:t>- </a:t>
+            </a:r>
+            <a:r>
+              <a:rPr lang="ru-RU" sz="3200" dirty="0">
+                <a:solidFill>
+                  <a:schemeClr val="bg2"/>
+                </a:solidFill>
+              </a:rPr>
+              <a:t>проверка на принадлежность элемента контейнеру (</a:t>
+            </a:r>
+            <a:r>
+              <a:rPr lang="en-US" sz="3200" dirty="0">
+                <a:solidFill>
+                  <a:schemeClr val="bg2"/>
+                </a:solidFill>
+              </a:rPr>
+              <a:t>item in self).</a:t>
             </a:r>
           </a:p>
         </p:txBody>
@@ -36440,7 +36273,7 @@
     </p:spTree>
     <p:extLst>
       <p:ext uri="{BB962C8B-B14F-4D97-AF65-F5344CB8AC3E}">
-        <p14:creationId xmlns:p14="http://schemas.microsoft.com/office/powerpoint/2010/main" val="3251026338"/>
+        <p14:creationId xmlns:p14="http://schemas.microsoft.com/office/powerpoint/2010/main" val="3744735173"/>
       </p:ext>
     </p:extLst>
   </p:cSld>
@@ -36518,7 +36351,7 @@
               <a:buSzPct val="25000"/>
             </a:pPr>
             <a:r>
-              <a:rPr lang="ru-RU" sz="7800" dirty="0" smtClean="0">
+              <a:rPr lang="ru-RU" sz="7800" dirty="0">
                 <a:solidFill>
                   <a:srgbClr val="00FF00"/>
                 </a:solidFill>
@@ -36527,7 +36360,7 @@
                 <a:cs typeface="Cabin"/>
                 <a:sym typeface="Cabin"/>
               </a:rPr>
-              <a:t>Магические методы</a:t>
+              <a:t>Перегрузка арифметических операторов</a:t>
             </a:r>
             <a:endParaRPr lang="en-US" sz="7800" dirty="0">
               <a:solidFill>
@@ -36551,7 +36384,7 @@
         </p:nvSpPr>
         <p:spPr>
           <a:xfrm>
-            <a:off x="1123582" y="2054697"/>
+            <a:off x="1035447" y="2286000"/>
             <a:ext cx="13958371" cy="6526218"/>
           </a:xfrm>
           <a:prstGeom prst="rect">
@@ -36814,31 +36647,47 @@
                   <a:srgbClr val="7030A0"/>
                 </a:solidFill>
               </a:rPr>
-              <a:t>__call__(self[, </a:t>
+              <a:t>__add__(self, other) - </a:t>
+            </a:r>
+            <a:r>
+              <a:rPr lang="ru-RU" sz="3200" dirty="0">
+                <a:solidFill>
+                  <a:schemeClr val="bg2"/>
+                </a:solidFill>
+              </a:rPr>
+              <a:t>сложение. </a:t>
+            </a:r>
+            <a:r>
+              <a:rPr lang="en-US" sz="3200" dirty="0">
+                <a:solidFill>
+                  <a:schemeClr val="bg2"/>
+                </a:solidFill>
+              </a:rPr>
+              <a:t>x + y </a:t>
+            </a:r>
+            <a:r>
+              <a:rPr lang="ru-RU" sz="3200" dirty="0">
+                <a:solidFill>
+                  <a:schemeClr val="bg2"/>
+                </a:solidFill>
+              </a:rPr>
+              <a:t>вызывает </a:t>
             </a:r>
             <a:r>
               <a:rPr lang="en-US" sz="3200" dirty="0" err="1">
                 <a:solidFill>
-                  <a:srgbClr val="7030A0"/>
-                </a:solidFill>
-              </a:rPr>
-              <a:t>args</a:t>
+                  <a:schemeClr val="bg2"/>
+                </a:solidFill>
+              </a:rPr>
+              <a:t>x.__add</a:t>
             </a:r>
             <a:r>
               <a:rPr lang="en-US" sz="3200" dirty="0">
                 <a:solidFill>
-                  <a:srgbClr val="7030A0"/>
-                </a:solidFill>
-              </a:rPr>
-              <a:t>...]) - </a:t>
-            </a:r>
-            <a:r>
-              <a:rPr lang="ru-RU" sz="3200" dirty="0">
-                <a:solidFill>
                   <a:schemeClr val="bg2"/>
                 </a:solidFill>
               </a:rPr>
-              <a:t>вызов экземпляра класса как функции.</a:t>
+              <a:t>__(y).</a:t>
             </a:r>
           </a:p>
           <a:p>
@@ -36846,7 +36695,7 @@
               <a:buNone/>
             </a:pPr>
             <a:r>
-              <a:rPr lang="ru-RU" sz="3200" dirty="0" smtClean="0">
+              <a:rPr lang="en-US" sz="3200" dirty="0" smtClean="0">
                 <a:solidFill>
                   <a:srgbClr val="7030A0"/>
                 </a:solidFill>
@@ -36854,36 +36703,28 @@
               <a:t>__</a:t>
             </a:r>
             <a:r>
-              <a:rPr lang="en-US" sz="3200" dirty="0" err="1">
+              <a:rPr lang="en-US" sz="3200" dirty="0">
                 <a:solidFill>
                   <a:srgbClr val="7030A0"/>
                 </a:solidFill>
               </a:rPr>
-              <a:t>len</a:t>
+              <a:t>sub__(self, other) - </a:t>
+            </a:r>
+            <a:r>
+              <a:rPr lang="ru-RU" sz="3200" dirty="0">
+                <a:solidFill>
+                  <a:schemeClr val="bg2"/>
+                </a:solidFill>
+              </a:rPr>
+              <a:t>вычитание (</a:t>
             </a:r>
             <a:r>
               <a:rPr lang="en-US" sz="3200" dirty="0">
                 <a:solidFill>
-                  <a:srgbClr val="7030A0"/>
-                </a:solidFill>
-              </a:rPr>
-              <a:t>__(self) - </a:t>
-            </a:r>
-            <a:r>
-              <a:rPr lang="ru-RU" sz="3200" dirty="0">
-                <a:solidFill>
                   <a:schemeClr val="bg2"/>
                 </a:solidFill>
               </a:rPr>
-              <a:t>длина объекта</a:t>
-            </a:r>
-            <a:r>
-              <a:rPr lang="ru-RU" sz="3200" dirty="0">
-                <a:solidFill>
-                  <a:srgbClr val="7030A0"/>
-                </a:solidFill>
-              </a:rPr>
-              <a:t>.</a:t>
+              <a:t>x - y).</a:t>
             </a:r>
           </a:p>
           <a:p>
@@ -36891,7 +36732,7 @@
               <a:buNone/>
             </a:pPr>
             <a:r>
-              <a:rPr lang="ru-RU" sz="3200" dirty="0" smtClean="0">
+              <a:rPr lang="en-US" sz="3200" dirty="0" smtClean="0">
                 <a:solidFill>
                   <a:srgbClr val="7030A0"/>
                 </a:solidFill>
@@ -36904,7 +36745,7 @@
                   <a:srgbClr val="7030A0"/>
                 </a:solidFill>
               </a:rPr>
-              <a:t>getitem</a:t>
+              <a:t>mul</a:t>
             </a:r>
             <a:r>
               <a:rPr lang="en-US" sz="3200" dirty="0">
@@ -36912,7 +36753,7 @@
                   <a:srgbClr val="7030A0"/>
                 </a:solidFill>
               </a:rPr>
-              <a:t>__(self, key) - </a:t>
+              <a:t>__(self, other) - </a:t>
             </a:r>
             <a:r>
               <a:rPr lang="ru-RU" sz="3200" dirty="0">
@@ -36920,7 +36761,15 @@
                   <a:schemeClr val="bg2"/>
                 </a:solidFill>
               </a:rPr>
-              <a:t>доступ по индексу (или ключу).</a:t>
+              <a:t>умножение (</a:t>
+            </a:r>
+            <a:r>
+              <a:rPr lang="en-US" sz="3200" dirty="0">
+                <a:solidFill>
+                  <a:schemeClr val="bg2"/>
+                </a:solidFill>
+              </a:rPr>
+              <a:t>x * y).</a:t>
             </a:r>
           </a:p>
           <a:p>
@@ -36928,7 +36777,7 @@
               <a:buNone/>
             </a:pPr>
             <a:r>
-              <a:rPr lang="ru-RU" sz="3200" dirty="0" smtClean="0">
+              <a:rPr lang="en-US" sz="3200" dirty="0" smtClean="0">
                 <a:solidFill>
                   <a:srgbClr val="7030A0"/>
                 </a:solidFill>
@@ -36941,7 +36790,7 @@
                   <a:srgbClr val="7030A0"/>
                 </a:solidFill>
               </a:rPr>
-              <a:t>setitem</a:t>
+              <a:t>truediv</a:t>
             </a:r>
             <a:r>
               <a:rPr lang="en-US" sz="3200" dirty="0">
@@ -36949,7 +36798,7 @@
                   <a:srgbClr val="7030A0"/>
                 </a:solidFill>
               </a:rPr>
-              <a:t>__(self, key, value) - </a:t>
+              <a:t>__(self, other) - </a:t>
             </a:r>
             <a:r>
               <a:rPr lang="ru-RU" sz="3200" dirty="0">
@@ -36957,7 +36806,15 @@
                   <a:schemeClr val="bg2"/>
                 </a:solidFill>
               </a:rPr>
-              <a:t>назначение элемента по индексу.</a:t>
+              <a:t>деление (</a:t>
+            </a:r>
+            <a:r>
+              <a:rPr lang="en-US" sz="3200" dirty="0">
+                <a:solidFill>
+                  <a:schemeClr val="bg2"/>
+                </a:solidFill>
+              </a:rPr>
+              <a:t>x / y).</a:t>
             </a:r>
           </a:p>
           <a:p>
@@ -36965,7 +36822,7 @@
               <a:buNone/>
             </a:pPr>
             <a:r>
-              <a:rPr lang="ru-RU" sz="3200" dirty="0" smtClean="0">
+              <a:rPr lang="en-US" sz="3200" dirty="0" smtClean="0">
                 <a:solidFill>
                   <a:srgbClr val="7030A0"/>
                 </a:solidFill>
@@ -36978,7 +36835,7 @@
                   <a:srgbClr val="7030A0"/>
                 </a:solidFill>
               </a:rPr>
-              <a:t>delitem</a:t>
+              <a:t>floordiv</a:t>
             </a:r>
             <a:r>
               <a:rPr lang="en-US" sz="3200" dirty="0">
@@ -36986,7 +36843,7 @@
                   <a:srgbClr val="7030A0"/>
                 </a:solidFill>
               </a:rPr>
-              <a:t>__(self, key) - </a:t>
+              <a:t>__(self, other) - </a:t>
             </a:r>
             <a:r>
               <a:rPr lang="ru-RU" sz="3200" dirty="0">
@@ -36994,7 +36851,15 @@
                   <a:schemeClr val="bg2"/>
                 </a:solidFill>
               </a:rPr>
-              <a:t>удаление элемента по индексу.</a:t>
+              <a:t>целочисленное деление (</a:t>
+            </a:r>
+            <a:r>
+              <a:rPr lang="en-US" sz="3200" dirty="0">
+                <a:solidFill>
+                  <a:schemeClr val="bg2"/>
+                </a:solidFill>
+              </a:rPr>
+              <a:t>x // y).</a:t>
             </a:r>
           </a:p>
           <a:p>
@@ -37002,7 +36867,7 @@
               <a:buNone/>
             </a:pPr>
             <a:r>
-              <a:rPr lang="ru-RU" sz="3200" dirty="0" smtClean="0">
+              <a:rPr lang="en-US" sz="3200" dirty="0" smtClean="0">
                 <a:solidFill>
                   <a:srgbClr val="7030A0"/>
                 </a:solidFill>
@@ -37010,28 +36875,28 @@
               <a:t>__</a:t>
             </a:r>
             <a:r>
-              <a:rPr lang="en-US" sz="3200" dirty="0" err="1">
+              <a:rPr lang="en-US" sz="3200" dirty="0">
                 <a:solidFill>
                   <a:srgbClr val="7030A0"/>
                 </a:solidFill>
               </a:rPr>
-              <a:t>iter</a:t>
+              <a:t>mod__(self, other) - </a:t>
+            </a:r>
+            <a:r>
+              <a:rPr lang="ru-RU" sz="3200" dirty="0">
+                <a:solidFill>
+                  <a:schemeClr val="bg2"/>
+                </a:solidFill>
+              </a:rPr>
+              <a:t>остаток от деления (</a:t>
             </a:r>
             <a:r>
               <a:rPr lang="en-US" sz="3200" dirty="0">
                 <a:solidFill>
-                  <a:srgbClr val="7030A0"/>
-                </a:solidFill>
-              </a:rPr>
-              <a:t>__(self) - </a:t>
-            </a:r>
-            <a:r>
-              <a:rPr lang="ru-RU" sz="3200" dirty="0">
-                <a:solidFill>
                   <a:schemeClr val="bg2"/>
                 </a:solidFill>
               </a:rPr>
-              <a:t>возвращает итератор для контейнера.</a:t>
+              <a:t>x % y).</a:t>
             </a:r>
           </a:p>
           <a:p>
@@ -37039,7 +36904,7 @@
               <a:buNone/>
             </a:pPr>
             <a:r>
-              <a:rPr lang="ru-RU" sz="3200" dirty="0" smtClean="0">
+              <a:rPr lang="en-US" sz="3200" dirty="0" smtClean="0">
                 <a:solidFill>
                   <a:srgbClr val="7030A0"/>
                 </a:solidFill>
@@ -37047,12 +36912,36 @@
               <a:t>__</a:t>
             </a:r>
             <a:r>
+              <a:rPr lang="en-US" sz="3200" dirty="0" err="1">
+                <a:solidFill>
+                  <a:srgbClr val="7030A0"/>
+                </a:solidFill>
+              </a:rPr>
+              <a:t>divmod</a:t>
+            </a:r>
+            <a:r>
               <a:rPr lang="en-US" sz="3200" dirty="0">
                 <a:solidFill>
                   <a:srgbClr val="7030A0"/>
                 </a:solidFill>
               </a:rPr>
-              <a:t>reversed__(self) </a:t>
+              <a:t>__(self, other) - </a:t>
+            </a:r>
+            <a:r>
+              <a:rPr lang="ru-RU" sz="3200" dirty="0">
+                <a:solidFill>
+                  <a:schemeClr val="bg2"/>
+                </a:solidFill>
+              </a:rPr>
+              <a:t>частное и остаток (</a:t>
+            </a:r>
+            <a:r>
+              <a:rPr lang="en-US" sz="3200" dirty="0" err="1">
+                <a:solidFill>
+                  <a:schemeClr val="bg2"/>
+                </a:solidFill>
+              </a:rPr>
+              <a:t>divmod</a:t>
             </a:r>
             <a:r>
               <a:rPr lang="en-US" sz="3200" dirty="0">
@@ -37060,15 +36949,7 @@
                   <a:schemeClr val="bg2"/>
                 </a:solidFill>
               </a:rPr>
-              <a:t>- </a:t>
-            </a:r>
-            <a:r>
-              <a:rPr lang="ru-RU" sz="3200" dirty="0">
-                <a:solidFill>
-                  <a:schemeClr val="bg2"/>
-                </a:solidFill>
-              </a:rPr>
-              <a:t>итератор из элементов, следующих в обратном порядке.</a:t>
+              <a:t>(x, y)).</a:t>
             </a:r>
           </a:p>
           <a:p>
@@ -37076,7 +36957,7 @@
               <a:buNone/>
             </a:pPr>
             <a:r>
-              <a:rPr lang="ru-RU" sz="3200" dirty="0" smtClean="0">
+              <a:rPr lang="en-US" sz="3200" dirty="0" smtClean="0">
                 <a:solidFill>
                   <a:srgbClr val="7030A0"/>
                 </a:solidFill>
@@ -37089,7 +36970,15 @@
                   <a:srgbClr val="7030A0"/>
                 </a:solidFill>
               </a:rPr>
-              <a:t>contains__(self, item) </a:t>
+              <a:t>pow__(self, other[, modulo]) - </a:t>
+            </a:r>
+            <a:r>
+              <a:rPr lang="ru-RU" sz="3200" dirty="0">
+                <a:solidFill>
+                  <a:schemeClr val="bg2"/>
+                </a:solidFill>
+              </a:rPr>
+              <a:t>возведение в степень (</a:t>
             </a:r>
             <a:r>
               <a:rPr lang="en-US" sz="3200" dirty="0">
@@ -37097,23 +36986,7 @@
                   <a:schemeClr val="bg2"/>
                 </a:solidFill>
               </a:rPr>
-              <a:t>- </a:t>
-            </a:r>
-            <a:r>
-              <a:rPr lang="ru-RU" sz="3200" dirty="0">
-                <a:solidFill>
-                  <a:schemeClr val="bg2"/>
-                </a:solidFill>
-              </a:rPr>
-              <a:t>проверка на принадлежность элемента контейнеру (</a:t>
-            </a:r>
-            <a:r>
-              <a:rPr lang="en-US" sz="3200" dirty="0">
-                <a:solidFill>
-                  <a:schemeClr val="bg2"/>
-                </a:solidFill>
-              </a:rPr>
-              <a:t>item in self).</a:t>
+              <a:t>x ** y, pow(x, y[, modulo])).</a:t>
             </a:r>
           </a:p>
         </p:txBody>
@@ -37121,7 +36994,7 @@
     </p:spTree>
     <p:extLst>
       <p:ext uri="{BB962C8B-B14F-4D97-AF65-F5344CB8AC3E}">
-        <p14:creationId xmlns:p14="http://schemas.microsoft.com/office/powerpoint/2010/main" val="3744735173"/>
+        <p14:creationId xmlns:p14="http://schemas.microsoft.com/office/powerpoint/2010/main" val="457197625"/>
       </p:ext>
     </p:extLst>
   </p:cSld>
@@ -37445,727 +37318,6 @@
 </file>
 
 <file path=ppt/slides/slide30.xml><?xml version="1.0" encoding="utf-8"?>
-<p:sld xmlns:a="http://schemas.openxmlformats.org/drawingml/2006/main" xmlns:r="http://schemas.openxmlformats.org/officeDocument/2006/relationships" xmlns:p="http://schemas.openxmlformats.org/presentationml/2006/main">
-  <p:cSld>
-    <p:bg>
-      <p:bgPr>
-        <a:solidFill>
-          <a:schemeClr val="bg1"/>
-        </a:solidFill>
-        <a:effectLst/>
-      </p:bgPr>
-    </p:bg>
-    <p:spTree>
-      <p:nvGrpSpPr>
-        <p:cNvPr id="1" name="Shape 212"/>
-        <p:cNvGrpSpPr/>
-        <p:nvPr/>
-      </p:nvGrpSpPr>
-      <p:grpSpPr>
-        <a:xfrm>
-          <a:off x="0" y="0"/>
-          <a:ext cx="0" cy="0"/>
-          <a:chOff x="0" y="0"/>
-          <a:chExt cx="0" cy="0"/>
-        </a:xfrm>
-      </p:grpSpPr>
-      <p:sp>
-        <p:nvSpPr>
-          <p:cNvPr id="213" name="Shape 213"/>
-          <p:cNvSpPr txBox="1">
-            <a:spLocks noGrp="1"/>
-          </p:cNvSpPr>
-          <p:nvPr>
-            <p:ph type="title"/>
-          </p:nvPr>
-        </p:nvSpPr>
-        <p:spPr>
-          <a:xfrm>
-            <a:off x="235974" y="0"/>
-            <a:ext cx="16020026" cy="2286000"/>
-          </a:xfrm>
-          <a:prstGeom prst="rect">
-            <a:avLst/>
-          </a:prstGeom>
-          <a:noFill/>
-          <a:ln>
-            <a:noFill/>
-          </a:ln>
-        </p:spPr>
-        <p:txBody>
-          <a:bodyPr lIns="50800" tIns="50800" rIns="50800" bIns="50800" anchor="ctr" anchorCtr="0">
-            <a:noAutofit/>
-          </a:bodyPr>
-          <a:lstStyle/>
-          <a:p>
-            <a:pPr lvl="0">
-              <a:buClr>
-                <a:srgbClr val="00FF00"/>
-              </a:buClr>
-              <a:buSzPct val="25000"/>
-            </a:pPr>
-            <a:r>
-              <a:rPr lang="ru-RU" sz="7800" dirty="0">
-                <a:solidFill>
-                  <a:srgbClr val="00FF00"/>
-                </a:solidFill>
-                <a:latin typeface="Cabin"/>
-                <a:ea typeface="Cabin"/>
-                <a:cs typeface="Cabin"/>
-                <a:sym typeface="Cabin"/>
-              </a:rPr>
-              <a:t>Перегрузка арифметических операторов</a:t>
-            </a:r>
-            <a:endParaRPr lang="en-US" sz="7800" dirty="0">
-              <a:solidFill>
-                <a:srgbClr val="00FF00"/>
-              </a:solidFill>
-              <a:latin typeface="Cabin"/>
-              <a:ea typeface="Cabin"/>
-              <a:cs typeface="Cabin"/>
-              <a:sym typeface="Cabin"/>
-            </a:endParaRPr>
-          </a:p>
-        </p:txBody>
-      </p:sp>
-      <p:sp>
-        <p:nvSpPr>
-          <p:cNvPr id="4" name="Содержимое 1"/>
-          <p:cNvSpPr txBox="1">
-            <a:spLocks/>
-          </p:cNvSpPr>
-          <p:nvPr/>
-        </p:nvSpPr>
-        <p:spPr>
-          <a:xfrm>
-            <a:off x="1035447" y="2286000"/>
-            <a:ext cx="13958371" cy="6526218"/>
-          </a:xfrm>
-          <a:prstGeom prst="rect">
-            <a:avLst/>
-          </a:prstGeom>
-          <a:noFill/>
-          <a:ln>
-            <a:noFill/>
-          </a:ln>
-        </p:spPr>
-        <p:txBody>
-          <a:bodyPr lIns="91425" tIns="91425" rIns="91425" bIns="91425" anchor="ctr" anchorCtr="0">
-            <a:noAutofit/>
-          </a:bodyPr>
-          <a:lstStyle>
-            <a:defPPr marR="0" lvl="0" algn="l" rtl="0">
-              <a:lnSpc>
-                <a:spcPct val="100000"/>
-              </a:lnSpc>
-              <a:spcBef>
-                <a:spcPts val="0"/>
-              </a:spcBef>
-              <a:spcAft>
-                <a:spcPts val="0"/>
-              </a:spcAft>
-            </a:defPPr>
-            <a:lvl1pPr marL="1054100" marR="0" lvl="0" indent="-374776" algn="l" rtl="0">
-              <a:lnSpc>
-                <a:spcPct val="100000"/>
-              </a:lnSpc>
-              <a:spcBef>
-                <a:spcPts val="2300"/>
-              </a:spcBef>
-              <a:spcAft>
-                <a:spcPts val="0"/>
-              </a:spcAft>
-              <a:buClr>
-                <a:schemeClr val="lt1"/>
-              </a:buClr>
-              <a:buFont typeface="Cabin"/>
-              <a:buChar char="•"/>
-              <a:defRPr sz="1400" b="0" i="0" u="none" strike="noStrike" cap="none">
-                <a:solidFill>
-                  <a:srgbClr val="000000"/>
-                </a:solidFill>
-                <a:latin typeface="Arial"/>
-                <a:ea typeface="Arial"/>
-                <a:cs typeface="Arial"/>
-                <a:sym typeface="Arial"/>
-              </a:defRPr>
-            </a:lvl1pPr>
-            <a:lvl2pPr marL="1498600" marR="0" lvl="1" indent="-374776" algn="l" rtl="0">
-              <a:lnSpc>
-                <a:spcPct val="100000"/>
-              </a:lnSpc>
-              <a:spcBef>
-                <a:spcPts val="2300"/>
-              </a:spcBef>
-              <a:spcAft>
-                <a:spcPts val="0"/>
-              </a:spcAft>
-              <a:buClr>
-                <a:schemeClr val="lt1"/>
-              </a:buClr>
-              <a:buFont typeface="Cabin"/>
-              <a:buChar char="•"/>
-              <a:defRPr sz="1400" b="0" i="0" u="none" strike="noStrike" cap="none">
-                <a:solidFill>
-                  <a:srgbClr val="000000"/>
-                </a:solidFill>
-                <a:latin typeface="Arial"/>
-                <a:ea typeface="Arial"/>
-                <a:cs typeface="Arial"/>
-                <a:sym typeface="Arial"/>
-              </a:defRPr>
-            </a:lvl2pPr>
-            <a:lvl3pPr marL="1943100" marR="0" lvl="2" indent="-374776" algn="l" rtl="0">
-              <a:lnSpc>
-                <a:spcPct val="100000"/>
-              </a:lnSpc>
-              <a:spcBef>
-                <a:spcPts val="2300"/>
-              </a:spcBef>
-              <a:spcAft>
-                <a:spcPts val="0"/>
-              </a:spcAft>
-              <a:buClr>
-                <a:schemeClr val="lt1"/>
-              </a:buClr>
-              <a:buFont typeface="Cabin"/>
-              <a:buChar char="•"/>
-              <a:defRPr sz="1400" b="0" i="0" u="none" strike="noStrike" cap="none">
-                <a:solidFill>
-                  <a:srgbClr val="000000"/>
-                </a:solidFill>
-                <a:latin typeface="Arial"/>
-                <a:ea typeface="Arial"/>
-                <a:cs typeface="Arial"/>
-                <a:sym typeface="Arial"/>
-              </a:defRPr>
-            </a:lvl3pPr>
-            <a:lvl4pPr marL="2387600" marR="0" lvl="3" indent="-374776" algn="l" rtl="0">
-              <a:lnSpc>
-                <a:spcPct val="100000"/>
-              </a:lnSpc>
-              <a:spcBef>
-                <a:spcPts val="2300"/>
-              </a:spcBef>
-              <a:spcAft>
-                <a:spcPts val="0"/>
-              </a:spcAft>
-              <a:buClr>
-                <a:schemeClr val="lt1"/>
-              </a:buClr>
-              <a:buFont typeface="Cabin"/>
-              <a:buChar char="•"/>
-              <a:defRPr sz="1400" b="0" i="0" u="none" strike="noStrike" cap="none">
-                <a:solidFill>
-                  <a:srgbClr val="000000"/>
-                </a:solidFill>
-                <a:latin typeface="Arial"/>
-                <a:ea typeface="Arial"/>
-                <a:cs typeface="Arial"/>
-                <a:sym typeface="Arial"/>
-              </a:defRPr>
-            </a:lvl4pPr>
-            <a:lvl5pPr marL="2832100" marR="0" lvl="4" indent="-374776" algn="l" rtl="0">
-              <a:lnSpc>
-                <a:spcPct val="100000"/>
-              </a:lnSpc>
-              <a:spcBef>
-                <a:spcPts val="2300"/>
-              </a:spcBef>
-              <a:spcAft>
-                <a:spcPts val="0"/>
-              </a:spcAft>
-              <a:buClr>
-                <a:schemeClr val="lt1"/>
-              </a:buClr>
-              <a:buFont typeface="Cabin"/>
-              <a:buChar char="•"/>
-              <a:defRPr sz="1400" b="0" i="0" u="none" strike="noStrike" cap="none">
-                <a:solidFill>
-                  <a:srgbClr val="000000"/>
-                </a:solidFill>
-                <a:latin typeface="Arial"/>
-                <a:ea typeface="Arial"/>
-                <a:cs typeface="Arial"/>
-                <a:sym typeface="Arial"/>
-              </a:defRPr>
-            </a:lvl5pPr>
-            <a:lvl6pPr marL="3289300" marR="0" lvl="5" indent="-374776" algn="l" rtl="0">
-              <a:lnSpc>
-                <a:spcPct val="100000"/>
-              </a:lnSpc>
-              <a:spcBef>
-                <a:spcPts val="2300"/>
-              </a:spcBef>
-              <a:spcAft>
-                <a:spcPts val="0"/>
-              </a:spcAft>
-              <a:buClr>
-                <a:schemeClr val="lt1"/>
-              </a:buClr>
-              <a:buFont typeface="Cabin"/>
-              <a:buChar char="•"/>
-              <a:defRPr sz="1400" b="0" i="0" u="none" strike="noStrike" cap="none">
-                <a:solidFill>
-                  <a:srgbClr val="000000"/>
-                </a:solidFill>
-                <a:latin typeface="Arial"/>
-                <a:ea typeface="Arial"/>
-                <a:cs typeface="Arial"/>
-                <a:sym typeface="Arial"/>
-              </a:defRPr>
-            </a:lvl6pPr>
-            <a:lvl7pPr marL="3746500" marR="0" lvl="6" indent="-374777" algn="l" rtl="0">
-              <a:lnSpc>
-                <a:spcPct val="100000"/>
-              </a:lnSpc>
-              <a:spcBef>
-                <a:spcPts val="2300"/>
-              </a:spcBef>
-              <a:spcAft>
-                <a:spcPts val="0"/>
-              </a:spcAft>
-              <a:buClr>
-                <a:schemeClr val="lt1"/>
-              </a:buClr>
-              <a:buFont typeface="Cabin"/>
-              <a:buChar char="•"/>
-              <a:defRPr sz="1400" b="0" i="0" u="none" strike="noStrike" cap="none">
-                <a:solidFill>
-                  <a:srgbClr val="000000"/>
-                </a:solidFill>
-                <a:latin typeface="Arial"/>
-                <a:ea typeface="Arial"/>
-                <a:cs typeface="Arial"/>
-                <a:sym typeface="Arial"/>
-              </a:defRPr>
-            </a:lvl7pPr>
-            <a:lvl8pPr marL="4203700" marR="0" lvl="7" indent="-374777" algn="l" rtl="0">
-              <a:lnSpc>
-                <a:spcPct val="100000"/>
-              </a:lnSpc>
-              <a:spcBef>
-                <a:spcPts val="2300"/>
-              </a:spcBef>
-              <a:spcAft>
-                <a:spcPts val="0"/>
-              </a:spcAft>
-              <a:buClr>
-                <a:schemeClr val="lt1"/>
-              </a:buClr>
-              <a:buFont typeface="Cabin"/>
-              <a:buChar char="•"/>
-              <a:defRPr sz="1400" b="0" i="0" u="none" strike="noStrike" cap="none">
-                <a:solidFill>
-                  <a:srgbClr val="000000"/>
-                </a:solidFill>
-                <a:latin typeface="Arial"/>
-                <a:ea typeface="Arial"/>
-                <a:cs typeface="Arial"/>
-                <a:sym typeface="Arial"/>
-              </a:defRPr>
-            </a:lvl8pPr>
-            <a:lvl9pPr marL="4660900" marR="0" lvl="8" indent="-374777" algn="l" rtl="0">
-              <a:lnSpc>
-                <a:spcPct val="100000"/>
-              </a:lnSpc>
-              <a:spcBef>
-                <a:spcPts val="2300"/>
-              </a:spcBef>
-              <a:spcAft>
-                <a:spcPts val="0"/>
-              </a:spcAft>
-              <a:buClr>
-                <a:schemeClr val="lt1"/>
-              </a:buClr>
-              <a:buFont typeface="Cabin"/>
-              <a:buChar char="•"/>
-              <a:defRPr sz="1400" b="0" i="0" u="none" strike="noStrike" cap="none">
-                <a:solidFill>
-                  <a:srgbClr val="000000"/>
-                </a:solidFill>
-                <a:latin typeface="Arial"/>
-                <a:ea typeface="Arial"/>
-                <a:cs typeface="Arial"/>
-                <a:sym typeface="Arial"/>
-              </a:defRPr>
-            </a:lvl9pPr>
-          </a:lstStyle>
-          <a:p>
-            <a:pPr marL="679324" indent="0">
-              <a:buNone/>
-            </a:pPr>
-            <a:r>
-              <a:rPr lang="en-US" sz="3200" dirty="0">
-                <a:solidFill>
-                  <a:srgbClr val="7030A0"/>
-                </a:solidFill>
-              </a:rPr>
-              <a:t>__add__(self, other) - </a:t>
-            </a:r>
-            <a:r>
-              <a:rPr lang="ru-RU" sz="3200" dirty="0">
-                <a:solidFill>
-                  <a:schemeClr val="bg2"/>
-                </a:solidFill>
-              </a:rPr>
-              <a:t>сложение. </a:t>
-            </a:r>
-            <a:r>
-              <a:rPr lang="en-US" sz="3200" dirty="0">
-                <a:solidFill>
-                  <a:schemeClr val="bg2"/>
-                </a:solidFill>
-              </a:rPr>
-              <a:t>x + y </a:t>
-            </a:r>
-            <a:r>
-              <a:rPr lang="ru-RU" sz="3200" dirty="0">
-                <a:solidFill>
-                  <a:schemeClr val="bg2"/>
-                </a:solidFill>
-              </a:rPr>
-              <a:t>вызывает </a:t>
-            </a:r>
-            <a:r>
-              <a:rPr lang="en-US" sz="3200" dirty="0" err="1">
-                <a:solidFill>
-                  <a:schemeClr val="bg2"/>
-                </a:solidFill>
-              </a:rPr>
-              <a:t>x.__add</a:t>
-            </a:r>
-            <a:r>
-              <a:rPr lang="en-US" sz="3200" dirty="0">
-                <a:solidFill>
-                  <a:schemeClr val="bg2"/>
-                </a:solidFill>
-              </a:rPr>
-              <a:t>__(y).</a:t>
-            </a:r>
-          </a:p>
-          <a:p>
-            <a:pPr marL="679324" indent="0">
-              <a:buNone/>
-            </a:pPr>
-            <a:r>
-              <a:rPr lang="en-US" sz="3200" dirty="0" smtClean="0">
-                <a:solidFill>
-                  <a:srgbClr val="7030A0"/>
-                </a:solidFill>
-              </a:rPr>
-              <a:t>__</a:t>
-            </a:r>
-            <a:r>
-              <a:rPr lang="en-US" sz="3200" dirty="0">
-                <a:solidFill>
-                  <a:srgbClr val="7030A0"/>
-                </a:solidFill>
-              </a:rPr>
-              <a:t>sub__(self, other) - </a:t>
-            </a:r>
-            <a:r>
-              <a:rPr lang="ru-RU" sz="3200" dirty="0">
-                <a:solidFill>
-                  <a:schemeClr val="bg2"/>
-                </a:solidFill>
-              </a:rPr>
-              <a:t>вычитание (</a:t>
-            </a:r>
-            <a:r>
-              <a:rPr lang="en-US" sz="3200" dirty="0">
-                <a:solidFill>
-                  <a:schemeClr val="bg2"/>
-                </a:solidFill>
-              </a:rPr>
-              <a:t>x - y).</a:t>
-            </a:r>
-          </a:p>
-          <a:p>
-            <a:pPr marL="679324" indent="0">
-              <a:buNone/>
-            </a:pPr>
-            <a:r>
-              <a:rPr lang="en-US" sz="3200" dirty="0" smtClean="0">
-                <a:solidFill>
-                  <a:srgbClr val="7030A0"/>
-                </a:solidFill>
-              </a:rPr>
-              <a:t>__</a:t>
-            </a:r>
-            <a:r>
-              <a:rPr lang="en-US" sz="3200" dirty="0" err="1">
-                <a:solidFill>
-                  <a:srgbClr val="7030A0"/>
-                </a:solidFill>
-              </a:rPr>
-              <a:t>mul</a:t>
-            </a:r>
-            <a:r>
-              <a:rPr lang="en-US" sz="3200" dirty="0">
-                <a:solidFill>
-                  <a:srgbClr val="7030A0"/>
-                </a:solidFill>
-              </a:rPr>
-              <a:t>__(self, other) - </a:t>
-            </a:r>
-            <a:r>
-              <a:rPr lang="ru-RU" sz="3200" dirty="0">
-                <a:solidFill>
-                  <a:schemeClr val="bg2"/>
-                </a:solidFill>
-              </a:rPr>
-              <a:t>умножение (</a:t>
-            </a:r>
-            <a:r>
-              <a:rPr lang="en-US" sz="3200" dirty="0">
-                <a:solidFill>
-                  <a:schemeClr val="bg2"/>
-                </a:solidFill>
-              </a:rPr>
-              <a:t>x * y).</a:t>
-            </a:r>
-          </a:p>
-          <a:p>
-            <a:pPr marL="679324" indent="0">
-              <a:buNone/>
-            </a:pPr>
-            <a:r>
-              <a:rPr lang="en-US" sz="3200" dirty="0" smtClean="0">
-                <a:solidFill>
-                  <a:srgbClr val="7030A0"/>
-                </a:solidFill>
-              </a:rPr>
-              <a:t>__</a:t>
-            </a:r>
-            <a:r>
-              <a:rPr lang="en-US" sz="3200" dirty="0" err="1">
-                <a:solidFill>
-                  <a:srgbClr val="7030A0"/>
-                </a:solidFill>
-              </a:rPr>
-              <a:t>truediv</a:t>
-            </a:r>
-            <a:r>
-              <a:rPr lang="en-US" sz="3200" dirty="0">
-                <a:solidFill>
-                  <a:srgbClr val="7030A0"/>
-                </a:solidFill>
-              </a:rPr>
-              <a:t>__(self, other) - </a:t>
-            </a:r>
-            <a:r>
-              <a:rPr lang="ru-RU" sz="3200" dirty="0">
-                <a:solidFill>
-                  <a:schemeClr val="bg2"/>
-                </a:solidFill>
-              </a:rPr>
-              <a:t>деление (</a:t>
-            </a:r>
-            <a:r>
-              <a:rPr lang="en-US" sz="3200" dirty="0">
-                <a:solidFill>
-                  <a:schemeClr val="bg2"/>
-                </a:solidFill>
-              </a:rPr>
-              <a:t>x / y).</a:t>
-            </a:r>
-          </a:p>
-          <a:p>
-            <a:pPr marL="679324" indent="0">
-              <a:buNone/>
-            </a:pPr>
-            <a:r>
-              <a:rPr lang="en-US" sz="3200" dirty="0" smtClean="0">
-                <a:solidFill>
-                  <a:srgbClr val="7030A0"/>
-                </a:solidFill>
-              </a:rPr>
-              <a:t>__</a:t>
-            </a:r>
-            <a:r>
-              <a:rPr lang="en-US" sz="3200" dirty="0" err="1">
-                <a:solidFill>
-                  <a:srgbClr val="7030A0"/>
-                </a:solidFill>
-              </a:rPr>
-              <a:t>floordiv</a:t>
-            </a:r>
-            <a:r>
-              <a:rPr lang="en-US" sz="3200" dirty="0">
-                <a:solidFill>
-                  <a:srgbClr val="7030A0"/>
-                </a:solidFill>
-              </a:rPr>
-              <a:t>__(self, other) - </a:t>
-            </a:r>
-            <a:r>
-              <a:rPr lang="ru-RU" sz="3200" dirty="0">
-                <a:solidFill>
-                  <a:schemeClr val="bg2"/>
-                </a:solidFill>
-              </a:rPr>
-              <a:t>целочисленное деление (</a:t>
-            </a:r>
-            <a:r>
-              <a:rPr lang="en-US" sz="3200" dirty="0">
-                <a:solidFill>
-                  <a:schemeClr val="bg2"/>
-                </a:solidFill>
-              </a:rPr>
-              <a:t>x // y).</a:t>
-            </a:r>
-          </a:p>
-          <a:p>
-            <a:pPr marL="679324" indent="0">
-              <a:buNone/>
-            </a:pPr>
-            <a:r>
-              <a:rPr lang="en-US" sz="3200" dirty="0" smtClean="0">
-                <a:solidFill>
-                  <a:srgbClr val="7030A0"/>
-                </a:solidFill>
-              </a:rPr>
-              <a:t>__</a:t>
-            </a:r>
-            <a:r>
-              <a:rPr lang="en-US" sz="3200" dirty="0">
-                <a:solidFill>
-                  <a:srgbClr val="7030A0"/>
-                </a:solidFill>
-              </a:rPr>
-              <a:t>mod__(self, other) - </a:t>
-            </a:r>
-            <a:r>
-              <a:rPr lang="ru-RU" sz="3200" dirty="0">
-                <a:solidFill>
-                  <a:schemeClr val="bg2"/>
-                </a:solidFill>
-              </a:rPr>
-              <a:t>остаток от деления (</a:t>
-            </a:r>
-            <a:r>
-              <a:rPr lang="en-US" sz="3200" dirty="0">
-                <a:solidFill>
-                  <a:schemeClr val="bg2"/>
-                </a:solidFill>
-              </a:rPr>
-              <a:t>x % y).</a:t>
-            </a:r>
-          </a:p>
-          <a:p>
-            <a:pPr marL="679324" indent="0">
-              <a:buNone/>
-            </a:pPr>
-            <a:r>
-              <a:rPr lang="en-US" sz="3200" dirty="0" smtClean="0">
-                <a:solidFill>
-                  <a:srgbClr val="7030A0"/>
-                </a:solidFill>
-              </a:rPr>
-              <a:t>__</a:t>
-            </a:r>
-            <a:r>
-              <a:rPr lang="en-US" sz="3200" dirty="0" err="1">
-                <a:solidFill>
-                  <a:srgbClr val="7030A0"/>
-                </a:solidFill>
-              </a:rPr>
-              <a:t>divmod</a:t>
-            </a:r>
-            <a:r>
-              <a:rPr lang="en-US" sz="3200" dirty="0">
-                <a:solidFill>
-                  <a:srgbClr val="7030A0"/>
-                </a:solidFill>
-              </a:rPr>
-              <a:t>__(self, other) - </a:t>
-            </a:r>
-            <a:r>
-              <a:rPr lang="ru-RU" sz="3200" dirty="0">
-                <a:solidFill>
-                  <a:schemeClr val="bg2"/>
-                </a:solidFill>
-              </a:rPr>
-              <a:t>частное и остаток (</a:t>
-            </a:r>
-            <a:r>
-              <a:rPr lang="en-US" sz="3200" dirty="0" err="1">
-                <a:solidFill>
-                  <a:schemeClr val="bg2"/>
-                </a:solidFill>
-              </a:rPr>
-              <a:t>divmod</a:t>
-            </a:r>
-            <a:r>
-              <a:rPr lang="en-US" sz="3200" dirty="0">
-                <a:solidFill>
-                  <a:schemeClr val="bg2"/>
-                </a:solidFill>
-              </a:rPr>
-              <a:t>(x, y)).</a:t>
-            </a:r>
-          </a:p>
-          <a:p>
-            <a:pPr marL="679324" indent="0">
-              <a:buNone/>
-            </a:pPr>
-            <a:r>
-              <a:rPr lang="en-US" sz="3200" dirty="0" smtClean="0">
-                <a:solidFill>
-                  <a:srgbClr val="7030A0"/>
-                </a:solidFill>
-              </a:rPr>
-              <a:t>__</a:t>
-            </a:r>
-            <a:r>
-              <a:rPr lang="en-US" sz="3200" dirty="0">
-                <a:solidFill>
-                  <a:srgbClr val="7030A0"/>
-                </a:solidFill>
-              </a:rPr>
-              <a:t>pow__(self, other[, modulo]) - </a:t>
-            </a:r>
-            <a:r>
-              <a:rPr lang="ru-RU" sz="3200" dirty="0">
-                <a:solidFill>
-                  <a:schemeClr val="bg2"/>
-                </a:solidFill>
-              </a:rPr>
-              <a:t>возведение в степень (</a:t>
-            </a:r>
-            <a:r>
-              <a:rPr lang="en-US" sz="3200" dirty="0">
-                <a:solidFill>
-                  <a:schemeClr val="bg2"/>
-                </a:solidFill>
-              </a:rPr>
-              <a:t>x ** y, pow(x, y[, modulo])).</a:t>
-            </a:r>
-          </a:p>
-        </p:txBody>
-      </p:sp>
-    </p:spTree>
-    <p:extLst>
-      <p:ext uri="{BB962C8B-B14F-4D97-AF65-F5344CB8AC3E}">
-        <p14:creationId xmlns:p14="http://schemas.microsoft.com/office/powerpoint/2010/main" val="457197625"/>
-      </p:ext>
-    </p:extLst>
-  </p:cSld>
-  <p:clrMapOvr>
-    <a:masterClrMapping/>
-  </p:clrMapOvr>
-  <p:timing>
-    <p:tnLst>
-      <p:par>
-        <p:cTn id="1" dur="indefinite" restart="never" nodeType="tmRoot"/>
-      </p:par>
-    </p:tnLst>
-  </p:timing>
-</p:sld>
-</file>
-
-<file path=ppt/slides/slide31.xml><?xml version="1.0" encoding="utf-8"?>
 <p:sld xmlns:a="http://schemas.openxmlformats.org/drawingml/2006/main" xmlns:r="http://schemas.openxmlformats.org/officeDocument/2006/relationships" xmlns:p="http://schemas.openxmlformats.org/presentationml/2006/main">
   <p:cSld>
     <p:bg>

--- a/week08/oop.pptx
+++ b/week08/oop.pptx
@@ -41,7 +41,7 @@
   <p:notesSz cx="6858000" cy="9144000"/>
   <p:embeddedFontLst>
     <p:embeddedFont>
-      <p:font typeface="Cabin" charset="0"/>
+      <p:font typeface="Cabin" panose="020B0604020202020204" charset="0"/>
       <p:regular r:id="rId31"/>
       <p:bold r:id="rId32"/>
       <p:italic r:id="rId33"/>
@@ -252,7 +252,7 @@
   </p:defaultTextStyle>
   <p:extLst>
     <p:ext uri="{EFAFB233-063F-42B5-8137-9DF3F51BA10A}">
-      <p15:sldGuideLst xmlns="" xmlns:p15="http://schemas.microsoft.com/office/powerpoint/2012/main">
+      <p15:sldGuideLst xmlns:p15="http://schemas.microsoft.com/office/powerpoint/2012/main" xmlns="">
         <p15:guide id="1" orient="horz" pos="2880">
           <p15:clr>
             <a:srgbClr val="A4A3A4"/>
@@ -13946,15 +13946,23 @@
                   <a:schemeClr val="tx1"/>
                 </a:solidFill>
               </a:rPr>
-              <a:t>Лекция 1</a:t>
-            </a:r>
-            <a:r>
-              <a:rPr lang="en-US" sz="3200" dirty="0">
+              <a:t>Лекция </a:t>
+            </a:r>
+            <a:r>
+              <a:rPr lang="ru-RU" sz="3200" dirty="0" smtClean="0">
                 <a:solidFill>
                   <a:schemeClr val="tx1"/>
                 </a:solidFill>
               </a:rPr>
-              <a:t>2</a:t>
+              <a:t>1</a:t>
+            </a:r>
+            <a:r>
+              <a:rPr lang="en-US" sz="3200" smtClean="0">
+                <a:solidFill>
+                  <a:schemeClr val="tx1"/>
+                </a:solidFill>
+              </a:rPr>
+              <a:t>3</a:t>
             </a:r>
             <a:endParaRPr lang="ru-RU" sz="3200" dirty="0">
               <a:solidFill>

--- a/week08/oop.pptx
+++ b/week08/oop.pptx
@@ -7,7 +7,7 @@
     <p:sldMasterId id="2147483731" r:id="rId3"/>
   </p:sldMasterIdLst>
   <p:notesMasterIdLst>
-    <p:notesMasterId r:id="rId30"/>
+    <p:notesMasterId r:id="rId29"/>
   </p:notesMasterIdLst>
   <p:sldIdLst>
     <p:sldId id="285" r:id="rId4"/>
@@ -35,17 +35,16 @@
     <p:sldId id="390" r:id="rId26"/>
     <p:sldId id="391" r:id="rId27"/>
     <p:sldId id="392" r:id="rId28"/>
-    <p:sldId id="389" r:id="rId29"/>
   </p:sldIdLst>
   <p:sldSz cx="16256000" cy="9144000"/>
   <p:notesSz cx="6858000" cy="9144000"/>
   <p:embeddedFontLst>
     <p:embeddedFont>
       <p:font typeface="Cabin" panose="020B0604020202020204" charset="0"/>
-      <p:regular r:id="rId31"/>
-      <p:bold r:id="rId32"/>
-      <p:italic r:id="rId33"/>
-      <p:boldItalic r:id="rId34"/>
+      <p:regular r:id="rId30"/>
+      <p:bold r:id="rId31"/>
+      <p:italic r:id="rId32"/>
+      <p:boldItalic r:id="rId33"/>
     </p:embeddedFont>
   </p:embeddedFontLst>
   <p:defaultTextStyle>
@@ -252,7 +251,7 @@
   </p:defaultTextStyle>
   <p:extLst>
     <p:ext uri="{EFAFB233-063F-42B5-8137-9DF3F51BA10A}">
-      <p15:sldGuideLst xmlns:p15="http://schemas.microsoft.com/office/powerpoint/2012/main" xmlns="">
+      <p15:sldGuideLst xmlns:p15="http://schemas.microsoft.com/office/powerpoint/2012/main">
         <p15:guide id="1" orient="horz" pos="2880">
           <p15:clr>
             <a:srgbClr val="A4A3A4"/>
@@ -2180,116 +2179,6 @@
     <p:extLst>
       <p:ext uri="{BB962C8B-B14F-4D97-AF65-F5344CB8AC3E}">
         <p14:creationId xmlns:p14="http://schemas.microsoft.com/office/powerpoint/2010/main" val="1743984940"/>
-      </p:ext>
-    </p:extLst>
-  </p:cSld>
-  <p:clrMapOvr>
-    <a:masterClrMapping/>
-  </p:clrMapOvr>
-</p:notes>
-</file>
-
-<file path=ppt/notesSlides/notesSlide23.xml><?xml version="1.0" encoding="utf-8"?>
-<p:notes xmlns:a="http://schemas.openxmlformats.org/drawingml/2006/main" xmlns:r="http://schemas.openxmlformats.org/officeDocument/2006/relationships" xmlns:p="http://schemas.openxmlformats.org/presentationml/2006/main" showMasterSp="0" showMasterPhAnim="0">
-  <p:cSld>
-    <p:spTree>
-      <p:nvGrpSpPr>
-        <p:cNvPr id="1" name="Shape 209"/>
-        <p:cNvGrpSpPr/>
-        <p:nvPr/>
-      </p:nvGrpSpPr>
-      <p:grpSpPr>
-        <a:xfrm>
-          <a:off x="0" y="0"/>
-          <a:ext cx="0" cy="0"/>
-          <a:chOff x="0" y="0"/>
-          <a:chExt cx="0" cy="0"/>
-        </a:xfrm>
-      </p:grpSpPr>
-      <p:sp>
-        <p:nvSpPr>
-          <p:cNvPr id="210" name="Shape 210"/>
-          <p:cNvSpPr txBox="1">
-            <a:spLocks noGrp="1"/>
-          </p:cNvSpPr>
-          <p:nvPr>
-            <p:ph type="body" idx="1"/>
-          </p:nvPr>
-        </p:nvSpPr>
-        <p:spPr>
-          <a:xfrm>
-            <a:off x="685800" y="4343400"/>
-            <a:ext cx="5486399" cy="4114800"/>
-          </a:xfrm>
-          <a:prstGeom prst="rect">
-            <a:avLst/>
-          </a:prstGeom>
-          <a:noFill/>
-          <a:ln>
-            <a:noFill/>
-          </a:ln>
-        </p:spPr>
-        <p:txBody>
-          <a:bodyPr lIns="91425" tIns="91425" rIns="91425" bIns="91425" anchor="ctr" anchorCtr="0">
-            <a:noAutofit/>
-          </a:bodyPr>
-          <a:lstStyle/>
-          <a:p>
-            <a:pPr lvl="0">
-              <a:spcBef>
-                <a:spcPts val="0"/>
-              </a:spcBef>
-              <a:buNone/>
-            </a:pPr>
-            <a:endParaRPr/>
-          </a:p>
-        </p:txBody>
-      </p:sp>
-      <p:sp>
-        <p:nvSpPr>
-          <p:cNvPr id="211" name="Shape 211"/>
-          <p:cNvSpPr>
-            <a:spLocks noGrp="1" noRot="1" noChangeAspect="1"/>
-          </p:cNvSpPr>
-          <p:nvPr>
-            <p:ph type="sldImg" idx="2"/>
-          </p:nvPr>
-        </p:nvSpPr>
-        <p:spPr>
-          <a:xfrm>
-            <a:off x="381000" y="685800"/>
-            <a:ext cx="6096000" cy="3429000"/>
-          </a:xfrm>
-          <a:custGeom>
-            <a:avLst/>
-            <a:gdLst/>
-            <a:ahLst/>
-            <a:cxnLst/>
-            <a:rect l="0" t="0" r="0" b="0"/>
-            <a:pathLst>
-              <a:path w="120000" h="120000" extrusionOk="0">
-                <a:moveTo>
-                  <a:pt x="0" y="0"/>
-                </a:moveTo>
-                <a:lnTo>
-                  <a:pt x="120000" y="0"/>
-                </a:lnTo>
-                <a:lnTo>
-                  <a:pt x="120000" y="120000"/>
-                </a:lnTo>
-                <a:lnTo>
-                  <a:pt x="0" y="120000"/>
-                </a:lnTo>
-                <a:close/>
-              </a:path>
-            </a:pathLst>
-          </a:custGeom>
-        </p:spPr>
-      </p:sp>
-    </p:spTree>
-    <p:extLst>
-      <p:ext uri="{BB962C8B-B14F-4D97-AF65-F5344CB8AC3E}">
-        <p14:creationId xmlns:p14="http://schemas.microsoft.com/office/powerpoint/2010/main" val="3889601490"/>
       </p:ext>
     </p:extLst>
   </p:cSld>
@@ -13946,15 +13835,7 @@
                   <a:schemeClr val="tx1"/>
                 </a:solidFill>
               </a:rPr>
-              <a:t>Лекция </a:t>
-            </a:r>
-            <a:r>
-              <a:rPr lang="ru-RU" sz="3200" dirty="0" smtClean="0">
-                <a:solidFill>
-                  <a:schemeClr val="tx1"/>
-                </a:solidFill>
-              </a:rPr>
-              <a:t>1</a:t>
+              <a:t>Лекция 1</a:t>
             </a:r>
             <a:r>
               <a:rPr lang="en-US" sz="3200" smtClean="0">
@@ -37284,209 +37165,6 @@
             </p:seq>
           </p:childTnLst>
         </p:cTn>
-      </p:par>
-    </p:tnLst>
-  </p:timing>
-</p:sld>
-</file>
-
-<file path=ppt/slides/slide26.xml><?xml version="1.0" encoding="utf-8"?>
-<p:sld xmlns:a="http://schemas.openxmlformats.org/drawingml/2006/main" xmlns:r="http://schemas.openxmlformats.org/officeDocument/2006/relationships" xmlns:p="http://schemas.openxmlformats.org/presentationml/2006/main">
-  <p:cSld>
-    <p:bg>
-      <p:bgPr>
-        <a:solidFill>
-          <a:schemeClr val="bg1"/>
-        </a:solidFill>
-        <a:effectLst/>
-      </p:bgPr>
-    </p:bg>
-    <p:spTree>
-      <p:nvGrpSpPr>
-        <p:cNvPr id="1" name="Shape 212"/>
-        <p:cNvGrpSpPr/>
-        <p:nvPr/>
-      </p:nvGrpSpPr>
-      <p:grpSpPr>
-        <a:xfrm>
-          <a:off x="0" y="0"/>
-          <a:ext cx="0" cy="0"/>
-          <a:chOff x="0" y="0"/>
-          <a:chExt cx="0" cy="0"/>
-        </a:xfrm>
-      </p:grpSpPr>
-      <p:sp>
-        <p:nvSpPr>
-          <p:cNvPr id="213" name="Shape 213"/>
-          <p:cNvSpPr txBox="1">
-            <a:spLocks noGrp="1"/>
-          </p:cNvSpPr>
-          <p:nvPr>
-            <p:ph type="title"/>
-          </p:nvPr>
-        </p:nvSpPr>
-        <p:spPr>
-          <a:xfrm>
-            <a:off x="235974" y="0"/>
-            <a:ext cx="16020026" cy="2286000"/>
-          </a:xfrm>
-          <a:prstGeom prst="rect">
-            <a:avLst/>
-          </a:prstGeom>
-          <a:noFill/>
-          <a:ln>
-            <a:noFill/>
-          </a:ln>
-        </p:spPr>
-        <p:txBody>
-          <a:bodyPr lIns="50800" tIns="50800" rIns="50800" bIns="50800" anchor="ctr" anchorCtr="0">
-            <a:noAutofit/>
-          </a:bodyPr>
-          <a:lstStyle/>
-          <a:p>
-            <a:pPr lvl="0">
-              <a:buClr>
-                <a:srgbClr val="00FF00"/>
-              </a:buClr>
-              <a:buSzPct val="25000"/>
-            </a:pPr>
-            <a:r>
-              <a:rPr lang="ru-RU" sz="7800" dirty="0" smtClean="0">
-                <a:solidFill>
-                  <a:srgbClr val="00FF00"/>
-                </a:solidFill>
-                <a:latin typeface="Cabin"/>
-                <a:ea typeface="Cabin"/>
-                <a:cs typeface="Cabin"/>
-                <a:sym typeface="Cabin"/>
-              </a:rPr>
-              <a:t>Другие магические методы</a:t>
-            </a:r>
-            <a:endParaRPr lang="en-US" sz="7800" dirty="0">
-              <a:solidFill>
-                <a:srgbClr val="00FF00"/>
-              </a:solidFill>
-              <a:latin typeface="Cabin"/>
-              <a:ea typeface="Cabin"/>
-              <a:cs typeface="Cabin"/>
-              <a:sym typeface="Cabin"/>
-            </a:endParaRPr>
-          </a:p>
-        </p:txBody>
-      </p:sp>
-      <p:sp>
-        <p:nvSpPr>
-          <p:cNvPr id="2" name="Rectangle 1"/>
-          <p:cNvSpPr/>
-          <p:nvPr/>
-        </p:nvSpPr>
-        <p:spPr>
-          <a:xfrm>
-            <a:off x="1470613" y="3745735"/>
-            <a:ext cx="13550748" cy="3046988"/>
-          </a:xfrm>
-          <a:prstGeom prst="rect">
-            <a:avLst/>
-          </a:prstGeom>
-        </p:spPr>
-        <p:txBody>
-          <a:bodyPr wrap="square">
-            <a:spAutoFit/>
-          </a:bodyPr>
-          <a:lstStyle/>
-          <a:p>
-            <a:r>
-              <a:rPr lang="ru-RU" sz="3200" dirty="0" smtClean="0"/>
-              <a:t>Официальная документация</a:t>
-            </a:r>
-          </a:p>
-          <a:p>
-            <a:r>
-              <a:rPr lang="ru-RU" sz="3200" dirty="0" smtClean="0"/>
-              <a:t> </a:t>
-            </a:r>
-            <a:r>
-              <a:rPr lang="en-US" sz="3200" dirty="0" smtClean="0">
-                <a:hlinkClick r:id="rId3"/>
-              </a:rPr>
-              <a:t>https</a:t>
-            </a:r>
-            <a:r>
-              <a:rPr lang="en-US" sz="3200" dirty="0">
-                <a:hlinkClick r:id="rId3"/>
-              </a:rPr>
-              <a:t>://</a:t>
-            </a:r>
-            <a:r>
-              <a:rPr lang="en-US" sz="3200" dirty="0" smtClean="0">
-                <a:hlinkClick r:id="rId3"/>
-              </a:rPr>
-              <a:t>docs.python.org/3/reference/datamodel.html</a:t>
-            </a:r>
-            <a:endParaRPr lang="ru-RU" sz="3200" dirty="0" smtClean="0"/>
-          </a:p>
-          <a:p>
-            <a:endParaRPr lang="ru-RU" sz="3200" dirty="0"/>
-          </a:p>
-          <a:p>
-            <a:endParaRPr lang="ru-RU" sz="3200" dirty="0" smtClean="0"/>
-          </a:p>
-          <a:p>
-            <a:r>
-              <a:rPr lang="en-US" sz="3200" dirty="0">
-                <a:hlinkClick r:id="rId4"/>
-              </a:rPr>
-              <a:t>Python 3 </a:t>
-            </a:r>
-            <a:r>
-              <a:rPr lang="ru-RU" sz="3200" dirty="0">
-                <a:hlinkClick r:id="rId4"/>
-              </a:rPr>
-              <a:t>для </a:t>
-            </a:r>
-            <a:r>
-              <a:rPr lang="ru-RU" sz="3200" dirty="0" smtClean="0">
-                <a:hlinkClick r:id="rId4"/>
-              </a:rPr>
-              <a:t>начинающих</a:t>
-            </a:r>
-            <a:endParaRPr lang="ru-RU" sz="3200" dirty="0" smtClean="0"/>
-          </a:p>
-          <a:p>
-            <a:r>
-              <a:rPr lang="en-US" sz="3200" dirty="0">
-                <a:hlinkClick r:id="rId5"/>
-              </a:rPr>
-              <a:t>https://</a:t>
-            </a:r>
-            <a:r>
-              <a:rPr lang="en-US" sz="3200" dirty="0" smtClean="0">
-                <a:hlinkClick r:id="rId5"/>
-              </a:rPr>
-              <a:t>pythonworld.ru/osnovy/peregruzka-operatorov.html</a:t>
-            </a:r>
-            <a:r>
-              <a:rPr lang="ru-RU" sz="3200" dirty="0" smtClean="0"/>
-              <a:t>   </a:t>
-            </a:r>
-            <a:endParaRPr lang="ru-RU" sz="3200" dirty="0"/>
-          </a:p>
-        </p:txBody>
-      </p:sp>
-    </p:spTree>
-    <p:extLst>
-      <p:ext uri="{BB962C8B-B14F-4D97-AF65-F5344CB8AC3E}">
-        <p14:creationId xmlns:p14="http://schemas.microsoft.com/office/powerpoint/2010/main" val="2899551447"/>
-      </p:ext>
-    </p:extLst>
-  </p:cSld>
-  <p:clrMapOvr>
-    <a:masterClrMapping/>
-  </p:clrMapOvr>
-  <p:timing>
-    <p:tnLst>
-      <p:par>
-        <p:cTn id="1" dur="indefinite" restart="never" nodeType="tmRoot"/>
       </p:par>
     </p:tnLst>
   </p:timing>

--- a/week08/oop.pptx
+++ b/week08/oop.pptx
@@ -13790,19 +13790,15 @@
           <a:lstStyle/>
           <a:p>
             <a:r>
-              <a:rPr lang="ru-RU" sz="4800" dirty="0" smtClean="0"/>
+              <a:rPr lang="ru-RU" sz="4800" dirty="0"/>
               <a:t>Программирование на </a:t>
             </a:r>
             <a:r>
-              <a:rPr lang="ru-RU" sz="4800" dirty="0" err="1" smtClean="0"/>
+              <a:rPr lang="ru-RU" sz="4800" dirty="0" err="1"/>
               <a:t>Python</a:t>
             </a:r>
-            <a:r>
-              <a:rPr lang="ru-RU" dirty="0" smtClean="0"/>
-              <a:t/>
-            </a:r>
             <a:br>
-              <a:rPr lang="ru-RU" dirty="0" smtClean="0"/>
+              <a:rPr lang="ru-RU" dirty="0"/>
             </a:br>
             <a:endParaRPr lang="ru-RU" dirty="0"/>
           </a:p>
@@ -13830,7 +13826,7 @@
           <a:lstStyle/>
           <a:p>
             <a:r>
-              <a:rPr lang="ru-RU" sz="3200" dirty="0" smtClean="0">
+              <a:rPr lang="ru-RU" sz="3200" dirty="0">
                 <a:solidFill>
                   <a:schemeClr val="tx1"/>
                 </a:solidFill>
@@ -13838,7 +13834,7 @@
               <a:t>Лекция 1</a:t>
             </a:r>
             <a:r>
-              <a:rPr lang="en-US" sz="3200" smtClean="0">
+              <a:rPr lang="en-US" sz="3200">
                 <a:solidFill>
                   <a:schemeClr val="tx1"/>
                 </a:solidFill>
@@ -13854,7 +13850,7 @@
           <a:p>
             <a:pPr lvl="0"/>
             <a:r>
-              <a:rPr lang="ru-RU" sz="3200" dirty="0" smtClean="0">
+              <a:rPr lang="ru-RU" sz="3200" dirty="0">
                 <a:solidFill>
                   <a:schemeClr val="tx1"/>
                 </a:solidFill>
@@ -13874,13 +13870,6 @@
   <p:clrMapOvr>
     <a:masterClrMapping/>
   </p:clrMapOvr>
-  <p:timing>
-    <p:tnLst>
-      <p:par>
-        <p:cTn id="1" dur="indefinite" restart="never" nodeType="tmRoot"/>
-      </p:par>
-    </p:tnLst>
-  </p:timing>
 </p:sld>
 </file>
 
@@ -13945,7 +13934,7 @@
               <a:buSzPct val="25000"/>
             </a:pPr>
             <a:r>
-              <a:rPr lang="ru-RU" sz="7800" dirty="0" smtClean="0">
+              <a:rPr lang="ru-RU" sz="7800" dirty="0">
                 <a:solidFill>
                   <a:srgbClr val="00FF00"/>
                 </a:solidFill>
@@ -13957,7 +13946,7 @@
               <a:t>Пример класса</a:t>
             </a:r>
             <a:r>
-              <a:rPr lang="en-US" sz="7800" dirty="0" smtClean="0">
+              <a:rPr lang="en-US" sz="7800" dirty="0">
                 <a:solidFill>
                   <a:srgbClr val="00FF00"/>
                 </a:solidFill>
@@ -13968,15 +13957,6 @@
               </a:rPr>
               <a:t> Car</a:t>
             </a:r>
-            <a:endParaRPr lang="en-US" sz="7800" dirty="0">
-              <a:solidFill>
-                <a:srgbClr val="00FF00"/>
-              </a:solidFill>
-              <a:latin typeface="Cabin"/>
-              <a:ea typeface="Cabin"/>
-              <a:cs typeface="Cabin"/>
-              <a:sym typeface="Cabin"/>
-            </a:endParaRPr>
           </a:p>
         </p:txBody>
       </p:sp>
@@ -14210,7 +14190,7 @@
               </a:buClr>
             </a:pPr>
             <a:r>
-              <a:rPr lang="en-US" sz="3200" b="1" dirty="0" smtClean="0">
+              <a:rPr lang="en-US" sz="3200" b="1" dirty="0">
                 <a:solidFill>
                   <a:srgbClr val="F6640A"/>
                 </a:solidFill>
@@ -14220,14 +14200,14 @@
               <a:t>class</a:t>
             </a:r>
             <a:r>
-              <a:rPr lang="en-US" sz="3200" b="1" dirty="0" smtClean="0">
+              <a:rPr lang="en-US" sz="3200" b="1" dirty="0">
                 <a:latin typeface="Courier New" pitchFamily="49" charset="0"/>
                 <a:cs typeface="Courier New" pitchFamily="49" charset="0"/>
               </a:rPr>
               <a:t> </a:t>
             </a:r>
             <a:r>
-              <a:rPr lang="en-US" sz="3200" b="1" dirty="0" smtClean="0">
+              <a:rPr lang="en-US" sz="3200" b="1" dirty="0">
                 <a:solidFill>
                   <a:srgbClr val="00B050"/>
                 </a:solidFill>
@@ -14237,14 +14217,14 @@
               <a:t>Car</a:t>
             </a:r>
             <a:r>
-              <a:rPr lang="en-US" sz="3200" b="1" dirty="0" smtClean="0">
+              <a:rPr lang="en-US" sz="3200" b="1" dirty="0">
                 <a:latin typeface="Courier New" pitchFamily="49" charset="0"/>
                 <a:cs typeface="Courier New" pitchFamily="49" charset="0"/>
               </a:rPr>
               <a:t>(</a:t>
             </a:r>
             <a:r>
-              <a:rPr lang="en-US" sz="3200" b="1" dirty="0" smtClean="0">
+              <a:rPr lang="en-US" sz="3200" b="1" dirty="0">
                 <a:solidFill>
                   <a:srgbClr val="7030A0"/>
                 </a:solidFill>
@@ -14254,7 +14234,7 @@
               <a:t>object</a:t>
             </a:r>
             <a:r>
-              <a:rPr lang="en-US" sz="3200" b="1" dirty="0" smtClean="0">
+              <a:rPr lang="en-US" sz="3200" b="1" dirty="0">
                 <a:latin typeface="Courier New" pitchFamily="49" charset="0"/>
                 <a:cs typeface="Courier New" pitchFamily="49" charset="0"/>
               </a:rPr>
@@ -14268,14 +14248,14 @@
               </a:buClr>
             </a:pPr>
             <a:r>
-              <a:rPr lang="en-US" sz="3200" b="1" dirty="0" smtClean="0">
+              <a:rPr lang="en-US" sz="3200" b="1" dirty="0">
                 <a:latin typeface="Courier New" pitchFamily="49" charset="0"/>
                 <a:cs typeface="Courier New" pitchFamily="49" charset="0"/>
               </a:rPr>
               <a:t>	color = "</a:t>
             </a:r>
             <a:r>
-              <a:rPr lang="en-US" sz="3200" b="1" dirty="0" smtClean="0">
+              <a:rPr lang="en-US" sz="3200" b="1" dirty="0">
                 <a:solidFill>
                   <a:srgbClr val="FF0000"/>
                 </a:solidFill>
@@ -14285,28 +14265,28 @@
               <a:t>red</a:t>
             </a:r>
             <a:r>
-              <a:rPr lang="en-US" sz="3200" b="1" dirty="0" smtClean="0">
+              <a:rPr lang="en-US" sz="3200" b="1" dirty="0">
                 <a:latin typeface="Courier New" pitchFamily="49" charset="0"/>
                 <a:cs typeface="Courier New" pitchFamily="49" charset="0"/>
               </a:rPr>
               <a:t>" </a:t>
             </a:r>
             <a:r>
-              <a:rPr lang="uk-UA" sz="3200" b="1" dirty="0" smtClean="0">
+              <a:rPr lang="uk-UA" sz="3200" b="1" dirty="0">
                 <a:latin typeface="Courier New" pitchFamily="49" charset="0"/>
                 <a:cs typeface="Courier New" pitchFamily="49" charset="0"/>
               </a:rPr>
               <a:t> </a:t>
             </a:r>
             <a:r>
-              <a:rPr lang="en-US" sz="3200" b="1" dirty="0" smtClean="0">
+              <a:rPr lang="en-US" sz="3200" b="1" dirty="0">
                 <a:latin typeface="Courier New" pitchFamily="49" charset="0"/>
                 <a:cs typeface="Courier New" pitchFamily="49" charset="0"/>
               </a:rPr>
               <a:t>   </a:t>
             </a:r>
             <a:r>
-              <a:rPr lang="en-US" sz="3200" b="1" dirty="0" smtClean="0">
+              <a:rPr lang="en-US" sz="3200" b="1" dirty="0">
                 <a:solidFill>
                   <a:schemeClr val="bg1">
                     <a:lumMod val="50000"/>
@@ -14318,7 +14298,7 @@
               <a:t>#</a:t>
             </a:r>
             <a:r>
-              <a:rPr lang="ru-RU" sz="3200" b="1" dirty="0" smtClean="0">
+              <a:rPr lang="ru-RU" sz="3200" b="1" dirty="0">
                 <a:solidFill>
                   <a:schemeClr val="bg1">
                     <a:lumMod val="50000"/>
@@ -14329,7 +14309,7 @@
               </a:rPr>
               <a:t> переменная класса (атрибут)</a:t>
             </a:r>
-            <a:endParaRPr lang="en-US" sz="3200" b="1" dirty="0" smtClean="0">
+            <a:endParaRPr lang="en-US" sz="3200" b="1" dirty="0">
               <a:latin typeface="Courier New" pitchFamily="49" charset="0"/>
               <a:cs typeface="Courier New" pitchFamily="49" charset="0"/>
             </a:endParaRPr>
@@ -14340,7 +14320,7 @@
                 <a:schemeClr val="tx1"/>
               </a:buClr>
             </a:pPr>
-            <a:endParaRPr lang="en-US" sz="3200" b="1" dirty="0" smtClean="0">
+            <a:endParaRPr lang="en-US" sz="3200" b="1" dirty="0">
               <a:latin typeface="Courier New" pitchFamily="49" charset="0"/>
               <a:cs typeface="Courier New" pitchFamily="49" charset="0"/>
             </a:endParaRPr>
@@ -14352,7 +14332,7 @@
               </a:buClr>
             </a:pPr>
             <a:r>
-              <a:rPr lang="en-US" sz="3200" b="1" dirty="0" smtClean="0">
+              <a:rPr lang="en-US" sz="3200" b="1" dirty="0">
                 <a:solidFill>
                   <a:srgbClr val="F6640A"/>
                 </a:solidFill>
@@ -14362,7 +14342,7 @@
               <a:t>	</a:t>
             </a:r>
             <a:r>
-              <a:rPr lang="en-US" sz="3200" b="1" dirty="0" err="1" smtClean="0">
+              <a:rPr lang="en-US" sz="3200" b="1" dirty="0" err="1">
                 <a:solidFill>
                   <a:srgbClr val="F6640A"/>
                 </a:solidFill>
@@ -14372,14 +14352,14 @@
               <a:t>def</a:t>
             </a:r>
             <a:r>
-              <a:rPr lang="en-US" sz="3200" b="1" dirty="0" smtClean="0">
+              <a:rPr lang="en-US" sz="3200" b="1" dirty="0">
                 <a:latin typeface="Courier New" pitchFamily="49" charset="0"/>
                 <a:cs typeface="Courier New" pitchFamily="49" charset="0"/>
               </a:rPr>
               <a:t> </a:t>
             </a:r>
             <a:r>
-              <a:rPr lang="en-US" sz="3200" b="1" dirty="0" smtClean="0">
+              <a:rPr lang="en-US" sz="3200" b="1" dirty="0">
                 <a:solidFill>
                   <a:srgbClr val="00B050"/>
                 </a:solidFill>
@@ -14389,14 +14369,14 @@
               <a:t>info</a:t>
             </a:r>
             <a:r>
-              <a:rPr lang="en-US" sz="3200" b="1" dirty="0" smtClean="0">
+              <a:rPr lang="en-US" sz="3200" b="1" dirty="0">
                 <a:latin typeface="Courier New" pitchFamily="49" charset="0"/>
                 <a:cs typeface="Courier New" pitchFamily="49" charset="0"/>
               </a:rPr>
               <a:t>(</a:t>
             </a:r>
             <a:r>
-              <a:rPr lang="en-US" sz="3200" b="1" dirty="0" smtClean="0">
+              <a:rPr lang="en-US" sz="3200" b="1" dirty="0">
                 <a:solidFill>
                   <a:srgbClr val="7030A0"/>
                 </a:solidFill>
@@ -14406,14 +14386,14 @@
               <a:t>self</a:t>
             </a:r>
             <a:r>
-              <a:rPr lang="en-US" sz="3200" b="1" dirty="0" smtClean="0">
+              <a:rPr lang="en-US" sz="3200" b="1" dirty="0">
                 <a:latin typeface="Courier New" pitchFamily="49" charset="0"/>
                 <a:cs typeface="Courier New" pitchFamily="49" charset="0"/>
               </a:rPr>
               <a:t>):    </a:t>
             </a:r>
             <a:r>
-              <a:rPr lang="en-US" sz="3200" b="1" dirty="0" smtClean="0">
+              <a:rPr lang="en-US" sz="3200" b="1" dirty="0">
                 <a:solidFill>
                   <a:schemeClr val="bg1">
                     <a:lumMod val="50000"/>
@@ -14425,7 +14405,7 @@
               <a:t># </a:t>
             </a:r>
             <a:r>
-              <a:rPr lang="ru-RU" sz="3200" b="1" dirty="0" smtClean="0">
+              <a:rPr lang="ru-RU" sz="3200" b="1" dirty="0">
                 <a:solidFill>
                   <a:schemeClr val="bg1">
                     <a:lumMod val="50000"/>
@@ -14436,7 +14416,7 @@
               </a:rPr>
               <a:t>метод класса</a:t>
             </a:r>
-            <a:endParaRPr lang="en-US" sz="3200" b="1" dirty="0" smtClean="0">
+            <a:endParaRPr lang="en-US" sz="3200" b="1" dirty="0">
               <a:latin typeface="Courier New" pitchFamily="49" charset="0"/>
               <a:cs typeface="Courier New" pitchFamily="49" charset="0"/>
             </a:endParaRPr>
@@ -14448,7 +14428,7 @@
               </a:buClr>
             </a:pPr>
             <a:r>
-              <a:rPr lang="en-US" sz="3200" b="1" dirty="0" smtClean="0">
+              <a:rPr lang="en-US" sz="3200" b="1" dirty="0">
                 <a:solidFill>
                   <a:srgbClr val="F6640A"/>
                 </a:solidFill>
@@ -14458,14 +14438,14 @@
               <a:t>		print</a:t>
             </a:r>
             <a:r>
-              <a:rPr lang="en-US" sz="3200" b="1" dirty="0" smtClean="0">
+              <a:rPr lang="en-US" sz="3200" b="1" dirty="0">
                 <a:latin typeface="Courier New" pitchFamily="49" charset="0"/>
                 <a:cs typeface="Courier New" pitchFamily="49" charset="0"/>
               </a:rPr>
               <a:t> (</a:t>
             </a:r>
             <a:r>
-              <a:rPr lang="en-US" sz="3200" b="1" dirty="0" err="1" smtClean="0">
+              <a:rPr lang="en-US" sz="3200" b="1" dirty="0" err="1">
                 <a:solidFill>
                   <a:srgbClr val="7030A0"/>
                 </a:solidFill>
@@ -14475,14 +14455,14 @@
               <a:t>self</a:t>
             </a:r>
             <a:r>
-              <a:rPr lang="en-US" sz="3200" b="1" dirty="0" err="1" smtClean="0">
+              <a:rPr lang="en-US" sz="3200" b="1" dirty="0" err="1">
                 <a:latin typeface="Courier New" pitchFamily="49" charset="0"/>
                 <a:cs typeface="Courier New" pitchFamily="49" charset="0"/>
               </a:rPr>
               <a:t>.color</a:t>
             </a:r>
             <a:r>
-              <a:rPr lang="en-US" sz="3200" b="1" dirty="0" smtClean="0">
+              <a:rPr lang="en-US" sz="3200" b="1" dirty="0">
                 <a:latin typeface="Courier New" pitchFamily="49" charset="0"/>
                 <a:cs typeface="Courier New" pitchFamily="49" charset="0"/>
               </a:rPr>
@@ -14495,7 +14475,7 @@
                 <a:schemeClr val="tx1"/>
               </a:buClr>
             </a:pPr>
-            <a:endParaRPr lang="en-US" sz="3200" b="1" dirty="0" smtClean="0">
+            <a:endParaRPr lang="en-US" sz="3200" b="1" dirty="0">
               <a:latin typeface="Courier New" pitchFamily="49" charset="0"/>
               <a:cs typeface="Courier New" pitchFamily="49" charset="0"/>
             </a:endParaRPr>
@@ -14507,21 +14487,21 @@
               </a:buClr>
             </a:pPr>
             <a:r>
-              <a:rPr lang="en-US" sz="3200" b="1" dirty="0" err="1" smtClean="0">
+              <a:rPr lang="en-US" sz="3200" b="1" dirty="0" err="1">
                 <a:latin typeface="Courier New" pitchFamily="49" charset="0"/>
                 <a:cs typeface="Courier New" pitchFamily="49" charset="0"/>
               </a:rPr>
               <a:t>ferrary</a:t>
             </a:r>
             <a:r>
-              <a:rPr lang="en-US" sz="3200" b="1" dirty="0" smtClean="0">
+              <a:rPr lang="en-US" sz="3200" b="1" dirty="0">
                 <a:latin typeface="Courier New" pitchFamily="49" charset="0"/>
                 <a:cs typeface="Courier New" pitchFamily="49" charset="0"/>
               </a:rPr>
               <a:t> = </a:t>
             </a:r>
             <a:r>
-              <a:rPr lang="en-US" sz="3200" b="1" dirty="0" smtClean="0">
+              <a:rPr lang="en-US" sz="3200" b="1" dirty="0">
                 <a:solidFill>
                   <a:srgbClr val="00B050"/>
                 </a:solidFill>
@@ -14531,7 +14511,7 @@
               <a:t>Car()</a:t>
             </a:r>
             <a:r>
-              <a:rPr lang="ru-RU" sz="3200" b="1" dirty="0" smtClean="0">
+              <a:rPr lang="ru-RU" sz="3200" b="1" dirty="0">
                 <a:solidFill>
                   <a:srgbClr val="00B050"/>
                 </a:solidFill>
@@ -14541,7 +14521,7 @@
               <a:t> 		</a:t>
             </a:r>
             <a:r>
-              <a:rPr lang="en-US" sz="3200" b="1" dirty="0" smtClean="0">
+              <a:rPr lang="en-US" sz="3200" b="1" dirty="0">
                 <a:solidFill>
                   <a:schemeClr val="bg1">
                     <a:lumMod val="50000"/>
@@ -14553,7 +14533,7 @@
               <a:t># </a:t>
             </a:r>
             <a:r>
-              <a:rPr lang="uk-UA" sz="3200" b="1" dirty="0" err="1" smtClean="0">
+              <a:rPr lang="uk-UA" sz="3200" b="1" dirty="0" err="1">
                 <a:solidFill>
                   <a:schemeClr val="bg1">
                     <a:lumMod val="50000"/>
@@ -14565,7 +14545,7 @@
               <a:t>создание</a:t>
             </a:r>
             <a:r>
-              <a:rPr lang="uk-UA" sz="3200" b="1" dirty="0" smtClean="0">
+              <a:rPr lang="uk-UA" sz="3200" b="1" dirty="0">
                 <a:solidFill>
                   <a:schemeClr val="bg1">
                     <a:lumMod val="50000"/>
@@ -14577,7 +14557,7 @@
               <a:t> об</a:t>
             </a:r>
             <a:r>
-              <a:rPr lang="ru-RU" sz="3200" b="1" dirty="0" err="1" smtClean="0">
+              <a:rPr lang="ru-RU" sz="3200" b="1" dirty="0" err="1">
                 <a:solidFill>
                   <a:schemeClr val="bg1">
                     <a:lumMod val="50000"/>
@@ -14588,7 +14568,7 @@
               </a:rPr>
               <a:t>ъекта</a:t>
             </a:r>
-            <a:endParaRPr lang="en-US" sz="3200" b="1" dirty="0" smtClean="0">
+            <a:endParaRPr lang="en-US" sz="3200" b="1" dirty="0">
               <a:solidFill>
                 <a:srgbClr val="00B050"/>
               </a:solidFill>
@@ -14602,7 +14582,7 @@
                 <a:schemeClr val="tx1"/>
               </a:buClr>
             </a:pPr>
-            <a:endParaRPr lang="en-US" sz="3200" b="1" dirty="0" smtClean="0">
+            <a:endParaRPr lang="en-US" sz="3200" b="1" dirty="0">
               <a:latin typeface="Courier New" pitchFamily="49" charset="0"/>
               <a:cs typeface="Courier New" pitchFamily="49" charset="0"/>
             </a:endParaRPr>
@@ -14614,7 +14594,7 @@
               </a:buClr>
             </a:pPr>
             <a:r>
-              <a:rPr lang="en-US" sz="3200" b="1" dirty="0" smtClean="0">
+              <a:rPr lang="en-US" sz="3200" b="1" dirty="0">
                 <a:solidFill>
                   <a:srgbClr val="F6640A"/>
                 </a:solidFill>
@@ -14624,14 +14604,14 @@
               <a:t>print</a:t>
             </a:r>
             <a:r>
-              <a:rPr lang="en-US" sz="3200" b="1" dirty="0" smtClean="0">
+              <a:rPr lang="en-US" sz="3200" b="1" dirty="0">
                 <a:latin typeface="Courier New" pitchFamily="49" charset="0"/>
                 <a:cs typeface="Courier New" pitchFamily="49" charset="0"/>
               </a:rPr>
               <a:t> </a:t>
             </a:r>
             <a:r>
-              <a:rPr lang="ru-RU" sz="3200" b="1" dirty="0" smtClean="0">
+              <a:rPr lang="ru-RU" sz="3200" b="1" dirty="0">
                 <a:latin typeface="Courier New" pitchFamily="49" charset="0"/>
                 <a:cs typeface="Courier New" pitchFamily="49" charset="0"/>
               </a:rPr>
@@ -14642,31 +14622,24 @@
                 <a:latin typeface="Courier New" pitchFamily="49" charset="0"/>
                 <a:cs typeface="Courier New" pitchFamily="49" charset="0"/>
               </a:rPr>
-              <a:t>ferrary</a:t>
-            </a:r>
-            <a:r>
-              <a:rPr lang="en-US" sz="3200" b="1" dirty="0" err="1" smtClean="0">
-                <a:latin typeface="Courier New" pitchFamily="49" charset="0"/>
-                <a:cs typeface="Courier New" pitchFamily="49" charset="0"/>
-              </a:rPr>
-              <a:t>.color</a:t>
-            </a:r>
-            <a:r>
-              <a:rPr lang="ru-RU" sz="3200" b="1" dirty="0" smtClean="0">
+              <a:t>ferrary.color</a:t>
+            </a:r>
+            <a:r>
+              <a:rPr lang="ru-RU" sz="3200" b="1" dirty="0">
                 <a:latin typeface="Courier New" pitchFamily="49" charset="0"/>
                 <a:cs typeface="Courier New" pitchFamily="49" charset="0"/>
               </a:rPr>
               <a:t>)</a:t>
             </a:r>
             <a:r>
-              <a:rPr lang="en-US" sz="3200" b="1" dirty="0" smtClean="0">
+              <a:rPr lang="en-US" sz="3200" b="1" dirty="0">
                 <a:latin typeface="Courier New" pitchFamily="49" charset="0"/>
                 <a:cs typeface="Courier New" pitchFamily="49" charset="0"/>
               </a:rPr>
               <a:t> </a:t>
             </a:r>
             <a:r>
-              <a:rPr lang="en-US" sz="3200" b="1" dirty="0" smtClean="0">
+              <a:rPr lang="en-US" sz="3200" b="1" dirty="0">
                 <a:solidFill>
                   <a:schemeClr val="bg1">
                     <a:lumMod val="50000"/>
@@ -14684,7 +14657,7 @@
                 <a:schemeClr val="tx1"/>
               </a:buClr>
             </a:pPr>
-            <a:endParaRPr lang="en-US" sz="3200" b="1" dirty="0" smtClean="0">
+            <a:endParaRPr lang="en-US" sz="3200" b="1" dirty="0">
               <a:latin typeface="Courier New" pitchFamily="49" charset="0"/>
               <a:cs typeface="Courier New" pitchFamily="49" charset="0"/>
             </a:endParaRPr>
@@ -14696,7 +14669,7 @@
               </a:buClr>
             </a:pPr>
             <a:r>
-              <a:rPr lang="en-US" sz="3200" b="1" dirty="0" smtClean="0">
+              <a:rPr lang="en-US" sz="3200" b="1" dirty="0">
                 <a:latin typeface="Courier New" pitchFamily="49" charset="0"/>
                 <a:cs typeface="Courier New" pitchFamily="49" charset="0"/>
               </a:rPr>
@@ -14713,21 +14686,21 @@
               <a:t>info()</a:t>
             </a:r>
             <a:r>
-              <a:rPr lang="en-US" sz="3200" b="1" dirty="0" smtClean="0">
+              <a:rPr lang="en-US" sz="3200" b="1" dirty="0">
                 <a:latin typeface="Courier New" pitchFamily="49" charset="0"/>
                 <a:cs typeface="Courier New" pitchFamily="49" charset="0"/>
               </a:rPr>
               <a:t> </a:t>
             </a:r>
             <a:r>
-              <a:rPr lang="uk-UA" sz="3200" b="1" dirty="0" smtClean="0">
+              <a:rPr lang="uk-UA" sz="3200" b="1" dirty="0">
                 <a:latin typeface="Courier New" pitchFamily="49" charset="0"/>
                 <a:cs typeface="Courier New" pitchFamily="49" charset="0"/>
               </a:rPr>
               <a:t>       </a:t>
             </a:r>
             <a:r>
-              <a:rPr lang="en-US" sz="3200" b="1" dirty="0" smtClean="0">
+              <a:rPr lang="en-US" sz="3200" b="1" dirty="0">
                 <a:solidFill>
                   <a:schemeClr val="bg1">
                     <a:lumMod val="50000"/>
@@ -14804,17 +14777,10 @@
                 <a:latin typeface="Courier New" pitchFamily="49" charset="0"/>
                 <a:cs typeface="Courier New" pitchFamily="49" charset="0"/>
               </a:rPr>
-              <a:t> </a:t>
-            </a:r>
-            <a:r>
-              <a:rPr lang="en-US" sz="3200" b="1" dirty="0" smtClean="0">
-                <a:latin typeface="Courier New" pitchFamily="49" charset="0"/>
-                <a:cs typeface="Courier New" pitchFamily="49" charset="0"/>
-              </a:rPr>
-              <a:t>    </a:t>
-            </a:r>
-            <a:r>
-              <a:rPr lang="en-US" sz="3200" b="1" dirty="0" smtClean="0">
+              <a:t>     </a:t>
+            </a:r>
+            <a:r>
+              <a:rPr lang="en-US" sz="3200" b="1" dirty="0">
                 <a:solidFill>
                   <a:schemeClr val="bg1">
                     <a:lumMod val="50000"/>
@@ -14860,23 +14826,15 @@
           <a:p>
             <a:r>
               <a:rPr lang="ru-RU" sz="2000" dirty="0"/>
-              <a:t>У связанного метода первый аргумент уже зафиксирован </a:t>
-            </a:r>
-            <a:r>
-              <a:rPr lang="ru-RU" sz="2000" dirty="0" smtClean="0"/>
-              <a:t>и</a:t>
-            </a:r>
-            <a:r>
-              <a:rPr lang="en-US" sz="2000" dirty="0" smtClean="0"/>
+              <a:t>У связанного метода первый аргумент уже зафиксирован и</a:t>
+            </a:r>
+            <a:r>
+              <a:rPr lang="en-US" sz="2000" dirty="0"/>
               <a:t> </a:t>
             </a:r>
             <a:r>
-              <a:rPr lang="ru-RU" sz="2000" dirty="0" smtClean="0"/>
-              <a:t>равен </a:t>
-            </a:r>
-            <a:r>
               <a:rPr lang="ru-RU" sz="2000" dirty="0"/>
-              <a:t>соответствующему экземпляру</a:t>
+              <a:t>равен соответствующему экземпляру</a:t>
             </a:r>
           </a:p>
         </p:txBody>
@@ -15497,19 +15455,7 @@
                 <a:cs typeface="Cabin"/>
                 <a:sym typeface="Cabin"/>
               </a:rPr>
-              <a:t>Данные </a:t>
-            </a:r>
-            <a:r>
-              <a:rPr lang="ru-RU" sz="7800" dirty="0" smtClean="0">
-                <a:solidFill>
-                  <a:srgbClr val="00FF00"/>
-                </a:solidFill>
-                <a:latin typeface="Cabin"/>
-                <a:ea typeface="Cabin"/>
-                <a:cs typeface="Cabin"/>
-                <a:sym typeface="Cabin"/>
-              </a:rPr>
-              <a:t>класса</a:t>
+              <a:t>Данные класса</a:t>
             </a:r>
             <a:endParaRPr lang="en-US" sz="7800" dirty="0">
               <a:solidFill>
@@ -15753,7 +15699,7 @@
               </a:buClr>
             </a:pPr>
             <a:r>
-              <a:rPr lang="en-US" sz="3200" b="1" dirty="0" smtClean="0">
+              <a:rPr lang="en-US" sz="3200" b="1" dirty="0">
                 <a:solidFill>
                   <a:srgbClr val="F6640A"/>
                 </a:solidFill>
@@ -15763,14 +15709,14 @@
               <a:t>class</a:t>
             </a:r>
             <a:r>
-              <a:rPr lang="en-US" sz="3200" b="1" dirty="0" smtClean="0">
+              <a:rPr lang="en-US" sz="3200" b="1" dirty="0">
                 <a:latin typeface="Courier New" pitchFamily="49" charset="0"/>
                 <a:cs typeface="Courier New" pitchFamily="49" charset="0"/>
               </a:rPr>
               <a:t> </a:t>
             </a:r>
             <a:r>
-              <a:rPr lang="en-US" sz="3200" b="1" dirty="0" smtClean="0">
+              <a:rPr lang="en-US" sz="3200" b="1" dirty="0">
                 <a:solidFill>
                   <a:srgbClr val="00B050"/>
                 </a:solidFill>
@@ -15780,14 +15726,14 @@
               <a:t>Car</a:t>
             </a:r>
             <a:r>
-              <a:rPr lang="en-US" sz="3200" b="1" dirty="0" smtClean="0">
+              <a:rPr lang="en-US" sz="3200" b="1" dirty="0">
                 <a:latin typeface="Courier New" pitchFamily="49" charset="0"/>
                 <a:cs typeface="Courier New" pitchFamily="49" charset="0"/>
               </a:rPr>
               <a:t>(</a:t>
             </a:r>
             <a:r>
-              <a:rPr lang="en-US" sz="3200" b="1" dirty="0" smtClean="0">
+              <a:rPr lang="en-US" sz="3200" b="1" dirty="0">
                 <a:solidFill>
                   <a:srgbClr val="7030A0"/>
                 </a:solidFill>
@@ -15797,7 +15743,7 @@
               <a:t>object</a:t>
             </a:r>
             <a:r>
-              <a:rPr lang="en-US" sz="3200" b="1" dirty="0" smtClean="0">
+              <a:rPr lang="en-US" sz="3200" b="1" dirty="0">
                 <a:latin typeface="Courier New" pitchFamily="49" charset="0"/>
                 <a:cs typeface="Courier New" pitchFamily="49" charset="0"/>
               </a:rPr>
@@ -15811,21 +15757,21 @@
               </a:buClr>
             </a:pPr>
             <a:r>
-              <a:rPr lang="en-US" sz="3200" b="1" dirty="0" smtClean="0">
+              <a:rPr lang="en-US" sz="3200" b="1" dirty="0">
                 <a:latin typeface="Courier New" pitchFamily="49" charset="0"/>
                 <a:cs typeface="Courier New" pitchFamily="49" charset="0"/>
               </a:rPr>
               <a:t>	color = "red" </a:t>
             </a:r>
             <a:r>
-              <a:rPr lang="uk-UA" sz="3200" b="1" dirty="0" smtClean="0">
+              <a:rPr lang="uk-UA" sz="3200" b="1" dirty="0">
                 <a:latin typeface="Courier New" pitchFamily="49" charset="0"/>
                 <a:cs typeface="Courier New" pitchFamily="49" charset="0"/>
               </a:rPr>
               <a:t>  </a:t>
             </a:r>
             <a:r>
-              <a:rPr lang="en-US" sz="3200" b="1" dirty="0" smtClean="0">
+              <a:rPr lang="en-US" sz="3200" b="1" dirty="0">
                 <a:solidFill>
                   <a:schemeClr val="bg1">
                     <a:lumMod val="50000"/>
@@ -15837,7 +15783,7 @@
               <a:t>#</a:t>
             </a:r>
             <a:r>
-              <a:rPr lang="ru-RU" sz="3200" b="1" dirty="0" smtClean="0">
+              <a:rPr lang="ru-RU" sz="3200" b="1" dirty="0">
                 <a:solidFill>
                   <a:schemeClr val="bg1">
                     <a:lumMod val="50000"/>
@@ -15848,7 +15794,7 @@
               </a:rPr>
               <a:t> переменная класса (атрибут)</a:t>
             </a:r>
-            <a:endParaRPr lang="en-US" sz="3200" b="1" dirty="0" smtClean="0">
+            <a:endParaRPr lang="en-US" sz="3200" b="1" dirty="0">
               <a:latin typeface="Courier New" pitchFamily="49" charset="0"/>
               <a:cs typeface="Courier New" pitchFamily="49" charset="0"/>
             </a:endParaRPr>
@@ -15860,7 +15806,7 @@
               </a:buClr>
             </a:pPr>
             <a:r>
-              <a:rPr lang="en-US" sz="3200" b="1" dirty="0" smtClean="0">
+              <a:rPr lang="en-US" sz="3200" b="1" dirty="0">
                 <a:solidFill>
                   <a:srgbClr val="F6640A"/>
                 </a:solidFill>
@@ -15870,7 +15816,7 @@
               <a:t>	</a:t>
             </a:r>
             <a:r>
-              <a:rPr lang="en-US" sz="3200" b="1" dirty="0" err="1" smtClean="0">
+              <a:rPr lang="en-US" sz="3200" b="1" dirty="0" err="1">
                 <a:solidFill>
                   <a:srgbClr val="F6640A"/>
                 </a:solidFill>
@@ -15880,14 +15826,14 @@
               <a:t>def</a:t>
             </a:r>
             <a:r>
-              <a:rPr lang="en-US" sz="3200" b="1" dirty="0" smtClean="0">
+              <a:rPr lang="en-US" sz="3200" b="1" dirty="0">
                 <a:latin typeface="Courier New" pitchFamily="49" charset="0"/>
                 <a:cs typeface="Courier New" pitchFamily="49" charset="0"/>
               </a:rPr>
               <a:t> </a:t>
             </a:r>
             <a:r>
-              <a:rPr lang="en-US" sz="3200" b="1" dirty="0" smtClean="0">
+              <a:rPr lang="en-US" sz="3200" b="1" dirty="0">
                 <a:solidFill>
                   <a:srgbClr val="00B050"/>
                 </a:solidFill>
@@ -15897,14 +15843,14 @@
               <a:t>info</a:t>
             </a:r>
             <a:r>
-              <a:rPr lang="en-US" sz="3200" b="1" dirty="0" smtClean="0">
+              <a:rPr lang="en-US" sz="3200" b="1" dirty="0">
                 <a:latin typeface="Courier New" pitchFamily="49" charset="0"/>
                 <a:cs typeface="Courier New" pitchFamily="49" charset="0"/>
               </a:rPr>
               <a:t>(</a:t>
             </a:r>
             <a:r>
-              <a:rPr lang="en-US" sz="3200" b="1" dirty="0" smtClean="0">
+              <a:rPr lang="en-US" sz="3200" b="1" dirty="0">
                 <a:solidFill>
                   <a:srgbClr val="7030A0"/>
                 </a:solidFill>
@@ -15914,14 +15860,14 @@
               <a:t>self</a:t>
             </a:r>
             <a:r>
-              <a:rPr lang="en-US" sz="3200" b="1" dirty="0" smtClean="0">
+              <a:rPr lang="en-US" sz="3200" b="1" dirty="0">
                 <a:latin typeface="Courier New" pitchFamily="49" charset="0"/>
                 <a:cs typeface="Courier New" pitchFamily="49" charset="0"/>
               </a:rPr>
               <a:t>): </a:t>
             </a:r>
             <a:r>
-              <a:rPr lang="en-US" sz="3200" b="1" dirty="0" smtClean="0">
+              <a:rPr lang="en-US" sz="3200" b="1" dirty="0">
                 <a:solidFill>
                   <a:schemeClr val="bg1">
                     <a:lumMod val="50000"/>
@@ -15933,7 +15879,7 @@
               <a:t># </a:t>
             </a:r>
             <a:r>
-              <a:rPr lang="ru-RU" sz="3200" b="1" dirty="0" smtClean="0">
+              <a:rPr lang="ru-RU" sz="3200" b="1" dirty="0">
                 <a:solidFill>
                   <a:schemeClr val="bg1">
                     <a:lumMod val="50000"/>
@@ -15944,7 +15890,7 @@
               </a:rPr>
               <a:t>метод класса</a:t>
             </a:r>
-            <a:endParaRPr lang="en-US" sz="3200" b="1" dirty="0" smtClean="0">
+            <a:endParaRPr lang="en-US" sz="3200" b="1" dirty="0">
               <a:latin typeface="Courier New" pitchFamily="49" charset="0"/>
               <a:cs typeface="Courier New" pitchFamily="49" charset="0"/>
             </a:endParaRPr>
@@ -15956,7 +15902,7 @@
               </a:buClr>
             </a:pPr>
             <a:r>
-              <a:rPr lang="en-US" sz="3200" b="1" dirty="0" smtClean="0">
+              <a:rPr lang="en-US" sz="3200" b="1" dirty="0">
                 <a:solidFill>
                   <a:srgbClr val="F6640A"/>
                 </a:solidFill>
@@ -15966,14 +15912,14 @@
               <a:t>		print</a:t>
             </a:r>
             <a:r>
-              <a:rPr lang="en-US" sz="3200" b="1" dirty="0" smtClean="0">
+              <a:rPr lang="en-US" sz="3200" b="1" dirty="0">
                 <a:latin typeface="Courier New" pitchFamily="49" charset="0"/>
                 <a:cs typeface="Courier New" pitchFamily="49" charset="0"/>
               </a:rPr>
               <a:t> (</a:t>
             </a:r>
             <a:r>
-              <a:rPr lang="en-US" sz="3200" b="1" dirty="0" err="1" smtClean="0">
+              <a:rPr lang="en-US" sz="3200" b="1" dirty="0" err="1">
                 <a:solidFill>
                   <a:srgbClr val="7030A0"/>
                 </a:solidFill>
@@ -15983,14 +15929,14 @@
               <a:t>self</a:t>
             </a:r>
             <a:r>
-              <a:rPr lang="en-US" sz="3200" b="1" dirty="0" err="1" smtClean="0">
+              <a:rPr lang="en-US" sz="3200" b="1" dirty="0" err="1">
                 <a:latin typeface="Courier New" pitchFamily="49" charset="0"/>
                 <a:cs typeface="Courier New" pitchFamily="49" charset="0"/>
               </a:rPr>
               <a:t>.color</a:t>
             </a:r>
             <a:r>
-              <a:rPr lang="en-US" sz="3200" b="1" dirty="0" smtClean="0">
+              <a:rPr lang="en-US" sz="3200" b="1" dirty="0">
                 <a:latin typeface="Courier New" pitchFamily="49" charset="0"/>
                 <a:cs typeface="Courier New" pitchFamily="49" charset="0"/>
               </a:rPr>
@@ -16003,7 +15949,7 @@
                 <a:schemeClr val="tx1"/>
               </a:buClr>
             </a:pPr>
-            <a:endParaRPr lang="en-US" sz="3200" b="1" dirty="0" smtClean="0">
+            <a:endParaRPr lang="en-US" sz="3200" b="1" dirty="0">
               <a:latin typeface="Courier New" pitchFamily="49" charset="0"/>
               <a:cs typeface="Courier New" pitchFamily="49" charset="0"/>
             </a:endParaRPr>
@@ -16015,121 +15961,18 @@
               </a:buClr>
             </a:pPr>
             <a:r>
-              <a:rPr lang="en-US" sz="3200" b="1" dirty="0" err="1" smtClean="0">
+              <a:rPr lang="en-US" sz="3200" b="1" dirty="0" err="1">
                 <a:latin typeface="Courier New" pitchFamily="49" charset="0"/>
                 <a:cs typeface="Courier New" pitchFamily="49" charset="0"/>
               </a:rPr>
               <a:t>ferrary</a:t>
             </a:r>
             <a:r>
-              <a:rPr lang="en-US" sz="3200" b="1" dirty="0" smtClean="0">
+              <a:rPr lang="en-US" sz="3200" b="1" dirty="0">
                 <a:latin typeface="Courier New" pitchFamily="49" charset="0"/>
                 <a:cs typeface="Courier New" pitchFamily="49" charset="0"/>
               </a:rPr>
               <a:t> = </a:t>
-            </a:r>
-            <a:r>
-              <a:rPr lang="en-US" sz="3200" b="1" dirty="0" smtClean="0">
-                <a:solidFill>
-                  <a:srgbClr val="00B050"/>
-                </a:solidFill>
-                <a:latin typeface="Courier New" pitchFamily="49" charset="0"/>
-                <a:cs typeface="Courier New" pitchFamily="49" charset="0"/>
-              </a:rPr>
-              <a:t>Car()</a:t>
-            </a:r>
-            <a:r>
-              <a:rPr lang="ru-RU" sz="3200" b="1" dirty="0" smtClean="0">
-                <a:solidFill>
-                  <a:srgbClr val="00B050"/>
-                </a:solidFill>
-                <a:latin typeface="Courier New" pitchFamily="49" charset="0"/>
-                <a:cs typeface="Courier New" pitchFamily="49" charset="0"/>
-              </a:rPr>
-              <a:t> 		</a:t>
-            </a:r>
-            <a:r>
-              <a:rPr lang="en-US" sz="3200" b="1" dirty="0" smtClean="0">
-                <a:solidFill>
-                  <a:schemeClr val="bg1">
-                    <a:lumMod val="50000"/>
-                  </a:schemeClr>
-                </a:solidFill>
-                <a:latin typeface="Courier New" pitchFamily="49" charset="0"/>
-                <a:cs typeface="Courier New" pitchFamily="49" charset="0"/>
-              </a:rPr>
-              <a:t># </a:t>
-            </a:r>
-            <a:r>
-              <a:rPr lang="uk-UA" sz="3200" b="1" dirty="0" err="1" smtClean="0">
-                <a:solidFill>
-                  <a:schemeClr val="bg1">
-                    <a:lumMod val="50000"/>
-                  </a:schemeClr>
-                </a:solidFill>
-                <a:latin typeface="Courier New" pitchFamily="49" charset="0"/>
-                <a:cs typeface="Courier New" pitchFamily="49" charset="0"/>
-              </a:rPr>
-              <a:t>создание</a:t>
-            </a:r>
-            <a:r>
-              <a:rPr lang="uk-UA" sz="3200" b="1" dirty="0" smtClean="0">
-                <a:solidFill>
-                  <a:schemeClr val="bg1">
-                    <a:lumMod val="50000"/>
-                  </a:schemeClr>
-                </a:solidFill>
-                <a:latin typeface="Courier New" pitchFamily="49" charset="0"/>
-                <a:cs typeface="Courier New" pitchFamily="49" charset="0"/>
-              </a:rPr>
-              <a:t> об</a:t>
-            </a:r>
-            <a:r>
-              <a:rPr lang="ru-RU" sz="3200" b="1" dirty="0" err="1" smtClean="0">
-                <a:solidFill>
-                  <a:schemeClr val="bg1">
-                    <a:lumMod val="50000"/>
-                  </a:schemeClr>
-                </a:solidFill>
-                <a:latin typeface="Courier New" pitchFamily="49" charset="0"/>
-                <a:cs typeface="Courier New" pitchFamily="49" charset="0"/>
-              </a:rPr>
-              <a:t>ъекта</a:t>
-            </a:r>
-            <a:endParaRPr lang="en-US" sz="3200" b="1" dirty="0" smtClean="0">
-              <a:solidFill>
-                <a:srgbClr val="00B050"/>
-              </a:solidFill>
-              <a:latin typeface="Courier New" pitchFamily="49" charset="0"/>
-              <a:cs typeface="Courier New" pitchFamily="49" charset="0"/>
-            </a:endParaRPr>
-          </a:p>
-          <a:p>
-            <a:pPr marL="82296">
-              <a:buClr>
-                <a:schemeClr val="tx1"/>
-              </a:buClr>
-            </a:pPr>
-            <a:r>
-              <a:rPr lang="en-US" sz="3200" b="1" dirty="0" err="1" smtClean="0">
-                <a:latin typeface="Courier New" pitchFamily="49" charset="0"/>
-                <a:cs typeface="Courier New" pitchFamily="49" charset="0"/>
-              </a:rPr>
-              <a:t>cadilac</a:t>
-            </a:r>
-            <a:r>
-              <a:rPr lang="en-US" sz="3200" b="1" dirty="0" smtClean="0">
-                <a:latin typeface="Courier New" pitchFamily="49" charset="0"/>
-                <a:cs typeface="Courier New" pitchFamily="49" charset="0"/>
-              </a:rPr>
-              <a:t> </a:t>
-            </a:r>
-            <a:r>
-              <a:rPr lang="en-US" sz="3200" b="1" dirty="0">
-                <a:latin typeface="Courier New" pitchFamily="49" charset="0"/>
-                <a:cs typeface="Courier New" pitchFamily="49" charset="0"/>
-              </a:rPr>
-              <a:t>= </a:t>
             </a:r>
             <a:r>
               <a:rPr lang="en-US" sz="3200" b="1" dirty="0">
@@ -16213,7 +16056,92 @@
                 <a:schemeClr val="tx1"/>
               </a:buClr>
             </a:pPr>
-            <a:endParaRPr lang="en-US" sz="3200" b="1" dirty="0" smtClean="0">
+            <a:r>
+              <a:rPr lang="en-US" sz="3200" b="1" dirty="0" err="1">
+                <a:latin typeface="Courier New" pitchFamily="49" charset="0"/>
+                <a:cs typeface="Courier New" pitchFamily="49" charset="0"/>
+              </a:rPr>
+              <a:t>cadilac</a:t>
+            </a:r>
+            <a:r>
+              <a:rPr lang="en-US" sz="3200" b="1" dirty="0">
+                <a:latin typeface="Courier New" pitchFamily="49" charset="0"/>
+                <a:cs typeface="Courier New" pitchFamily="49" charset="0"/>
+              </a:rPr>
+              <a:t> = </a:t>
+            </a:r>
+            <a:r>
+              <a:rPr lang="en-US" sz="3200" b="1" dirty="0">
+                <a:solidFill>
+                  <a:srgbClr val="00B050"/>
+                </a:solidFill>
+                <a:latin typeface="Courier New" pitchFamily="49" charset="0"/>
+                <a:cs typeface="Courier New" pitchFamily="49" charset="0"/>
+              </a:rPr>
+              <a:t>Car()</a:t>
+            </a:r>
+            <a:r>
+              <a:rPr lang="ru-RU" sz="3200" b="1" dirty="0">
+                <a:solidFill>
+                  <a:srgbClr val="00B050"/>
+                </a:solidFill>
+                <a:latin typeface="Courier New" pitchFamily="49" charset="0"/>
+                <a:cs typeface="Courier New" pitchFamily="49" charset="0"/>
+              </a:rPr>
+              <a:t> 		</a:t>
+            </a:r>
+            <a:r>
+              <a:rPr lang="en-US" sz="3200" b="1" dirty="0">
+                <a:solidFill>
+                  <a:schemeClr val="bg1">
+                    <a:lumMod val="50000"/>
+                  </a:schemeClr>
+                </a:solidFill>
+                <a:latin typeface="Courier New" pitchFamily="49" charset="0"/>
+                <a:cs typeface="Courier New" pitchFamily="49" charset="0"/>
+              </a:rPr>
+              <a:t># </a:t>
+            </a:r>
+            <a:r>
+              <a:rPr lang="uk-UA" sz="3200" b="1" dirty="0" err="1">
+                <a:solidFill>
+                  <a:schemeClr val="bg1">
+                    <a:lumMod val="50000"/>
+                  </a:schemeClr>
+                </a:solidFill>
+                <a:latin typeface="Courier New" pitchFamily="49" charset="0"/>
+                <a:cs typeface="Courier New" pitchFamily="49" charset="0"/>
+              </a:rPr>
+              <a:t>создание</a:t>
+            </a:r>
+            <a:r>
+              <a:rPr lang="uk-UA" sz="3200" b="1" dirty="0">
+                <a:solidFill>
+                  <a:schemeClr val="bg1">
+                    <a:lumMod val="50000"/>
+                  </a:schemeClr>
+                </a:solidFill>
+                <a:latin typeface="Courier New" pitchFamily="49" charset="0"/>
+                <a:cs typeface="Courier New" pitchFamily="49" charset="0"/>
+              </a:rPr>
+              <a:t> об</a:t>
+            </a:r>
+            <a:r>
+              <a:rPr lang="ru-RU" sz="3200" b="1" dirty="0" err="1">
+                <a:solidFill>
+                  <a:schemeClr val="bg1">
+                    <a:lumMod val="50000"/>
+                  </a:schemeClr>
+                </a:solidFill>
+                <a:latin typeface="Courier New" pitchFamily="49" charset="0"/>
+                <a:cs typeface="Courier New" pitchFamily="49" charset="0"/>
+              </a:rPr>
+              <a:t>ъекта</a:t>
+            </a:r>
+            <a:endParaRPr lang="en-US" sz="3200" b="1" dirty="0">
+              <a:solidFill>
+                <a:srgbClr val="00B050"/>
+              </a:solidFill>
               <a:latin typeface="Courier New" pitchFamily="49" charset="0"/>
               <a:cs typeface="Courier New" pitchFamily="49" charset="0"/>
             </a:endParaRPr>
@@ -16224,55 +16152,6 @@
                 <a:schemeClr val="tx1"/>
               </a:buClr>
             </a:pPr>
-            <a:r>
-              <a:rPr lang="en-US" sz="3200" b="1" dirty="0">
-                <a:latin typeface="Courier New" pitchFamily="49" charset="0"/>
-                <a:cs typeface="Courier New" pitchFamily="49" charset="0"/>
-              </a:rPr>
-              <a:t>ferrary.</a:t>
-            </a:r>
-            <a:r>
-              <a:rPr lang="en-US" sz="3200" b="1" dirty="0">
-                <a:solidFill>
-                  <a:srgbClr val="00B050"/>
-                </a:solidFill>
-                <a:latin typeface="Courier New" pitchFamily="49" charset="0"/>
-                <a:cs typeface="Courier New" pitchFamily="49" charset="0"/>
-              </a:rPr>
-              <a:t>info</a:t>
-            </a:r>
-            <a:r>
-              <a:rPr lang="en-US" sz="3200" b="1" dirty="0" smtClean="0">
-                <a:solidFill>
-                  <a:srgbClr val="00B050"/>
-                </a:solidFill>
-                <a:latin typeface="Courier New" pitchFamily="49" charset="0"/>
-                <a:cs typeface="Courier New" pitchFamily="49" charset="0"/>
-              </a:rPr>
-              <a:t>()</a:t>
-            </a:r>
-            <a:r>
-              <a:rPr lang="ru-RU" sz="3200" b="1" dirty="0" smtClean="0">
-                <a:solidFill>
-                  <a:srgbClr val="00B050"/>
-                </a:solidFill>
-                <a:latin typeface="Courier New" pitchFamily="49" charset="0"/>
-                <a:cs typeface="Courier New" pitchFamily="49" charset="0"/>
-              </a:rPr>
-              <a:t>			</a:t>
-            </a:r>
-            <a:r>
-              <a:rPr lang="en-US" sz="3200" b="1" dirty="0">
-                <a:solidFill>
-                  <a:schemeClr val="bg1">
-                    <a:lumMod val="50000"/>
-                  </a:schemeClr>
-                </a:solidFill>
-                <a:latin typeface="Courier New" pitchFamily="49" charset="0"/>
-                <a:cs typeface="Courier New" pitchFamily="49" charset="0"/>
-              </a:rPr>
-              <a:t># red!</a:t>
-            </a:r>
             <a:endParaRPr lang="en-US" sz="3200" b="1" dirty="0">
               <a:latin typeface="Courier New" pitchFamily="49" charset="0"/>
               <a:cs typeface="Courier New" pitchFamily="49" charset="0"/>
@@ -16289,34 +16168,17 @@
                 <a:latin typeface="Courier New" pitchFamily="49" charset="0"/>
                 <a:cs typeface="Courier New" pitchFamily="49" charset="0"/>
               </a:rPr>
-              <a:t>cadilac</a:t>
-            </a:r>
-            <a:r>
-              <a:rPr lang="en-US" sz="3200" b="1" dirty="0" smtClean="0">
-                <a:latin typeface="Courier New" pitchFamily="49" charset="0"/>
-                <a:cs typeface="Courier New" pitchFamily="49" charset="0"/>
-              </a:rPr>
-              <a:t>.</a:t>
-            </a:r>
-            <a:r>
-              <a:rPr lang="en-US" sz="3200" b="1" dirty="0" smtClean="0">
+              <a:t>ferrary.</a:t>
+            </a:r>
+            <a:r>
+              <a:rPr lang="en-US" sz="3200" b="1" dirty="0">
                 <a:solidFill>
                   <a:srgbClr val="00B050"/>
                 </a:solidFill>
                 <a:latin typeface="Courier New" pitchFamily="49" charset="0"/>
                 <a:cs typeface="Courier New" pitchFamily="49" charset="0"/>
               </a:rPr>
-              <a:t>info</a:t>
-            </a:r>
-            <a:r>
-              <a:rPr lang="en-US" sz="3200" b="1" dirty="0">
-                <a:solidFill>
-                  <a:srgbClr val="00B050"/>
-                </a:solidFill>
-                <a:latin typeface="Courier New" pitchFamily="49" charset="0"/>
-                <a:cs typeface="Courier New" pitchFamily="49" charset="0"/>
-              </a:rPr>
-              <a:t>()</a:t>
+              <a:t>info()</a:t>
             </a:r>
             <a:r>
               <a:rPr lang="ru-RU" sz="3200" b="1" dirty="0">
@@ -16351,7 +16213,46 @@
                 <a:schemeClr val="tx1"/>
               </a:buClr>
             </a:pPr>
-            <a:endParaRPr lang="ru-RU" sz="3200" b="1" dirty="0" smtClean="0">
+            <a:r>
+              <a:rPr lang="en-US" sz="3200" b="1" dirty="0">
+                <a:latin typeface="Courier New" pitchFamily="49" charset="0"/>
+                <a:cs typeface="Courier New" pitchFamily="49" charset="0"/>
+              </a:rPr>
+              <a:t>cadilac.</a:t>
+            </a:r>
+            <a:r>
+              <a:rPr lang="en-US" sz="3200" b="1" dirty="0">
+                <a:solidFill>
+                  <a:srgbClr val="00B050"/>
+                </a:solidFill>
+                <a:latin typeface="Courier New" pitchFamily="49" charset="0"/>
+                <a:cs typeface="Courier New" pitchFamily="49" charset="0"/>
+              </a:rPr>
+              <a:t>info()</a:t>
+            </a:r>
+            <a:r>
+              <a:rPr lang="ru-RU" sz="3200" b="1" dirty="0">
+                <a:solidFill>
+                  <a:srgbClr val="00B050"/>
+                </a:solidFill>
+                <a:latin typeface="Courier New" pitchFamily="49" charset="0"/>
+                <a:cs typeface="Courier New" pitchFamily="49" charset="0"/>
+              </a:rPr>
+              <a:t>			</a:t>
+            </a:r>
+            <a:r>
+              <a:rPr lang="en-US" sz="3200" b="1" dirty="0">
+                <a:solidFill>
+                  <a:schemeClr val="bg1">
+                    <a:lumMod val="50000"/>
+                  </a:schemeClr>
+                </a:solidFill>
+                <a:latin typeface="Courier New" pitchFamily="49" charset="0"/>
+                <a:cs typeface="Courier New" pitchFamily="49" charset="0"/>
+              </a:rPr>
+              <a:t># red!</a:t>
+            </a:r>
+            <a:endParaRPr lang="en-US" sz="3200" b="1" dirty="0">
               <a:latin typeface="Courier New" pitchFamily="49" charset="0"/>
               <a:cs typeface="Courier New" pitchFamily="49" charset="0"/>
             </a:endParaRPr>
@@ -16362,47 +16263,7 @@
                 <a:schemeClr val="tx1"/>
               </a:buClr>
             </a:pPr>
-            <a:r>
-              <a:rPr lang="ru-RU" sz="3200" b="1" dirty="0" smtClean="0">
-                <a:latin typeface="Courier New" pitchFamily="49" charset="0"/>
-                <a:cs typeface="Courier New" pitchFamily="49" charset="0"/>
-              </a:rPr>
-              <a:t>С</a:t>
-            </a:r>
-            <a:r>
-              <a:rPr lang="en-US" sz="3200" b="1" dirty="0" err="1" smtClean="0">
-                <a:latin typeface="Courier New" pitchFamily="49" charset="0"/>
-                <a:cs typeface="Courier New" pitchFamily="49" charset="0"/>
-              </a:rPr>
-              <a:t>ar.color</a:t>
-            </a:r>
-            <a:r>
-              <a:rPr lang="en-US" sz="3200" b="1" dirty="0" smtClean="0">
-                <a:latin typeface="Courier New" pitchFamily="49" charset="0"/>
-                <a:cs typeface="Courier New" pitchFamily="49" charset="0"/>
-              </a:rPr>
-              <a:t> = “</a:t>
-            </a:r>
-            <a:r>
-              <a:rPr lang="en-US" sz="3200" b="1" dirty="0" smtClean="0">
-                <a:solidFill>
-                  <a:schemeClr val="accent1">
-                    <a:lumMod val="65000"/>
-                  </a:schemeClr>
-                </a:solidFill>
-                <a:latin typeface="Courier New" pitchFamily="49" charset="0"/>
-                <a:cs typeface="Courier New" pitchFamily="49" charset="0"/>
-              </a:rPr>
-              <a:t>silver</a:t>
-            </a:r>
-            <a:r>
-              <a:rPr lang="en-US" sz="3200" b="1" dirty="0" smtClean="0">
-                <a:latin typeface="Courier New" pitchFamily="49" charset="0"/>
-                <a:cs typeface="Courier New" pitchFamily="49" charset="0"/>
-              </a:rPr>
-              <a:t>”  </a:t>
-            </a:r>
-            <a:endParaRPr lang="ru-RU" sz="3200" b="1" dirty="0" smtClean="0">
+            <a:endParaRPr lang="ru-RU" sz="3200" b="1" dirty="0">
               <a:latin typeface="Courier New" pitchFamily="49" charset="0"/>
               <a:cs typeface="Courier New" pitchFamily="49" charset="0"/>
             </a:endParaRPr>
@@ -16413,7 +16274,58 @@
                 <a:schemeClr val="tx1"/>
               </a:buClr>
             </a:pPr>
-            <a:endParaRPr lang="en-US" sz="3200" b="1" dirty="0" smtClean="0">
+            <a:r>
+              <a:rPr lang="ru-RU" sz="3200" b="1" dirty="0">
+                <a:latin typeface="Courier New" pitchFamily="49" charset="0"/>
+                <a:cs typeface="Courier New" pitchFamily="49" charset="0"/>
+              </a:rPr>
+              <a:t>С</a:t>
+            </a:r>
+            <a:r>
+              <a:rPr lang="en-US" sz="3200" b="1" dirty="0" err="1">
+                <a:latin typeface="Courier New" pitchFamily="49" charset="0"/>
+                <a:cs typeface="Courier New" pitchFamily="49" charset="0"/>
+              </a:rPr>
+              <a:t>ar.color</a:t>
+            </a:r>
+            <a:r>
+              <a:rPr lang="en-US" sz="3200" b="1" dirty="0">
+                <a:latin typeface="Courier New" pitchFamily="49" charset="0"/>
+                <a:cs typeface="Courier New" pitchFamily="49" charset="0"/>
+              </a:rPr>
+              <a:t> = “</a:t>
+            </a:r>
+            <a:r>
+              <a:rPr lang="en-US" sz="3200" b="1" dirty="0">
+                <a:solidFill>
+                  <a:schemeClr val="accent1">
+                    <a:lumMod val="65000"/>
+                  </a:schemeClr>
+                </a:solidFill>
+                <a:latin typeface="Courier New" pitchFamily="49" charset="0"/>
+                <a:cs typeface="Courier New" pitchFamily="49" charset="0"/>
+              </a:rPr>
+              <a:t>silver</a:t>
+            </a:r>
+            <a:r>
+              <a:rPr lang="en-US" sz="3200" b="1" dirty="0">
+                <a:latin typeface="Courier New" pitchFamily="49" charset="0"/>
+                <a:cs typeface="Courier New" pitchFamily="49" charset="0"/>
+              </a:rPr>
+              <a:t>”  </a:t>
+            </a:r>
+            <a:endParaRPr lang="ru-RU" sz="3200" b="1" dirty="0">
+              <a:latin typeface="Courier New" pitchFamily="49" charset="0"/>
+              <a:cs typeface="Courier New" pitchFamily="49" charset="0"/>
+            </a:endParaRPr>
+          </a:p>
+          <a:p>
+            <a:pPr marL="82296">
+              <a:buClr>
+                <a:schemeClr val="tx1"/>
+              </a:buClr>
+            </a:pPr>
+            <a:endParaRPr lang="en-US" sz="3200" b="1" dirty="0">
               <a:latin typeface="Courier New" pitchFamily="49" charset="0"/>
               <a:cs typeface="Courier New" pitchFamily="49" charset="0"/>
             </a:endParaRPr>
@@ -17347,7 +17259,7 @@
               </a:buClr>
             </a:pPr>
             <a:r>
-              <a:rPr lang="en-US" sz="3200" b="1" dirty="0" smtClean="0">
+              <a:rPr lang="en-US" sz="3200" b="1" dirty="0">
                 <a:solidFill>
                   <a:srgbClr val="F6640A"/>
                 </a:solidFill>
@@ -17357,14 +17269,14 @@
               <a:t>class</a:t>
             </a:r>
             <a:r>
-              <a:rPr lang="en-US" sz="3200" b="1" dirty="0" smtClean="0">
+              <a:rPr lang="en-US" sz="3200" b="1" dirty="0">
                 <a:latin typeface="Courier New" pitchFamily="49" charset="0"/>
                 <a:cs typeface="Courier New" pitchFamily="49" charset="0"/>
               </a:rPr>
               <a:t> </a:t>
             </a:r>
             <a:r>
-              <a:rPr lang="en-US" sz="3200" b="1" dirty="0" smtClean="0">
+              <a:rPr lang="en-US" sz="3200" b="1" dirty="0">
                 <a:solidFill>
                   <a:srgbClr val="00B050"/>
                 </a:solidFill>
@@ -17374,14 +17286,14 @@
               <a:t>Car</a:t>
             </a:r>
             <a:r>
-              <a:rPr lang="en-US" sz="3200" b="1" dirty="0" smtClean="0">
+              <a:rPr lang="en-US" sz="3200" b="1" dirty="0">
                 <a:latin typeface="Courier New" pitchFamily="49" charset="0"/>
                 <a:cs typeface="Courier New" pitchFamily="49" charset="0"/>
               </a:rPr>
               <a:t>(</a:t>
             </a:r>
             <a:r>
-              <a:rPr lang="en-US" sz="3200" b="1" dirty="0" smtClean="0">
+              <a:rPr lang="en-US" sz="3200" b="1" dirty="0">
                 <a:solidFill>
                   <a:srgbClr val="7030A0"/>
                 </a:solidFill>
@@ -17391,7 +17303,7 @@
               <a:t>object</a:t>
             </a:r>
             <a:r>
-              <a:rPr lang="en-US" sz="3200" b="1" dirty="0" smtClean="0">
+              <a:rPr lang="en-US" sz="3200" b="1" dirty="0">
                 <a:latin typeface="Courier New" pitchFamily="49" charset="0"/>
                 <a:cs typeface="Courier New" pitchFamily="49" charset="0"/>
               </a:rPr>
@@ -17432,7 +17344,7 @@
               <a:t> </a:t>
             </a:r>
             <a:r>
-              <a:rPr lang="en-US" sz="3200" b="1" dirty="0" err="1" smtClean="0">
+              <a:rPr lang="en-US" sz="3200" b="1" dirty="0" err="1">
                 <a:solidFill>
                   <a:srgbClr val="00B050"/>
                 </a:solidFill>
@@ -17442,14 +17354,14 @@
               <a:t>set_color</a:t>
             </a:r>
             <a:r>
-              <a:rPr lang="en-US" sz="3200" b="1" dirty="0" smtClean="0">
+              <a:rPr lang="en-US" sz="3200" b="1" dirty="0">
                 <a:latin typeface="Courier New" pitchFamily="49" charset="0"/>
                 <a:cs typeface="Courier New" pitchFamily="49" charset="0"/>
               </a:rPr>
               <a:t>(</a:t>
             </a:r>
             <a:r>
-              <a:rPr lang="en-US" sz="3200" b="1" dirty="0" smtClean="0">
+              <a:rPr lang="en-US" sz="3200" b="1" dirty="0">
                 <a:solidFill>
                   <a:srgbClr val="7030A0"/>
                 </a:solidFill>
@@ -17459,7 +17371,7 @@
               <a:t>self, color</a:t>
             </a:r>
             <a:r>
-              <a:rPr lang="en-US" sz="3200" b="1" dirty="0" smtClean="0">
+              <a:rPr lang="en-US" sz="3200" b="1" dirty="0">
                 <a:latin typeface="Courier New" pitchFamily="49" charset="0"/>
                 <a:cs typeface="Courier New" pitchFamily="49" charset="0"/>
               </a:rPr>
@@ -17511,7 +17423,7 @@
               <a:t>		</a:t>
             </a:r>
             <a:r>
-              <a:rPr lang="en-US" sz="3200" b="1" dirty="0" err="1" smtClean="0">
+              <a:rPr lang="en-US" sz="3200" b="1" dirty="0" err="1">
                 <a:solidFill>
                   <a:srgbClr val="7030A0"/>
                 </a:solidFill>
@@ -17521,21 +17433,21 @@
               <a:t>self</a:t>
             </a:r>
             <a:r>
-              <a:rPr lang="en-US" sz="3200" b="1" dirty="0" err="1" smtClean="0">
+              <a:rPr lang="en-US" sz="3200" b="1" dirty="0" err="1">
                 <a:latin typeface="Courier New" pitchFamily="49" charset="0"/>
                 <a:cs typeface="Courier New" pitchFamily="49" charset="0"/>
               </a:rPr>
               <a:t>.color</a:t>
             </a:r>
             <a:r>
-              <a:rPr lang="en-US" sz="3200" b="1" dirty="0" smtClean="0">
+              <a:rPr lang="en-US" sz="3200" b="1" dirty="0">
                 <a:latin typeface="Courier New" pitchFamily="49" charset="0"/>
                 <a:cs typeface="Courier New" pitchFamily="49" charset="0"/>
               </a:rPr>
               <a:t> = </a:t>
             </a:r>
             <a:r>
-              <a:rPr lang="en-US" sz="3200" b="1" dirty="0" smtClean="0">
+              <a:rPr lang="en-US" sz="3200" b="1" dirty="0">
                 <a:solidFill>
                   <a:srgbClr val="7030A0"/>
                 </a:solidFill>
@@ -17545,7 +17457,7 @@
               <a:t>color </a:t>
             </a:r>
             <a:r>
-              <a:rPr lang="ru-RU" sz="3200" b="1" dirty="0" smtClean="0">
+              <a:rPr lang="ru-RU" sz="3200" b="1" dirty="0">
                 <a:solidFill>
                   <a:srgbClr val="7030A0"/>
                 </a:solidFill>
@@ -17555,7 +17467,7 @@
               <a:t>     </a:t>
             </a:r>
             <a:r>
-              <a:rPr lang="en-US" sz="3200" b="1" dirty="0" smtClean="0">
+              <a:rPr lang="en-US" sz="3200" b="1" dirty="0">
                 <a:solidFill>
                   <a:schemeClr val="bg1">
                     <a:lumMod val="50000"/>
@@ -17567,7 +17479,7 @@
               <a:t>#</a:t>
             </a:r>
             <a:r>
-              <a:rPr lang="ru-RU" sz="3200" b="1" dirty="0" smtClean="0">
+              <a:rPr lang="ru-RU" sz="3200" b="1" dirty="0">
                 <a:solidFill>
                   <a:schemeClr val="bg1">
                     <a:lumMod val="50000"/>
@@ -17592,7 +17504,7 @@
                 <a:schemeClr val="tx1"/>
               </a:buClr>
             </a:pPr>
-            <a:endParaRPr lang="en-US" sz="3200" b="1" dirty="0" smtClean="0">
+            <a:endParaRPr lang="en-US" sz="3200" b="1" dirty="0">
               <a:latin typeface="Courier New" pitchFamily="49" charset="0"/>
               <a:cs typeface="Courier New" pitchFamily="49" charset="0"/>
             </a:endParaRPr>
@@ -17604,7 +17516,7 @@
               </a:buClr>
             </a:pPr>
             <a:r>
-              <a:rPr lang="en-US" sz="3200" b="1" dirty="0" smtClean="0">
+              <a:rPr lang="en-US" sz="3200" b="1" dirty="0">
                 <a:solidFill>
                   <a:srgbClr val="F6640A"/>
                 </a:solidFill>
@@ -17614,7 +17526,7 @@
               <a:t>	</a:t>
             </a:r>
             <a:r>
-              <a:rPr lang="en-US" sz="3200" b="1" dirty="0" err="1" smtClean="0">
+              <a:rPr lang="en-US" sz="3200" b="1" dirty="0" err="1">
                 <a:solidFill>
                   <a:srgbClr val="F6640A"/>
                 </a:solidFill>
@@ -17624,14 +17536,14 @@
               <a:t>def</a:t>
             </a:r>
             <a:r>
-              <a:rPr lang="en-US" sz="3200" b="1" dirty="0" smtClean="0">
+              <a:rPr lang="en-US" sz="3200" b="1" dirty="0">
                 <a:latin typeface="Courier New" pitchFamily="49" charset="0"/>
                 <a:cs typeface="Courier New" pitchFamily="49" charset="0"/>
               </a:rPr>
               <a:t> </a:t>
             </a:r>
             <a:r>
-              <a:rPr lang="en-US" sz="3200" b="1" dirty="0" smtClean="0">
+              <a:rPr lang="en-US" sz="3200" b="1" dirty="0">
                 <a:solidFill>
                   <a:srgbClr val="00B050"/>
                 </a:solidFill>
@@ -17641,14 +17553,14 @@
               <a:t>info</a:t>
             </a:r>
             <a:r>
-              <a:rPr lang="en-US" sz="3200" b="1" dirty="0" smtClean="0">
+              <a:rPr lang="en-US" sz="3200" b="1" dirty="0">
                 <a:latin typeface="Courier New" pitchFamily="49" charset="0"/>
                 <a:cs typeface="Courier New" pitchFamily="49" charset="0"/>
               </a:rPr>
               <a:t>(</a:t>
             </a:r>
             <a:r>
-              <a:rPr lang="en-US" sz="3200" b="1" dirty="0" smtClean="0">
+              <a:rPr lang="en-US" sz="3200" b="1" dirty="0">
                 <a:solidFill>
                   <a:srgbClr val="7030A0"/>
                 </a:solidFill>
@@ -17658,14 +17570,14 @@
               <a:t>self</a:t>
             </a:r>
             <a:r>
-              <a:rPr lang="en-US" sz="3200" b="1" dirty="0" smtClean="0">
+              <a:rPr lang="en-US" sz="3200" b="1" dirty="0">
                 <a:latin typeface="Courier New" pitchFamily="49" charset="0"/>
                 <a:cs typeface="Courier New" pitchFamily="49" charset="0"/>
               </a:rPr>
               <a:t>): </a:t>
             </a:r>
             <a:r>
-              <a:rPr lang="en-US" sz="3200" b="1" dirty="0" smtClean="0">
+              <a:rPr lang="en-US" sz="3200" b="1" dirty="0">
                 <a:solidFill>
                   <a:schemeClr val="bg1">
                     <a:lumMod val="50000"/>
@@ -17677,7 +17589,7 @@
               <a:t># </a:t>
             </a:r>
             <a:r>
-              <a:rPr lang="ru-RU" sz="3200" b="1" dirty="0" smtClean="0">
+              <a:rPr lang="ru-RU" sz="3200" b="1" dirty="0">
                 <a:solidFill>
                   <a:schemeClr val="bg1">
                     <a:lumMod val="50000"/>
@@ -17688,7 +17600,7 @@
               </a:rPr>
               <a:t>метод класса</a:t>
             </a:r>
-            <a:endParaRPr lang="en-US" sz="3200" b="1" dirty="0" smtClean="0">
+            <a:endParaRPr lang="en-US" sz="3200" b="1" dirty="0">
               <a:latin typeface="Courier New" pitchFamily="49" charset="0"/>
               <a:cs typeface="Courier New" pitchFamily="49" charset="0"/>
             </a:endParaRPr>
@@ -17700,7 +17612,7 @@
               </a:buClr>
             </a:pPr>
             <a:r>
-              <a:rPr lang="en-US" sz="3200" b="1" dirty="0" smtClean="0">
+              <a:rPr lang="en-US" sz="3200" b="1" dirty="0">
                 <a:solidFill>
                   <a:srgbClr val="F6640A"/>
                 </a:solidFill>
@@ -17710,14 +17622,14 @@
               <a:t>		print</a:t>
             </a:r>
             <a:r>
-              <a:rPr lang="en-US" sz="3200" b="1" dirty="0" smtClean="0">
+              <a:rPr lang="en-US" sz="3200" b="1" dirty="0">
                 <a:latin typeface="Courier New" pitchFamily="49" charset="0"/>
                 <a:cs typeface="Courier New" pitchFamily="49" charset="0"/>
               </a:rPr>
               <a:t> (</a:t>
             </a:r>
             <a:r>
-              <a:rPr lang="en-US" sz="3200" b="1" dirty="0" err="1" smtClean="0">
+              <a:rPr lang="en-US" sz="3200" b="1" dirty="0" err="1">
                 <a:solidFill>
                   <a:srgbClr val="7030A0"/>
                 </a:solidFill>
@@ -17727,14 +17639,14 @@
               <a:t>self</a:t>
             </a:r>
             <a:r>
-              <a:rPr lang="en-US" sz="3200" b="1" dirty="0" err="1" smtClean="0">
+              <a:rPr lang="en-US" sz="3200" b="1" dirty="0" err="1">
                 <a:latin typeface="Courier New" pitchFamily="49" charset="0"/>
                 <a:cs typeface="Courier New" pitchFamily="49" charset="0"/>
               </a:rPr>
               <a:t>.color</a:t>
             </a:r>
             <a:r>
-              <a:rPr lang="en-US" sz="3200" b="1" dirty="0" smtClean="0">
+              <a:rPr lang="en-US" sz="3200" b="1" dirty="0">
                 <a:latin typeface="Courier New" pitchFamily="49" charset="0"/>
                 <a:cs typeface="Courier New" pitchFamily="49" charset="0"/>
               </a:rPr>
@@ -17747,7 +17659,7 @@
                 <a:schemeClr val="tx1"/>
               </a:buClr>
             </a:pPr>
-            <a:endParaRPr lang="en-US" sz="3200" b="1" dirty="0" smtClean="0">
+            <a:endParaRPr lang="en-US" sz="3200" b="1" dirty="0">
               <a:latin typeface="Courier New" pitchFamily="49" charset="0"/>
               <a:cs typeface="Courier New" pitchFamily="49" charset="0"/>
             </a:endParaRPr>
@@ -17759,21 +17671,21 @@
               </a:buClr>
             </a:pPr>
             <a:r>
-              <a:rPr lang="en-US" sz="3200" b="1" dirty="0" err="1" smtClean="0">
+              <a:rPr lang="en-US" sz="3200" b="1" dirty="0" err="1">
                 <a:latin typeface="Courier New" pitchFamily="49" charset="0"/>
                 <a:cs typeface="Courier New" pitchFamily="49" charset="0"/>
               </a:rPr>
               <a:t>ferrary</a:t>
             </a:r>
             <a:r>
-              <a:rPr lang="en-US" sz="3200" b="1" dirty="0" smtClean="0">
+              <a:rPr lang="en-US" sz="3200" b="1" dirty="0">
                 <a:latin typeface="Courier New" pitchFamily="49" charset="0"/>
                 <a:cs typeface="Courier New" pitchFamily="49" charset="0"/>
               </a:rPr>
               <a:t> = </a:t>
             </a:r>
             <a:r>
-              <a:rPr lang="en-US" sz="3200" b="1" dirty="0" smtClean="0">
+              <a:rPr lang="en-US" sz="3200" b="1" dirty="0">
                 <a:solidFill>
                   <a:srgbClr val="00B050"/>
                 </a:solidFill>
@@ -17783,7 +17695,7 @@
               <a:t>Car()</a:t>
             </a:r>
             <a:r>
-              <a:rPr lang="ru-RU" sz="3200" b="1" dirty="0" smtClean="0">
+              <a:rPr lang="ru-RU" sz="3200" b="1" dirty="0">
                 <a:solidFill>
                   <a:srgbClr val="00B050"/>
                 </a:solidFill>
@@ -17800,14 +17712,14 @@
               </a:buClr>
             </a:pPr>
             <a:r>
-              <a:rPr lang="en-US" sz="3200" b="1" dirty="0" err="1" smtClean="0">
+              <a:rPr lang="en-US" sz="3200" b="1" dirty="0" err="1">
                 <a:latin typeface="Courier New" pitchFamily="49" charset="0"/>
                 <a:cs typeface="Courier New" pitchFamily="49" charset="0"/>
               </a:rPr>
               <a:t>ferrary.</a:t>
             </a:r>
             <a:r>
-              <a:rPr lang="en-US" sz="3200" b="1" dirty="0" err="1" smtClean="0">
+              <a:rPr lang="en-US" sz="3200" b="1" dirty="0" err="1">
                 <a:solidFill>
                   <a:srgbClr val="00B050"/>
                 </a:solidFill>
@@ -17817,14 +17729,14 @@
               <a:t>set_color</a:t>
             </a:r>
             <a:r>
-              <a:rPr lang="en-US" sz="3200" b="1" dirty="0" smtClean="0">
+              <a:rPr lang="en-US" sz="3200" b="1" dirty="0">
                 <a:latin typeface="Courier New" pitchFamily="49" charset="0"/>
                 <a:cs typeface="Courier New" pitchFamily="49" charset="0"/>
               </a:rPr>
               <a:t>(</a:t>
             </a:r>
             <a:r>
-              <a:rPr lang="en-US" sz="3200" b="1" dirty="0" smtClean="0">
+              <a:rPr lang="en-US" sz="3200" b="1" dirty="0">
                 <a:solidFill>
                   <a:srgbClr val="7030A0"/>
                 </a:solidFill>
@@ -17834,7 +17746,7 @@
               <a:t>‘</a:t>
             </a:r>
             <a:r>
-              <a:rPr lang="en-US" sz="3200" b="1" dirty="0" smtClean="0">
+              <a:rPr lang="en-US" sz="3200" b="1" dirty="0">
                 <a:solidFill>
                   <a:srgbClr val="FF0000"/>
                 </a:solidFill>
@@ -17844,7 +17756,7 @@
               <a:t>red</a:t>
             </a:r>
             <a:r>
-              <a:rPr lang="en-US" sz="3200" b="1" dirty="0" smtClean="0">
+              <a:rPr lang="en-US" sz="3200" b="1" dirty="0">
                 <a:solidFill>
                   <a:srgbClr val="7030A0"/>
                 </a:solidFill>
@@ -17854,7 +17766,7 @@
               <a:t>’</a:t>
             </a:r>
             <a:r>
-              <a:rPr lang="en-US" sz="3200" b="1" dirty="0" smtClean="0">
+              <a:rPr lang="en-US" sz="3200" b="1" dirty="0">
                 <a:solidFill>
                   <a:schemeClr val="bg2"/>
                 </a:solidFill>
@@ -17871,14 +17783,14 @@
               </a:buClr>
             </a:pPr>
             <a:r>
-              <a:rPr lang="en-US" sz="3200" b="1" dirty="0" smtClean="0">
+              <a:rPr lang="en-US" sz="3200" b="1" dirty="0">
                 <a:latin typeface="Courier New" pitchFamily="49" charset="0"/>
                 <a:cs typeface="Courier New" pitchFamily="49" charset="0"/>
               </a:rPr>
               <a:t> </a:t>
             </a:r>
             <a:r>
-              <a:rPr lang="ru-RU" sz="3200" b="1" dirty="0" smtClean="0">
+              <a:rPr lang="ru-RU" sz="3200" b="1" dirty="0">
                 <a:solidFill>
                   <a:srgbClr val="00B050"/>
                 </a:solidFill>
@@ -17895,25 +17807,18 @@
               </a:buClr>
             </a:pPr>
             <a:r>
-              <a:rPr lang="en-US" sz="3200" b="1" dirty="0" err="1" smtClean="0">
+              <a:rPr lang="en-US" sz="3200" b="1" dirty="0" err="1">
                 <a:latin typeface="Courier New" pitchFamily="49" charset="0"/>
                 <a:cs typeface="Courier New" pitchFamily="49" charset="0"/>
               </a:rPr>
               <a:t>cadilac</a:t>
             </a:r>
             <a:r>
-              <a:rPr lang="en-US" sz="3200" b="1" dirty="0" smtClean="0">
-                <a:latin typeface="Courier New" pitchFamily="49" charset="0"/>
-                <a:cs typeface="Courier New" pitchFamily="49" charset="0"/>
-              </a:rPr>
-              <a:t> </a:t>
-            </a:r>
-            <a:r>
-              <a:rPr lang="en-US" sz="3200" b="1" dirty="0">
-                <a:latin typeface="Courier New" pitchFamily="49" charset="0"/>
-                <a:cs typeface="Courier New" pitchFamily="49" charset="0"/>
-              </a:rPr>
-              <a:t>= </a:t>
+              <a:rPr lang="en-US" sz="3200" b="1" dirty="0">
+                <a:latin typeface="Courier New" pitchFamily="49" charset="0"/>
+                <a:cs typeface="Courier New" pitchFamily="49" charset="0"/>
+              </a:rPr>
+              <a:t> = </a:t>
             </a:r>
             <a:r>
               <a:rPr lang="en-US" sz="3200" b="1" dirty="0">
@@ -17950,18 +17855,11 @@
               </a:buClr>
             </a:pPr>
             <a:r>
-              <a:rPr lang="en-US" sz="3200" b="1" dirty="0" err="1" smtClean="0">
-                <a:latin typeface="Courier New" pitchFamily="49" charset="0"/>
-                <a:cs typeface="Courier New" pitchFamily="49" charset="0"/>
-              </a:rPr>
-              <a:t>cadilac</a:t>
-            </a:r>
-            <a:r>
               <a:rPr lang="en-US" sz="3200" b="1" dirty="0" err="1">
                 <a:latin typeface="Courier New" pitchFamily="49" charset="0"/>
                 <a:cs typeface="Courier New" pitchFamily="49" charset="0"/>
               </a:rPr>
-              <a:t>.</a:t>
+              <a:t>cadilac.</a:t>
             </a:r>
             <a:r>
               <a:rPr lang="en-US" sz="3200" b="1" dirty="0" err="1">
@@ -17974,14 +17872,14 @@
               <a:t>set_color</a:t>
             </a:r>
             <a:r>
-              <a:rPr lang="en-US" sz="3200" b="1" dirty="0" smtClean="0">
+              <a:rPr lang="en-US" sz="3200" b="1" dirty="0">
                 <a:latin typeface="Courier New" pitchFamily="49" charset="0"/>
                 <a:cs typeface="Courier New" pitchFamily="49" charset="0"/>
               </a:rPr>
               <a:t>(</a:t>
             </a:r>
             <a:r>
-              <a:rPr lang="en-US" sz="3200" b="1" dirty="0" smtClean="0">
+              <a:rPr lang="en-US" sz="3200" b="1" dirty="0">
                 <a:solidFill>
                   <a:srgbClr val="7030A0"/>
                 </a:solidFill>
@@ -17991,7 +17889,7 @@
               <a:t>‘</a:t>
             </a:r>
             <a:r>
-              <a:rPr lang="en-US" sz="3200" b="1" dirty="0" smtClean="0">
+              <a:rPr lang="en-US" sz="3200" b="1" dirty="0">
                 <a:solidFill>
                   <a:schemeClr val="accent1">
                     <a:lumMod val="65000"/>
@@ -18003,7 +17901,7 @@
               <a:t>silver</a:t>
             </a:r>
             <a:r>
-              <a:rPr lang="en-US" sz="3200" b="1" dirty="0" smtClean="0">
+              <a:rPr lang="en-US" sz="3200" b="1" dirty="0">
                 <a:solidFill>
                   <a:srgbClr val="7030A0"/>
                 </a:solidFill>
@@ -18013,7 +17911,7 @@
               <a:t>’</a:t>
             </a:r>
             <a:r>
-              <a:rPr lang="en-US" sz="3200" b="1" dirty="0" smtClean="0">
+              <a:rPr lang="en-US" sz="3200" b="1" dirty="0">
                 <a:solidFill>
                   <a:schemeClr val="bg2"/>
                 </a:solidFill>
@@ -18023,7 +17921,7 @@
               <a:t>)</a:t>
             </a:r>
             <a:r>
-              <a:rPr lang="en-US" sz="3200" b="1" dirty="0" smtClean="0">
+              <a:rPr lang="en-US" sz="3200" b="1" dirty="0">
                 <a:latin typeface="Courier New" pitchFamily="49" charset="0"/>
                 <a:cs typeface="Courier New" pitchFamily="49" charset="0"/>
               </a:rPr>
@@ -18046,7 +17944,7 @@
                 <a:schemeClr val="tx1"/>
               </a:buClr>
             </a:pPr>
-            <a:endParaRPr lang="en-US" sz="3200" b="1" dirty="0" smtClean="0">
+            <a:endParaRPr lang="en-US" sz="3200" b="1" dirty="0">
               <a:latin typeface="Courier New" pitchFamily="49" charset="0"/>
               <a:cs typeface="Courier New" pitchFamily="49" charset="0"/>
             </a:endParaRPr>
@@ -18058,14 +17956,14 @@
               </a:buClr>
             </a:pPr>
             <a:r>
-              <a:rPr lang="en-US" sz="3200" b="1" dirty="0" smtClean="0">
+              <a:rPr lang="en-US" sz="3200" b="1" dirty="0">
                 <a:latin typeface="Courier New" pitchFamily="49" charset="0"/>
                 <a:cs typeface="Courier New" pitchFamily="49" charset="0"/>
               </a:rPr>
               <a:t>ferrary.</a:t>
             </a:r>
             <a:r>
-              <a:rPr lang="en-US" sz="3200" b="1" dirty="0" smtClean="0">
+              <a:rPr lang="en-US" sz="3200" b="1" dirty="0">
                 <a:solidFill>
                   <a:srgbClr val="00B050"/>
                 </a:solidFill>
@@ -18075,35 +17973,35 @@
               <a:t>info</a:t>
             </a:r>
             <a:r>
-              <a:rPr lang="en-US" sz="3200" b="1" dirty="0" smtClean="0">
+              <a:rPr lang="en-US" sz="3200" b="1" dirty="0">
                 <a:latin typeface="Courier New" pitchFamily="49" charset="0"/>
                 <a:cs typeface="Courier New" pitchFamily="49" charset="0"/>
               </a:rPr>
               <a:t>(</a:t>
             </a:r>
             <a:r>
-              <a:rPr lang="ru-RU" sz="3200" b="1" dirty="0" smtClean="0">
+              <a:rPr lang="ru-RU" sz="3200" b="1" dirty="0">
                 <a:latin typeface="Courier New" pitchFamily="49" charset="0"/>
                 <a:cs typeface="Courier New" pitchFamily="49" charset="0"/>
               </a:rPr>
               <a:t>)</a:t>
             </a:r>
             <a:r>
-              <a:rPr lang="en-US" sz="3200" b="1" dirty="0" smtClean="0">
+              <a:rPr lang="en-US" sz="3200" b="1" dirty="0">
                 <a:latin typeface="Courier New" pitchFamily="49" charset="0"/>
                 <a:cs typeface="Courier New" pitchFamily="49" charset="0"/>
               </a:rPr>
               <a:t> 	</a:t>
             </a:r>
             <a:r>
-              <a:rPr lang="ru-RU" sz="3200" b="1" dirty="0" smtClean="0">
+              <a:rPr lang="ru-RU" sz="3200" b="1" dirty="0">
                 <a:latin typeface="Courier New" pitchFamily="49" charset="0"/>
                 <a:cs typeface="Courier New" pitchFamily="49" charset="0"/>
               </a:rPr>
               <a:t>		</a:t>
             </a:r>
             <a:r>
-              <a:rPr lang="en-US" sz="3200" b="1" dirty="0" smtClean="0">
+              <a:rPr lang="en-US" sz="3200" b="1" dirty="0">
                 <a:solidFill>
                   <a:schemeClr val="bg1">
                     <a:lumMod val="50000"/>
@@ -18115,7 +18013,7 @@
               <a:t># red</a:t>
             </a:r>
             <a:r>
-              <a:rPr lang="ru-RU" sz="3200" b="1" dirty="0" smtClean="0">
+              <a:rPr lang="ru-RU" sz="3200" b="1" dirty="0">
                 <a:solidFill>
                   <a:schemeClr val="bg1">
                     <a:lumMod val="50000"/>
@@ -18126,7 +18024,7 @@
               </a:rPr>
               <a:t>!</a:t>
             </a:r>
-            <a:endParaRPr lang="en-US" sz="3200" b="1" dirty="0" smtClean="0">
+            <a:endParaRPr lang="en-US" sz="3200" b="1" dirty="0">
               <a:latin typeface="Courier New" pitchFamily="49" charset="0"/>
               <a:cs typeface="Courier New" pitchFamily="49" charset="0"/>
             </a:endParaRPr>
@@ -18138,14 +18036,14 @@
               </a:buClr>
             </a:pPr>
             <a:r>
-              <a:rPr lang="en-US" sz="3200" b="1" dirty="0" smtClean="0">
+              <a:rPr lang="en-US" sz="3200" b="1" dirty="0">
                 <a:latin typeface="Courier New" pitchFamily="49" charset="0"/>
                 <a:cs typeface="Courier New" pitchFamily="49" charset="0"/>
               </a:rPr>
               <a:t>cadilac.</a:t>
             </a:r>
             <a:r>
-              <a:rPr lang="en-US" sz="3200" b="1" dirty="0" smtClean="0">
+              <a:rPr lang="en-US" sz="3200" b="1" dirty="0">
                 <a:solidFill>
                   <a:srgbClr val="00B050"/>
                 </a:solidFill>
@@ -18173,24 +18071,17 @@
                 <a:latin typeface="Courier New" pitchFamily="49" charset="0"/>
                 <a:cs typeface="Courier New" pitchFamily="49" charset="0"/>
               </a:rPr>
-              <a:t> </a:t>
-            </a:r>
-            <a:r>
-              <a:rPr lang="en-US" sz="3200" b="1" dirty="0" smtClean="0">
-                <a:latin typeface="Courier New" pitchFamily="49" charset="0"/>
-                <a:cs typeface="Courier New" pitchFamily="49" charset="0"/>
-              </a:rPr>
-              <a:t>	</a:t>
-            </a:r>
-            <a:r>
-              <a:rPr lang="ru-RU" sz="3200" b="1" dirty="0" smtClean="0">
+              <a:t> 	</a:t>
+            </a:r>
+            <a:r>
+              <a:rPr lang="ru-RU" sz="3200" b="1" dirty="0">
                 <a:latin typeface="Courier New" pitchFamily="49" charset="0"/>
                 <a:cs typeface="Courier New" pitchFamily="49" charset="0"/>
               </a:rPr>
               <a:t>		</a:t>
             </a:r>
             <a:r>
-              <a:rPr lang="en-US" sz="3200" b="1" dirty="0" smtClean="0">
+              <a:rPr lang="en-US" sz="3200" b="1" dirty="0">
                 <a:solidFill>
                   <a:schemeClr val="bg1">
                     <a:lumMod val="50000"/>
@@ -18202,7 +18093,7 @@
               <a:t># silver</a:t>
             </a:r>
             <a:r>
-              <a:rPr lang="ru-RU" sz="3200" b="1" dirty="0" smtClean="0">
+              <a:rPr lang="ru-RU" sz="3200" b="1" dirty="0">
                 <a:solidFill>
                   <a:schemeClr val="bg1">
                     <a:lumMod val="50000"/>
@@ -18238,7 +18129,7 @@
               <a:t> </a:t>
             </a:r>
             <a:r>
-              <a:rPr lang="ru-RU" sz="3200" b="1" dirty="0" smtClean="0">
+              <a:rPr lang="ru-RU" sz="3200" b="1" dirty="0">
                 <a:latin typeface="Courier New" pitchFamily="49" charset="0"/>
                 <a:cs typeface="Courier New" pitchFamily="49" charset="0"/>
               </a:rPr>
@@ -18249,14 +18140,7 @@
                 <a:latin typeface="Courier New" pitchFamily="49" charset="0"/>
                 <a:cs typeface="Courier New" pitchFamily="49" charset="0"/>
               </a:rPr>
-              <a:t>ferrary</a:t>
-            </a:r>
-            <a:r>
-              <a:rPr lang="en-US" sz="3200" b="1" dirty="0" err="1" smtClean="0">
-                <a:latin typeface="Courier New" pitchFamily="49" charset="0"/>
-                <a:cs typeface="Courier New" pitchFamily="49" charset="0"/>
-              </a:rPr>
-              <a:t>.color</a:t>
+              <a:t>ferrary.color</a:t>
             </a:r>
             <a:r>
               <a:rPr lang="ru-RU" sz="3200" b="1" dirty="0">
@@ -18979,7 +18863,7 @@
               <a:buSzPct val="25000"/>
             </a:pPr>
             <a:r>
-              <a:rPr lang="ru-RU" sz="7800" dirty="0" smtClean="0">
+              <a:rPr lang="ru-RU" sz="7800" dirty="0">
                 <a:solidFill>
                   <a:srgbClr val="00FF00"/>
                 </a:solidFill>
@@ -19232,7 +19116,7 @@
               </a:buClr>
             </a:pPr>
             <a:r>
-              <a:rPr lang="ru-RU" sz="3200" b="1" dirty="0" smtClean="0">
+              <a:rPr lang="ru-RU" sz="3200" b="1" dirty="0">
                 <a:solidFill>
                   <a:schemeClr val="bg1">
                     <a:lumMod val="50000"/>
@@ -19256,7 +19140,7 @@
               <a:t> </a:t>
             </a:r>
             <a:r>
-              <a:rPr lang="ru-RU" sz="3200" b="1" dirty="0" smtClean="0">
+              <a:rPr lang="ru-RU" sz="3200" b="1" dirty="0">
                 <a:solidFill>
                   <a:schemeClr val="bg1">
                     <a:lumMod val="50000"/>
@@ -19268,7 +19152,7 @@
               <a:t>еще двумя атрибутами объекта – названием автомобиля (</a:t>
             </a:r>
             <a:r>
-              <a:rPr lang="en-US" sz="3200" b="1" dirty="0" smtClean="0">
+              <a:rPr lang="en-US" sz="3200" b="1" dirty="0">
                 <a:solidFill>
                   <a:schemeClr val="bg1">
                     <a:lumMod val="50000"/>
@@ -19280,7 +19164,7 @@
               <a:t>name)</a:t>
             </a:r>
             <a:r>
-              <a:rPr lang="ru-RU" sz="3200" b="1" dirty="0" smtClean="0">
+              <a:rPr lang="ru-RU" sz="3200" b="1" dirty="0">
                 <a:solidFill>
                   <a:schemeClr val="bg1">
                     <a:lumMod val="50000"/>
@@ -19292,7 +19176,7 @@
               <a:t> и скорость</a:t>
             </a:r>
             <a:r>
-              <a:rPr lang="en-US" sz="3200" b="1" dirty="0" smtClean="0">
+              <a:rPr lang="en-US" sz="3200" b="1" dirty="0">
                 <a:solidFill>
                   <a:schemeClr val="bg1">
                     <a:lumMod val="50000"/>
@@ -19304,7 +19188,7 @@
               <a:t> (speed)</a:t>
             </a:r>
             <a:r>
-              <a:rPr lang="ru-RU" sz="3200" b="1" dirty="0" smtClean="0">
+              <a:rPr lang="ru-RU" sz="3200" b="1" dirty="0">
                 <a:solidFill>
                   <a:schemeClr val="bg1">
                     <a:lumMod val="50000"/>
@@ -19339,7 +19223,7 @@
               </a:buClr>
             </a:pPr>
             <a:r>
-              <a:rPr lang="ru-RU" sz="3200" b="1" dirty="0" smtClean="0">
+              <a:rPr lang="ru-RU" sz="3200" b="1" dirty="0">
                 <a:solidFill>
                   <a:schemeClr val="bg1">
                     <a:lumMod val="50000"/>
@@ -19351,7 +19235,7 @@
               <a:t>Продемонстрируйте применение атрибутов создав два объекта – </a:t>
             </a:r>
             <a:r>
-              <a:rPr lang="en-US" sz="3200" b="1" dirty="0" err="1" smtClean="0">
+              <a:rPr lang="en-US" sz="3200" b="1" dirty="0" err="1">
                 <a:solidFill>
                   <a:schemeClr val="bg1">
                     <a:lumMod val="50000"/>
@@ -19363,7 +19247,7 @@
               <a:t>ferrary</a:t>
             </a:r>
             <a:r>
-              <a:rPr lang="en-US" sz="3200" b="1" dirty="0" smtClean="0">
+              <a:rPr lang="en-US" sz="3200" b="1" dirty="0">
                 <a:solidFill>
                   <a:schemeClr val="bg1">
                     <a:lumMod val="50000"/>
@@ -19375,7 +19259,7 @@
               <a:t> </a:t>
             </a:r>
             <a:r>
-              <a:rPr lang="ru-RU" sz="3200" b="1" dirty="0" smtClean="0">
+              <a:rPr lang="ru-RU" sz="3200" b="1" dirty="0">
                 <a:solidFill>
                   <a:schemeClr val="bg1">
                     <a:lumMod val="50000"/>
@@ -19387,7 +19271,7 @@
               <a:t>со скоростью 250 км/ч и </a:t>
             </a:r>
             <a:r>
-              <a:rPr lang="en-US" sz="3200" b="1" dirty="0" err="1" smtClean="0">
+              <a:rPr lang="en-US" sz="3200" b="1" dirty="0" err="1">
                 <a:solidFill>
                   <a:schemeClr val="bg1">
                     <a:lumMod val="50000"/>
@@ -19399,7 +19283,7 @@
               <a:t>cadilac</a:t>
             </a:r>
             <a:r>
-              <a:rPr lang="en-US" sz="3200" b="1" dirty="0" smtClean="0">
+              <a:rPr lang="en-US" sz="3200" b="1" dirty="0">
                 <a:solidFill>
                   <a:schemeClr val="bg1">
                     <a:lumMod val="50000"/>
@@ -19411,7 +19295,7 @@
               <a:t> </a:t>
             </a:r>
             <a:r>
-              <a:rPr lang="ru-RU" sz="3200" b="1" dirty="0" smtClean="0">
+              <a:rPr lang="ru-RU" sz="3200" b="1" dirty="0">
                 <a:solidFill>
                   <a:schemeClr val="bg1">
                     <a:lumMod val="50000"/>
@@ -19446,7 +19330,7 @@
               </a:buClr>
             </a:pPr>
             <a:r>
-              <a:rPr lang="ru-RU" sz="3200" b="1" dirty="0" smtClean="0">
+              <a:rPr lang="ru-RU" sz="3200" b="1" dirty="0">
                 <a:solidFill>
                   <a:schemeClr val="bg1">
                     <a:lumMod val="50000"/>
@@ -19458,7 +19342,7 @@
               <a:t>Метод </a:t>
             </a:r>
             <a:r>
-              <a:rPr lang="en-US" sz="3200" b="1" dirty="0" smtClean="0">
+              <a:rPr lang="en-US" sz="3200" b="1" dirty="0">
                 <a:solidFill>
                   <a:schemeClr val="bg1">
                     <a:lumMod val="50000"/>
@@ -19470,7 +19354,7 @@
               <a:t>info </a:t>
             </a:r>
             <a:r>
-              <a:rPr lang="ru-RU" sz="3200" b="1" dirty="0" smtClean="0">
+              <a:rPr lang="ru-RU" sz="3200" b="1" dirty="0">
                 <a:solidFill>
                   <a:schemeClr val="bg1">
                     <a:lumMod val="50000"/>
@@ -19711,7 +19595,7 @@
               <a:buSzPct val="25000"/>
             </a:pPr>
             <a:r>
-              <a:rPr lang="ru-RU" sz="7800" dirty="0" smtClean="0">
+              <a:rPr lang="ru-RU" sz="7800" dirty="0">
                 <a:solidFill>
                   <a:srgbClr val="00FF00"/>
                 </a:solidFill>
@@ -19964,7 +19848,7 @@
               </a:buClr>
             </a:pPr>
             <a:r>
-              <a:rPr lang="en-US" sz="3200" b="1" dirty="0" smtClean="0">
+              <a:rPr lang="en-US" sz="3200" b="1" dirty="0">
                 <a:solidFill>
                   <a:srgbClr val="F6640A"/>
                 </a:solidFill>
@@ -19974,14 +19858,14 @@
               <a:t>class</a:t>
             </a:r>
             <a:r>
-              <a:rPr lang="en-US" sz="3200" b="1" dirty="0" smtClean="0">
+              <a:rPr lang="en-US" sz="3200" b="1" dirty="0">
                 <a:latin typeface="Courier New" pitchFamily="49" charset="0"/>
                 <a:cs typeface="Courier New" pitchFamily="49" charset="0"/>
               </a:rPr>
               <a:t> </a:t>
             </a:r>
             <a:r>
-              <a:rPr lang="en-US" sz="3200" b="1" dirty="0" smtClean="0">
+              <a:rPr lang="en-US" sz="3200" b="1" dirty="0">
                 <a:solidFill>
                   <a:srgbClr val="00B050"/>
                 </a:solidFill>
@@ -19991,14 +19875,14 @@
               <a:t>Car</a:t>
             </a:r>
             <a:r>
-              <a:rPr lang="en-US" sz="3200" b="1" dirty="0" smtClean="0">
+              <a:rPr lang="en-US" sz="3200" b="1" dirty="0">
                 <a:latin typeface="Courier New" pitchFamily="49" charset="0"/>
                 <a:cs typeface="Courier New" pitchFamily="49" charset="0"/>
               </a:rPr>
               <a:t>(</a:t>
             </a:r>
             <a:r>
-              <a:rPr lang="en-US" sz="3200" b="1" dirty="0" smtClean="0">
+              <a:rPr lang="en-US" sz="3200" b="1" dirty="0">
                 <a:solidFill>
                   <a:srgbClr val="7030A0"/>
                 </a:solidFill>
@@ -20008,7 +19892,7 @@
               <a:t>object</a:t>
             </a:r>
             <a:r>
-              <a:rPr lang="en-US" sz="3200" b="1" dirty="0" smtClean="0">
+              <a:rPr lang="en-US" sz="3200" b="1" dirty="0">
                 <a:latin typeface="Courier New" pitchFamily="49" charset="0"/>
                 <a:cs typeface="Courier New" pitchFamily="49" charset="0"/>
               </a:rPr>
@@ -20049,7 +19933,7 @@
               <a:t> </a:t>
             </a:r>
             <a:r>
-              <a:rPr lang="en-US" sz="3200" b="1" dirty="0" err="1" smtClean="0">
+              <a:rPr lang="en-US" sz="3200" b="1" dirty="0" err="1">
                 <a:solidFill>
                   <a:srgbClr val="00B050"/>
                 </a:solidFill>
@@ -20059,14 +19943,14 @@
               <a:t>set_color</a:t>
             </a:r>
             <a:r>
-              <a:rPr lang="en-US" sz="3200" b="1" dirty="0" smtClean="0">
+              <a:rPr lang="en-US" sz="3200" b="1" dirty="0">
                 <a:latin typeface="Courier New" pitchFamily="49" charset="0"/>
                 <a:cs typeface="Courier New" pitchFamily="49" charset="0"/>
               </a:rPr>
               <a:t>(</a:t>
             </a:r>
             <a:r>
-              <a:rPr lang="en-US" sz="3200" b="1" dirty="0" smtClean="0">
+              <a:rPr lang="en-US" sz="3200" b="1" dirty="0">
                 <a:solidFill>
                   <a:srgbClr val="7030A0"/>
                 </a:solidFill>
@@ -20076,7 +19960,7 @@
               <a:t>self, color</a:t>
             </a:r>
             <a:r>
-              <a:rPr lang="en-US" sz="3200" b="1" dirty="0" smtClean="0">
+              <a:rPr lang="en-US" sz="3200" b="1" dirty="0">
                 <a:latin typeface="Courier New" pitchFamily="49" charset="0"/>
                 <a:cs typeface="Courier New" pitchFamily="49" charset="0"/>
               </a:rPr>
@@ -20128,7 +20012,7 @@
               <a:t>		</a:t>
             </a:r>
             <a:r>
-              <a:rPr lang="en-US" sz="3200" b="1" dirty="0" smtClean="0">
+              <a:rPr lang="en-US" sz="3200" b="1" dirty="0">
                 <a:solidFill>
                   <a:srgbClr val="7030A0"/>
                 </a:solidFill>
@@ -20138,28 +20022,28 @@
               <a:t>self</a:t>
             </a:r>
             <a:r>
-              <a:rPr lang="en-US" sz="3200" b="1" dirty="0" smtClean="0">
+              <a:rPr lang="en-US" sz="3200" b="1" dirty="0">
                 <a:latin typeface="Courier New" pitchFamily="49" charset="0"/>
                 <a:cs typeface="Courier New" pitchFamily="49" charset="0"/>
               </a:rPr>
               <a:t>.</a:t>
             </a:r>
             <a:r>
-              <a:rPr lang="ru-RU" sz="3200" b="1" dirty="0" smtClean="0">
+              <a:rPr lang="ru-RU" sz="3200" b="1" dirty="0">
                 <a:latin typeface="Courier New" pitchFamily="49" charset="0"/>
                 <a:cs typeface="Courier New" pitchFamily="49" charset="0"/>
               </a:rPr>
               <a:t>__</a:t>
             </a:r>
             <a:r>
-              <a:rPr lang="en-US" sz="3200" b="1" dirty="0" smtClean="0">
+              <a:rPr lang="en-US" sz="3200" b="1" dirty="0">
                 <a:latin typeface="Courier New" pitchFamily="49" charset="0"/>
                 <a:cs typeface="Courier New" pitchFamily="49" charset="0"/>
               </a:rPr>
               <a:t>color = </a:t>
             </a:r>
             <a:r>
-              <a:rPr lang="en-US" sz="3200" b="1" dirty="0" smtClean="0">
+              <a:rPr lang="en-US" sz="3200" b="1" dirty="0">
                 <a:solidFill>
                   <a:srgbClr val="7030A0"/>
                 </a:solidFill>
@@ -20190,19 +20074,7 @@
                 <a:latin typeface="Courier New" pitchFamily="49" charset="0"/>
                 <a:cs typeface="Courier New" pitchFamily="49" charset="0"/>
               </a:rPr>
-              <a:t> атрибут</a:t>
-            </a:r>
-            <a:r>
-              <a:rPr lang="ru-RU" sz="3200" b="1" dirty="0" smtClean="0">
-                <a:solidFill>
-                  <a:schemeClr val="bg1">
-                    <a:lumMod val="50000"/>
-                  </a:schemeClr>
-                </a:solidFill>
-                <a:latin typeface="Courier New" pitchFamily="49" charset="0"/>
-                <a:cs typeface="Courier New" pitchFamily="49" charset="0"/>
-              </a:rPr>
-              <a:t> объекта</a:t>
+              <a:t> атрибут объекта</a:t>
             </a:r>
             <a:endParaRPr lang="en-US" sz="3200" b="1" dirty="0">
               <a:solidFill>
@@ -20218,7 +20090,7 @@
                 <a:schemeClr val="tx1"/>
               </a:buClr>
             </a:pPr>
-            <a:endParaRPr lang="en-US" sz="3200" b="1" dirty="0" smtClean="0">
+            <a:endParaRPr lang="en-US" sz="3200" b="1" dirty="0">
               <a:latin typeface="Courier New" pitchFamily="49" charset="0"/>
               <a:cs typeface="Courier New" pitchFamily="49" charset="0"/>
             </a:endParaRPr>
@@ -20230,7 +20102,7 @@
               </a:buClr>
             </a:pPr>
             <a:r>
-              <a:rPr lang="en-US" sz="3200" b="1" dirty="0" smtClean="0">
+              <a:rPr lang="en-US" sz="3200" b="1" dirty="0">
                 <a:solidFill>
                   <a:srgbClr val="F6640A"/>
                 </a:solidFill>
@@ -20240,7 +20112,7 @@
               <a:t>	</a:t>
             </a:r>
             <a:r>
-              <a:rPr lang="en-US" sz="3200" b="1" dirty="0" err="1" smtClean="0">
+              <a:rPr lang="en-US" sz="3200" b="1" dirty="0" err="1">
                 <a:solidFill>
                   <a:srgbClr val="F6640A"/>
                 </a:solidFill>
@@ -20250,14 +20122,14 @@
               <a:t>def</a:t>
             </a:r>
             <a:r>
-              <a:rPr lang="en-US" sz="3200" b="1" dirty="0" smtClean="0">
+              <a:rPr lang="en-US" sz="3200" b="1" dirty="0">
                 <a:latin typeface="Courier New" pitchFamily="49" charset="0"/>
                 <a:cs typeface="Courier New" pitchFamily="49" charset="0"/>
               </a:rPr>
               <a:t> </a:t>
             </a:r>
             <a:r>
-              <a:rPr lang="en-US" sz="3200" b="1" dirty="0" smtClean="0">
+              <a:rPr lang="en-US" sz="3200" b="1" dirty="0">
                 <a:solidFill>
                   <a:srgbClr val="00B050"/>
                 </a:solidFill>
@@ -20267,14 +20139,14 @@
               <a:t>info</a:t>
             </a:r>
             <a:r>
-              <a:rPr lang="en-US" sz="3200" b="1" dirty="0" smtClean="0">
+              <a:rPr lang="en-US" sz="3200" b="1" dirty="0">
                 <a:latin typeface="Courier New" pitchFamily="49" charset="0"/>
                 <a:cs typeface="Courier New" pitchFamily="49" charset="0"/>
               </a:rPr>
               <a:t>(</a:t>
             </a:r>
             <a:r>
-              <a:rPr lang="en-US" sz="3200" b="1" dirty="0" smtClean="0">
+              <a:rPr lang="en-US" sz="3200" b="1" dirty="0">
                 <a:solidFill>
                   <a:srgbClr val="7030A0"/>
                 </a:solidFill>
@@ -20284,14 +20156,14 @@
               <a:t>self</a:t>
             </a:r>
             <a:r>
-              <a:rPr lang="en-US" sz="3200" b="1" dirty="0" smtClean="0">
+              <a:rPr lang="en-US" sz="3200" b="1" dirty="0">
                 <a:latin typeface="Courier New" pitchFamily="49" charset="0"/>
                 <a:cs typeface="Courier New" pitchFamily="49" charset="0"/>
               </a:rPr>
               <a:t>): </a:t>
             </a:r>
             <a:r>
-              <a:rPr lang="en-US" sz="3200" b="1" dirty="0" smtClean="0">
+              <a:rPr lang="en-US" sz="3200" b="1" dirty="0">
                 <a:solidFill>
                   <a:schemeClr val="bg1">
                     <a:lumMod val="50000"/>
@@ -20303,7 +20175,7 @@
               <a:t># </a:t>
             </a:r>
             <a:r>
-              <a:rPr lang="ru-RU" sz="3200" b="1" dirty="0" smtClean="0">
+              <a:rPr lang="ru-RU" sz="3200" b="1" dirty="0">
                 <a:solidFill>
                   <a:schemeClr val="bg1">
                     <a:lumMod val="50000"/>
@@ -20314,7 +20186,7 @@
               </a:rPr>
               <a:t>метод класса</a:t>
             </a:r>
-            <a:endParaRPr lang="en-US" sz="3200" b="1" dirty="0" smtClean="0">
+            <a:endParaRPr lang="en-US" sz="3200" b="1" dirty="0">
               <a:latin typeface="Courier New" pitchFamily="49" charset="0"/>
               <a:cs typeface="Courier New" pitchFamily="49" charset="0"/>
             </a:endParaRPr>
@@ -20326,7 +20198,7 @@
               </a:buClr>
             </a:pPr>
             <a:r>
-              <a:rPr lang="en-US" sz="3200" b="1" dirty="0" smtClean="0">
+              <a:rPr lang="en-US" sz="3200" b="1" dirty="0">
                 <a:solidFill>
                   <a:srgbClr val="F6640A"/>
                 </a:solidFill>
@@ -20336,14 +20208,14 @@
               <a:t>		print</a:t>
             </a:r>
             <a:r>
-              <a:rPr lang="en-US" sz="3200" b="1" dirty="0" smtClean="0">
+              <a:rPr lang="en-US" sz="3200" b="1" dirty="0">
                 <a:latin typeface="Courier New" pitchFamily="49" charset="0"/>
                 <a:cs typeface="Courier New" pitchFamily="49" charset="0"/>
               </a:rPr>
               <a:t> (</a:t>
             </a:r>
             <a:r>
-              <a:rPr lang="en-US" sz="3200" b="1" dirty="0" smtClean="0">
+              <a:rPr lang="en-US" sz="3200" b="1" dirty="0">
                 <a:solidFill>
                   <a:srgbClr val="7030A0"/>
                 </a:solidFill>
@@ -20353,21 +20225,21 @@
               <a:t>self</a:t>
             </a:r>
             <a:r>
-              <a:rPr lang="en-US" sz="3200" b="1" dirty="0" smtClean="0">
+              <a:rPr lang="en-US" sz="3200" b="1" dirty="0">
                 <a:latin typeface="Courier New" pitchFamily="49" charset="0"/>
                 <a:cs typeface="Courier New" pitchFamily="49" charset="0"/>
               </a:rPr>
               <a:t>.</a:t>
             </a:r>
             <a:r>
-              <a:rPr lang="ru-RU" sz="3200" b="1" dirty="0" smtClean="0">
+              <a:rPr lang="ru-RU" sz="3200" b="1" dirty="0">
                 <a:latin typeface="Courier New" pitchFamily="49" charset="0"/>
                 <a:cs typeface="Courier New" pitchFamily="49" charset="0"/>
               </a:rPr>
               <a:t>__</a:t>
             </a:r>
             <a:r>
-              <a:rPr lang="en-US" sz="3200" b="1" dirty="0" smtClean="0">
+              <a:rPr lang="en-US" sz="3200" b="1" dirty="0">
                 <a:latin typeface="Courier New" pitchFamily="49" charset="0"/>
                 <a:cs typeface="Courier New" pitchFamily="49" charset="0"/>
               </a:rPr>
@@ -20380,7 +20252,7 @@
                 <a:schemeClr val="tx1"/>
               </a:buClr>
             </a:pPr>
-            <a:endParaRPr lang="en-US" sz="3200" b="1" dirty="0" smtClean="0">
+            <a:endParaRPr lang="en-US" sz="3200" b="1" dirty="0">
               <a:latin typeface="Courier New" pitchFamily="49" charset="0"/>
               <a:cs typeface="Courier New" pitchFamily="49" charset="0"/>
             </a:endParaRPr>
@@ -20392,21 +20264,21 @@
               </a:buClr>
             </a:pPr>
             <a:r>
-              <a:rPr lang="en-US" sz="3200" b="1" dirty="0" err="1" smtClean="0">
+              <a:rPr lang="en-US" sz="3200" b="1" dirty="0" err="1">
                 <a:latin typeface="Courier New" pitchFamily="49" charset="0"/>
                 <a:cs typeface="Courier New" pitchFamily="49" charset="0"/>
               </a:rPr>
               <a:t>ferrary</a:t>
             </a:r>
             <a:r>
-              <a:rPr lang="en-US" sz="3200" b="1" dirty="0" smtClean="0">
+              <a:rPr lang="en-US" sz="3200" b="1" dirty="0">
                 <a:latin typeface="Courier New" pitchFamily="49" charset="0"/>
                 <a:cs typeface="Courier New" pitchFamily="49" charset="0"/>
               </a:rPr>
               <a:t> = </a:t>
             </a:r>
             <a:r>
-              <a:rPr lang="en-US" sz="3200" b="1" dirty="0" smtClean="0">
+              <a:rPr lang="en-US" sz="3200" b="1" dirty="0">
                 <a:solidFill>
                   <a:srgbClr val="00B050"/>
                 </a:solidFill>
@@ -20416,7 +20288,7 @@
               <a:t>Car()</a:t>
             </a:r>
             <a:r>
-              <a:rPr lang="ru-RU" sz="3200" b="1" dirty="0" smtClean="0">
+              <a:rPr lang="ru-RU" sz="3200" b="1" dirty="0">
                 <a:solidFill>
                   <a:srgbClr val="00B050"/>
                 </a:solidFill>
@@ -20433,14 +20305,14 @@
               </a:buClr>
             </a:pPr>
             <a:r>
-              <a:rPr lang="en-US" sz="3200" b="1" dirty="0" err="1" smtClean="0">
+              <a:rPr lang="en-US" sz="3200" b="1" dirty="0" err="1">
                 <a:latin typeface="Courier New" pitchFamily="49" charset="0"/>
                 <a:cs typeface="Courier New" pitchFamily="49" charset="0"/>
               </a:rPr>
               <a:t>ferrary.</a:t>
             </a:r>
             <a:r>
-              <a:rPr lang="en-US" sz="3200" b="1" dirty="0" err="1" smtClean="0">
+              <a:rPr lang="en-US" sz="3200" b="1" dirty="0" err="1">
                 <a:solidFill>
                   <a:srgbClr val="00B050"/>
                 </a:solidFill>
@@ -20450,14 +20322,14 @@
               <a:t>set_color</a:t>
             </a:r>
             <a:r>
-              <a:rPr lang="en-US" sz="3200" b="1" dirty="0" smtClean="0">
+              <a:rPr lang="en-US" sz="3200" b="1" dirty="0">
                 <a:latin typeface="Courier New" pitchFamily="49" charset="0"/>
                 <a:cs typeface="Courier New" pitchFamily="49" charset="0"/>
               </a:rPr>
               <a:t>(</a:t>
             </a:r>
             <a:r>
-              <a:rPr lang="en-US" sz="3200" b="1" dirty="0" smtClean="0">
+              <a:rPr lang="en-US" sz="3200" b="1" dirty="0">
                 <a:solidFill>
                   <a:srgbClr val="7030A0"/>
                 </a:solidFill>
@@ -20467,7 +20339,7 @@
               <a:t>‘</a:t>
             </a:r>
             <a:r>
-              <a:rPr lang="en-US" sz="3200" b="1" dirty="0" smtClean="0">
+              <a:rPr lang="en-US" sz="3200" b="1" dirty="0">
                 <a:solidFill>
                   <a:srgbClr val="FF0000"/>
                 </a:solidFill>
@@ -20477,7 +20349,7 @@
               <a:t>red</a:t>
             </a:r>
             <a:r>
-              <a:rPr lang="en-US" sz="3200" b="1" dirty="0" smtClean="0">
+              <a:rPr lang="en-US" sz="3200" b="1" dirty="0">
                 <a:solidFill>
                   <a:srgbClr val="7030A0"/>
                 </a:solidFill>
@@ -20487,7 +20359,7 @@
               <a:t>’</a:t>
             </a:r>
             <a:r>
-              <a:rPr lang="en-US" sz="3200" b="1" dirty="0" smtClean="0">
+              <a:rPr lang="en-US" sz="3200" b="1" dirty="0">
                 <a:solidFill>
                   <a:schemeClr val="bg2"/>
                 </a:solidFill>
@@ -20504,14 +20376,14 @@
               </a:buClr>
             </a:pPr>
             <a:r>
-              <a:rPr lang="en-US" sz="3200" b="1" dirty="0" smtClean="0">
+              <a:rPr lang="en-US" sz="3200" b="1" dirty="0">
                 <a:latin typeface="Courier New" pitchFamily="49" charset="0"/>
                 <a:cs typeface="Courier New" pitchFamily="49" charset="0"/>
               </a:rPr>
               <a:t>ferrary.</a:t>
             </a:r>
             <a:r>
-              <a:rPr lang="en-US" sz="3200" b="1" dirty="0" smtClean="0">
+              <a:rPr lang="en-US" sz="3200" b="1" dirty="0">
                 <a:solidFill>
                   <a:srgbClr val="00B050"/>
                 </a:solidFill>
@@ -20521,35 +20393,35 @@
               <a:t>info</a:t>
             </a:r>
             <a:r>
-              <a:rPr lang="en-US" sz="3200" b="1" dirty="0" smtClean="0">
+              <a:rPr lang="en-US" sz="3200" b="1" dirty="0">
                 <a:latin typeface="Courier New" pitchFamily="49" charset="0"/>
                 <a:cs typeface="Courier New" pitchFamily="49" charset="0"/>
               </a:rPr>
               <a:t>(</a:t>
             </a:r>
             <a:r>
-              <a:rPr lang="ru-RU" sz="3200" b="1" dirty="0" smtClean="0">
+              <a:rPr lang="ru-RU" sz="3200" b="1" dirty="0">
                 <a:latin typeface="Courier New" pitchFamily="49" charset="0"/>
                 <a:cs typeface="Courier New" pitchFamily="49" charset="0"/>
               </a:rPr>
               <a:t>)</a:t>
             </a:r>
             <a:r>
-              <a:rPr lang="en-US" sz="3200" b="1" dirty="0" smtClean="0">
+              <a:rPr lang="en-US" sz="3200" b="1" dirty="0">
                 <a:latin typeface="Courier New" pitchFamily="49" charset="0"/>
                 <a:cs typeface="Courier New" pitchFamily="49" charset="0"/>
               </a:rPr>
               <a:t> 	</a:t>
             </a:r>
             <a:r>
-              <a:rPr lang="ru-RU" sz="3200" b="1" dirty="0" smtClean="0">
+              <a:rPr lang="ru-RU" sz="3200" b="1" dirty="0">
                 <a:latin typeface="Courier New" pitchFamily="49" charset="0"/>
                 <a:cs typeface="Courier New" pitchFamily="49" charset="0"/>
               </a:rPr>
               <a:t>		</a:t>
             </a:r>
             <a:r>
-              <a:rPr lang="en-US" sz="3200" b="1" dirty="0" smtClean="0">
+              <a:rPr lang="en-US" sz="3200" b="1" dirty="0">
                 <a:solidFill>
                   <a:schemeClr val="bg1">
                     <a:lumMod val="50000"/>
@@ -20561,7 +20433,7 @@
               <a:t># red</a:t>
             </a:r>
             <a:r>
-              <a:rPr lang="ru-RU" sz="3200" b="1" dirty="0" smtClean="0">
+              <a:rPr lang="ru-RU" sz="3200" b="1" dirty="0">
                 <a:solidFill>
                   <a:schemeClr val="bg1">
                     <a:lumMod val="50000"/>
@@ -20572,7 +20444,7 @@
               </a:rPr>
               <a:t>!</a:t>
             </a:r>
-            <a:endParaRPr lang="en-US" sz="3200" b="1" dirty="0" smtClean="0">
+            <a:endParaRPr lang="en-US" sz="3200" b="1" dirty="0">
               <a:latin typeface="Courier New" pitchFamily="49" charset="0"/>
               <a:cs typeface="Courier New" pitchFamily="49" charset="0"/>
             </a:endParaRPr>
@@ -20583,7 +20455,7 @@
                 <a:schemeClr val="tx1"/>
               </a:buClr>
             </a:pPr>
-            <a:endParaRPr lang="en-US" sz="3200" b="1" dirty="0" smtClean="0">
+            <a:endParaRPr lang="en-US" sz="3200" b="1" dirty="0">
               <a:solidFill>
                 <a:srgbClr val="F6640A"/>
               </a:solidFill>
@@ -20598,7 +20470,7 @@
               </a:buClr>
             </a:pPr>
             <a:r>
-              <a:rPr lang="en-US" sz="3200" b="1" dirty="0" smtClean="0">
+              <a:rPr lang="en-US" sz="3200" b="1" dirty="0">
                 <a:solidFill>
                   <a:srgbClr val="F6640A"/>
                 </a:solidFill>
@@ -20608,14 +20480,14 @@
               <a:t>print</a:t>
             </a:r>
             <a:r>
-              <a:rPr lang="en-US" sz="3200" b="1" dirty="0" smtClean="0">
+              <a:rPr lang="en-US" sz="3200" b="1" dirty="0">
                 <a:latin typeface="Courier New" pitchFamily="49" charset="0"/>
                 <a:cs typeface="Courier New" pitchFamily="49" charset="0"/>
               </a:rPr>
               <a:t> </a:t>
             </a:r>
             <a:r>
-              <a:rPr lang="ru-RU" sz="3200" b="1" dirty="0" smtClean="0">
+              <a:rPr lang="ru-RU" sz="3200" b="1" dirty="0">
                 <a:latin typeface="Courier New" pitchFamily="49" charset="0"/>
                 <a:cs typeface="Courier New" pitchFamily="49" charset="0"/>
               </a:rPr>
@@ -20629,7 +20501,7 @@
               <a:t>ferrary</a:t>
             </a:r>
             <a:r>
-              <a:rPr lang="en-US" sz="3200" b="1" dirty="0" smtClean="0">
+              <a:rPr lang="en-US" sz="3200" b="1" dirty="0">
                 <a:latin typeface="Courier New" pitchFamily="49" charset="0"/>
                 <a:cs typeface="Courier New" pitchFamily="49" charset="0"/>
               </a:rPr>
@@ -20647,14 +20519,7 @@
                 <a:latin typeface="Courier New" pitchFamily="49" charset="0"/>
                 <a:cs typeface="Courier New" pitchFamily="49" charset="0"/>
               </a:rPr>
-              <a:t>  </a:t>
-            </a:r>
-            <a:r>
-              <a:rPr lang="en-US" sz="3200" b="1" dirty="0" smtClean="0">
-                <a:latin typeface="Courier New" pitchFamily="49" charset="0"/>
-                <a:cs typeface="Courier New" pitchFamily="49" charset="0"/>
-              </a:rPr>
-              <a:t> </a:t>
+              <a:t>   </a:t>
             </a:r>
             <a:endParaRPr lang="en-US" sz="3200" b="1" dirty="0">
               <a:solidFill>
@@ -20673,7 +20538,7 @@
               </a:buClr>
             </a:pPr>
             <a:r>
-              <a:rPr lang="en-US" sz="3200" b="1" dirty="0" err="1" smtClean="0">
+              <a:rPr lang="en-US" sz="3200" b="1" dirty="0" err="1">
                 <a:solidFill>
                   <a:srgbClr val="FF0000"/>
                 </a:solidFill>
@@ -21220,7 +21085,7 @@
               <a:buSzPct val="25000"/>
             </a:pPr>
             <a:r>
-              <a:rPr lang="ru-RU" sz="7800" dirty="0" smtClean="0">
+              <a:rPr lang="ru-RU" sz="7800" dirty="0">
                 <a:solidFill>
                   <a:srgbClr val="00FF00"/>
                 </a:solidFill>
@@ -21232,7 +21097,7 @@
               <a:t>Доступ к закрытым атрибутам</a:t>
             </a:r>
             <a:r>
-              <a:rPr lang="en-US" sz="7800" dirty="0" smtClean="0">
+              <a:rPr lang="en-US" sz="7800" dirty="0">
                 <a:solidFill>
                   <a:srgbClr val="00FF00"/>
                 </a:solidFill>
@@ -21244,7 +21109,7 @@
               <a:t> </a:t>
             </a:r>
             <a:r>
-              <a:rPr lang="ru-RU" sz="7800" dirty="0" smtClean="0">
+              <a:rPr lang="ru-RU" sz="7800" dirty="0">
                 <a:solidFill>
                   <a:srgbClr val="00FF00"/>
                 </a:solidFill>
@@ -21497,7 +21362,7 @@
               </a:buClr>
             </a:pPr>
             <a:r>
-              <a:rPr lang="en-US" sz="3200" b="1" dirty="0" smtClean="0">
+              <a:rPr lang="en-US" sz="3200" b="1" dirty="0">
                 <a:solidFill>
                   <a:srgbClr val="F6640A"/>
                 </a:solidFill>
@@ -21507,14 +21372,14 @@
               <a:t>class</a:t>
             </a:r>
             <a:r>
-              <a:rPr lang="en-US" sz="3200" b="1" dirty="0" smtClean="0">
+              <a:rPr lang="en-US" sz="3200" b="1" dirty="0">
                 <a:latin typeface="Courier New" pitchFamily="49" charset="0"/>
                 <a:cs typeface="Courier New" pitchFamily="49" charset="0"/>
               </a:rPr>
               <a:t> </a:t>
             </a:r>
             <a:r>
-              <a:rPr lang="en-US" sz="3200" b="1" dirty="0" smtClean="0">
+              <a:rPr lang="en-US" sz="3200" b="1" dirty="0">
                 <a:solidFill>
                   <a:srgbClr val="00B050"/>
                 </a:solidFill>
@@ -21524,14 +21389,14 @@
               <a:t>Car</a:t>
             </a:r>
             <a:r>
-              <a:rPr lang="en-US" sz="3200" b="1" dirty="0" smtClean="0">
+              <a:rPr lang="en-US" sz="3200" b="1" dirty="0">
                 <a:latin typeface="Courier New" pitchFamily="49" charset="0"/>
                 <a:cs typeface="Courier New" pitchFamily="49" charset="0"/>
               </a:rPr>
               <a:t>(</a:t>
             </a:r>
             <a:r>
-              <a:rPr lang="en-US" sz="3200" b="1" dirty="0" smtClean="0">
+              <a:rPr lang="en-US" sz="3200" b="1" dirty="0">
                 <a:solidFill>
                   <a:srgbClr val="7030A0"/>
                 </a:solidFill>
@@ -21541,7 +21406,7 @@
               <a:t>object</a:t>
             </a:r>
             <a:r>
-              <a:rPr lang="en-US" sz="3200" b="1" dirty="0" smtClean="0">
+              <a:rPr lang="en-US" sz="3200" b="1" dirty="0">
                 <a:latin typeface="Courier New" pitchFamily="49" charset="0"/>
                 <a:cs typeface="Courier New" pitchFamily="49" charset="0"/>
               </a:rPr>
@@ -21582,7 +21447,7 @@
               <a:t> </a:t>
             </a:r>
             <a:r>
-              <a:rPr lang="en-US" sz="3200" b="1" dirty="0" err="1" smtClean="0">
+              <a:rPr lang="en-US" sz="3200" b="1" dirty="0" err="1">
                 <a:solidFill>
                   <a:srgbClr val="00B050"/>
                 </a:solidFill>
@@ -21592,14 +21457,14 @@
               <a:t>set_color</a:t>
             </a:r>
             <a:r>
-              <a:rPr lang="en-US" sz="3200" b="1" dirty="0" smtClean="0">
+              <a:rPr lang="en-US" sz="3200" b="1" dirty="0">
                 <a:latin typeface="Courier New" pitchFamily="49" charset="0"/>
                 <a:cs typeface="Courier New" pitchFamily="49" charset="0"/>
               </a:rPr>
               <a:t>(</a:t>
             </a:r>
             <a:r>
-              <a:rPr lang="en-US" sz="3200" b="1" dirty="0" smtClean="0">
+              <a:rPr lang="en-US" sz="3200" b="1" dirty="0">
                 <a:solidFill>
                   <a:srgbClr val="7030A0"/>
                 </a:solidFill>
@@ -21609,7 +21474,7 @@
               <a:t>self, color</a:t>
             </a:r>
             <a:r>
-              <a:rPr lang="en-US" sz="3200" b="1" dirty="0" smtClean="0">
+              <a:rPr lang="en-US" sz="3200" b="1" dirty="0">
                 <a:latin typeface="Courier New" pitchFamily="49" charset="0"/>
                 <a:cs typeface="Courier New" pitchFamily="49" charset="0"/>
               </a:rPr>
@@ -21661,7 +21526,7 @@
               <a:t>		</a:t>
             </a:r>
             <a:r>
-              <a:rPr lang="en-US" sz="3200" b="1" dirty="0" smtClean="0">
+              <a:rPr lang="en-US" sz="3200" b="1" dirty="0">
                 <a:solidFill>
                   <a:srgbClr val="7030A0"/>
                 </a:solidFill>
@@ -21671,28 +21536,28 @@
               <a:t>self</a:t>
             </a:r>
             <a:r>
-              <a:rPr lang="en-US" sz="3200" b="1" dirty="0" smtClean="0">
+              <a:rPr lang="en-US" sz="3200" b="1" dirty="0">
                 <a:latin typeface="Courier New" pitchFamily="49" charset="0"/>
                 <a:cs typeface="Courier New" pitchFamily="49" charset="0"/>
               </a:rPr>
               <a:t>.</a:t>
             </a:r>
             <a:r>
-              <a:rPr lang="ru-RU" sz="3200" b="1" dirty="0" smtClean="0">
+              <a:rPr lang="ru-RU" sz="3200" b="1" dirty="0">
                 <a:latin typeface="Courier New" pitchFamily="49" charset="0"/>
                 <a:cs typeface="Courier New" pitchFamily="49" charset="0"/>
               </a:rPr>
               <a:t>__</a:t>
             </a:r>
             <a:r>
-              <a:rPr lang="en-US" sz="3200" b="1" dirty="0" smtClean="0">
+              <a:rPr lang="en-US" sz="3200" b="1" dirty="0">
                 <a:latin typeface="Courier New" pitchFamily="49" charset="0"/>
                 <a:cs typeface="Courier New" pitchFamily="49" charset="0"/>
               </a:rPr>
               <a:t>color = </a:t>
             </a:r>
             <a:r>
-              <a:rPr lang="en-US" sz="3200" b="1" dirty="0" smtClean="0">
+              <a:rPr lang="en-US" sz="3200" b="1" dirty="0">
                 <a:solidFill>
                   <a:srgbClr val="7030A0"/>
                 </a:solidFill>
@@ -21723,19 +21588,7 @@
                 <a:latin typeface="Courier New" pitchFamily="49" charset="0"/>
                 <a:cs typeface="Courier New" pitchFamily="49" charset="0"/>
               </a:rPr>
-              <a:t> атрибут</a:t>
-            </a:r>
-            <a:r>
-              <a:rPr lang="ru-RU" sz="3200" b="1" dirty="0" smtClean="0">
-                <a:solidFill>
-                  <a:schemeClr val="bg1">
-                    <a:lumMod val="50000"/>
-                  </a:schemeClr>
-                </a:solidFill>
-                <a:latin typeface="Courier New" pitchFamily="49" charset="0"/>
-                <a:cs typeface="Courier New" pitchFamily="49" charset="0"/>
-              </a:rPr>
-              <a:t> объекта</a:t>
+              <a:t> атрибут объекта</a:t>
             </a:r>
             <a:endParaRPr lang="en-US" sz="3200" b="1" dirty="0">
               <a:solidFill>
@@ -21751,122 +21604,6 @@
                 <a:schemeClr val="tx1"/>
               </a:buClr>
             </a:pPr>
-            <a:endParaRPr lang="en-US" sz="3200" b="1" dirty="0" smtClean="0">
-              <a:latin typeface="Courier New" pitchFamily="49" charset="0"/>
-              <a:cs typeface="Courier New" pitchFamily="49" charset="0"/>
-            </a:endParaRPr>
-          </a:p>
-          <a:p>
-            <a:pPr marL="82296">
-              <a:buClr>
-                <a:schemeClr val="tx1"/>
-              </a:buClr>
-            </a:pPr>
-            <a:r>
-              <a:rPr lang="en-US" sz="3200" b="1" dirty="0" smtClean="0">
-                <a:solidFill>
-                  <a:srgbClr val="F6640A"/>
-                </a:solidFill>
-                <a:latin typeface="Courier New" pitchFamily="49" charset="0"/>
-                <a:cs typeface="Courier New" pitchFamily="49" charset="0"/>
-              </a:rPr>
-              <a:t>	</a:t>
-            </a:r>
-            <a:r>
-              <a:rPr lang="en-US" sz="3200" b="1" dirty="0" err="1">
-                <a:solidFill>
-                  <a:srgbClr val="F6640A"/>
-                </a:solidFill>
-                <a:latin typeface="Courier New" pitchFamily="49" charset="0"/>
-                <a:cs typeface="Courier New" pitchFamily="49" charset="0"/>
-              </a:rPr>
-              <a:t>def</a:t>
-            </a:r>
-            <a:r>
-              <a:rPr lang="en-US" sz="3200" b="1" dirty="0">
-                <a:latin typeface="Courier New" pitchFamily="49" charset="0"/>
-                <a:cs typeface="Courier New" pitchFamily="49" charset="0"/>
-              </a:rPr>
-              <a:t> </a:t>
-            </a:r>
-            <a:r>
-              <a:rPr lang="en-US" sz="3200" b="1" dirty="0" err="1">
-                <a:solidFill>
-                  <a:srgbClr val="00B050"/>
-                </a:solidFill>
-                <a:latin typeface="Courier New" pitchFamily="49" charset="0"/>
-                <a:cs typeface="Courier New" pitchFamily="49" charset="0"/>
-              </a:rPr>
-              <a:t>g</a:t>
-            </a:r>
-            <a:r>
-              <a:rPr lang="en-US" sz="3200" b="1" dirty="0" err="1" smtClean="0">
-                <a:solidFill>
-                  <a:srgbClr val="00B050"/>
-                </a:solidFill>
-                <a:latin typeface="Courier New" pitchFamily="49" charset="0"/>
-                <a:cs typeface="Courier New" pitchFamily="49" charset="0"/>
-              </a:rPr>
-              <a:t>et_color</a:t>
-            </a:r>
-            <a:r>
-              <a:rPr lang="en-US" sz="3200" b="1" dirty="0" smtClean="0">
-                <a:latin typeface="Courier New" pitchFamily="49" charset="0"/>
-                <a:cs typeface="Courier New" pitchFamily="49" charset="0"/>
-              </a:rPr>
-              <a:t>(</a:t>
-            </a:r>
-            <a:r>
-              <a:rPr lang="en-US" sz="3200" b="1" dirty="0" smtClean="0">
-                <a:solidFill>
-                  <a:srgbClr val="7030A0"/>
-                </a:solidFill>
-                <a:latin typeface="Courier New" pitchFamily="49" charset="0"/>
-                <a:cs typeface="Courier New" pitchFamily="49" charset="0"/>
-              </a:rPr>
-              <a:t>self</a:t>
-            </a:r>
-            <a:r>
-              <a:rPr lang="en-US" sz="3200" b="1" dirty="0">
-                <a:solidFill>
-                  <a:srgbClr val="7030A0"/>
-                </a:solidFill>
-                <a:latin typeface="Courier New" pitchFamily="49" charset="0"/>
-                <a:cs typeface="Courier New" pitchFamily="49" charset="0"/>
-              </a:rPr>
-              <a:t>, color</a:t>
-            </a:r>
-            <a:r>
-              <a:rPr lang="en-US" sz="3200" b="1" dirty="0">
-                <a:latin typeface="Courier New" pitchFamily="49" charset="0"/>
-                <a:cs typeface="Courier New" pitchFamily="49" charset="0"/>
-              </a:rPr>
-              <a:t>): </a:t>
-            </a:r>
-            <a:r>
-              <a:rPr lang="en-US" sz="3200" b="1" dirty="0">
-                <a:solidFill>
-                  <a:schemeClr val="bg1">
-                    <a:lumMod val="50000"/>
-                  </a:schemeClr>
-                </a:solidFill>
-                <a:latin typeface="Courier New" pitchFamily="49" charset="0"/>
-                <a:cs typeface="Courier New" pitchFamily="49" charset="0"/>
-              </a:rPr>
-              <a:t># </a:t>
-            </a:r>
-            <a:r>
-              <a:rPr lang="ru-RU" sz="3200" b="1" dirty="0">
-                <a:solidFill>
-                  <a:schemeClr val="bg1">
-                    <a:lumMod val="50000"/>
-                  </a:schemeClr>
-                </a:solidFill>
-                <a:latin typeface="Courier New" pitchFamily="49" charset="0"/>
-                <a:cs typeface="Courier New" pitchFamily="49" charset="0"/>
-              </a:rPr>
-              <a:t>метод класса</a:t>
-            </a:r>
             <a:endParaRPr lang="en-US" sz="3200" b="1" dirty="0">
               <a:latin typeface="Courier New" pitchFamily="49" charset="0"/>
               <a:cs typeface="Courier New" pitchFamily="49" charset="0"/>
@@ -21886,20 +21623,96 @@
                 <a:latin typeface="Courier New" pitchFamily="49" charset="0"/>
                 <a:cs typeface="Courier New" pitchFamily="49" charset="0"/>
               </a:rPr>
-              <a:t>		</a:t>
-            </a:r>
-            <a:r>
-              <a:rPr lang="en-US" sz="3200" b="1" dirty="0" smtClean="0">
+              <a:t>	def</a:t>
+            </a:r>
+            <a:r>
+              <a:rPr lang="en-US" sz="3200" b="1" dirty="0">
+                <a:latin typeface="Courier New" pitchFamily="49" charset="0"/>
+                <a:cs typeface="Courier New" pitchFamily="49" charset="0"/>
+              </a:rPr>
+              <a:t> </a:t>
+            </a:r>
+            <a:r>
+              <a:rPr lang="en-US" sz="3200" b="1" dirty="0" err="1">
+                <a:solidFill>
+                  <a:srgbClr val="00B050"/>
+                </a:solidFill>
+                <a:latin typeface="Courier New" pitchFamily="49" charset="0"/>
+                <a:cs typeface="Courier New" pitchFamily="49" charset="0"/>
+              </a:rPr>
+              <a:t>get_color</a:t>
+            </a:r>
+            <a:r>
+              <a:rPr lang="en-US" sz="3200" b="1" dirty="0">
+                <a:latin typeface="Courier New" pitchFamily="49" charset="0"/>
+                <a:cs typeface="Courier New" pitchFamily="49" charset="0"/>
+              </a:rPr>
+              <a:t>(</a:t>
+            </a:r>
+            <a:r>
+              <a:rPr lang="en-US" sz="3200" b="1" dirty="0">
+                <a:solidFill>
+                  <a:srgbClr val="7030A0"/>
+                </a:solidFill>
+                <a:latin typeface="Courier New" pitchFamily="49" charset="0"/>
+                <a:cs typeface="Courier New" pitchFamily="49" charset="0"/>
+              </a:rPr>
+              <a:t>self</a:t>
+            </a:r>
+            <a:r>
+              <a:rPr lang="en-US" sz="3200" b="1" dirty="0">
+                <a:latin typeface="Courier New" pitchFamily="49" charset="0"/>
+                <a:cs typeface="Courier New" pitchFamily="49" charset="0"/>
+              </a:rPr>
+              <a:t>): </a:t>
+            </a:r>
+            <a:r>
+              <a:rPr lang="en-US" sz="3200" b="1" dirty="0">
+                <a:solidFill>
+                  <a:schemeClr val="bg1">
+                    <a:lumMod val="50000"/>
+                  </a:schemeClr>
+                </a:solidFill>
+                <a:latin typeface="Courier New" pitchFamily="49" charset="0"/>
+                <a:cs typeface="Courier New" pitchFamily="49" charset="0"/>
+              </a:rPr>
+              <a:t># </a:t>
+            </a:r>
+            <a:r>
+              <a:rPr lang="ru-RU" sz="3200" b="1" dirty="0">
+                <a:solidFill>
+                  <a:schemeClr val="bg1">
+                    <a:lumMod val="50000"/>
+                  </a:schemeClr>
+                </a:solidFill>
+                <a:latin typeface="Courier New" pitchFamily="49" charset="0"/>
+                <a:cs typeface="Courier New" pitchFamily="49" charset="0"/>
+              </a:rPr>
+              <a:t>метод класса</a:t>
+            </a:r>
+            <a:endParaRPr lang="en-US" sz="3200" b="1" dirty="0">
+              <a:latin typeface="Courier New" pitchFamily="49" charset="0"/>
+              <a:cs typeface="Courier New" pitchFamily="49" charset="0"/>
+            </a:endParaRPr>
+          </a:p>
+          <a:p>
+            <a:pPr marL="82296">
+              <a:buClr>
+                <a:schemeClr val="tx1"/>
+              </a:buClr>
+            </a:pPr>
+            <a:r>
+              <a:rPr lang="en-US" sz="3200" b="1" dirty="0">
                 <a:solidFill>
                   <a:srgbClr val="F6640A"/>
                 </a:solidFill>
                 <a:latin typeface="Courier New" pitchFamily="49" charset="0"/>
                 <a:cs typeface="Courier New" pitchFamily="49" charset="0"/>
               </a:rPr>
-              <a:t>return </a:t>
-            </a:r>
-            <a:r>
-              <a:rPr lang="en-US" sz="3200" b="1" dirty="0" smtClean="0">
+              <a:t>		return </a:t>
+            </a:r>
+            <a:r>
+              <a:rPr lang="en-US" sz="3200" b="1" dirty="0">
                 <a:solidFill>
                   <a:srgbClr val="7030A0"/>
                 </a:solidFill>
@@ -21923,7 +21736,7 @@
               <a:t>__</a:t>
             </a:r>
             <a:r>
-              <a:rPr lang="en-US" sz="3200" b="1" dirty="0" smtClean="0">
+              <a:rPr lang="en-US" sz="3200" b="1" dirty="0">
                 <a:latin typeface="Courier New" pitchFamily="49" charset="0"/>
                 <a:cs typeface="Courier New" pitchFamily="49" charset="0"/>
               </a:rPr>
@@ -21943,7 +21756,7 @@
                 <a:schemeClr val="tx1"/>
               </a:buClr>
             </a:pPr>
-            <a:endParaRPr lang="en-US" sz="3200" b="1" dirty="0" smtClean="0">
+            <a:endParaRPr lang="en-US" sz="3200" b="1" dirty="0">
               <a:latin typeface="Courier New" pitchFamily="49" charset="0"/>
               <a:cs typeface="Courier New" pitchFamily="49" charset="0"/>
             </a:endParaRPr>
@@ -21955,21 +21768,21 @@
               </a:buClr>
             </a:pPr>
             <a:r>
-              <a:rPr lang="en-US" sz="3200" b="1" dirty="0" err="1" smtClean="0">
+              <a:rPr lang="en-US" sz="3200" b="1" dirty="0" err="1">
                 <a:latin typeface="Courier New" pitchFamily="49" charset="0"/>
                 <a:cs typeface="Courier New" pitchFamily="49" charset="0"/>
               </a:rPr>
               <a:t>ferrary</a:t>
             </a:r>
             <a:r>
-              <a:rPr lang="en-US" sz="3200" b="1" dirty="0" smtClean="0">
+              <a:rPr lang="en-US" sz="3200" b="1" dirty="0">
                 <a:latin typeface="Courier New" pitchFamily="49" charset="0"/>
                 <a:cs typeface="Courier New" pitchFamily="49" charset="0"/>
               </a:rPr>
               <a:t> = </a:t>
             </a:r>
             <a:r>
-              <a:rPr lang="en-US" sz="3200" b="1" dirty="0" smtClean="0">
+              <a:rPr lang="en-US" sz="3200" b="1" dirty="0">
                 <a:solidFill>
                   <a:srgbClr val="00B050"/>
                 </a:solidFill>
@@ -21979,7 +21792,7 @@
               <a:t>Car()</a:t>
             </a:r>
             <a:r>
-              <a:rPr lang="ru-RU" sz="3200" b="1" dirty="0" smtClean="0">
+              <a:rPr lang="ru-RU" sz="3200" b="1" dirty="0">
                 <a:solidFill>
                   <a:srgbClr val="00B050"/>
                 </a:solidFill>
@@ -21996,14 +21809,14 @@
               </a:buClr>
             </a:pPr>
             <a:r>
-              <a:rPr lang="en-US" sz="3200" b="1" dirty="0" err="1" smtClean="0">
+              <a:rPr lang="en-US" sz="3200" b="1" dirty="0" err="1">
                 <a:latin typeface="Courier New" pitchFamily="49" charset="0"/>
                 <a:cs typeface="Courier New" pitchFamily="49" charset="0"/>
               </a:rPr>
               <a:t>ferrary.</a:t>
             </a:r>
             <a:r>
-              <a:rPr lang="en-US" sz="3200" b="1" dirty="0" err="1" smtClean="0">
+              <a:rPr lang="en-US" sz="3200" b="1" dirty="0" err="1">
                 <a:solidFill>
                   <a:srgbClr val="00B050"/>
                 </a:solidFill>
@@ -22013,14 +21826,14 @@
               <a:t>set_color</a:t>
             </a:r>
             <a:r>
-              <a:rPr lang="en-US" sz="3200" b="1" dirty="0" smtClean="0">
+              <a:rPr lang="en-US" sz="3200" b="1" dirty="0">
                 <a:latin typeface="Courier New" pitchFamily="49" charset="0"/>
                 <a:cs typeface="Courier New" pitchFamily="49" charset="0"/>
               </a:rPr>
               <a:t>(</a:t>
             </a:r>
             <a:r>
-              <a:rPr lang="en-US" sz="3200" b="1" dirty="0" smtClean="0">
+              <a:rPr lang="en-US" sz="3200" b="1" dirty="0">
                 <a:solidFill>
                   <a:srgbClr val="7030A0"/>
                 </a:solidFill>
@@ -22030,7 +21843,7 @@
               <a:t>‘</a:t>
             </a:r>
             <a:r>
-              <a:rPr lang="en-US" sz="3200" b="1" dirty="0" smtClean="0">
+              <a:rPr lang="en-US" sz="3200" b="1" dirty="0">
                 <a:solidFill>
                   <a:srgbClr val="FF0000"/>
                 </a:solidFill>
@@ -22040,7 +21853,7 @@
               <a:t>red</a:t>
             </a:r>
             <a:r>
-              <a:rPr lang="en-US" sz="3200" b="1" dirty="0" smtClean="0">
+              <a:rPr lang="en-US" sz="3200" b="1" dirty="0">
                 <a:solidFill>
                   <a:srgbClr val="7030A0"/>
                 </a:solidFill>
@@ -22050,7 +21863,7 @@
               <a:t>’</a:t>
             </a:r>
             <a:r>
-              <a:rPr lang="en-US" sz="3200" b="1" dirty="0" smtClean="0">
+              <a:rPr lang="en-US" sz="3200" b="1" dirty="0">
                 <a:solidFill>
                   <a:schemeClr val="bg2"/>
                 </a:solidFill>
@@ -22067,14 +21880,14 @@
               </a:buClr>
             </a:pPr>
             <a:r>
-              <a:rPr lang="en-US" sz="3200" b="1" dirty="0" err="1" smtClean="0">
+              <a:rPr lang="en-US" sz="3200" b="1" dirty="0" err="1">
                 <a:latin typeface="Courier New" pitchFamily="49" charset="0"/>
                 <a:cs typeface="Courier New" pitchFamily="49" charset="0"/>
               </a:rPr>
               <a:t>ferrary.</a:t>
             </a:r>
             <a:r>
-              <a:rPr lang="en-US" sz="3200" b="1" dirty="0" err="1" smtClean="0">
+              <a:rPr lang="en-US" sz="3200" b="1" dirty="0" err="1">
                 <a:solidFill>
                   <a:srgbClr val="00B050"/>
                 </a:solidFill>
@@ -22084,35 +21897,35 @@
               <a:t>get_color</a:t>
             </a:r>
             <a:r>
-              <a:rPr lang="en-US" sz="3200" b="1" dirty="0" smtClean="0">
+              <a:rPr lang="en-US" sz="3200" b="1" dirty="0">
                 <a:latin typeface="Courier New" pitchFamily="49" charset="0"/>
                 <a:cs typeface="Courier New" pitchFamily="49" charset="0"/>
               </a:rPr>
               <a:t>(</a:t>
             </a:r>
             <a:r>
-              <a:rPr lang="ru-RU" sz="3200" b="1" dirty="0" smtClean="0">
+              <a:rPr lang="ru-RU" sz="3200" b="1" dirty="0">
                 <a:latin typeface="Courier New" pitchFamily="49" charset="0"/>
                 <a:cs typeface="Courier New" pitchFamily="49" charset="0"/>
               </a:rPr>
               <a:t>)</a:t>
             </a:r>
             <a:r>
-              <a:rPr lang="en-US" sz="3200" b="1" dirty="0" smtClean="0">
+              <a:rPr lang="en-US" sz="3200" b="1" dirty="0">
                 <a:latin typeface="Courier New" pitchFamily="49" charset="0"/>
                 <a:cs typeface="Courier New" pitchFamily="49" charset="0"/>
               </a:rPr>
               <a:t> 	</a:t>
             </a:r>
             <a:r>
-              <a:rPr lang="ru-RU" sz="3200" b="1" dirty="0" smtClean="0">
+              <a:rPr lang="ru-RU" sz="3200" b="1" dirty="0">
                 <a:latin typeface="Courier New" pitchFamily="49" charset="0"/>
                 <a:cs typeface="Courier New" pitchFamily="49" charset="0"/>
               </a:rPr>
               <a:t>		</a:t>
             </a:r>
             <a:r>
-              <a:rPr lang="en-US" sz="3200" b="1" dirty="0" smtClean="0">
+              <a:rPr lang="en-US" sz="3200" b="1" dirty="0">
                 <a:solidFill>
                   <a:schemeClr val="bg1">
                     <a:lumMod val="50000"/>
@@ -22123,7 +21936,7 @@
               </a:rPr>
               <a:t># red</a:t>
             </a:r>
-            <a:endParaRPr lang="en-US" sz="3200" b="1" dirty="0" smtClean="0">
+            <a:endParaRPr lang="en-US" sz="3200" b="1" dirty="0">
               <a:latin typeface="Courier New" pitchFamily="49" charset="0"/>
               <a:cs typeface="Courier New" pitchFamily="49" charset="0"/>
             </a:endParaRPr>
@@ -22134,7 +21947,7 @@
                 <a:schemeClr val="tx1"/>
               </a:buClr>
             </a:pPr>
-            <a:endParaRPr lang="en-US" sz="3200" b="1" dirty="0" smtClean="0">
+            <a:endParaRPr lang="en-US" sz="3200" b="1" dirty="0">
               <a:solidFill>
                 <a:srgbClr val="F6640A"/>
               </a:solidFill>
@@ -22571,7 +22384,7 @@
               <a:buSzPct val="25000"/>
             </a:pPr>
             <a:r>
-              <a:rPr lang="ru-RU" sz="7800" dirty="0" smtClean="0">
+              <a:rPr lang="ru-RU" sz="7800" dirty="0">
                 <a:solidFill>
                   <a:srgbClr val="00FF00"/>
                 </a:solidFill>
@@ -22838,7 +22651,7 @@
               <a:defRPr/>
             </a:pPr>
             <a:r>
-              <a:rPr kumimoji="0" lang="ru-RU" sz="3200" b="1" i="0" u="none" strike="noStrike" kern="0" cap="none" spc="0" normalizeH="0" baseline="0" noProof="0" dirty="0" smtClean="0">
+              <a:rPr kumimoji="0" lang="ru-RU" sz="3200" b="1" i="0" u="none" strike="noStrike" kern="0" cap="none" spc="0" normalizeH="0" baseline="0" noProof="0" dirty="0">
                 <a:ln>
                   <a:noFill/>
                 </a:ln>
@@ -22857,7 +22670,7 @@
               <a:t>Сделайте атрибуты объекта название автомобиля (</a:t>
             </a:r>
             <a:r>
-              <a:rPr kumimoji="0" lang="en-US" sz="3200" b="1" i="0" u="none" strike="noStrike" kern="0" cap="none" spc="0" normalizeH="0" baseline="0" noProof="0" dirty="0" smtClean="0">
+              <a:rPr kumimoji="0" lang="en-US" sz="3200" b="1" i="0" u="none" strike="noStrike" kern="0" cap="none" spc="0" normalizeH="0" baseline="0" noProof="0" dirty="0">
                 <a:ln>
                   <a:noFill/>
                 </a:ln>
@@ -22876,7 +22689,7 @@
               <a:t>name)</a:t>
             </a:r>
             <a:r>
-              <a:rPr kumimoji="0" lang="ru-RU" sz="3200" b="1" i="0" u="none" strike="noStrike" kern="0" cap="none" spc="0" normalizeH="0" baseline="0" noProof="0" dirty="0" smtClean="0">
+              <a:rPr kumimoji="0" lang="ru-RU" sz="3200" b="1" i="0" u="none" strike="noStrike" kern="0" cap="none" spc="0" normalizeH="0" baseline="0" noProof="0" dirty="0">
                 <a:ln>
                   <a:noFill/>
                 </a:ln>
@@ -22895,7 +22708,7 @@
               <a:t> и скорость</a:t>
             </a:r>
             <a:r>
-              <a:rPr kumimoji="0" lang="en-US" sz="3200" b="1" i="0" u="none" strike="noStrike" kern="0" cap="none" spc="0" normalizeH="0" baseline="0" noProof="0" dirty="0" smtClean="0">
+              <a:rPr kumimoji="0" lang="en-US" sz="3200" b="1" i="0" u="none" strike="noStrike" kern="0" cap="none" spc="0" normalizeH="0" baseline="0" noProof="0" dirty="0">
                 <a:ln>
                   <a:noFill/>
                 </a:ln>
@@ -22923,21 +22736,9 @@
                 <a:latin typeface="Courier New" pitchFamily="49" charset="0"/>
                 <a:cs typeface="Courier New" pitchFamily="49" charset="0"/>
               </a:rPr>
-              <a:t> </a:t>
-            </a:r>
-            <a:r>
-              <a:rPr lang="ru-RU" sz="3200" b="1" dirty="0" smtClean="0">
-                <a:solidFill>
-                  <a:srgbClr val="FFFFFF">
-                    <a:lumMod val="50000"/>
-                  </a:srgbClr>
-                </a:solidFill>
-                <a:latin typeface="Courier New" pitchFamily="49" charset="0"/>
-                <a:cs typeface="Courier New" pitchFamily="49" charset="0"/>
-              </a:rPr>
-              <a:t>закрытыми.</a:t>
-            </a:r>
-            <a:endParaRPr kumimoji="0" lang="ru-RU" sz="3200" b="1" i="0" u="none" strike="noStrike" kern="0" cap="none" spc="0" normalizeH="0" baseline="0" noProof="0" dirty="0" smtClean="0">
+              <a:t> закрытыми.</a:t>
+            </a:r>
+            <a:endParaRPr kumimoji="0" lang="ru-RU" sz="3200" b="1" i="0" u="none" strike="noStrike" kern="0" cap="none" spc="0" normalizeH="0" baseline="0" noProof="0" dirty="0">
               <a:ln>
                 <a:noFill/>
               </a:ln>
@@ -23012,7 +22813,7 @@
               <a:defRPr/>
             </a:pPr>
             <a:r>
-              <a:rPr kumimoji="0" lang="ru-RU" sz="3200" b="1" i="0" u="none" strike="noStrike" kern="0" cap="none" spc="0" normalizeH="0" baseline="0" noProof="0" dirty="0" smtClean="0">
+              <a:rPr kumimoji="0" lang="ru-RU" sz="3200" b="1" i="0" u="none" strike="noStrike" kern="0" cap="none" spc="0" normalizeH="0" baseline="0" noProof="0" dirty="0">
                 <a:ln>
                   <a:noFill/>
                 </a:ln>
@@ -23031,7 +22832,7 @@
               <a:t>Создайте геттеры и сеттеры для получения</a:t>
             </a:r>
             <a:r>
-              <a:rPr kumimoji="0" lang="ru-RU" sz="3200" b="1" i="0" u="none" strike="noStrike" kern="0" cap="none" spc="0" normalizeH="0" noProof="0" dirty="0" smtClean="0">
+              <a:rPr kumimoji="0" lang="ru-RU" sz="3200" b="1" i="0" u="none" strike="noStrike" kern="0" cap="none" spc="0" normalizeH="0" noProof="0" dirty="0">
                 <a:ln>
                   <a:noFill/>
                 </a:ln>
@@ -23049,7 +22850,7 @@
               </a:rPr>
               <a:t> доступа к закрытым атрибутам</a:t>
             </a:r>
-            <a:endParaRPr kumimoji="0" lang="ru-RU" sz="3200" b="1" i="0" u="none" strike="noStrike" kern="0" cap="none" spc="0" normalizeH="0" baseline="0" noProof="0" dirty="0" smtClean="0">
+            <a:endParaRPr kumimoji="0" lang="ru-RU" sz="3200" b="1" i="0" u="none" strike="noStrike" kern="0" cap="none" spc="0" normalizeH="0" baseline="0" noProof="0" dirty="0">
               <a:ln>
                 <a:noFill/>
               </a:ln>
@@ -23124,7 +22925,7 @@
               <a:defRPr/>
             </a:pPr>
             <a:r>
-              <a:rPr kumimoji="0" lang="ru-RU" sz="3200" b="1" i="0" u="none" strike="noStrike" kern="0" cap="none" spc="0" normalizeH="0" baseline="0" noProof="0" dirty="0" smtClean="0">
+              <a:rPr kumimoji="0" lang="ru-RU" sz="3200" b="1" i="0" u="none" strike="noStrike" kern="0" cap="none" spc="0" normalizeH="0" baseline="0" noProof="0" dirty="0">
                 <a:ln>
                   <a:noFill/>
                 </a:ln>
@@ -23143,7 +22944,7 @@
               <a:t>Модифицируйте метод </a:t>
             </a:r>
             <a:r>
-              <a:rPr kumimoji="0" lang="en-US" sz="3200" b="1" i="0" u="none" strike="noStrike" kern="0" cap="none" spc="0" normalizeH="0" baseline="0" noProof="0" dirty="0" smtClean="0">
+              <a:rPr kumimoji="0" lang="en-US" sz="3200" b="1" i="0" u="none" strike="noStrike" kern="0" cap="none" spc="0" normalizeH="0" baseline="0" noProof="0" dirty="0">
                 <a:ln>
                   <a:noFill/>
                 </a:ln>
@@ -23162,7 +22963,7 @@
               <a:t>info</a:t>
             </a:r>
             <a:r>
-              <a:rPr kumimoji="0" lang="ru-RU" sz="3200" b="1" i="0" u="none" strike="noStrike" kern="0" cap="none" spc="0" normalizeH="0" baseline="0" noProof="0" dirty="0" smtClean="0">
+              <a:rPr kumimoji="0" lang="ru-RU" sz="3200" b="1" i="0" u="none" strike="noStrike" kern="0" cap="none" spc="0" normalizeH="0" baseline="0" noProof="0" dirty="0">
                 <a:ln>
                   <a:noFill/>
                 </a:ln>
@@ -23181,7 +22982,7 @@
               <a:t>, который</a:t>
             </a:r>
             <a:r>
-              <a:rPr kumimoji="0" lang="en-US" sz="3200" b="1" i="0" u="none" strike="noStrike" kern="0" cap="none" spc="0" normalizeH="0" baseline="0" noProof="0" dirty="0" smtClean="0">
+              <a:rPr kumimoji="0" lang="en-US" sz="3200" b="1" i="0" u="none" strike="noStrike" kern="0" cap="none" spc="0" normalizeH="0" baseline="0" noProof="0" dirty="0">
                 <a:ln>
                   <a:noFill/>
                 </a:ln>
@@ -23200,7 +23001,7 @@
               <a:t> </a:t>
             </a:r>
             <a:r>
-              <a:rPr kumimoji="0" lang="ru-RU" sz="3200" b="1" i="0" u="none" strike="noStrike" kern="0" cap="none" spc="0" normalizeH="0" baseline="0" noProof="0" dirty="0" smtClean="0">
+              <a:rPr kumimoji="0" lang="ru-RU" sz="3200" b="1" i="0" u="none" strike="noStrike" kern="0" cap="none" spc="0" normalizeH="0" baseline="0" noProof="0" dirty="0">
                 <a:ln>
                   <a:noFill/>
                 </a:ln>
@@ -23219,7 +23020,7 @@
               <a:t>должен выводить цвет автомобиля</a:t>
             </a:r>
             <a:r>
-              <a:rPr kumimoji="0" lang="ru-RU" sz="3200" b="1" i="0" u="none" strike="noStrike" kern="0" cap="none" spc="0" normalizeH="0" noProof="0" dirty="0" smtClean="0">
+              <a:rPr kumimoji="0" lang="ru-RU" sz="3200" b="1" i="0" u="none" strike="noStrike" kern="0" cap="none" spc="0" normalizeH="0" noProof="0" dirty="0">
                 <a:ln>
                   <a:noFill/>
                 </a:ln>
@@ -23238,7 +23039,7 @@
               <a:t>, </a:t>
             </a:r>
             <a:r>
-              <a:rPr kumimoji="0" lang="ru-RU" sz="3200" b="1" i="0" u="none" strike="noStrike" kern="0" cap="none" spc="0" normalizeH="0" baseline="0" noProof="0" dirty="0" smtClean="0">
+              <a:rPr kumimoji="0" lang="ru-RU" sz="3200" b="1" i="0" u="none" strike="noStrike" kern="0" cap="none" spc="0" normalizeH="0" baseline="0" noProof="0" dirty="0">
                 <a:ln>
                   <a:noFill/>
                 </a:ln>
@@ -23493,7 +23294,7 @@
               <a:buSzPct val="25000"/>
             </a:pPr>
             <a:r>
-              <a:rPr lang="ru-RU" sz="7800" dirty="0" smtClean="0">
+              <a:rPr lang="ru-RU" sz="7800" dirty="0">
                 <a:solidFill>
                   <a:srgbClr val="00FF00"/>
                 </a:solidFill>
@@ -23746,7 +23547,7 @@
               </a:buClr>
             </a:pPr>
             <a:r>
-              <a:rPr lang="en-US" sz="3200" b="1" dirty="0" smtClean="0">
+              <a:rPr lang="en-US" sz="3200" b="1" dirty="0">
                 <a:solidFill>
                   <a:srgbClr val="F6640A"/>
                 </a:solidFill>
@@ -23756,14 +23557,14 @@
               <a:t>class</a:t>
             </a:r>
             <a:r>
-              <a:rPr lang="en-US" sz="3200" b="1" dirty="0" smtClean="0">
+              <a:rPr lang="en-US" sz="3200" b="1" dirty="0">
                 <a:latin typeface="Courier New" pitchFamily="49" charset="0"/>
                 <a:cs typeface="Courier New" pitchFamily="49" charset="0"/>
               </a:rPr>
               <a:t> </a:t>
             </a:r>
             <a:r>
-              <a:rPr lang="en-US" sz="3200" b="1" dirty="0" smtClean="0">
+              <a:rPr lang="en-US" sz="3200" b="1" dirty="0">
                 <a:solidFill>
                   <a:srgbClr val="00B050"/>
                 </a:solidFill>
@@ -23773,14 +23574,14 @@
               <a:t>Car</a:t>
             </a:r>
             <a:r>
-              <a:rPr lang="en-US" sz="3200" b="1" dirty="0" smtClean="0">
+              <a:rPr lang="en-US" sz="3200" b="1" dirty="0">
                 <a:latin typeface="Courier New" pitchFamily="49" charset="0"/>
                 <a:cs typeface="Courier New" pitchFamily="49" charset="0"/>
               </a:rPr>
               <a:t>(</a:t>
             </a:r>
             <a:r>
-              <a:rPr lang="en-US" sz="3200" b="1" dirty="0" smtClean="0">
+              <a:rPr lang="en-US" sz="3200" b="1" dirty="0">
                 <a:solidFill>
                   <a:srgbClr val="7030A0"/>
                 </a:solidFill>
@@ -23790,7 +23591,7 @@
               <a:t>object</a:t>
             </a:r>
             <a:r>
-              <a:rPr lang="en-US" sz="3200" b="1" dirty="0" smtClean="0">
+              <a:rPr lang="en-US" sz="3200" b="1" dirty="0">
                 <a:latin typeface="Courier New" pitchFamily="49" charset="0"/>
                 <a:cs typeface="Courier New" pitchFamily="49" charset="0"/>
               </a:rPr>
@@ -23845,7 +23646,7 @@
               <a:t> </a:t>
             </a:r>
             <a:r>
-              <a:rPr lang="en-US" sz="3200" b="1" dirty="0" smtClean="0">
+              <a:rPr lang="en-US" sz="3200" b="1" dirty="0">
                 <a:solidFill>
                   <a:srgbClr val="00B050"/>
                 </a:solidFill>
@@ -23855,14 +23656,14 @@
               <a:t>color</a:t>
             </a:r>
             <a:r>
-              <a:rPr lang="en-US" sz="3200" b="1" dirty="0" smtClean="0">
+              <a:rPr lang="en-US" sz="3200" b="1" dirty="0">
                 <a:latin typeface="Courier New" pitchFamily="49" charset="0"/>
                 <a:cs typeface="Courier New" pitchFamily="49" charset="0"/>
               </a:rPr>
               <a:t>(</a:t>
             </a:r>
             <a:r>
-              <a:rPr lang="en-US" sz="3200" b="1" dirty="0" smtClean="0">
+              <a:rPr lang="en-US" sz="3200" b="1" dirty="0">
                 <a:solidFill>
                   <a:srgbClr val="7030A0"/>
                 </a:solidFill>
@@ -23872,11 +23673,98 @@
               <a:t>self</a:t>
             </a:r>
             <a:r>
-              <a:rPr lang="en-US" sz="3200" b="1" dirty="0" smtClean="0">
+              <a:rPr lang="en-US" sz="3200" b="1" dirty="0">
                 <a:latin typeface="Courier New" pitchFamily="49" charset="0"/>
                 <a:cs typeface="Courier New" pitchFamily="49" charset="0"/>
               </a:rPr>
               <a:t>): </a:t>
+            </a:r>
+          </a:p>
+          <a:p>
+            <a:pPr marL="82296">
+              <a:buClr>
+                <a:schemeClr val="tx1"/>
+              </a:buClr>
+            </a:pPr>
+            <a:r>
+              <a:rPr lang="en-US" sz="3200" b="1" dirty="0">
+                <a:solidFill>
+                  <a:srgbClr val="F6640A"/>
+                </a:solidFill>
+                <a:latin typeface="Courier New" pitchFamily="49" charset="0"/>
+                <a:cs typeface="Courier New" pitchFamily="49" charset="0"/>
+              </a:rPr>
+              <a:t>		return </a:t>
+            </a:r>
+            <a:r>
+              <a:rPr lang="en-US" sz="3200" b="1" dirty="0">
+                <a:solidFill>
+                  <a:srgbClr val="7030A0"/>
+                </a:solidFill>
+                <a:latin typeface="Courier New" pitchFamily="49" charset="0"/>
+                <a:cs typeface="Courier New" pitchFamily="49" charset="0"/>
+              </a:rPr>
+              <a:t>self</a:t>
+            </a:r>
+            <a:r>
+              <a:rPr lang="en-US" sz="3200" b="1" dirty="0">
+                <a:latin typeface="Courier New" pitchFamily="49" charset="0"/>
+                <a:cs typeface="Courier New" pitchFamily="49" charset="0"/>
+              </a:rPr>
+              <a:t>.</a:t>
+            </a:r>
+            <a:r>
+              <a:rPr lang="ru-RU" sz="3200" b="1" dirty="0">
+                <a:latin typeface="Courier New" pitchFamily="49" charset="0"/>
+                <a:cs typeface="Courier New" pitchFamily="49" charset="0"/>
+              </a:rPr>
+              <a:t>__</a:t>
+            </a:r>
+            <a:r>
+              <a:rPr lang="en-US" sz="3200" b="1" dirty="0">
+                <a:latin typeface="Courier New" pitchFamily="49" charset="0"/>
+                <a:cs typeface="Courier New" pitchFamily="49" charset="0"/>
+              </a:rPr>
+              <a:t>color</a:t>
+            </a:r>
+          </a:p>
+          <a:p>
+            <a:pPr marL="82296">
+              <a:buClr>
+                <a:schemeClr val="tx1"/>
+              </a:buClr>
+            </a:pPr>
+            <a:endParaRPr lang="ru-RU" sz="3200" b="1" dirty="0">
+              <a:latin typeface="Courier New" pitchFamily="49" charset="0"/>
+              <a:cs typeface="Courier New" pitchFamily="49" charset="0"/>
+            </a:endParaRPr>
+          </a:p>
+          <a:p>
+            <a:pPr marL="82296">
+              <a:buClr>
+                <a:schemeClr val="tx1"/>
+              </a:buClr>
+            </a:pPr>
+            <a:r>
+              <a:rPr lang="ru-RU" sz="3200" b="1" dirty="0">
+                <a:latin typeface="Courier New" pitchFamily="49" charset="0"/>
+                <a:cs typeface="Courier New" pitchFamily="49" charset="0"/>
+              </a:rPr>
+              <a:t>	</a:t>
+            </a:r>
+            <a:r>
+              <a:rPr lang="en-US" sz="3200" b="1" dirty="0">
+                <a:latin typeface="Courier New" pitchFamily="49" charset="0"/>
+                <a:cs typeface="Courier New" pitchFamily="49" charset="0"/>
+              </a:rPr>
+              <a:t>@</a:t>
+            </a:r>
+            <a:r>
+              <a:rPr lang="en-US" sz="3200" b="1" dirty="0" err="1">
+                <a:latin typeface="Courier New" pitchFamily="49" charset="0"/>
+                <a:cs typeface="Courier New" pitchFamily="49" charset="0"/>
+              </a:rPr>
+              <a:t>color.setter</a:t>
             </a:r>
             <a:endParaRPr lang="en-US" sz="3200" b="1" dirty="0">
               <a:latin typeface="Courier New" pitchFamily="49" charset="0"/>
@@ -23897,7 +23785,41 @@
                 <a:latin typeface="Courier New" pitchFamily="49" charset="0"/>
                 <a:cs typeface="Courier New" pitchFamily="49" charset="0"/>
               </a:rPr>
-              <a:t>		return </a:t>
+              <a:t>	</a:t>
+            </a:r>
+            <a:r>
+              <a:rPr lang="en-US" sz="3200" b="1" dirty="0" err="1">
+                <a:solidFill>
+                  <a:srgbClr val="F6640A"/>
+                </a:solidFill>
+                <a:latin typeface="Courier New" pitchFamily="49" charset="0"/>
+                <a:cs typeface="Courier New" pitchFamily="49" charset="0"/>
+              </a:rPr>
+              <a:t>def</a:t>
+            </a:r>
+            <a:r>
+              <a:rPr lang="en-US" sz="3200" b="1" dirty="0">
+                <a:latin typeface="Courier New" pitchFamily="49" charset="0"/>
+                <a:cs typeface="Courier New" pitchFamily="49" charset="0"/>
+              </a:rPr>
+              <a:t> </a:t>
+            </a:r>
+            <a:r>
+              <a:rPr lang="en-US" sz="3200" b="1" dirty="0">
+                <a:solidFill>
+                  <a:srgbClr val="00B050"/>
+                </a:solidFill>
+                <a:latin typeface="Courier New" pitchFamily="49" charset="0"/>
+                <a:cs typeface="Courier New" pitchFamily="49" charset="0"/>
+              </a:rPr>
+              <a:t>color</a:t>
+            </a:r>
+            <a:r>
+              <a:rPr lang="en-US" sz="3200" b="1" dirty="0">
+                <a:latin typeface="Courier New" pitchFamily="49" charset="0"/>
+                <a:cs typeface="Courier New" pitchFamily="49" charset="0"/>
+              </a:rPr>
+              <a:t>(</a:t>
             </a:r>
             <a:r>
               <a:rPr lang="en-US" sz="3200" b="1" dirty="0">
@@ -23907,28 +23829,14 @@
                 <a:latin typeface="Courier New" pitchFamily="49" charset="0"/>
                 <a:cs typeface="Courier New" pitchFamily="49" charset="0"/>
               </a:rPr>
-              <a:t>self</a:t>
-            </a:r>
-            <a:r>
-              <a:rPr lang="en-US" sz="3200" b="1" dirty="0">
-                <a:latin typeface="Courier New" pitchFamily="49" charset="0"/>
-                <a:cs typeface="Courier New" pitchFamily="49" charset="0"/>
-              </a:rPr>
-              <a:t>.</a:t>
-            </a:r>
-            <a:r>
-              <a:rPr lang="ru-RU" sz="3200" b="1" dirty="0">
-                <a:latin typeface="Courier New" pitchFamily="49" charset="0"/>
-                <a:cs typeface="Courier New" pitchFamily="49" charset="0"/>
-              </a:rPr>
-              <a:t>__</a:t>
-            </a:r>
-            <a:r>
-              <a:rPr lang="en-US" sz="3200" b="1" dirty="0" smtClean="0">
-                <a:latin typeface="Courier New" pitchFamily="49" charset="0"/>
-                <a:cs typeface="Courier New" pitchFamily="49" charset="0"/>
-              </a:rPr>
-              <a:t>color</a:t>
+              <a:t>self, value</a:t>
+            </a:r>
+            <a:r>
+              <a:rPr lang="en-US" sz="3200" b="1" dirty="0">
+                <a:latin typeface="Courier New" pitchFamily="49" charset="0"/>
+                <a:cs typeface="Courier New" pitchFamily="49" charset="0"/>
+              </a:rPr>
+              <a:t>): </a:t>
             </a:r>
           </a:p>
           <a:p>
@@ -23937,7 +23845,65 @@
                 <a:schemeClr val="tx1"/>
               </a:buClr>
             </a:pPr>
-            <a:endParaRPr lang="ru-RU" sz="3200" b="1" dirty="0" smtClean="0">
+            <a:r>
+              <a:rPr lang="en-US" sz="3200" b="1" dirty="0">
+                <a:solidFill>
+                  <a:srgbClr val="F6640A"/>
+                </a:solidFill>
+                <a:latin typeface="Courier New" pitchFamily="49" charset="0"/>
+                <a:cs typeface="Courier New" pitchFamily="49" charset="0"/>
+              </a:rPr>
+              <a:t>		</a:t>
+            </a:r>
+            <a:r>
+              <a:rPr lang="en-US" sz="3200" b="1" dirty="0">
+                <a:solidFill>
+                  <a:srgbClr val="7030A0"/>
+                </a:solidFill>
+                <a:latin typeface="Courier New" pitchFamily="49" charset="0"/>
+                <a:cs typeface="Courier New" pitchFamily="49" charset="0"/>
+              </a:rPr>
+              <a:t>self</a:t>
+            </a:r>
+            <a:r>
+              <a:rPr lang="en-US" sz="3200" b="1" dirty="0">
+                <a:latin typeface="Courier New" pitchFamily="49" charset="0"/>
+                <a:cs typeface="Courier New" pitchFamily="49" charset="0"/>
+              </a:rPr>
+              <a:t>.</a:t>
+            </a:r>
+            <a:r>
+              <a:rPr lang="ru-RU" sz="3200" b="1" dirty="0">
+                <a:latin typeface="Courier New" pitchFamily="49" charset="0"/>
+                <a:cs typeface="Courier New" pitchFamily="49" charset="0"/>
+              </a:rPr>
+              <a:t>__</a:t>
+            </a:r>
+            <a:r>
+              <a:rPr lang="en-US" sz="3200" b="1" dirty="0">
+                <a:latin typeface="Courier New" pitchFamily="49" charset="0"/>
+                <a:cs typeface="Courier New" pitchFamily="49" charset="0"/>
+              </a:rPr>
+              <a:t>color = </a:t>
+            </a:r>
+            <a:r>
+              <a:rPr lang="en-US" sz="3200" b="1" dirty="0">
+                <a:solidFill>
+                  <a:srgbClr val="7030A0"/>
+                </a:solidFill>
+                <a:latin typeface="Courier New" pitchFamily="49" charset="0"/>
+                <a:cs typeface="Courier New" pitchFamily="49" charset="0"/>
+              </a:rPr>
+              <a:t>value</a:t>
+            </a:r>
+          </a:p>
+          <a:p>
+            <a:pPr marL="82296">
+              <a:buClr>
+                <a:schemeClr val="tx1"/>
+              </a:buClr>
+            </a:pPr>
+            <a:endParaRPr lang="en-US" sz="3200" b="1" dirty="0">
               <a:latin typeface="Courier New" pitchFamily="49" charset="0"/>
               <a:cs typeface="Courier New" pitchFamily="49" charset="0"/>
             </a:endParaRPr>
@@ -23949,30 +23915,39 @@
               </a:buClr>
             </a:pPr>
             <a:r>
+              <a:rPr lang="en-US" sz="3200" b="1" dirty="0" err="1">
+                <a:latin typeface="Courier New" pitchFamily="49" charset="0"/>
+                <a:cs typeface="Courier New" pitchFamily="49" charset="0"/>
+              </a:rPr>
+              <a:t>ferrary</a:t>
+            </a:r>
+            <a:r>
+              <a:rPr lang="en-US" sz="3200" b="1" dirty="0">
+                <a:latin typeface="Courier New" pitchFamily="49" charset="0"/>
+                <a:cs typeface="Courier New" pitchFamily="49" charset="0"/>
+              </a:rPr>
+              <a:t> = </a:t>
+            </a:r>
+            <a:r>
+              <a:rPr lang="en-US" sz="3200" b="1" dirty="0">
+                <a:solidFill>
+                  <a:srgbClr val="00B050"/>
+                </a:solidFill>
+                <a:latin typeface="Courier New" pitchFamily="49" charset="0"/>
+                <a:cs typeface="Courier New" pitchFamily="49" charset="0"/>
+              </a:rPr>
+              <a:t>Car()</a:t>
+            </a:r>
+            <a:r>
               <a:rPr lang="ru-RU" sz="3200" b="1" dirty="0">
-                <a:latin typeface="Courier New" pitchFamily="49" charset="0"/>
-                <a:cs typeface="Courier New" pitchFamily="49" charset="0"/>
-              </a:rPr>
-              <a:t>	</a:t>
-            </a:r>
-            <a:r>
-              <a:rPr lang="en-US" sz="3200" b="1" dirty="0" smtClean="0">
-                <a:latin typeface="Courier New" pitchFamily="49" charset="0"/>
-                <a:cs typeface="Courier New" pitchFamily="49" charset="0"/>
-              </a:rPr>
-              <a:t>@</a:t>
-            </a:r>
-            <a:r>
-              <a:rPr lang="en-US" sz="3200" b="1" dirty="0" err="1" smtClean="0">
-                <a:latin typeface="Courier New" pitchFamily="49" charset="0"/>
-                <a:cs typeface="Courier New" pitchFamily="49" charset="0"/>
-              </a:rPr>
-              <a:t>color.setter</a:t>
-            </a:r>
-            <a:endParaRPr lang="en-US" sz="3200" b="1" dirty="0" smtClean="0">
-              <a:latin typeface="Courier New" pitchFamily="49" charset="0"/>
-              <a:cs typeface="Courier New" pitchFamily="49" charset="0"/>
-            </a:endParaRPr>
+                <a:solidFill>
+                  <a:srgbClr val="00B050"/>
+                </a:solidFill>
+                <a:latin typeface="Courier New" pitchFamily="49" charset="0"/>
+                <a:cs typeface="Courier New" pitchFamily="49" charset="0"/>
+              </a:rPr>
+              <a:t> </a:t>
+            </a:r>
           </a:p>
           <a:p>
             <a:pPr marL="82296">
@@ -23981,34 +23956,14 @@
               </a:buClr>
             </a:pPr>
             <a:r>
-              <a:rPr lang="en-US" sz="3200" b="1" dirty="0">
-                <a:solidFill>
-                  <a:srgbClr val="F6640A"/>
-                </a:solidFill>
-                <a:latin typeface="Courier New" pitchFamily="49" charset="0"/>
-                <a:cs typeface="Courier New" pitchFamily="49" charset="0"/>
-              </a:rPr>
-              <a:t>	</a:t>
-            </a:r>
-            <a:r>
               <a:rPr lang="en-US" sz="3200" b="1" dirty="0" err="1">
-                <a:solidFill>
-                  <a:srgbClr val="F6640A"/>
-                </a:solidFill>
-                <a:latin typeface="Courier New" pitchFamily="49" charset="0"/>
-                <a:cs typeface="Courier New" pitchFamily="49" charset="0"/>
-              </a:rPr>
-              <a:t>def</a:t>
-            </a:r>
-            <a:r>
-              <a:rPr lang="en-US" sz="3200" b="1" dirty="0">
-                <a:latin typeface="Courier New" pitchFamily="49" charset="0"/>
-                <a:cs typeface="Courier New" pitchFamily="49" charset="0"/>
-              </a:rPr>
-              <a:t> </a:t>
-            </a:r>
-            <a:r>
-              <a:rPr lang="en-US" sz="3200" b="1" dirty="0" smtClean="0">
+                <a:latin typeface="Courier New" pitchFamily="49" charset="0"/>
+                <a:cs typeface="Courier New" pitchFamily="49" charset="0"/>
+              </a:rPr>
+              <a:t>ferrary.</a:t>
+            </a:r>
+            <a:r>
+              <a:rPr lang="en-US" sz="3200" b="1" dirty="0" err="1">
                 <a:solidFill>
                   <a:srgbClr val="00B050"/>
                 </a:solidFill>
@@ -24018,208 +23973,43 @@
               <a:t>color</a:t>
             </a:r>
             <a:r>
-              <a:rPr lang="en-US" sz="3200" b="1" dirty="0" smtClean="0">
-                <a:latin typeface="Courier New" pitchFamily="49" charset="0"/>
-                <a:cs typeface="Courier New" pitchFamily="49" charset="0"/>
-              </a:rPr>
-              <a:t>(</a:t>
-            </a:r>
-            <a:r>
-              <a:rPr lang="en-US" sz="3200" b="1" dirty="0" smtClean="0">
+              <a:rPr lang="en-US" sz="3200" b="1" dirty="0">
+                <a:latin typeface="Courier New" pitchFamily="49" charset="0"/>
+                <a:cs typeface="Courier New" pitchFamily="49" charset="0"/>
+              </a:rPr>
+              <a:t> =</a:t>
+            </a:r>
+            <a:r>
+              <a:rPr lang="en-US" sz="3200" b="1" dirty="0">
                 <a:solidFill>
                   <a:srgbClr val="7030A0"/>
                 </a:solidFill>
                 <a:latin typeface="Courier New" pitchFamily="49" charset="0"/>
                 <a:cs typeface="Courier New" pitchFamily="49" charset="0"/>
               </a:rPr>
-              <a:t>self, value</a:t>
-            </a:r>
-            <a:r>
-              <a:rPr lang="en-US" sz="3200" b="1" dirty="0" smtClean="0">
-                <a:latin typeface="Courier New" pitchFamily="49" charset="0"/>
-                <a:cs typeface="Courier New" pitchFamily="49" charset="0"/>
-              </a:rPr>
-              <a:t>): </a:t>
-            </a:r>
-          </a:p>
-          <a:p>
-            <a:pPr marL="82296">
-              <a:buClr>
-                <a:schemeClr val="tx1"/>
-              </a:buClr>
-            </a:pPr>
-            <a:r>
-              <a:rPr lang="en-US" sz="3200" b="1" dirty="0">
-                <a:solidFill>
-                  <a:srgbClr val="F6640A"/>
-                </a:solidFill>
-                <a:latin typeface="Courier New" pitchFamily="49" charset="0"/>
-                <a:cs typeface="Courier New" pitchFamily="49" charset="0"/>
-              </a:rPr>
-              <a:t>		</a:t>
-            </a:r>
-            <a:r>
-              <a:rPr lang="en-US" sz="3200" b="1" dirty="0" smtClean="0">
+              <a:t>‘</a:t>
+            </a:r>
+            <a:r>
+              <a:rPr lang="en-US" sz="3200" b="1" dirty="0">
+                <a:solidFill>
+                  <a:srgbClr val="FF0000"/>
+                </a:solidFill>
+                <a:latin typeface="Courier New" pitchFamily="49" charset="0"/>
+                <a:cs typeface="Courier New" pitchFamily="49" charset="0"/>
+              </a:rPr>
+              <a:t>red</a:t>
+            </a:r>
+            <a:r>
+              <a:rPr lang="en-US" sz="3200" b="1" dirty="0">
                 <a:solidFill>
                   <a:srgbClr val="7030A0"/>
                 </a:solidFill>
                 <a:latin typeface="Courier New" pitchFamily="49" charset="0"/>
                 <a:cs typeface="Courier New" pitchFamily="49" charset="0"/>
               </a:rPr>
-              <a:t>self</a:t>
-            </a:r>
-            <a:r>
-              <a:rPr lang="en-US" sz="3200" b="1" dirty="0" smtClean="0">
-                <a:latin typeface="Courier New" pitchFamily="49" charset="0"/>
-                <a:cs typeface="Courier New" pitchFamily="49" charset="0"/>
-              </a:rPr>
-              <a:t>.</a:t>
-            </a:r>
-            <a:r>
-              <a:rPr lang="ru-RU" sz="3200" b="1" dirty="0" smtClean="0">
-                <a:latin typeface="Courier New" pitchFamily="49" charset="0"/>
-                <a:cs typeface="Courier New" pitchFamily="49" charset="0"/>
-              </a:rPr>
-              <a:t>__</a:t>
-            </a:r>
-            <a:r>
-              <a:rPr lang="en-US" sz="3200" b="1" dirty="0" smtClean="0">
-                <a:latin typeface="Courier New" pitchFamily="49" charset="0"/>
-                <a:cs typeface="Courier New" pitchFamily="49" charset="0"/>
-              </a:rPr>
-              <a:t>color = </a:t>
-            </a:r>
-            <a:r>
-              <a:rPr lang="en-US" sz="3200" b="1" dirty="0">
-                <a:solidFill>
-                  <a:srgbClr val="7030A0"/>
-                </a:solidFill>
-                <a:latin typeface="Courier New" pitchFamily="49" charset="0"/>
-                <a:cs typeface="Courier New" pitchFamily="49" charset="0"/>
-              </a:rPr>
-              <a:t>value</a:t>
-            </a:r>
-          </a:p>
-          <a:p>
-            <a:pPr marL="82296">
-              <a:buClr>
-                <a:schemeClr val="tx1"/>
-              </a:buClr>
-            </a:pPr>
-            <a:endParaRPr lang="en-US" sz="3200" b="1" dirty="0" smtClean="0">
-              <a:latin typeface="Courier New" pitchFamily="49" charset="0"/>
-              <a:cs typeface="Courier New" pitchFamily="49" charset="0"/>
-            </a:endParaRPr>
-          </a:p>
-          <a:p>
-            <a:pPr marL="82296">
-              <a:buClr>
-                <a:schemeClr val="tx1"/>
-              </a:buClr>
-            </a:pPr>
-            <a:r>
-              <a:rPr lang="en-US" sz="3200" b="1" dirty="0" err="1" smtClean="0">
-                <a:latin typeface="Courier New" pitchFamily="49" charset="0"/>
-                <a:cs typeface="Courier New" pitchFamily="49" charset="0"/>
-              </a:rPr>
-              <a:t>ferrary</a:t>
-            </a:r>
-            <a:r>
-              <a:rPr lang="en-US" sz="3200" b="1" dirty="0" smtClean="0">
-                <a:latin typeface="Courier New" pitchFamily="49" charset="0"/>
-                <a:cs typeface="Courier New" pitchFamily="49" charset="0"/>
-              </a:rPr>
-              <a:t> = </a:t>
-            </a:r>
-            <a:r>
-              <a:rPr lang="en-US" sz="3200" b="1" dirty="0" smtClean="0">
-                <a:solidFill>
-                  <a:srgbClr val="00B050"/>
-                </a:solidFill>
-                <a:latin typeface="Courier New" pitchFamily="49" charset="0"/>
-                <a:cs typeface="Courier New" pitchFamily="49" charset="0"/>
-              </a:rPr>
-              <a:t>Car()</a:t>
-            </a:r>
-            <a:r>
-              <a:rPr lang="ru-RU" sz="3200" b="1" dirty="0" smtClean="0">
-                <a:solidFill>
-                  <a:srgbClr val="00B050"/>
-                </a:solidFill>
-                <a:latin typeface="Courier New" pitchFamily="49" charset="0"/>
-                <a:cs typeface="Courier New" pitchFamily="49" charset="0"/>
-              </a:rPr>
-              <a:t> </a:t>
-            </a:r>
-          </a:p>
-          <a:p>
-            <a:pPr marL="82296">
-              <a:buClr>
-                <a:schemeClr val="tx1"/>
-              </a:buClr>
-            </a:pPr>
-            <a:r>
-              <a:rPr lang="en-US" sz="3200" b="1" dirty="0" err="1" smtClean="0">
-                <a:latin typeface="Courier New" pitchFamily="49" charset="0"/>
-                <a:cs typeface="Courier New" pitchFamily="49" charset="0"/>
-              </a:rPr>
-              <a:t>ferrary.</a:t>
-            </a:r>
-            <a:r>
-              <a:rPr lang="en-US" sz="3200" b="1" dirty="0" err="1" smtClean="0">
-                <a:solidFill>
-                  <a:srgbClr val="00B050"/>
-                </a:solidFill>
-                <a:latin typeface="Courier New" pitchFamily="49" charset="0"/>
-                <a:cs typeface="Courier New" pitchFamily="49" charset="0"/>
-              </a:rPr>
-              <a:t>color</a:t>
-            </a:r>
-            <a:r>
-              <a:rPr lang="en-US" sz="3200" b="1" dirty="0">
-                <a:latin typeface="Courier New" pitchFamily="49" charset="0"/>
-                <a:cs typeface="Courier New" pitchFamily="49" charset="0"/>
-              </a:rPr>
-              <a:t> </a:t>
-            </a:r>
-            <a:r>
-              <a:rPr lang="en-US" sz="3200" b="1" dirty="0" smtClean="0">
-                <a:latin typeface="Courier New" pitchFamily="49" charset="0"/>
-                <a:cs typeface="Courier New" pitchFamily="49" charset="0"/>
-              </a:rPr>
-              <a:t>=</a:t>
-            </a:r>
-            <a:r>
-              <a:rPr lang="en-US" sz="3200" b="1" dirty="0" smtClean="0">
-                <a:solidFill>
-                  <a:srgbClr val="7030A0"/>
-                </a:solidFill>
-                <a:latin typeface="Courier New" pitchFamily="49" charset="0"/>
-                <a:cs typeface="Courier New" pitchFamily="49" charset="0"/>
-              </a:rPr>
-              <a:t>‘</a:t>
-            </a:r>
-            <a:r>
-              <a:rPr lang="en-US" sz="3200" b="1" dirty="0" smtClean="0">
-                <a:solidFill>
-                  <a:srgbClr val="FF0000"/>
-                </a:solidFill>
-                <a:latin typeface="Courier New" pitchFamily="49" charset="0"/>
-                <a:cs typeface="Courier New" pitchFamily="49" charset="0"/>
-              </a:rPr>
-              <a:t>red</a:t>
-            </a:r>
-            <a:r>
-              <a:rPr lang="en-US" sz="3200" b="1" dirty="0" smtClean="0">
-                <a:solidFill>
-                  <a:srgbClr val="7030A0"/>
-                </a:solidFill>
-                <a:latin typeface="Courier New" pitchFamily="49" charset="0"/>
-                <a:cs typeface="Courier New" pitchFamily="49" charset="0"/>
-              </a:rPr>
               <a:t>’</a:t>
             </a:r>
-            <a:endParaRPr lang="en-US" sz="3200" b="1" dirty="0" smtClean="0">
+            <a:endParaRPr lang="en-US" sz="3200" b="1" dirty="0">
               <a:solidFill>
                 <a:schemeClr val="bg2"/>
               </a:solidFill>
@@ -24244,21 +24034,21 @@
               <a:t>print</a:t>
             </a:r>
             <a:r>
-              <a:rPr lang="en-US" sz="3200" b="1" dirty="0" smtClean="0">
+              <a:rPr lang="en-US" sz="3200" b="1" dirty="0">
                 <a:latin typeface="Courier New" pitchFamily="49" charset="0"/>
                 <a:cs typeface="Courier New" pitchFamily="49" charset="0"/>
               </a:rPr>
               <a:t> (</a:t>
             </a:r>
             <a:r>
-              <a:rPr lang="en-US" sz="3200" b="1" dirty="0" err="1" smtClean="0">
+              <a:rPr lang="en-US" sz="3200" b="1" dirty="0" err="1">
                 <a:latin typeface="Courier New" pitchFamily="49" charset="0"/>
                 <a:cs typeface="Courier New" pitchFamily="49" charset="0"/>
               </a:rPr>
               <a:t>ferrary.</a:t>
             </a:r>
             <a:r>
-              <a:rPr lang="en-US" sz="3200" b="1" dirty="0" err="1" smtClean="0">
+              <a:rPr lang="en-US" sz="3200" b="1" dirty="0" err="1">
                 <a:solidFill>
                   <a:srgbClr val="00B050"/>
                 </a:solidFill>
@@ -24268,7 +24058,7 @@
               <a:t>color</a:t>
             </a:r>
             <a:r>
-              <a:rPr lang="en-US" sz="3200" b="1" dirty="0" smtClean="0">
+              <a:rPr lang="en-US" sz="3200" b="1" dirty="0">
                 <a:solidFill>
                   <a:schemeClr val="bg2"/>
                 </a:solidFill>
@@ -24278,21 +24068,21 @@
               <a:t>)</a:t>
             </a:r>
             <a:r>
-              <a:rPr lang="en-US" sz="3200" b="1" dirty="0" smtClean="0">
+              <a:rPr lang="en-US" sz="3200" b="1" dirty="0">
                 <a:latin typeface="Courier New" pitchFamily="49" charset="0"/>
                 <a:cs typeface="Courier New" pitchFamily="49" charset="0"/>
               </a:rPr>
               <a:t> 	</a:t>
             </a:r>
             <a:r>
-              <a:rPr lang="ru-RU" sz="3200" b="1" dirty="0" smtClean="0">
+              <a:rPr lang="ru-RU" sz="3200" b="1" dirty="0">
                 <a:latin typeface="Courier New" pitchFamily="49" charset="0"/>
                 <a:cs typeface="Courier New" pitchFamily="49" charset="0"/>
               </a:rPr>
               <a:t>		</a:t>
             </a:r>
             <a:r>
-              <a:rPr lang="en-US" sz="3200" b="1" dirty="0" smtClean="0">
+              <a:rPr lang="en-US" sz="3200" b="1" dirty="0">
                 <a:solidFill>
                   <a:schemeClr val="bg1">
                     <a:lumMod val="50000"/>
@@ -24303,7 +24093,7 @@
               </a:rPr>
               <a:t># red</a:t>
             </a:r>
-            <a:endParaRPr lang="en-US" sz="3200" b="1" dirty="0" smtClean="0">
+            <a:endParaRPr lang="en-US" sz="3200" b="1" dirty="0">
               <a:latin typeface="Courier New" pitchFamily="49" charset="0"/>
               <a:cs typeface="Courier New" pitchFamily="49" charset="0"/>
             </a:endParaRPr>
@@ -24314,7 +24104,7 @@
                 <a:schemeClr val="tx1"/>
               </a:buClr>
             </a:pPr>
-            <a:endParaRPr lang="en-US" sz="3200" b="1" dirty="0" smtClean="0">
+            <a:endParaRPr lang="en-US" sz="3200" b="1" dirty="0">
               <a:solidFill>
                 <a:srgbClr val="FF0000"/>
               </a:solidFill>
@@ -24849,7 +24639,7 @@
               <a:buSzPct val="25000"/>
             </a:pPr>
             <a:r>
-              <a:rPr lang="ru-RU" sz="7800" dirty="0" smtClean="0">
+              <a:rPr lang="ru-RU" sz="7800" dirty="0">
                 <a:solidFill>
                   <a:srgbClr val="00FF00"/>
                 </a:solidFill>
@@ -25116,82 +24906,6 @@
               <a:defRPr/>
             </a:pPr>
             <a:r>
-              <a:rPr kumimoji="0" lang="ru-RU" sz="3200" b="1" i="0" u="none" strike="noStrike" kern="0" cap="none" spc="0" normalizeH="0" baseline="0" noProof="0" dirty="0" smtClean="0">
-                <a:ln>
-                  <a:noFill/>
-                </a:ln>
-                <a:solidFill>
-                  <a:srgbClr val="FFFFFF">
-                    <a:lumMod val="50000"/>
-                  </a:srgbClr>
-                </a:solidFill>
-                <a:effectLst/>
-                <a:uLnTx/>
-                <a:uFillTx/>
-                <a:latin typeface="Courier New" pitchFamily="49" charset="0"/>
-                <a:cs typeface="Courier New" pitchFamily="49" charset="0"/>
-                <a:sym typeface="Arial"/>
-              </a:rPr>
-              <a:t>Сделайте атрибуты объекта название автомобиля (</a:t>
-            </a:r>
-            <a:r>
-              <a:rPr kumimoji="0" lang="en-US" sz="3200" b="1" i="0" u="none" strike="noStrike" kern="0" cap="none" spc="0" normalizeH="0" baseline="0" noProof="0" dirty="0" smtClean="0">
-                <a:ln>
-                  <a:noFill/>
-                </a:ln>
-                <a:solidFill>
-                  <a:srgbClr val="FFFFFF">
-                    <a:lumMod val="50000"/>
-                  </a:srgbClr>
-                </a:solidFill>
-                <a:effectLst/>
-                <a:uLnTx/>
-                <a:uFillTx/>
-                <a:latin typeface="Courier New" pitchFamily="49" charset="0"/>
-                <a:cs typeface="Courier New" pitchFamily="49" charset="0"/>
-                <a:sym typeface="Arial"/>
-              </a:rPr>
-              <a:t>name)</a:t>
-            </a:r>
-            <a:r>
-              <a:rPr kumimoji="0" lang="ru-RU" sz="3200" b="1" i="0" u="none" strike="noStrike" kern="0" cap="none" spc="0" normalizeH="0" baseline="0" noProof="0" dirty="0" smtClean="0">
-                <a:ln>
-                  <a:noFill/>
-                </a:ln>
-                <a:solidFill>
-                  <a:srgbClr val="FFFFFF">
-                    <a:lumMod val="50000"/>
-                  </a:srgbClr>
-                </a:solidFill>
-                <a:effectLst/>
-                <a:uLnTx/>
-                <a:uFillTx/>
-                <a:latin typeface="Courier New" pitchFamily="49" charset="0"/>
-                <a:cs typeface="Courier New" pitchFamily="49" charset="0"/>
-                <a:sym typeface="Arial"/>
-              </a:rPr>
-              <a:t> и скорость</a:t>
-            </a:r>
-            <a:r>
-              <a:rPr kumimoji="0" lang="en-US" sz="3200" b="1" i="0" u="none" strike="noStrike" kern="0" cap="none" spc="0" normalizeH="0" baseline="0" noProof="0" dirty="0" smtClean="0">
-                <a:ln>
-                  <a:noFill/>
-                </a:ln>
-                <a:solidFill>
-                  <a:srgbClr val="FFFFFF">
-                    <a:lumMod val="50000"/>
-                  </a:srgbClr>
-                </a:solidFill>
-                <a:effectLst/>
-                <a:uLnTx/>
-                <a:uFillTx/>
-                <a:latin typeface="Courier New" pitchFamily="49" charset="0"/>
-                <a:cs typeface="Courier New" pitchFamily="49" charset="0"/>
-                <a:sym typeface="Arial"/>
-              </a:rPr>
-              <a:t> (speed)</a:t>
-            </a:r>
-            <a:r>
               <a:rPr kumimoji="0" lang="ru-RU" sz="3200" b="1" i="0" u="none" strike="noStrike" kern="0" cap="none" spc="0" normalizeH="0" baseline="0" noProof="0" dirty="0">
                 <a:ln>
                   <a:noFill/>
@@ -25208,10 +24922,10 @@
                 <a:cs typeface="Courier New" pitchFamily="49" charset="0"/>
                 <a:sym typeface="Arial"/>
               </a:rPr>
-              <a:t> </a:t>
-            </a:r>
-            <a:r>
-              <a:rPr kumimoji="0" lang="ru-RU" sz="3200" b="1" i="0" u="none" strike="noStrike" kern="0" cap="none" spc="0" normalizeH="0" baseline="0" noProof="0" dirty="0" smtClean="0">
+              <a:t>Сделайте атрибуты объекта название автомобиля (</a:t>
+            </a:r>
+            <a:r>
+              <a:rPr kumimoji="0" lang="en-US" sz="3200" b="1" i="0" u="none" strike="noStrike" kern="0" cap="none" spc="0" normalizeH="0" baseline="0" noProof="0" dirty="0">
                 <a:ln>
                   <a:noFill/>
                 </a:ln>
@@ -25227,7 +24941,64 @@
                 <a:cs typeface="Courier New" pitchFamily="49" charset="0"/>
                 <a:sym typeface="Arial"/>
               </a:rPr>
-              <a:t>закрытыми.</a:t>
+              <a:t>name)</a:t>
+            </a:r>
+            <a:r>
+              <a:rPr kumimoji="0" lang="ru-RU" sz="3200" b="1" i="0" u="none" strike="noStrike" kern="0" cap="none" spc="0" normalizeH="0" baseline="0" noProof="0" dirty="0">
+                <a:ln>
+                  <a:noFill/>
+                </a:ln>
+                <a:solidFill>
+                  <a:srgbClr val="FFFFFF">
+                    <a:lumMod val="50000"/>
+                  </a:srgbClr>
+                </a:solidFill>
+                <a:effectLst/>
+                <a:uLnTx/>
+                <a:uFillTx/>
+                <a:latin typeface="Courier New" pitchFamily="49" charset="0"/>
+                <a:cs typeface="Courier New" pitchFamily="49" charset="0"/>
+                <a:sym typeface="Arial"/>
+              </a:rPr>
+              <a:t> и скорость</a:t>
+            </a:r>
+            <a:r>
+              <a:rPr kumimoji="0" lang="en-US" sz="3200" b="1" i="0" u="none" strike="noStrike" kern="0" cap="none" spc="0" normalizeH="0" baseline="0" noProof="0" dirty="0">
+                <a:ln>
+                  <a:noFill/>
+                </a:ln>
+                <a:solidFill>
+                  <a:srgbClr val="FFFFFF">
+                    <a:lumMod val="50000"/>
+                  </a:srgbClr>
+                </a:solidFill>
+                <a:effectLst/>
+                <a:uLnTx/>
+                <a:uFillTx/>
+                <a:latin typeface="Courier New" pitchFamily="49" charset="0"/>
+                <a:cs typeface="Courier New" pitchFamily="49" charset="0"/>
+                <a:sym typeface="Arial"/>
+              </a:rPr>
+              <a:t> (speed)</a:t>
+            </a:r>
+            <a:r>
+              <a:rPr kumimoji="0" lang="ru-RU" sz="3200" b="1" i="0" u="none" strike="noStrike" kern="0" cap="none" spc="0" normalizeH="0" baseline="0" noProof="0" dirty="0">
+                <a:ln>
+                  <a:noFill/>
+                </a:ln>
+                <a:solidFill>
+                  <a:srgbClr val="FFFFFF">
+                    <a:lumMod val="50000"/>
+                  </a:srgbClr>
+                </a:solidFill>
+                <a:effectLst/>
+                <a:uLnTx/>
+                <a:uFillTx/>
+                <a:latin typeface="Courier New" pitchFamily="49" charset="0"/>
+                <a:cs typeface="Courier New" pitchFamily="49" charset="0"/>
+                <a:sym typeface="Arial"/>
+              </a:rPr>
+              <a:t> закрытыми.</a:t>
             </a:r>
           </a:p>
           <a:p>
@@ -25288,7 +25059,7 @@
               <a:defRPr/>
             </a:pPr>
             <a:r>
-              <a:rPr kumimoji="0" lang="ru-RU" sz="3200" b="1" i="0" u="none" strike="noStrike" kern="0" cap="none" spc="0" normalizeH="0" baseline="0" noProof="0" dirty="0" smtClean="0">
+              <a:rPr kumimoji="0" lang="ru-RU" sz="3200" b="1" i="0" u="none" strike="noStrike" kern="0" cap="none" spc="0" normalizeH="0" baseline="0" noProof="0" dirty="0">
                 <a:ln>
                   <a:noFill/>
                 </a:ln>
@@ -25307,7 +25078,7 @@
               <a:t>Создайте свойства</a:t>
             </a:r>
             <a:r>
-              <a:rPr kumimoji="0" lang="ru-RU" sz="3200" b="1" i="0" u="none" strike="noStrike" kern="0" cap="none" spc="0" normalizeH="0" noProof="0" dirty="0" smtClean="0">
+              <a:rPr kumimoji="0" lang="ru-RU" sz="3200" b="1" i="0" u="none" strike="noStrike" kern="0" cap="none" spc="0" normalizeH="0" noProof="0" dirty="0">
                 <a:ln>
                   <a:noFill/>
                 </a:ln>
@@ -25325,7 +25096,7 @@
               </a:rPr>
               <a:t> для доступа к закрытым атрибутам объекта</a:t>
             </a:r>
-            <a:endParaRPr kumimoji="0" lang="ru-RU" sz="3200" b="1" i="0" u="none" strike="noStrike" kern="0" cap="none" spc="0" normalizeH="0" baseline="0" noProof="0" dirty="0" smtClean="0">
+            <a:endParaRPr kumimoji="0" lang="ru-RU" sz="3200" b="1" i="0" u="none" strike="noStrike" kern="0" cap="none" spc="0" normalizeH="0" baseline="0" noProof="0" dirty="0">
               <a:ln>
                 <a:noFill/>
               </a:ln>
@@ -25400,7 +25171,7 @@
               <a:defRPr/>
             </a:pPr>
             <a:r>
-              <a:rPr kumimoji="0" lang="ru-RU" sz="3200" b="1" i="0" u="none" strike="noStrike" kern="0" cap="none" spc="0" normalizeH="0" baseline="0" noProof="0" dirty="0" smtClean="0">
+              <a:rPr kumimoji="0" lang="ru-RU" sz="3200" b="1" i="0" u="none" strike="noStrike" kern="0" cap="none" spc="0" normalizeH="0" baseline="0" noProof="0" dirty="0">
                 <a:ln>
                   <a:noFill/>
                 </a:ln>
@@ -25416,26 +25187,7 @@
                 <a:cs typeface="Courier New" pitchFamily="49" charset="0"/>
                 <a:sym typeface="Arial"/>
               </a:rPr>
-              <a:t>Продемонстрируйте применение созданных </a:t>
-            </a:r>
-            <a:r>
-              <a:rPr kumimoji="0" lang="ru-RU" sz="3200" b="1" i="0" u="none" strike="noStrike" kern="0" cap="none" spc="0" normalizeH="0" baseline="0" noProof="0" dirty="0" err="1" smtClean="0">
-                <a:ln>
-                  <a:noFill/>
-                </a:ln>
-                <a:solidFill>
-                  <a:srgbClr val="FFFFFF">
-                    <a:lumMod val="50000"/>
-                  </a:srgbClr>
-                </a:solidFill>
-                <a:effectLst/>
-                <a:uLnTx/>
-                <a:uFillTx/>
-                <a:latin typeface="Courier New" pitchFamily="49" charset="0"/>
-                <a:cs typeface="Courier New" pitchFamily="49" charset="0"/>
-                <a:sym typeface="Arial"/>
-              </a:rPr>
-              <a:t>свйств</a:t>
+              <a:t>Продемонстрируйте применение созданных свойств</a:t>
             </a:r>
             <a:endParaRPr kumimoji="0" lang="en-US" sz="3200" b="1" i="0" u="none" strike="noStrike" kern="0" cap="none" spc="0" normalizeH="0" baseline="0" noProof="0" dirty="0">
               <a:ln>
@@ -25674,7 +25426,7 @@
               <a:buSzPct val="25000"/>
             </a:pPr>
             <a:r>
-              <a:rPr lang="ru-RU" sz="7800" dirty="0" smtClean="0">
+              <a:rPr lang="ru-RU" sz="7800" dirty="0">
                 <a:solidFill>
                   <a:srgbClr val="00FF00"/>
                 </a:solidFill>
@@ -25686,7 +25438,7 @@
               <a:t>Конструктор</a:t>
             </a:r>
             <a:r>
-              <a:rPr lang="en-US" sz="7800" dirty="0" smtClean="0">
+              <a:rPr lang="en-US" sz="7800" dirty="0">
                 <a:solidFill>
                   <a:srgbClr val="00FF00"/>
                 </a:solidFill>
@@ -25698,7 +25450,7 @@
               <a:t> </a:t>
             </a:r>
             <a:r>
-              <a:rPr lang="ru-RU" sz="7800" dirty="0" smtClean="0">
+              <a:rPr lang="ru-RU" sz="7800" dirty="0">
                 <a:solidFill>
                   <a:srgbClr val="00FF00"/>
                 </a:solidFill>
@@ -25951,7 +25703,7 @@
               </a:buClr>
             </a:pPr>
             <a:r>
-              <a:rPr lang="en-US" sz="3200" b="1" dirty="0" smtClean="0">
+              <a:rPr lang="en-US" sz="3200" b="1" dirty="0">
                 <a:solidFill>
                   <a:srgbClr val="F6640A"/>
                 </a:solidFill>
@@ -25961,14 +25713,14 @@
               <a:t>class</a:t>
             </a:r>
             <a:r>
-              <a:rPr lang="en-US" sz="3200" b="1" dirty="0" smtClean="0">
+              <a:rPr lang="en-US" sz="3200" b="1" dirty="0">
                 <a:latin typeface="Courier New" pitchFamily="49" charset="0"/>
                 <a:cs typeface="Courier New" pitchFamily="49" charset="0"/>
               </a:rPr>
               <a:t> </a:t>
             </a:r>
             <a:r>
-              <a:rPr lang="en-US" sz="3200" b="1" dirty="0" smtClean="0">
+              <a:rPr lang="en-US" sz="3200" b="1" dirty="0">
                 <a:solidFill>
                   <a:srgbClr val="00B050"/>
                 </a:solidFill>
@@ -25978,14 +25730,14 @@
               <a:t>Car</a:t>
             </a:r>
             <a:r>
-              <a:rPr lang="en-US" sz="3200" b="1" dirty="0" smtClean="0">
+              <a:rPr lang="en-US" sz="3200" b="1" dirty="0">
                 <a:latin typeface="Courier New" pitchFamily="49" charset="0"/>
                 <a:cs typeface="Courier New" pitchFamily="49" charset="0"/>
               </a:rPr>
               <a:t>(</a:t>
             </a:r>
             <a:r>
-              <a:rPr lang="en-US" sz="3200" b="1" dirty="0" smtClean="0">
+              <a:rPr lang="en-US" sz="3200" b="1" dirty="0">
                 <a:solidFill>
                   <a:srgbClr val="7030A0"/>
                 </a:solidFill>
@@ -25995,7 +25747,7 @@
               <a:t>object</a:t>
             </a:r>
             <a:r>
-              <a:rPr lang="en-US" sz="3200" b="1" dirty="0" smtClean="0">
+              <a:rPr lang="en-US" sz="3200" b="1" dirty="0">
                 <a:latin typeface="Courier New" pitchFamily="49" charset="0"/>
                 <a:cs typeface="Courier New" pitchFamily="49" charset="0"/>
               </a:rPr>
@@ -26036,7 +25788,7 @@
               <a:t> </a:t>
             </a:r>
             <a:r>
-              <a:rPr lang="en-US" sz="3200" b="1" dirty="0" smtClean="0">
+              <a:rPr lang="en-US" sz="3200" b="1" dirty="0">
                 <a:solidFill>
                   <a:srgbClr val="00B050"/>
                 </a:solidFill>
@@ -26046,7 +25798,7 @@
               <a:t>__</a:t>
             </a:r>
             <a:r>
-              <a:rPr lang="en-US" sz="3200" b="1" dirty="0" err="1" smtClean="0">
+              <a:rPr lang="en-US" sz="3200" b="1" dirty="0" err="1">
                 <a:solidFill>
                   <a:srgbClr val="00B050"/>
                 </a:solidFill>
@@ -26056,7 +25808,7 @@
               <a:t>init</a:t>
             </a:r>
             <a:r>
-              <a:rPr lang="en-US" sz="3200" b="1" dirty="0" smtClean="0">
+              <a:rPr lang="en-US" sz="3200" b="1" dirty="0">
                 <a:solidFill>
                   <a:srgbClr val="00B050"/>
                 </a:solidFill>
@@ -26066,14 +25818,14 @@
               <a:t>__</a:t>
             </a:r>
             <a:r>
-              <a:rPr lang="en-US" sz="3200" b="1" dirty="0" smtClean="0">
+              <a:rPr lang="en-US" sz="3200" b="1" dirty="0">
                 <a:latin typeface="Courier New" pitchFamily="49" charset="0"/>
                 <a:cs typeface="Courier New" pitchFamily="49" charset="0"/>
               </a:rPr>
               <a:t>(</a:t>
             </a:r>
             <a:r>
-              <a:rPr lang="en-US" sz="3200" b="1" dirty="0" smtClean="0">
+              <a:rPr lang="en-US" sz="3200" b="1" dirty="0">
                 <a:solidFill>
                   <a:srgbClr val="7030A0"/>
                 </a:solidFill>
@@ -26083,7 +25835,7 @@
               <a:t>self</a:t>
             </a:r>
             <a:r>
-              <a:rPr lang="en-US" sz="3200" b="1" dirty="0" smtClean="0">
+              <a:rPr lang="en-US" sz="3200" b="1" dirty="0">
                 <a:latin typeface="Courier New" pitchFamily="49" charset="0"/>
                 <a:cs typeface="Courier New" pitchFamily="49" charset="0"/>
               </a:rPr>
@@ -26102,7 +25854,7 @@
               <a:t># </a:t>
             </a:r>
             <a:r>
-              <a:rPr lang="ru-RU" sz="3200" b="1" dirty="0" smtClean="0">
+              <a:rPr lang="ru-RU" sz="3200" b="1" dirty="0">
                 <a:solidFill>
                   <a:schemeClr val="bg1">
                     <a:lumMod val="50000"/>
@@ -26111,19 +25863,7 @@
                 <a:latin typeface="Courier New" pitchFamily="49" charset="0"/>
                 <a:cs typeface="Courier New" pitchFamily="49" charset="0"/>
               </a:rPr>
-              <a:t>конструктор </a:t>
-            </a:r>
-            <a:r>
-              <a:rPr lang="ru-RU" sz="3200" b="1" dirty="0">
-                <a:solidFill>
-                  <a:schemeClr val="bg1">
-                    <a:lumMod val="50000"/>
-                  </a:schemeClr>
-                </a:solidFill>
-                <a:latin typeface="Courier New" pitchFamily="49" charset="0"/>
-                <a:cs typeface="Courier New" pitchFamily="49" charset="0"/>
-              </a:rPr>
-              <a:t>класса</a:t>
+              <a:t>конструктор класса</a:t>
             </a:r>
             <a:endParaRPr lang="en-US" sz="3200" b="1" dirty="0">
               <a:latin typeface="Courier New" pitchFamily="49" charset="0"/>
@@ -26147,7 +25887,7 @@
               <a:t>		</a:t>
             </a:r>
             <a:r>
-              <a:rPr lang="en-US" sz="3200" b="1" dirty="0" smtClean="0">
+              <a:rPr lang="en-US" sz="3200" b="1" dirty="0">
                 <a:solidFill>
                   <a:srgbClr val="7030A0"/>
                 </a:solidFill>
@@ -26157,28 +25897,28 @@
               <a:t>self</a:t>
             </a:r>
             <a:r>
-              <a:rPr lang="en-US" sz="3200" b="1" dirty="0" smtClean="0">
+              <a:rPr lang="en-US" sz="3200" b="1" dirty="0">
                 <a:latin typeface="Courier New" pitchFamily="49" charset="0"/>
                 <a:cs typeface="Courier New" pitchFamily="49" charset="0"/>
               </a:rPr>
               <a:t>.</a:t>
             </a:r>
             <a:r>
-              <a:rPr lang="ru-RU" sz="3200" b="1" dirty="0" smtClean="0">
+              <a:rPr lang="ru-RU" sz="3200" b="1" dirty="0">
                 <a:latin typeface="Courier New" pitchFamily="49" charset="0"/>
                 <a:cs typeface="Courier New" pitchFamily="49" charset="0"/>
               </a:rPr>
               <a:t>__</a:t>
             </a:r>
             <a:r>
-              <a:rPr lang="en-US" sz="3200" b="1" dirty="0" smtClean="0">
+              <a:rPr lang="en-US" sz="3200" b="1" dirty="0">
                 <a:latin typeface="Courier New" pitchFamily="49" charset="0"/>
                 <a:cs typeface="Courier New" pitchFamily="49" charset="0"/>
               </a:rPr>
               <a:t>color = </a:t>
             </a:r>
             <a:r>
-              <a:rPr lang="en-US" sz="3200" b="1" dirty="0" smtClean="0">
+              <a:rPr lang="en-US" sz="3200" b="1" dirty="0">
                 <a:solidFill>
                   <a:srgbClr val="7030A0"/>
                 </a:solidFill>
@@ -26198,7 +25938,7 @@
               <a:t>red</a:t>
             </a:r>
             <a:r>
-              <a:rPr lang="en-US" sz="3200" b="1" dirty="0" smtClean="0">
+              <a:rPr lang="en-US" sz="3200" b="1" dirty="0">
                 <a:solidFill>
                   <a:srgbClr val="7030A0"/>
                 </a:solidFill>
@@ -26208,7 +25948,7 @@
               <a:t>”   </a:t>
             </a:r>
             <a:r>
-              <a:rPr lang="en-US" sz="3200" b="1" dirty="0" smtClean="0">
+              <a:rPr lang="en-US" sz="3200" b="1" dirty="0">
                 <a:solidFill>
                   <a:schemeClr val="bg1">
                     <a:lumMod val="50000"/>
@@ -26220,7 +25960,7 @@
               <a:t>#</a:t>
             </a:r>
             <a:r>
-              <a:rPr lang="ru-RU" sz="3200" b="1" dirty="0" smtClean="0">
+              <a:rPr lang="ru-RU" sz="3200" b="1" dirty="0">
                 <a:solidFill>
                   <a:schemeClr val="bg1">
                     <a:lumMod val="50000"/>
@@ -26229,33 +25969,9 @@
                 <a:latin typeface="Courier New" pitchFamily="49" charset="0"/>
                 <a:cs typeface="Courier New" pitchFamily="49" charset="0"/>
               </a:rPr>
-              <a:t> </a:t>
-            </a:r>
-            <a:r>
-              <a:rPr lang="ru-RU" sz="3200" b="1" dirty="0">
-                <a:solidFill>
-                  <a:schemeClr val="bg1">
-                    <a:lumMod val="50000"/>
-                  </a:schemeClr>
-                </a:solidFill>
-                <a:latin typeface="Courier New" pitchFamily="49" charset="0"/>
-                <a:cs typeface="Courier New" pitchFamily="49" charset="0"/>
-              </a:rPr>
-              <a:t>атрибут</a:t>
-            </a:r>
-            <a:r>
-              <a:rPr lang="ru-RU" sz="3200" b="1" dirty="0" smtClean="0">
-                <a:solidFill>
-                  <a:schemeClr val="bg1">
-                    <a:lumMod val="50000"/>
-                  </a:schemeClr>
-                </a:solidFill>
-                <a:latin typeface="Courier New" pitchFamily="49" charset="0"/>
-                <a:cs typeface="Courier New" pitchFamily="49" charset="0"/>
-              </a:rPr>
-              <a:t> объекта</a:t>
-            </a:r>
-            <a:endParaRPr lang="en-US" sz="3200" b="1" dirty="0" smtClean="0">
+              <a:t> атрибут объекта</a:t>
+            </a:r>
+            <a:endParaRPr lang="en-US" sz="3200" b="1" dirty="0">
               <a:solidFill>
                 <a:schemeClr val="bg1">
                   <a:lumMod val="50000"/>
@@ -26286,7 +26002,7 @@
               </a:buClr>
             </a:pPr>
             <a:r>
-              <a:rPr lang="en-US" sz="3200" b="1" dirty="0" smtClean="0">
+              <a:rPr lang="en-US" sz="3200" b="1" dirty="0">
                 <a:latin typeface="Courier New" pitchFamily="49" charset="0"/>
                 <a:cs typeface="Courier New" pitchFamily="49" charset="0"/>
               </a:rPr>
@@ -26300,7 +26016,7 @@
               </a:buClr>
             </a:pPr>
             <a:r>
-              <a:rPr lang="en-US" sz="3200" b="1" dirty="0" smtClean="0">
+              <a:rPr lang="en-US" sz="3200" b="1" dirty="0">
                 <a:solidFill>
                   <a:srgbClr val="F6640A"/>
                 </a:solidFill>
@@ -26310,7 +26026,7 @@
               <a:t>	</a:t>
             </a:r>
             <a:r>
-              <a:rPr lang="en-US" sz="3200" b="1" dirty="0" err="1" smtClean="0">
+              <a:rPr lang="en-US" sz="3200" b="1" dirty="0" err="1">
                 <a:solidFill>
                   <a:srgbClr val="F6640A"/>
                 </a:solidFill>
@@ -26320,14 +26036,14 @@
               <a:t>def</a:t>
             </a:r>
             <a:r>
-              <a:rPr lang="en-US" sz="3200" b="1" dirty="0" smtClean="0">
+              <a:rPr lang="en-US" sz="3200" b="1" dirty="0">
                 <a:latin typeface="Courier New" pitchFamily="49" charset="0"/>
                 <a:cs typeface="Courier New" pitchFamily="49" charset="0"/>
               </a:rPr>
               <a:t> </a:t>
             </a:r>
             <a:r>
-              <a:rPr lang="en-US" sz="3200" b="1" dirty="0" smtClean="0">
+              <a:rPr lang="en-US" sz="3200" b="1" dirty="0">
                 <a:solidFill>
                   <a:srgbClr val="00B050"/>
                 </a:solidFill>
@@ -26337,14 +26053,14 @@
               <a:t>color</a:t>
             </a:r>
             <a:r>
-              <a:rPr lang="en-US" sz="3200" b="1" dirty="0" smtClean="0">
+              <a:rPr lang="en-US" sz="3200" b="1" dirty="0">
                 <a:latin typeface="Courier New" pitchFamily="49" charset="0"/>
                 <a:cs typeface="Courier New" pitchFamily="49" charset="0"/>
               </a:rPr>
               <a:t>(</a:t>
             </a:r>
             <a:r>
-              <a:rPr lang="en-US" sz="3200" b="1" dirty="0" smtClean="0">
+              <a:rPr lang="en-US" sz="3200" b="1" dirty="0">
                 <a:solidFill>
                   <a:srgbClr val="7030A0"/>
                 </a:solidFill>
@@ -26354,14 +26070,14 @@
               <a:t>self</a:t>
             </a:r>
             <a:r>
-              <a:rPr lang="en-US" sz="3200" b="1" dirty="0" smtClean="0">
+              <a:rPr lang="en-US" sz="3200" b="1" dirty="0">
                 <a:latin typeface="Courier New" pitchFamily="49" charset="0"/>
                 <a:cs typeface="Courier New" pitchFamily="49" charset="0"/>
               </a:rPr>
               <a:t>): </a:t>
             </a:r>
             <a:r>
-              <a:rPr lang="en-US" sz="3200" b="1" dirty="0" smtClean="0">
+              <a:rPr lang="en-US" sz="3200" b="1" dirty="0">
                 <a:solidFill>
                   <a:schemeClr val="bg1">
                     <a:lumMod val="50000"/>
@@ -26373,7 +26089,7 @@
               <a:t># </a:t>
             </a:r>
             <a:r>
-              <a:rPr lang="ru-RU" sz="3200" b="1" dirty="0" smtClean="0">
+              <a:rPr lang="ru-RU" sz="3200" b="1" dirty="0">
                 <a:solidFill>
                   <a:schemeClr val="bg1">
                     <a:lumMod val="50000"/>
@@ -26384,7 +26100,7 @@
               </a:rPr>
               <a:t>метод класса</a:t>
             </a:r>
-            <a:endParaRPr lang="en-US" sz="3200" b="1" dirty="0" smtClean="0">
+            <a:endParaRPr lang="en-US" sz="3200" b="1" dirty="0">
               <a:latin typeface="Courier New" pitchFamily="49" charset="0"/>
               <a:cs typeface="Courier New" pitchFamily="49" charset="0"/>
             </a:endParaRPr>
@@ -26396,7 +26112,7 @@
               </a:buClr>
             </a:pPr>
             <a:r>
-              <a:rPr lang="en-US" sz="3200" b="1" dirty="0" smtClean="0">
+              <a:rPr lang="en-US" sz="3200" b="1" dirty="0">
                 <a:solidFill>
                   <a:srgbClr val="F6640A"/>
                 </a:solidFill>
@@ -26406,7 +26122,7 @@
               <a:t>		</a:t>
             </a:r>
             <a:r>
-              <a:rPr lang="en-US" sz="3200" b="1" dirty="0" err="1" smtClean="0">
+              <a:rPr lang="en-US" sz="3200" b="1" dirty="0" err="1">
                 <a:solidFill>
                   <a:srgbClr val="F6640A"/>
                 </a:solidFill>
@@ -26416,7 +26132,7 @@
               <a:t>retur</a:t>
             </a:r>
             <a:r>
-              <a:rPr lang="en-US" sz="3200" b="1" dirty="0" smtClean="0">
+              <a:rPr lang="en-US" sz="3200" b="1" dirty="0">
                 <a:solidFill>
                   <a:srgbClr val="F6640A"/>
                 </a:solidFill>
@@ -26426,7 +26142,7 @@
               <a:t> </a:t>
             </a:r>
             <a:r>
-              <a:rPr lang="en-US" sz="3200" b="1" dirty="0" smtClean="0">
+              <a:rPr lang="en-US" sz="3200" b="1" dirty="0">
                 <a:solidFill>
                   <a:srgbClr val="7030A0"/>
                 </a:solidFill>
@@ -26436,21 +26152,21 @@
               <a:t>self</a:t>
             </a:r>
             <a:r>
-              <a:rPr lang="en-US" sz="3200" b="1" dirty="0" smtClean="0">
+              <a:rPr lang="en-US" sz="3200" b="1" dirty="0">
                 <a:latin typeface="Courier New" pitchFamily="49" charset="0"/>
                 <a:cs typeface="Courier New" pitchFamily="49" charset="0"/>
               </a:rPr>
               <a:t>.</a:t>
             </a:r>
             <a:r>
-              <a:rPr lang="ru-RU" sz="3200" b="1" dirty="0" smtClean="0">
+              <a:rPr lang="ru-RU" sz="3200" b="1" dirty="0">
                 <a:latin typeface="Courier New" pitchFamily="49" charset="0"/>
                 <a:cs typeface="Courier New" pitchFamily="49" charset="0"/>
               </a:rPr>
               <a:t>__</a:t>
             </a:r>
             <a:r>
-              <a:rPr lang="en-US" sz="3200" b="1" dirty="0" smtClean="0">
+              <a:rPr lang="en-US" sz="3200" b="1" dirty="0">
                 <a:latin typeface="Courier New" pitchFamily="49" charset="0"/>
                 <a:cs typeface="Courier New" pitchFamily="49" charset="0"/>
               </a:rPr>
@@ -26463,7 +26179,7 @@
                 <a:schemeClr val="tx1"/>
               </a:buClr>
             </a:pPr>
-            <a:endParaRPr lang="en-US" sz="3200" b="1" dirty="0" smtClean="0">
+            <a:endParaRPr lang="en-US" sz="3200" b="1" dirty="0">
               <a:latin typeface="Courier New" pitchFamily="49" charset="0"/>
               <a:cs typeface="Courier New" pitchFamily="49" charset="0"/>
             </a:endParaRPr>
@@ -26475,21 +26191,21 @@
               </a:buClr>
             </a:pPr>
             <a:r>
-              <a:rPr lang="en-US" sz="3200" b="1" dirty="0" err="1" smtClean="0">
+              <a:rPr lang="en-US" sz="3200" b="1" dirty="0" err="1">
                 <a:latin typeface="Courier New" pitchFamily="49" charset="0"/>
                 <a:cs typeface="Courier New" pitchFamily="49" charset="0"/>
               </a:rPr>
               <a:t>ferrary</a:t>
             </a:r>
             <a:r>
-              <a:rPr lang="en-US" sz="3200" b="1" dirty="0" smtClean="0">
+              <a:rPr lang="en-US" sz="3200" b="1" dirty="0">
                 <a:latin typeface="Courier New" pitchFamily="49" charset="0"/>
                 <a:cs typeface="Courier New" pitchFamily="49" charset="0"/>
               </a:rPr>
               <a:t> = </a:t>
             </a:r>
             <a:r>
-              <a:rPr lang="en-US" sz="3200" b="1" dirty="0" smtClean="0">
+              <a:rPr lang="en-US" sz="3200" b="1" dirty="0">
                 <a:solidFill>
                   <a:srgbClr val="00B050"/>
                 </a:solidFill>
@@ -26499,7 +26215,7 @@
               <a:t>Car()</a:t>
             </a:r>
             <a:r>
-              <a:rPr lang="ru-RU" sz="3200" b="1" dirty="0" smtClean="0">
+              <a:rPr lang="ru-RU" sz="3200" b="1" dirty="0">
                 <a:solidFill>
                   <a:srgbClr val="00B050"/>
                 </a:solidFill>
@@ -26526,21 +26242,21 @@
               <a:t>print</a:t>
             </a:r>
             <a:r>
-              <a:rPr lang="en-US" sz="3200" b="1" dirty="0" smtClean="0">
+              <a:rPr lang="en-US" sz="3200" b="1" dirty="0">
                 <a:latin typeface="Courier New" pitchFamily="49" charset="0"/>
                 <a:cs typeface="Courier New" pitchFamily="49" charset="0"/>
               </a:rPr>
               <a:t> (</a:t>
             </a:r>
             <a:r>
-              <a:rPr lang="en-US" sz="3200" b="1" dirty="0" err="1" smtClean="0">
+              <a:rPr lang="en-US" sz="3200" b="1" dirty="0" err="1">
                 <a:latin typeface="Courier New" pitchFamily="49" charset="0"/>
                 <a:cs typeface="Courier New" pitchFamily="49" charset="0"/>
               </a:rPr>
               <a:t>ferrary.</a:t>
             </a:r>
             <a:r>
-              <a:rPr lang="en-US" sz="3200" b="1" dirty="0" err="1" smtClean="0">
+              <a:rPr lang="en-US" sz="3200" b="1" dirty="0" err="1">
                 <a:solidFill>
                   <a:srgbClr val="00B050"/>
                 </a:solidFill>
@@ -26550,21 +26266,21 @@
               <a:t>color</a:t>
             </a:r>
             <a:r>
-              <a:rPr lang="en-US" sz="3200" b="1" dirty="0" smtClean="0">
+              <a:rPr lang="en-US" sz="3200" b="1" dirty="0">
                 <a:latin typeface="Courier New" pitchFamily="49" charset="0"/>
                 <a:cs typeface="Courier New" pitchFamily="49" charset="0"/>
               </a:rPr>
               <a:t>) 	</a:t>
             </a:r>
             <a:r>
-              <a:rPr lang="ru-RU" sz="3200" b="1" dirty="0" smtClean="0">
+              <a:rPr lang="ru-RU" sz="3200" b="1" dirty="0">
                 <a:latin typeface="Courier New" pitchFamily="49" charset="0"/>
                 <a:cs typeface="Courier New" pitchFamily="49" charset="0"/>
               </a:rPr>
               <a:t>		</a:t>
             </a:r>
             <a:r>
-              <a:rPr lang="en-US" sz="3200" b="1" dirty="0" smtClean="0">
+              <a:rPr lang="en-US" sz="3200" b="1" dirty="0">
                 <a:solidFill>
                   <a:schemeClr val="bg1">
                     <a:lumMod val="50000"/>
@@ -26576,7 +26292,7 @@
               <a:t># red</a:t>
             </a:r>
             <a:r>
-              <a:rPr lang="ru-RU" sz="3200" b="1" dirty="0" smtClean="0">
+              <a:rPr lang="ru-RU" sz="3200" b="1" dirty="0">
                 <a:solidFill>
                   <a:schemeClr val="bg1">
                     <a:lumMod val="50000"/>
@@ -26587,7 +26303,7 @@
               </a:rPr>
               <a:t>!</a:t>
             </a:r>
-            <a:endParaRPr lang="en-US" sz="3200" b="1" dirty="0" smtClean="0">
+            <a:endParaRPr lang="en-US" sz="3200" b="1" dirty="0">
               <a:latin typeface="Courier New" pitchFamily="49" charset="0"/>
               <a:cs typeface="Courier New" pitchFamily="49" charset="0"/>
             </a:endParaRPr>
@@ -26598,7 +26314,7 @@
                 <a:schemeClr val="tx1"/>
               </a:buClr>
             </a:pPr>
-            <a:endParaRPr lang="en-US" sz="3200" b="1" dirty="0" smtClean="0">
+            <a:endParaRPr lang="en-US" sz="3200" b="1" dirty="0">
               <a:solidFill>
                 <a:srgbClr val="F6640A"/>
               </a:solidFill>
@@ -26631,26 +26347,25 @@
           <a:lstStyle/>
           <a:p>
             <a:r>
-              <a:rPr lang="ru-RU" sz="3200" dirty="0" smtClean="0"/>
+              <a:rPr lang="ru-RU" sz="3200" dirty="0"/>
               <a:t>Конструктор – специальный метод класса </a:t>
             </a:r>
             <a:r>
-              <a:rPr lang="en-US" sz="3200" dirty="0" smtClean="0"/>
+              <a:rPr lang="en-US" sz="3200" dirty="0"/>
               <a:t>(__</a:t>
             </a:r>
             <a:r>
-              <a:rPr lang="en-US" sz="3200" dirty="0" err="1" smtClean="0"/>
+              <a:rPr lang="en-US" sz="3200" dirty="0" err="1"/>
               <a:t>init</a:t>
             </a:r>
             <a:r>
-              <a:rPr lang="en-US" sz="3200" dirty="0" smtClean="0"/>
+              <a:rPr lang="en-US" sz="3200" dirty="0"/>
               <a:t>__)</a:t>
             </a:r>
             <a:r>
-              <a:rPr lang="ru-RU" sz="3200" dirty="0" smtClean="0"/>
+              <a:rPr lang="ru-RU" sz="3200" dirty="0"/>
               <a:t> вызываемый при создании объектов </a:t>
             </a:r>
-            <a:endParaRPr lang="ru-RU" sz="3200" dirty="0"/>
           </a:p>
         </p:txBody>
       </p:sp>
@@ -27036,7 +26751,7 @@
 </file>
 
 <file path=ppt/slides/slide2.xml><?xml version="1.0" encoding="utf-8"?>
-<p:sld xmlns:a="http://schemas.openxmlformats.org/drawingml/2006/main" xmlns:r="http://schemas.openxmlformats.org/officeDocument/2006/relationships" xmlns:p="http://schemas.openxmlformats.org/presentationml/2006/main">
+<p:sld xmlns:a="http://schemas.openxmlformats.org/drawingml/2006/main" xmlns:r="http://schemas.openxmlformats.org/officeDocument/2006/relationships" xmlns:p="http://schemas.openxmlformats.org/presentationml/2006/main" show="0">
   <p:cSld>
     <p:bg>
       <p:bgPr>
@@ -27081,15 +26796,15 @@
           <a:lstStyle/>
           <a:p>
             <a:r>
-              <a:rPr lang="ru-RU" sz="4400" dirty="0" smtClean="0"/>
+              <a:rPr lang="ru-RU" sz="4400" dirty="0"/>
               <a:t>Вопросы</a:t>
             </a:r>
             <a:r>
-              <a:rPr lang="ru-RU" sz="3600" dirty="0" smtClean="0"/>
+              <a:rPr lang="ru-RU" sz="3600" dirty="0"/>
               <a:t> </a:t>
             </a:r>
             <a:r>
-              <a:rPr lang="ru-RU" sz="4400" dirty="0" smtClean="0"/>
+              <a:rPr lang="ru-RU" sz="4400" dirty="0"/>
               <a:t>на повторение</a:t>
             </a:r>
             <a:endParaRPr lang="ru-RU" sz="3600" dirty="0"/>
@@ -27130,7 +26845,7 @@
               <a:buAutoNum type="arabicPeriod"/>
             </a:pPr>
             <a:r>
-              <a:rPr lang="ru-RU" sz="2800" dirty="0" smtClean="0"/>
+              <a:rPr lang="ru-RU" sz="2800" dirty="0"/>
               <a:t>Что такое регулярное выражение?</a:t>
             </a:r>
           </a:p>
@@ -27147,7 +26862,7 @@
               <a:buAutoNum type="arabicPeriod"/>
             </a:pPr>
             <a:r>
-              <a:rPr lang="ru-RU" sz="2800" dirty="0" smtClean="0"/>
+              <a:rPr lang="ru-RU" sz="2800" dirty="0"/>
               <a:t>Что такое группа?</a:t>
             </a:r>
           </a:p>
@@ -27164,7 +26879,7 @@
               <a:buAutoNum type="arabicPeriod"/>
             </a:pPr>
             <a:r>
-              <a:rPr lang="ru-RU" sz="2800" dirty="0" smtClean="0"/>
+              <a:rPr lang="ru-RU" sz="2800" dirty="0"/>
               <a:t>Как указать начало строки?</a:t>
             </a:r>
           </a:p>
@@ -27181,7 +26896,7 @@
               <a:buAutoNum type="arabicPeriod"/>
             </a:pPr>
             <a:r>
-              <a:rPr lang="ru-RU" sz="2800" dirty="0" smtClean="0"/>
+              <a:rPr lang="ru-RU" sz="2800" dirty="0"/>
               <a:t>Как указать конец строки?</a:t>
             </a:r>
           </a:p>
@@ -27198,7 +26913,7 @@
               <a:buAutoNum type="arabicPeriod"/>
             </a:pPr>
             <a:r>
-              <a:rPr lang="ru-RU" sz="2800" dirty="0" smtClean="0"/>
+              <a:rPr lang="ru-RU" sz="2800" dirty="0"/>
               <a:t>Как указать границу слова?</a:t>
             </a:r>
           </a:p>
@@ -27215,7 +26930,7 @@
               <a:buAutoNum type="arabicPeriod"/>
             </a:pPr>
             <a:r>
-              <a:rPr lang="ru-RU" sz="2800" dirty="0" smtClean="0"/>
+              <a:rPr lang="ru-RU" sz="2800" dirty="0"/>
               <a:t>Как указать любую цифру?</a:t>
             </a:r>
           </a:p>
@@ -27232,7 +26947,7 @@
               <a:buAutoNum type="arabicPeriod"/>
             </a:pPr>
             <a:r>
-              <a:rPr lang="ru-RU" sz="2800" dirty="0" smtClean="0"/>
+              <a:rPr lang="ru-RU" sz="2800" dirty="0"/>
               <a:t>Что такое квантификатор?</a:t>
             </a:r>
           </a:p>
@@ -27249,7 +26964,7 @@
               <a:buAutoNum type="arabicPeriod"/>
             </a:pPr>
             <a:r>
-              <a:rPr lang="ru-RU" sz="2800" dirty="0" smtClean="0"/>
+              <a:rPr lang="ru-RU" sz="2800" dirty="0"/>
               <a:t>Что такое жадный/ленивый поиск?</a:t>
             </a:r>
           </a:p>
@@ -27266,26 +26981,21 @@
               <a:buAutoNum type="arabicPeriod"/>
             </a:pPr>
             <a:r>
-              <a:rPr lang="ru-RU" sz="2800" dirty="0" smtClean="0"/>
+              <a:rPr lang="ru-RU" sz="2800" dirty="0"/>
               <a:t>Назначение функции </a:t>
             </a:r>
             <a:r>
-              <a:rPr lang="en-US" sz="2800" dirty="0" smtClean="0"/>
+              <a:rPr lang="en-US" sz="2800" dirty="0"/>
               <a:t>span  </a:t>
             </a:r>
             <a:r>
-              <a:rPr lang="ru-RU" sz="2800" dirty="0" smtClean="0"/>
+              <a:rPr lang="ru-RU" sz="2800" dirty="0"/>
               <a:t>объекта </a:t>
             </a:r>
             <a:r>
-              <a:rPr lang="en-US" sz="2800" dirty="0" smtClean="0"/>
-              <a:t>Match</a:t>
-            </a:r>
-            <a:r>
               <a:rPr lang="en-US" sz="2800" dirty="0"/>
-              <a:t>?</a:t>
-            </a:r>
-            <a:endParaRPr lang="en-US" sz="2800" dirty="0" smtClean="0"/>
+              <a:t>Match?</a:t>
+            </a:r>
           </a:p>
           <a:p>
             <a:pPr marL="1083056" indent="-514350">
@@ -27300,23 +27010,23 @@
               <a:buAutoNum type="arabicPeriod"/>
             </a:pPr>
             <a:r>
-              <a:rPr lang="ru-RU" sz="2800" dirty="0" smtClean="0"/>
+              <a:rPr lang="ru-RU" sz="2800" dirty="0"/>
               <a:t>Чем отличается функция </a:t>
             </a:r>
             <a:r>
-              <a:rPr lang="en-US" sz="2800" dirty="0" smtClean="0"/>
+              <a:rPr lang="en-US" sz="2800" dirty="0"/>
               <a:t>search </a:t>
             </a:r>
             <a:r>
-              <a:rPr lang="ru-RU" sz="2800" dirty="0" smtClean="0"/>
+              <a:rPr lang="ru-RU" sz="2800" dirty="0"/>
               <a:t>от </a:t>
             </a:r>
             <a:r>
-              <a:rPr lang="en-US" sz="2800" dirty="0" smtClean="0"/>
+              <a:rPr lang="en-US" sz="2800" dirty="0"/>
               <a:t>match</a:t>
             </a:r>
             <a:r>
-              <a:rPr lang="ru-RU" sz="2800" dirty="0" smtClean="0"/>
+              <a:rPr lang="ru-RU" sz="2800" dirty="0"/>
               <a:t>?</a:t>
             </a:r>
           </a:p>
@@ -27333,15 +27043,15 @@
               <a:buAutoNum type="arabicPeriod"/>
             </a:pPr>
             <a:r>
-              <a:rPr lang="ru-RU" sz="2800" dirty="0" smtClean="0"/>
+              <a:rPr lang="ru-RU" sz="2800" dirty="0"/>
               <a:t>Назначение функции </a:t>
             </a:r>
             <a:r>
-              <a:rPr lang="en-US" sz="2800" dirty="0" err="1" smtClean="0"/>
+              <a:rPr lang="en-US" sz="2800" dirty="0" err="1"/>
               <a:t>findall</a:t>
             </a:r>
             <a:r>
-              <a:rPr lang="ru-RU" sz="2800" dirty="0" smtClean="0"/>
+              <a:rPr lang="ru-RU" sz="2800" dirty="0"/>
               <a:t>?</a:t>
             </a:r>
           </a:p>
@@ -27357,14 +27067,6 @@
   <p:clrMapOvr>
     <a:masterClrMapping/>
   </p:clrMapOvr>
-  <mc:AlternateContent xmlns:mc="http://schemas.openxmlformats.org/markup-compatibility/2006" xmlns:p14="http://schemas.microsoft.com/office/powerpoint/2010/main">
-    <mc:Choice Requires="p14">
-      <p:transition p14:dur="0"/>
-    </mc:Choice>
-    <mc:Fallback xmlns="">
-      <p:transition/>
-    </mc:Fallback>
-  </mc:AlternateContent>
   <p:timing>
     <p:tnLst>
       <p:par>
@@ -27998,7 +27700,7 @@
               <a:buSzPct val="25000"/>
             </a:pPr>
             <a:r>
-              <a:rPr lang="ru-RU" sz="7800" dirty="0" smtClean="0">
+              <a:rPr lang="ru-RU" sz="7800" dirty="0">
                 <a:solidFill>
                   <a:srgbClr val="00FF00"/>
                 </a:solidFill>
@@ -28010,7 +27712,7 @@
               <a:t>Конструктор</a:t>
             </a:r>
             <a:r>
-              <a:rPr lang="en-US" sz="7800" dirty="0" smtClean="0">
+              <a:rPr lang="en-US" sz="7800" dirty="0">
                 <a:solidFill>
                   <a:srgbClr val="00FF00"/>
                 </a:solidFill>
@@ -28022,7 +27724,7 @@
               <a:t> </a:t>
             </a:r>
             <a:r>
-              <a:rPr lang="ru-RU" sz="7800" dirty="0" smtClean="0">
+              <a:rPr lang="ru-RU" sz="7800" dirty="0">
                 <a:solidFill>
                   <a:srgbClr val="00FF00"/>
                 </a:solidFill>
@@ -28275,7 +27977,7 @@
               </a:buClr>
             </a:pPr>
             <a:r>
-              <a:rPr lang="en-US" sz="3200" b="1" dirty="0" smtClean="0">
+              <a:rPr lang="en-US" sz="3200" b="1" dirty="0">
                 <a:solidFill>
                   <a:srgbClr val="F6640A"/>
                 </a:solidFill>
@@ -28285,14 +27987,14 @@
               <a:t>class</a:t>
             </a:r>
             <a:r>
-              <a:rPr lang="en-US" sz="3200" b="1" dirty="0" smtClean="0">
+              <a:rPr lang="en-US" sz="3200" b="1" dirty="0">
                 <a:latin typeface="Courier New" pitchFamily="49" charset="0"/>
                 <a:cs typeface="Courier New" pitchFamily="49" charset="0"/>
               </a:rPr>
               <a:t> </a:t>
             </a:r>
             <a:r>
-              <a:rPr lang="en-US" sz="3200" b="1" dirty="0" smtClean="0">
+              <a:rPr lang="en-US" sz="3200" b="1" dirty="0">
                 <a:solidFill>
                   <a:srgbClr val="00B050"/>
                 </a:solidFill>
@@ -28302,14 +28004,14 @@
               <a:t>Car</a:t>
             </a:r>
             <a:r>
-              <a:rPr lang="en-US" sz="3200" b="1" dirty="0" smtClean="0">
+              <a:rPr lang="en-US" sz="3200" b="1" dirty="0">
                 <a:latin typeface="Courier New" pitchFamily="49" charset="0"/>
                 <a:cs typeface="Courier New" pitchFamily="49" charset="0"/>
               </a:rPr>
               <a:t>(</a:t>
             </a:r>
             <a:r>
-              <a:rPr lang="en-US" sz="3200" b="1" dirty="0" smtClean="0">
+              <a:rPr lang="en-US" sz="3200" b="1" dirty="0">
                 <a:solidFill>
                   <a:srgbClr val="7030A0"/>
                 </a:solidFill>
@@ -28319,7 +28021,7 @@
               <a:t>object</a:t>
             </a:r>
             <a:r>
-              <a:rPr lang="en-US" sz="3200" b="1" dirty="0" smtClean="0">
+              <a:rPr lang="en-US" sz="3200" b="1" dirty="0">
                 <a:latin typeface="Courier New" pitchFamily="49" charset="0"/>
                 <a:cs typeface="Courier New" pitchFamily="49" charset="0"/>
               </a:rPr>
@@ -28360,7 +28062,7 @@
               <a:t> </a:t>
             </a:r>
             <a:r>
-              <a:rPr lang="en-US" sz="3200" b="1" dirty="0" smtClean="0">
+              <a:rPr lang="en-US" sz="3200" b="1" dirty="0">
                 <a:solidFill>
                   <a:srgbClr val="00B050"/>
                 </a:solidFill>
@@ -28370,7 +28072,7 @@
               <a:t>__</a:t>
             </a:r>
             <a:r>
-              <a:rPr lang="en-US" sz="3200" b="1" dirty="0" err="1" smtClean="0">
+              <a:rPr lang="en-US" sz="3200" b="1" dirty="0" err="1">
                 <a:solidFill>
                   <a:srgbClr val="00B050"/>
                 </a:solidFill>
@@ -28380,7 +28082,7 @@
               <a:t>init</a:t>
             </a:r>
             <a:r>
-              <a:rPr lang="en-US" sz="3200" b="1" dirty="0" smtClean="0">
+              <a:rPr lang="en-US" sz="3200" b="1" dirty="0">
                 <a:solidFill>
                   <a:srgbClr val="00B050"/>
                 </a:solidFill>
@@ -28390,14 +28092,14 @@
               <a:t>__</a:t>
             </a:r>
             <a:r>
-              <a:rPr lang="en-US" sz="3200" b="1" dirty="0" smtClean="0">
+              <a:rPr lang="en-US" sz="3200" b="1" dirty="0">
                 <a:latin typeface="Courier New" pitchFamily="49" charset="0"/>
                 <a:cs typeface="Courier New" pitchFamily="49" charset="0"/>
               </a:rPr>
               <a:t>(</a:t>
             </a:r>
             <a:r>
-              <a:rPr lang="en-US" sz="3200" b="1" dirty="0" smtClean="0">
+              <a:rPr lang="en-US" sz="3200" b="1" dirty="0">
                 <a:solidFill>
                   <a:srgbClr val="7030A0"/>
                 </a:solidFill>
@@ -28407,7 +28109,7 @@
               <a:t>self, color</a:t>
             </a:r>
             <a:r>
-              <a:rPr lang="en-US" sz="3200" b="1" dirty="0" smtClean="0">
+              <a:rPr lang="en-US" sz="3200" b="1" dirty="0">
                 <a:latin typeface="Courier New" pitchFamily="49" charset="0"/>
                 <a:cs typeface="Courier New" pitchFamily="49" charset="0"/>
               </a:rPr>
@@ -28426,7 +28128,7 @@
               <a:t># </a:t>
             </a:r>
             <a:r>
-              <a:rPr lang="ru-RU" sz="3200" b="1" dirty="0" smtClean="0">
+              <a:rPr lang="ru-RU" sz="3200" b="1" dirty="0">
                 <a:solidFill>
                   <a:schemeClr val="bg1">
                     <a:lumMod val="50000"/>
@@ -28435,19 +28137,7 @@
                 <a:latin typeface="Courier New" pitchFamily="49" charset="0"/>
                 <a:cs typeface="Courier New" pitchFamily="49" charset="0"/>
               </a:rPr>
-              <a:t>конструктор </a:t>
-            </a:r>
-            <a:r>
-              <a:rPr lang="ru-RU" sz="3200" b="1" dirty="0">
-                <a:solidFill>
-                  <a:schemeClr val="bg1">
-                    <a:lumMod val="50000"/>
-                  </a:schemeClr>
-                </a:solidFill>
-                <a:latin typeface="Courier New" pitchFamily="49" charset="0"/>
-                <a:cs typeface="Courier New" pitchFamily="49" charset="0"/>
-              </a:rPr>
-              <a:t>класса</a:t>
+              <a:t>конструктор класса</a:t>
             </a:r>
             <a:endParaRPr lang="en-US" sz="3200" b="1" dirty="0">
               <a:latin typeface="Courier New" pitchFamily="49" charset="0"/>
@@ -28471,7 +28161,7 @@
               <a:t>		</a:t>
             </a:r>
             <a:r>
-              <a:rPr lang="en-US" sz="3200" b="1" dirty="0" smtClean="0">
+              <a:rPr lang="en-US" sz="3200" b="1" dirty="0">
                 <a:solidFill>
                   <a:srgbClr val="7030A0"/>
                 </a:solidFill>
@@ -28481,28 +28171,28 @@
               <a:t>self</a:t>
             </a:r>
             <a:r>
-              <a:rPr lang="en-US" sz="3200" b="1" dirty="0" smtClean="0">
+              <a:rPr lang="en-US" sz="3200" b="1" dirty="0">
                 <a:latin typeface="Courier New" pitchFamily="49" charset="0"/>
                 <a:cs typeface="Courier New" pitchFamily="49" charset="0"/>
               </a:rPr>
               <a:t>.</a:t>
             </a:r>
             <a:r>
-              <a:rPr lang="ru-RU" sz="3200" b="1" dirty="0" smtClean="0">
+              <a:rPr lang="ru-RU" sz="3200" b="1" dirty="0">
                 <a:latin typeface="Courier New" pitchFamily="49" charset="0"/>
                 <a:cs typeface="Courier New" pitchFamily="49" charset="0"/>
               </a:rPr>
               <a:t>__</a:t>
             </a:r>
             <a:r>
-              <a:rPr lang="en-US" sz="3200" b="1" dirty="0" smtClean="0">
+              <a:rPr lang="en-US" sz="3200" b="1" dirty="0">
                 <a:latin typeface="Courier New" pitchFamily="49" charset="0"/>
                 <a:cs typeface="Courier New" pitchFamily="49" charset="0"/>
               </a:rPr>
               <a:t>color = </a:t>
             </a:r>
             <a:r>
-              <a:rPr lang="en-US" sz="3200" b="1" dirty="0" smtClean="0">
+              <a:rPr lang="en-US" sz="3200" b="1" dirty="0">
                 <a:solidFill>
                   <a:srgbClr val="7030A0"/>
                 </a:solidFill>
@@ -28512,7 +28202,7 @@
               <a:t>color   </a:t>
             </a:r>
             <a:r>
-              <a:rPr lang="en-US" sz="3200" b="1" dirty="0" smtClean="0">
+              <a:rPr lang="en-US" sz="3200" b="1" dirty="0">
                 <a:solidFill>
                   <a:schemeClr val="bg1">
                     <a:lumMod val="50000"/>
@@ -28524,7 +28214,7 @@
               <a:t>#</a:t>
             </a:r>
             <a:r>
-              <a:rPr lang="ru-RU" sz="3200" b="1" dirty="0" smtClean="0">
+              <a:rPr lang="ru-RU" sz="3200" b="1" dirty="0">
                 <a:solidFill>
                   <a:schemeClr val="bg1">
                     <a:lumMod val="50000"/>
@@ -28533,33 +28223,9 @@
                 <a:latin typeface="Courier New" pitchFamily="49" charset="0"/>
                 <a:cs typeface="Courier New" pitchFamily="49" charset="0"/>
               </a:rPr>
-              <a:t> </a:t>
-            </a:r>
-            <a:r>
-              <a:rPr lang="ru-RU" sz="3200" b="1" dirty="0">
-                <a:solidFill>
-                  <a:schemeClr val="bg1">
-                    <a:lumMod val="50000"/>
-                  </a:schemeClr>
-                </a:solidFill>
-                <a:latin typeface="Courier New" pitchFamily="49" charset="0"/>
-                <a:cs typeface="Courier New" pitchFamily="49" charset="0"/>
-              </a:rPr>
-              <a:t>атрибут</a:t>
-            </a:r>
-            <a:r>
-              <a:rPr lang="ru-RU" sz="3200" b="1" dirty="0" smtClean="0">
-                <a:solidFill>
-                  <a:schemeClr val="bg1">
-                    <a:lumMod val="50000"/>
-                  </a:schemeClr>
-                </a:solidFill>
-                <a:latin typeface="Courier New" pitchFamily="49" charset="0"/>
-                <a:cs typeface="Courier New" pitchFamily="49" charset="0"/>
-              </a:rPr>
-              <a:t> объекта</a:t>
-            </a:r>
-            <a:endParaRPr lang="en-US" sz="3200" b="1" dirty="0" smtClean="0">
+              <a:t> атрибут объекта</a:t>
+            </a:r>
+            <a:endParaRPr lang="en-US" sz="3200" b="1" dirty="0">
               <a:solidFill>
                 <a:schemeClr val="bg1">
                   <a:lumMod val="50000"/>
@@ -28590,7 +28256,7 @@
               </a:buClr>
             </a:pPr>
             <a:r>
-              <a:rPr lang="en-US" sz="3200" b="1" dirty="0" smtClean="0">
+              <a:rPr lang="en-US" sz="3200" b="1" dirty="0">
                 <a:latin typeface="Courier New" pitchFamily="49" charset="0"/>
                 <a:cs typeface="Courier New" pitchFamily="49" charset="0"/>
               </a:rPr>
@@ -28604,7 +28270,7 @@
               </a:buClr>
             </a:pPr>
             <a:r>
-              <a:rPr lang="en-US" sz="3200" b="1" dirty="0" smtClean="0">
+              <a:rPr lang="en-US" sz="3200" b="1" dirty="0">
                 <a:solidFill>
                   <a:srgbClr val="F6640A"/>
                 </a:solidFill>
@@ -28614,7 +28280,7 @@
               <a:t>	</a:t>
             </a:r>
             <a:r>
-              <a:rPr lang="en-US" sz="3200" b="1" dirty="0" err="1" smtClean="0">
+              <a:rPr lang="en-US" sz="3200" b="1" dirty="0" err="1">
                 <a:solidFill>
                   <a:srgbClr val="F6640A"/>
                 </a:solidFill>
@@ -28624,14 +28290,14 @@
               <a:t>def</a:t>
             </a:r>
             <a:r>
-              <a:rPr lang="en-US" sz="3200" b="1" dirty="0" smtClean="0">
+              <a:rPr lang="en-US" sz="3200" b="1" dirty="0">
                 <a:latin typeface="Courier New" pitchFamily="49" charset="0"/>
                 <a:cs typeface="Courier New" pitchFamily="49" charset="0"/>
               </a:rPr>
               <a:t> </a:t>
             </a:r>
             <a:r>
-              <a:rPr lang="en-US" sz="3200" b="1" dirty="0" smtClean="0">
+              <a:rPr lang="en-US" sz="3200" b="1" dirty="0">
                 <a:solidFill>
                   <a:srgbClr val="00B050"/>
                 </a:solidFill>
@@ -28641,14 +28307,14 @@
               <a:t>color</a:t>
             </a:r>
             <a:r>
-              <a:rPr lang="en-US" sz="3200" b="1" dirty="0" smtClean="0">
+              <a:rPr lang="en-US" sz="3200" b="1" dirty="0">
                 <a:latin typeface="Courier New" pitchFamily="49" charset="0"/>
                 <a:cs typeface="Courier New" pitchFamily="49" charset="0"/>
               </a:rPr>
               <a:t>(</a:t>
             </a:r>
             <a:r>
-              <a:rPr lang="en-US" sz="3200" b="1" dirty="0" smtClean="0">
+              <a:rPr lang="en-US" sz="3200" b="1" dirty="0">
                 <a:solidFill>
                   <a:srgbClr val="7030A0"/>
                 </a:solidFill>
@@ -28658,14 +28324,14 @@
               <a:t>self</a:t>
             </a:r>
             <a:r>
-              <a:rPr lang="en-US" sz="3200" b="1" dirty="0" smtClean="0">
+              <a:rPr lang="en-US" sz="3200" b="1" dirty="0">
                 <a:latin typeface="Courier New" pitchFamily="49" charset="0"/>
                 <a:cs typeface="Courier New" pitchFamily="49" charset="0"/>
               </a:rPr>
               <a:t>): </a:t>
             </a:r>
             <a:r>
-              <a:rPr lang="en-US" sz="3200" b="1" dirty="0" smtClean="0">
+              <a:rPr lang="en-US" sz="3200" b="1" dirty="0">
                 <a:solidFill>
                   <a:schemeClr val="bg1">
                     <a:lumMod val="50000"/>
@@ -28677,7 +28343,7 @@
               <a:t># </a:t>
             </a:r>
             <a:r>
-              <a:rPr lang="ru-RU" sz="3200" b="1" dirty="0" smtClean="0">
+              <a:rPr lang="ru-RU" sz="3200" b="1" dirty="0">
                 <a:solidFill>
                   <a:schemeClr val="bg1">
                     <a:lumMod val="50000"/>
@@ -28688,7 +28354,7 @@
               </a:rPr>
               <a:t>метод класса</a:t>
             </a:r>
-            <a:endParaRPr lang="en-US" sz="3200" b="1" dirty="0" smtClean="0">
+            <a:endParaRPr lang="en-US" sz="3200" b="1" dirty="0">
               <a:latin typeface="Courier New" pitchFamily="49" charset="0"/>
               <a:cs typeface="Courier New" pitchFamily="49" charset="0"/>
             </a:endParaRPr>
@@ -28700,7 +28366,7 @@
               </a:buClr>
             </a:pPr>
             <a:r>
-              <a:rPr lang="en-US" sz="3200" b="1" dirty="0" smtClean="0">
+              <a:rPr lang="en-US" sz="3200" b="1" dirty="0">
                 <a:solidFill>
                   <a:srgbClr val="F6640A"/>
                 </a:solidFill>
@@ -28710,7 +28376,7 @@
               <a:t>		</a:t>
             </a:r>
             <a:r>
-              <a:rPr lang="en-US" sz="3200" b="1" dirty="0" err="1" smtClean="0">
+              <a:rPr lang="en-US" sz="3200" b="1" dirty="0" err="1">
                 <a:solidFill>
                   <a:srgbClr val="F6640A"/>
                 </a:solidFill>
@@ -28720,7 +28386,7 @@
               <a:t>retur</a:t>
             </a:r>
             <a:r>
-              <a:rPr lang="en-US" sz="3200" b="1" dirty="0" smtClean="0">
+              <a:rPr lang="en-US" sz="3200" b="1" dirty="0">
                 <a:solidFill>
                   <a:srgbClr val="F6640A"/>
                 </a:solidFill>
@@ -28730,7 +28396,7 @@
               <a:t> </a:t>
             </a:r>
             <a:r>
-              <a:rPr lang="en-US" sz="3200" b="1" dirty="0" smtClean="0">
+              <a:rPr lang="en-US" sz="3200" b="1" dirty="0">
                 <a:solidFill>
                   <a:srgbClr val="7030A0"/>
                 </a:solidFill>
@@ -28740,21 +28406,21 @@
               <a:t>self</a:t>
             </a:r>
             <a:r>
-              <a:rPr lang="en-US" sz="3200" b="1" dirty="0" smtClean="0">
+              <a:rPr lang="en-US" sz="3200" b="1" dirty="0">
                 <a:latin typeface="Courier New" pitchFamily="49" charset="0"/>
                 <a:cs typeface="Courier New" pitchFamily="49" charset="0"/>
               </a:rPr>
               <a:t>.</a:t>
             </a:r>
             <a:r>
-              <a:rPr lang="ru-RU" sz="3200" b="1" dirty="0" smtClean="0">
+              <a:rPr lang="ru-RU" sz="3200" b="1" dirty="0">
                 <a:latin typeface="Courier New" pitchFamily="49" charset="0"/>
                 <a:cs typeface="Courier New" pitchFamily="49" charset="0"/>
               </a:rPr>
               <a:t>__</a:t>
             </a:r>
             <a:r>
-              <a:rPr lang="en-US" sz="3200" b="1" dirty="0" smtClean="0">
+              <a:rPr lang="en-US" sz="3200" b="1" dirty="0">
                 <a:latin typeface="Courier New" pitchFamily="49" charset="0"/>
                 <a:cs typeface="Courier New" pitchFamily="49" charset="0"/>
               </a:rPr>
@@ -28767,7 +28433,7 @@
                 <a:schemeClr val="tx1"/>
               </a:buClr>
             </a:pPr>
-            <a:endParaRPr lang="en-US" sz="3200" b="1" dirty="0" smtClean="0">
+            <a:endParaRPr lang="en-US" sz="3200" b="1" dirty="0">
               <a:latin typeface="Courier New" pitchFamily="49" charset="0"/>
               <a:cs typeface="Courier New" pitchFamily="49" charset="0"/>
             </a:endParaRPr>
@@ -28779,21 +28445,21 @@
               </a:buClr>
             </a:pPr>
             <a:r>
-              <a:rPr lang="en-US" sz="3200" b="1" dirty="0" err="1" smtClean="0">
+              <a:rPr lang="en-US" sz="3200" b="1" dirty="0" err="1">
                 <a:latin typeface="Courier New" pitchFamily="49" charset="0"/>
                 <a:cs typeface="Courier New" pitchFamily="49" charset="0"/>
               </a:rPr>
               <a:t>ferrary</a:t>
             </a:r>
             <a:r>
-              <a:rPr lang="en-US" sz="3200" b="1" dirty="0" smtClean="0">
+              <a:rPr lang="en-US" sz="3200" b="1" dirty="0">
                 <a:latin typeface="Courier New" pitchFamily="49" charset="0"/>
                 <a:cs typeface="Courier New" pitchFamily="49" charset="0"/>
               </a:rPr>
               <a:t> = </a:t>
             </a:r>
             <a:r>
-              <a:rPr lang="en-US" sz="3200" b="1" dirty="0" smtClean="0">
+              <a:rPr lang="en-US" sz="3200" b="1" dirty="0">
                 <a:solidFill>
                   <a:srgbClr val="00B050"/>
                 </a:solidFill>
@@ -28803,7 +28469,7 @@
               <a:t>Car(</a:t>
             </a:r>
             <a:r>
-              <a:rPr lang="en-US" sz="3200" b="1" dirty="0" smtClean="0">
+              <a:rPr lang="en-US" sz="3200" b="1" dirty="0">
                 <a:solidFill>
                   <a:srgbClr val="7030A0"/>
                 </a:solidFill>
@@ -28813,7 +28479,7 @@
               <a:t>‘</a:t>
             </a:r>
             <a:r>
-              <a:rPr lang="en-US" sz="3200" b="1" dirty="0" smtClean="0">
+              <a:rPr lang="en-US" sz="3200" b="1" dirty="0">
                 <a:solidFill>
                   <a:srgbClr val="FF0000"/>
                 </a:solidFill>
@@ -28833,7 +28499,7 @@
               <a:t>’</a:t>
             </a:r>
             <a:r>
-              <a:rPr lang="en-US" sz="3200" b="1" dirty="0" smtClean="0">
+              <a:rPr lang="en-US" sz="3200" b="1" dirty="0">
                 <a:solidFill>
                   <a:srgbClr val="00B050"/>
                 </a:solidFill>
@@ -28843,7 +28509,7 @@
               <a:t>)</a:t>
             </a:r>
             <a:r>
-              <a:rPr lang="ru-RU" sz="3200" b="1" dirty="0" smtClean="0">
+              <a:rPr lang="ru-RU" sz="3200" b="1" dirty="0">
                 <a:solidFill>
                   <a:srgbClr val="00B050"/>
                 </a:solidFill>
@@ -28870,21 +28536,21 @@
               <a:t>print</a:t>
             </a:r>
             <a:r>
-              <a:rPr lang="en-US" sz="3200" b="1" dirty="0" smtClean="0">
+              <a:rPr lang="en-US" sz="3200" b="1" dirty="0">
                 <a:latin typeface="Courier New" pitchFamily="49" charset="0"/>
                 <a:cs typeface="Courier New" pitchFamily="49" charset="0"/>
               </a:rPr>
               <a:t> (</a:t>
             </a:r>
             <a:r>
-              <a:rPr lang="en-US" sz="3200" b="1" dirty="0" err="1" smtClean="0">
+              <a:rPr lang="en-US" sz="3200" b="1" dirty="0" err="1">
                 <a:latin typeface="Courier New" pitchFamily="49" charset="0"/>
                 <a:cs typeface="Courier New" pitchFamily="49" charset="0"/>
               </a:rPr>
               <a:t>ferrary.</a:t>
             </a:r>
             <a:r>
-              <a:rPr lang="en-US" sz="3200" b="1" dirty="0" err="1" smtClean="0">
+              <a:rPr lang="en-US" sz="3200" b="1" dirty="0" err="1">
                 <a:solidFill>
                   <a:srgbClr val="00B050"/>
                 </a:solidFill>
@@ -28894,21 +28560,21 @@
               <a:t>color</a:t>
             </a:r>
             <a:r>
-              <a:rPr lang="en-US" sz="3200" b="1" dirty="0" smtClean="0">
+              <a:rPr lang="en-US" sz="3200" b="1" dirty="0">
                 <a:latin typeface="Courier New" pitchFamily="49" charset="0"/>
                 <a:cs typeface="Courier New" pitchFamily="49" charset="0"/>
               </a:rPr>
               <a:t>) 	</a:t>
             </a:r>
             <a:r>
-              <a:rPr lang="ru-RU" sz="3200" b="1" dirty="0" smtClean="0">
+              <a:rPr lang="ru-RU" sz="3200" b="1" dirty="0">
                 <a:latin typeface="Courier New" pitchFamily="49" charset="0"/>
                 <a:cs typeface="Courier New" pitchFamily="49" charset="0"/>
               </a:rPr>
               <a:t>		</a:t>
             </a:r>
             <a:r>
-              <a:rPr lang="en-US" sz="3200" b="1" dirty="0" smtClean="0">
+              <a:rPr lang="en-US" sz="3200" b="1" dirty="0">
                 <a:solidFill>
                   <a:schemeClr val="bg1">
                     <a:lumMod val="50000"/>
@@ -28920,7 +28586,7 @@
               <a:t># red</a:t>
             </a:r>
             <a:r>
-              <a:rPr lang="ru-RU" sz="3200" b="1" dirty="0" smtClean="0">
+              <a:rPr lang="ru-RU" sz="3200" b="1" dirty="0">
                 <a:solidFill>
                   <a:schemeClr val="bg1">
                     <a:lumMod val="50000"/>
@@ -28931,7 +28597,7 @@
               </a:rPr>
               <a:t>!</a:t>
             </a:r>
-            <a:endParaRPr lang="en-US" sz="3200" b="1" dirty="0" smtClean="0">
+            <a:endParaRPr lang="en-US" sz="3200" b="1" dirty="0">
               <a:latin typeface="Courier New" pitchFamily="49" charset="0"/>
               <a:cs typeface="Courier New" pitchFamily="49" charset="0"/>
             </a:endParaRPr>
@@ -28942,7 +28608,7 @@
                 <a:schemeClr val="tx1"/>
               </a:buClr>
             </a:pPr>
-            <a:endParaRPr lang="en-US" sz="3200" b="1" dirty="0" smtClean="0">
+            <a:endParaRPr lang="en-US" sz="3200" b="1" dirty="0">
               <a:solidFill>
                 <a:srgbClr val="F6640A"/>
               </a:solidFill>
@@ -28975,26 +28641,25 @@
           <a:lstStyle/>
           <a:p>
             <a:r>
-              <a:rPr lang="ru-RU" sz="3200" dirty="0" smtClean="0"/>
+              <a:rPr lang="ru-RU" sz="3200" dirty="0"/>
               <a:t>Конструктор – специальный метод класса </a:t>
             </a:r>
             <a:r>
-              <a:rPr lang="en-US" sz="3200" dirty="0" smtClean="0"/>
+              <a:rPr lang="en-US" sz="3200" dirty="0"/>
               <a:t>(__</a:t>
             </a:r>
             <a:r>
-              <a:rPr lang="en-US" sz="3200" dirty="0" err="1" smtClean="0"/>
+              <a:rPr lang="en-US" sz="3200" dirty="0" err="1"/>
               <a:t>init</a:t>
             </a:r>
             <a:r>
-              <a:rPr lang="en-US" sz="3200" dirty="0" smtClean="0"/>
+              <a:rPr lang="en-US" sz="3200" dirty="0"/>
               <a:t>__)</a:t>
             </a:r>
             <a:r>
-              <a:rPr lang="ru-RU" sz="3200" dirty="0" smtClean="0"/>
+              <a:rPr lang="ru-RU" sz="3200" dirty="0"/>
               <a:t> вызываемый при создании объектов </a:t>
             </a:r>
-            <a:endParaRPr lang="ru-RU" sz="3200" dirty="0"/>
           </a:p>
         </p:txBody>
       </p:sp>
@@ -29440,7 +29105,7 @@
               <a:buSzPct val="25000"/>
             </a:pPr>
             <a:r>
-              <a:rPr lang="ru-RU" sz="7800" dirty="0" smtClean="0">
+              <a:rPr lang="ru-RU" sz="7800" dirty="0">
                 <a:solidFill>
                   <a:srgbClr val="00FF00"/>
                 </a:solidFill>
@@ -29707,7 +29372,7 @@
               <a:defRPr/>
             </a:pPr>
             <a:r>
-              <a:rPr kumimoji="0" lang="ru-RU" sz="3200" b="1" i="0" u="none" strike="noStrike" kern="0" cap="none" spc="0" normalizeH="0" baseline="0" noProof="0" dirty="0" smtClean="0">
+              <a:rPr kumimoji="0" lang="ru-RU" sz="3200" b="1" i="0" u="none" strike="noStrike" kern="0" cap="none" spc="0" normalizeH="0" baseline="0" noProof="0" dirty="0">
                 <a:ln>
                   <a:noFill/>
                 </a:ln>
@@ -29726,7 +29391,7 @@
               <a:t>Создайте конструктор автомобиля,</a:t>
             </a:r>
             <a:r>
-              <a:rPr kumimoji="0" lang="ru-RU" sz="3200" b="1" i="0" u="none" strike="noStrike" kern="0" cap="none" spc="0" normalizeH="0" noProof="0" dirty="0" smtClean="0">
+              <a:rPr kumimoji="0" lang="ru-RU" sz="3200" b="1" i="0" u="none" strike="noStrike" kern="0" cap="none" spc="0" normalizeH="0" noProof="0" dirty="0">
                 <a:ln>
                   <a:noFill/>
                 </a:ln>
@@ -29796,7 +29461,7 @@
               <a:defRPr/>
             </a:pPr>
             <a:r>
-              <a:rPr kumimoji="0" lang="ru-RU" sz="3200" b="1" i="0" u="none" strike="noStrike" kern="0" cap="none" spc="0" normalizeH="0" noProof="0" dirty="0" smtClean="0">
+              <a:rPr kumimoji="0" lang="ru-RU" sz="3200" b="1" i="0" u="none" strike="noStrike" kern="0" cap="none" spc="0" normalizeH="0" noProof="0" dirty="0">
                 <a:ln>
                   <a:noFill/>
                 </a:ln>
@@ -29814,7 +29479,7 @@
               </a:rPr>
               <a:t>Задайте цвет и скорость параметрами по умолчанию (цвет – красный, скорость – 120 км/ч)</a:t>
             </a:r>
-            <a:endParaRPr kumimoji="0" lang="ru-RU" sz="3200" b="1" i="0" u="none" strike="noStrike" kern="0" cap="none" spc="0" normalizeH="0" baseline="0" noProof="0" dirty="0" smtClean="0">
+            <a:endParaRPr kumimoji="0" lang="ru-RU" sz="3200" b="1" i="0" u="none" strike="noStrike" kern="0" cap="none" spc="0" normalizeH="0" baseline="0" noProof="0" dirty="0">
               <a:ln>
                 <a:noFill/>
               </a:ln>
@@ -29926,7 +29591,7 @@
               <a:defRPr/>
             </a:pPr>
             <a:r>
-              <a:rPr kumimoji="0" lang="ru-RU" sz="3200" b="1" i="0" u="none" strike="noStrike" kern="0" cap="none" spc="0" normalizeH="0" baseline="0" noProof="0" dirty="0" smtClean="0">
+              <a:rPr kumimoji="0" lang="ru-RU" sz="3200" b="1" i="0" u="none" strike="noStrike" kern="0" cap="none" spc="0" normalizeH="0" baseline="0" noProof="0" dirty="0">
                 <a:ln>
                   <a:noFill/>
                 </a:ln>
@@ -29945,7 +29610,7 @@
               <a:t>Продемонстрируйте применение конструктора на примере создания автомобиля </a:t>
             </a:r>
             <a:r>
-              <a:rPr kumimoji="0" lang="en-US" sz="3200" b="1" i="0" u="none" strike="noStrike" kern="0" cap="none" spc="0" normalizeH="0" baseline="0" noProof="0" dirty="0" err="1" smtClean="0">
+              <a:rPr kumimoji="0" lang="en-US" sz="3200" b="1" i="0" u="none" strike="noStrike" kern="0" cap="none" spc="0" normalizeH="0" baseline="0" noProof="0" dirty="0" err="1">
                 <a:ln>
                   <a:noFill/>
                 </a:ln>
@@ -29964,7 +29629,7 @@
               <a:t>ferarry</a:t>
             </a:r>
             <a:r>
-              <a:rPr kumimoji="0" lang="en-US" sz="3200" b="1" i="0" u="none" strike="noStrike" kern="0" cap="none" spc="0" normalizeH="0" baseline="0" noProof="0" dirty="0" smtClean="0">
+              <a:rPr kumimoji="0" lang="en-US" sz="3200" b="1" i="0" u="none" strike="noStrike" kern="0" cap="none" spc="0" normalizeH="0" baseline="0" noProof="0" dirty="0">
                 <a:ln>
                   <a:noFill/>
                 </a:ln>
@@ -29983,7 +29648,7 @@
               <a:t> </a:t>
             </a:r>
             <a:r>
-              <a:rPr kumimoji="0" lang="ru-RU" sz="3200" b="1" i="0" u="none" strike="noStrike" kern="0" cap="none" spc="0" normalizeH="0" baseline="0" noProof="0" dirty="0" smtClean="0">
+              <a:rPr kumimoji="0" lang="ru-RU" sz="3200" b="1" i="0" u="none" strike="noStrike" kern="0" cap="none" spc="0" normalizeH="0" baseline="0" noProof="0" dirty="0">
                 <a:ln>
                   <a:noFill/>
                 </a:ln>
@@ -30002,7 +29667,7 @@
               <a:t>и</a:t>
             </a:r>
             <a:r>
-              <a:rPr kumimoji="0" lang="en-US" sz="3200" b="1" i="0" u="none" strike="noStrike" kern="0" cap="none" spc="0" normalizeH="0" noProof="0" dirty="0" smtClean="0">
+              <a:rPr kumimoji="0" lang="en-US" sz="3200" b="1" i="0" u="none" strike="noStrike" kern="0" cap="none" spc="0" normalizeH="0" noProof="0" dirty="0">
                 <a:ln>
                   <a:noFill/>
                 </a:ln>
@@ -30021,7 +29686,7 @@
               <a:t> </a:t>
             </a:r>
             <a:r>
-              <a:rPr kumimoji="0" lang="en-US" sz="3200" b="1" i="0" u="none" strike="noStrike" kern="0" cap="none" spc="0" normalizeH="0" noProof="0" dirty="0" err="1" smtClean="0">
+              <a:rPr kumimoji="0" lang="en-US" sz="3200" b="1" i="0" u="none" strike="noStrike" kern="0" cap="none" spc="0" normalizeH="0" noProof="0" dirty="0" err="1">
                 <a:ln>
                   <a:noFill/>
                 </a:ln>
@@ -30276,7 +29941,7 @@
               <a:buSzPct val="25000"/>
             </a:pPr>
             <a:r>
-              <a:rPr lang="ru-RU" sz="7800" dirty="0" smtClean="0">
+              <a:rPr lang="ru-RU" sz="7800" dirty="0">
                 <a:solidFill>
                   <a:srgbClr val="00FF00"/>
                 </a:solidFill>
@@ -30529,7 +30194,7 @@
               </a:buClr>
             </a:pPr>
             <a:r>
-              <a:rPr lang="en-US" sz="3200" b="1" dirty="0" smtClean="0">
+              <a:rPr lang="en-US" sz="3200" b="1" dirty="0">
                 <a:solidFill>
                   <a:srgbClr val="F6640A"/>
                 </a:solidFill>
@@ -30539,14 +30204,14 @@
               <a:t>class</a:t>
             </a:r>
             <a:r>
-              <a:rPr lang="en-US" sz="3200" b="1" dirty="0" smtClean="0">
+              <a:rPr lang="en-US" sz="3200" b="1" dirty="0">
                 <a:latin typeface="Courier New" pitchFamily="49" charset="0"/>
                 <a:cs typeface="Courier New" pitchFamily="49" charset="0"/>
               </a:rPr>
               <a:t> </a:t>
             </a:r>
             <a:r>
-              <a:rPr lang="en-US" sz="3200" b="1" dirty="0" smtClean="0">
+              <a:rPr lang="en-US" sz="3200" b="1" dirty="0">
                 <a:solidFill>
                   <a:srgbClr val="00B050"/>
                 </a:solidFill>
@@ -30556,14 +30221,14 @@
               <a:t>Car</a:t>
             </a:r>
             <a:r>
-              <a:rPr lang="en-US" sz="3200" b="1" dirty="0" smtClean="0">
+              <a:rPr lang="en-US" sz="3200" b="1" dirty="0">
                 <a:latin typeface="Courier New" pitchFamily="49" charset="0"/>
                 <a:cs typeface="Courier New" pitchFamily="49" charset="0"/>
               </a:rPr>
               <a:t>(</a:t>
             </a:r>
             <a:r>
-              <a:rPr lang="en-US" sz="3200" b="1" dirty="0" smtClean="0">
+              <a:rPr lang="en-US" sz="3200" b="1" dirty="0">
                 <a:solidFill>
                   <a:srgbClr val="7030A0"/>
                 </a:solidFill>
@@ -30573,7 +30238,7 @@
               <a:t>object</a:t>
             </a:r>
             <a:r>
-              <a:rPr lang="en-US" sz="3200" b="1" dirty="0" smtClean="0">
+              <a:rPr lang="en-US" sz="3200" b="1" dirty="0">
                 <a:latin typeface="Courier New" pitchFamily="49" charset="0"/>
                 <a:cs typeface="Courier New" pitchFamily="49" charset="0"/>
               </a:rPr>
@@ -30614,7 +30279,7 @@
               <a:t> </a:t>
             </a:r>
             <a:r>
-              <a:rPr lang="en-US" sz="3200" b="1" dirty="0" smtClean="0">
+              <a:rPr lang="en-US" sz="3200" b="1" dirty="0">
                 <a:solidFill>
                   <a:srgbClr val="00B050"/>
                 </a:solidFill>
@@ -30624,7 +30289,7 @@
               <a:t>__</a:t>
             </a:r>
             <a:r>
-              <a:rPr lang="en-US" sz="3200" b="1" dirty="0" err="1" smtClean="0">
+              <a:rPr lang="en-US" sz="3200" b="1" dirty="0" err="1">
                 <a:solidFill>
                   <a:srgbClr val="00B050"/>
                 </a:solidFill>
@@ -30634,7 +30299,7 @@
               <a:t>init</a:t>
             </a:r>
             <a:r>
-              <a:rPr lang="en-US" sz="3200" b="1" dirty="0" smtClean="0">
+              <a:rPr lang="en-US" sz="3200" b="1" dirty="0">
                 <a:solidFill>
                   <a:srgbClr val="00B050"/>
                 </a:solidFill>
@@ -30644,14 +30309,14 @@
               <a:t>__</a:t>
             </a:r>
             <a:r>
-              <a:rPr lang="en-US" sz="3200" b="1" dirty="0" smtClean="0">
+              <a:rPr lang="en-US" sz="3200" b="1" dirty="0">
                 <a:latin typeface="Courier New" pitchFamily="49" charset="0"/>
                 <a:cs typeface="Courier New" pitchFamily="49" charset="0"/>
               </a:rPr>
               <a:t>(</a:t>
             </a:r>
             <a:r>
-              <a:rPr lang="en-US" sz="3200" b="1" dirty="0" smtClean="0">
+              <a:rPr lang="en-US" sz="3200" b="1" dirty="0">
                 <a:solidFill>
                   <a:srgbClr val="7030A0"/>
                 </a:solidFill>
@@ -30661,7 +30326,7 @@
               <a:t>self, color</a:t>
             </a:r>
             <a:r>
-              <a:rPr lang="en-US" sz="3200" b="1" dirty="0" smtClean="0">
+              <a:rPr lang="en-US" sz="3200" b="1" dirty="0">
                 <a:latin typeface="Courier New" pitchFamily="49" charset="0"/>
                 <a:cs typeface="Courier New" pitchFamily="49" charset="0"/>
               </a:rPr>
@@ -30680,7 +30345,7 @@
               <a:t># </a:t>
             </a:r>
             <a:r>
-              <a:rPr lang="ru-RU" sz="3200" b="1" dirty="0" smtClean="0">
+              <a:rPr lang="ru-RU" sz="3200" b="1" dirty="0">
                 <a:solidFill>
                   <a:schemeClr val="bg1">
                     <a:lumMod val="50000"/>
@@ -30689,19 +30354,7 @@
                 <a:latin typeface="Courier New" pitchFamily="49" charset="0"/>
                 <a:cs typeface="Courier New" pitchFamily="49" charset="0"/>
               </a:rPr>
-              <a:t>конструктор </a:t>
-            </a:r>
-            <a:r>
-              <a:rPr lang="ru-RU" sz="3200" b="1" dirty="0">
-                <a:solidFill>
-                  <a:schemeClr val="bg1">
-                    <a:lumMod val="50000"/>
-                  </a:schemeClr>
-                </a:solidFill>
-                <a:latin typeface="Courier New" pitchFamily="49" charset="0"/>
-                <a:cs typeface="Courier New" pitchFamily="49" charset="0"/>
-              </a:rPr>
-              <a:t>класса</a:t>
+              <a:t>конструктор класса</a:t>
             </a:r>
             <a:endParaRPr lang="en-US" sz="3200" b="1" dirty="0">
               <a:latin typeface="Courier New" pitchFamily="49" charset="0"/>
@@ -30725,7 +30378,7 @@
               <a:t>		</a:t>
             </a:r>
             <a:r>
-              <a:rPr lang="en-US" sz="3200" b="1" dirty="0" smtClean="0">
+              <a:rPr lang="en-US" sz="3200" b="1" dirty="0">
                 <a:solidFill>
                   <a:srgbClr val="7030A0"/>
                 </a:solidFill>
@@ -30735,28 +30388,28 @@
               <a:t>self</a:t>
             </a:r>
             <a:r>
-              <a:rPr lang="en-US" sz="3200" b="1" dirty="0" smtClean="0">
+              <a:rPr lang="en-US" sz="3200" b="1" dirty="0">
                 <a:latin typeface="Courier New" pitchFamily="49" charset="0"/>
                 <a:cs typeface="Courier New" pitchFamily="49" charset="0"/>
               </a:rPr>
               <a:t>.</a:t>
             </a:r>
             <a:r>
-              <a:rPr lang="ru-RU" sz="3200" b="1" dirty="0" smtClean="0">
+              <a:rPr lang="ru-RU" sz="3200" b="1" dirty="0">
                 <a:latin typeface="Courier New" pitchFamily="49" charset="0"/>
                 <a:cs typeface="Courier New" pitchFamily="49" charset="0"/>
               </a:rPr>
               <a:t>__</a:t>
             </a:r>
             <a:r>
-              <a:rPr lang="en-US" sz="3200" b="1" dirty="0" smtClean="0">
+              <a:rPr lang="en-US" sz="3200" b="1" dirty="0">
                 <a:latin typeface="Courier New" pitchFamily="49" charset="0"/>
                 <a:cs typeface="Courier New" pitchFamily="49" charset="0"/>
               </a:rPr>
               <a:t>color = </a:t>
             </a:r>
             <a:r>
-              <a:rPr lang="en-US" sz="3200" b="1" dirty="0" smtClean="0">
+              <a:rPr lang="en-US" sz="3200" b="1" dirty="0">
                 <a:solidFill>
                   <a:srgbClr val="7030A0"/>
                 </a:solidFill>
@@ -30766,7 +30419,7 @@
               <a:t>color   </a:t>
             </a:r>
             <a:r>
-              <a:rPr lang="en-US" sz="3200" b="1" dirty="0" smtClean="0">
+              <a:rPr lang="en-US" sz="3200" b="1" dirty="0">
                 <a:solidFill>
                   <a:schemeClr val="bg1">
                     <a:lumMod val="50000"/>
@@ -30778,7 +30431,7 @@
               <a:t>#</a:t>
             </a:r>
             <a:r>
-              <a:rPr lang="ru-RU" sz="3200" b="1" dirty="0" smtClean="0">
+              <a:rPr lang="ru-RU" sz="3200" b="1" dirty="0">
                 <a:solidFill>
                   <a:schemeClr val="bg1">
                     <a:lumMod val="50000"/>
@@ -30787,33 +30440,9 @@
                 <a:latin typeface="Courier New" pitchFamily="49" charset="0"/>
                 <a:cs typeface="Courier New" pitchFamily="49" charset="0"/>
               </a:rPr>
-              <a:t> </a:t>
-            </a:r>
-            <a:r>
-              <a:rPr lang="ru-RU" sz="3200" b="1" dirty="0">
-                <a:solidFill>
-                  <a:schemeClr val="bg1">
-                    <a:lumMod val="50000"/>
-                  </a:schemeClr>
-                </a:solidFill>
-                <a:latin typeface="Courier New" pitchFamily="49" charset="0"/>
-                <a:cs typeface="Courier New" pitchFamily="49" charset="0"/>
-              </a:rPr>
-              <a:t>атрибут</a:t>
-            </a:r>
-            <a:r>
-              <a:rPr lang="ru-RU" sz="3200" b="1" dirty="0" smtClean="0">
-                <a:solidFill>
-                  <a:schemeClr val="bg1">
-                    <a:lumMod val="50000"/>
-                  </a:schemeClr>
-                </a:solidFill>
-                <a:latin typeface="Courier New" pitchFamily="49" charset="0"/>
-                <a:cs typeface="Courier New" pitchFamily="49" charset="0"/>
-              </a:rPr>
-              <a:t> объекта</a:t>
-            </a:r>
-            <a:endParaRPr lang="en-US" sz="3200" b="1" dirty="0" smtClean="0">
+              <a:t> атрибут объекта</a:t>
+            </a:r>
+            <a:endParaRPr lang="en-US" sz="3200" b="1" dirty="0">
               <a:solidFill>
                 <a:schemeClr val="bg1">
                   <a:lumMod val="50000"/>
@@ -30844,7 +30473,7 @@
               </a:buClr>
             </a:pPr>
             <a:r>
-              <a:rPr lang="en-US" sz="3200" b="1" dirty="0" smtClean="0">
+              <a:rPr lang="en-US" sz="3200" b="1" dirty="0">
                 <a:latin typeface="Courier New" pitchFamily="49" charset="0"/>
                 <a:cs typeface="Courier New" pitchFamily="49" charset="0"/>
               </a:rPr>
@@ -30868,7 +30497,7 @@
               <a:t> </a:t>
             </a:r>
             <a:r>
-              <a:rPr lang="en-US" sz="3200" b="1" dirty="0" smtClean="0">
+              <a:rPr lang="en-US" sz="3200" b="1" dirty="0">
                 <a:solidFill>
                   <a:srgbClr val="00B050"/>
                 </a:solidFill>
@@ -30878,14 +30507,14 @@
               <a:t>__del__</a:t>
             </a:r>
             <a:r>
-              <a:rPr lang="en-US" sz="3200" b="1" dirty="0" smtClean="0">
+              <a:rPr lang="en-US" sz="3200" b="1" dirty="0">
                 <a:latin typeface="Courier New" pitchFamily="49" charset="0"/>
                 <a:cs typeface="Courier New" pitchFamily="49" charset="0"/>
               </a:rPr>
               <a:t>(</a:t>
             </a:r>
             <a:r>
-              <a:rPr lang="en-US" sz="3200" b="1" dirty="0" smtClean="0">
+              <a:rPr lang="en-US" sz="3200" b="1" dirty="0">
                 <a:solidFill>
                   <a:srgbClr val="7030A0"/>
                 </a:solidFill>
@@ -30895,7 +30524,7 @@
               <a:t>self</a:t>
             </a:r>
             <a:r>
-              <a:rPr lang="en-US" sz="3200" b="1" dirty="0" smtClean="0">
+              <a:rPr lang="en-US" sz="3200" b="1" dirty="0">
                 <a:latin typeface="Courier New" pitchFamily="49" charset="0"/>
                 <a:cs typeface="Courier New" pitchFamily="49" charset="0"/>
               </a:rPr>
@@ -30914,7 +30543,7 @@
               <a:t># </a:t>
             </a:r>
             <a:r>
-              <a:rPr lang="ru-RU" sz="3200" b="1" dirty="0" smtClean="0">
+              <a:rPr lang="ru-RU" sz="3200" b="1" dirty="0">
                 <a:solidFill>
                   <a:schemeClr val="bg1">
                     <a:lumMod val="50000"/>
@@ -30923,19 +30552,7 @@
                 <a:latin typeface="Courier New" pitchFamily="49" charset="0"/>
                 <a:cs typeface="Courier New" pitchFamily="49" charset="0"/>
               </a:rPr>
-              <a:t>деструктор </a:t>
-            </a:r>
-            <a:r>
-              <a:rPr lang="ru-RU" sz="3200" b="1" dirty="0">
-                <a:solidFill>
-                  <a:schemeClr val="bg1">
-                    <a:lumMod val="50000"/>
-                  </a:schemeClr>
-                </a:solidFill>
-                <a:latin typeface="Courier New" pitchFamily="49" charset="0"/>
-                <a:cs typeface="Courier New" pitchFamily="49" charset="0"/>
-              </a:rPr>
-              <a:t>класса</a:t>
+              <a:t>деструктор класса</a:t>
             </a:r>
             <a:endParaRPr lang="en-US" sz="3200" b="1" dirty="0">
               <a:latin typeface="Courier New" pitchFamily="49" charset="0"/>
@@ -30963,35 +30580,21 @@
                 <a:latin typeface="Courier New" pitchFamily="49" charset="0"/>
                 <a:cs typeface="Courier New" pitchFamily="49" charset="0"/>
               </a:rPr>
-              <a:t> </a:t>
-            </a:r>
-            <a:r>
-              <a:rPr lang="en-US" sz="3200" b="1" dirty="0" smtClean="0">
-                <a:latin typeface="Courier New" pitchFamily="49" charset="0"/>
-                <a:cs typeface="Courier New" pitchFamily="49" charset="0"/>
-              </a:rPr>
-              <a:t>(“</a:t>
-            </a:r>
-            <a:r>
-              <a:rPr lang="ru-RU" sz="3200" b="1" dirty="0" smtClean="0">
+              <a:t> (“</a:t>
+            </a:r>
+            <a:r>
+              <a:rPr lang="ru-RU" sz="3200" b="1" dirty="0">
                 <a:latin typeface="Courier New" pitchFamily="49" charset="0"/>
                 <a:cs typeface="Courier New" pitchFamily="49" charset="0"/>
               </a:rPr>
               <a:t>Машину утилизировали</a:t>
             </a:r>
             <a:r>
-              <a:rPr lang="en-US" sz="3200" b="1" dirty="0" smtClean="0">
-                <a:latin typeface="Courier New" pitchFamily="49" charset="0"/>
-                <a:cs typeface="Courier New" pitchFamily="49" charset="0"/>
-              </a:rPr>
-              <a:t>”) </a:t>
-            </a:r>
-            <a:r>
-              <a:rPr lang="en-US" sz="3200" b="1" dirty="0">
-                <a:latin typeface="Courier New" pitchFamily="49" charset="0"/>
-                <a:cs typeface="Courier New" pitchFamily="49" charset="0"/>
-              </a:rPr>
-              <a:t>	</a:t>
+              <a:rPr lang="en-US" sz="3200" b="1" dirty="0">
+                <a:latin typeface="Courier New" pitchFamily="49" charset="0"/>
+                <a:cs typeface="Courier New" pitchFamily="49" charset="0"/>
+              </a:rPr>
+              <a:t>”) 	</a:t>
             </a:r>
             <a:endParaRPr lang="en-US" sz="3200" b="1" dirty="0">
               <a:solidFill>
@@ -31009,217 +30612,6 @@
                 <a:schemeClr val="tx1"/>
               </a:buClr>
             </a:pPr>
-            <a:endParaRPr lang="en-US" sz="3200" b="1" dirty="0" smtClean="0">
-              <a:latin typeface="Courier New" pitchFamily="49" charset="0"/>
-              <a:cs typeface="Courier New" pitchFamily="49" charset="0"/>
-            </a:endParaRPr>
-          </a:p>
-          <a:p>
-            <a:pPr marL="82296">
-              <a:buClr>
-                <a:schemeClr val="tx1"/>
-              </a:buClr>
-            </a:pPr>
-            <a:r>
-              <a:rPr lang="en-US" sz="3200" b="1" dirty="0" err="1" smtClean="0">
-                <a:latin typeface="Courier New" pitchFamily="49" charset="0"/>
-                <a:cs typeface="Courier New" pitchFamily="49" charset="0"/>
-              </a:rPr>
-              <a:t>ferrary</a:t>
-            </a:r>
-            <a:r>
-              <a:rPr lang="en-US" sz="3200" b="1" dirty="0" smtClean="0">
-                <a:latin typeface="Courier New" pitchFamily="49" charset="0"/>
-                <a:cs typeface="Courier New" pitchFamily="49" charset="0"/>
-              </a:rPr>
-              <a:t> = </a:t>
-            </a:r>
-            <a:r>
-              <a:rPr lang="en-US" sz="3200" b="1" dirty="0" smtClean="0">
-                <a:solidFill>
-                  <a:srgbClr val="00B050"/>
-                </a:solidFill>
-                <a:latin typeface="Courier New" pitchFamily="49" charset="0"/>
-                <a:cs typeface="Courier New" pitchFamily="49" charset="0"/>
-              </a:rPr>
-              <a:t>Car(</a:t>
-            </a:r>
-            <a:r>
-              <a:rPr lang="en-US" sz="3200" b="1" dirty="0" smtClean="0">
-                <a:solidFill>
-                  <a:srgbClr val="7030A0"/>
-                </a:solidFill>
-                <a:latin typeface="Courier New" pitchFamily="49" charset="0"/>
-                <a:cs typeface="Courier New" pitchFamily="49" charset="0"/>
-              </a:rPr>
-              <a:t>‘</a:t>
-            </a:r>
-            <a:r>
-              <a:rPr lang="en-US" sz="3200" b="1" dirty="0" smtClean="0">
-                <a:solidFill>
-                  <a:srgbClr val="FF0000"/>
-                </a:solidFill>
-                <a:latin typeface="Courier New" pitchFamily="49" charset="0"/>
-                <a:cs typeface="Courier New" pitchFamily="49" charset="0"/>
-              </a:rPr>
-              <a:t>red</a:t>
-            </a:r>
-            <a:r>
-              <a:rPr lang="en-US" sz="3200" b="1" dirty="0">
-                <a:solidFill>
-                  <a:srgbClr val="7030A0"/>
-                </a:solidFill>
-                <a:latin typeface="Courier New" pitchFamily="49" charset="0"/>
-                <a:cs typeface="Courier New" pitchFamily="49" charset="0"/>
-              </a:rPr>
-              <a:t>’</a:t>
-            </a:r>
-            <a:r>
-              <a:rPr lang="en-US" sz="3200" b="1" dirty="0" smtClean="0">
-                <a:solidFill>
-                  <a:srgbClr val="00B050"/>
-                </a:solidFill>
-                <a:latin typeface="Courier New" pitchFamily="49" charset="0"/>
-                <a:cs typeface="Courier New" pitchFamily="49" charset="0"/>
-              </a:rPr>
-              <a:t>)</a:t>
-            </a:r>
-            <a:r>
-              <a:rPr lang="ru-RU" sz="3200" b="1" dirty="0" smtClean="0">
-                <a:solidFill>
-                  <a:srgbClr val="00B050"/>
-                </a:solidFill>
-                <a:latin typeface="Courier New" pitchFamily="49" charset="0"/>
-                <a:cs typeface="Courier New" pitchFamily="49" charset="0"/>
-              </a:rPr>
-              <a:t> </a:t>
-            </a:r>
-          </a:p>
-          <a:p>
-            <a:pPr marL="82296">
-              <a:buClr>
-                <a:schemeClr val="tx1"/>
-              </a:buClr>
-            </a:pPr>
-            <a:r>
-              <a:rPr lang="en-US" sz="3200" b="1" dirty="0">
-                <a:solidFill>
-                  <a:srgbClr val="F6640A"/>
-                </a:solidFill>
-                <a:latin typeface="Courier New" pitchFamily="49" charset="0"/>
-                <a:cs typeface="Courier New" pitchFamily="49" charset="0"/>
-              </a:rPr>
-              <a:t>print</a:t>
-            </a:r>
-            <a:r>
-              <a:rPr lang="en-US" sz="3200" b="1" dirty="0" smtClean="0">
-                <a:latin typeface="Courier New" pitchFamily="49" charset="0"/>
-                <a:cs typeface="Courier New" pitchFamily="49" charset="0"/>
-              </a:rPr>
-              <a:t> (</a:t>
-            </a:r>
-            <a:r>
-              <a:rPr lang="en-US" sz="3200" b="1" dirty="0" err="1" smtClean="0">
-                <a:latin typeface="Courier New" pitchFamily="49" charset="0"/>
-                <a:cs typeface="Courier New" pitchFamily="49" charset="0"/>
-              </a:rPr>
-              <a:t>ferrary.</a:t>
-            </a:r>
-            <a:r>
-              <a:rPr lang="en-US" sz="3200" b="1" dirty="0" err="1" smtClean="0">
-                <a:solidFill>
-                  <a:srgbClr val="00B050"/>
-                </a:solidFill>
-                <a:latin typeface="Courier New" pitchFamily="49" charset="0"/>
-                <a:cs typeface="Courier New" pitchFamily="49" charset="0"/>
-              </a:rPr>
-              <a:t>color</a:t>
-            </a:r>
-            <a:r>
-              <a:rPr lang="en-US" sz="3200" b="1" dirty="0" smtClean="0">
-                <a:latin typeface="Courier New" pitchFamily="49" charset="0"/>
-                <a:cs typeface="Courier New" pitchFamily="49" charset="0"/>
-              </a:rPr>
-              <a:t>) 	</a:t>
-            </a:r>
-            <a:r>
-              <a:rPr lang="ru-RU" sz="3200" b="1" dirty="0" smtClean="0">
-                <a:latin typeface="Courier New" pitchFamily="49" charset="0"/>
-                <a:cs typeface="Courier New" pitchFamily="49" charset="0"/>
-              </a:rPr>
-              <a:t>	</a:t>
-            </a:r>
-            <a:r>
-              <a:rPr lang="en-US" sz="3200" b="1" dirty="0" smtClean="0">
-                <a:solidFill>
-                  <a:schemeClr val="bg1">
-                    <a:lumMod val="50000"/>
-                  </a:schemeClr>
-                </a:solidFill>
-                <a:latin typeface="Courier New" pitchFamily="49" charset="0"/>
-                <a:cs typeface="Courier New" pitchFamily="49" charset="0"/>
-              </a:rPr>
-              <a:t># red</a:t>
-            </a:r>
-            <a:endParaRPr lang="en-US" sz="3200" b="1" dirty="0" smtClean="0">
-              <a:latin typeface="Courier New" pitchFamily="49" charset="0"/>
-              <a:cs typeface="Courier New" pitchFamily="49" charset="0"/>
-            </a:endParaRPr>
-          </a:p>
-          <a:p>
-            <a:pPr marL="82296">
-              <a:buClr>
-                <a:schemeClr val="tx1"/>
-              </a:buClr>
-            </a:pPr>
-            <a:r>
-              <a:rPr lang="en-US" sz="3200" b="1" dirty="0" smtClean="0">
-                <a:solidFill>
-                  <a:srgbClr val="F6640A"/>
-                </a:solidFill>
-                <a:latin typeface="Courier New" pitchFamily="49" charset="0"/>
-                <a:cs typeface="Courier New" pitchFamily="49" charset="0"/>
-              </a:rPr>
-              <a:t>del </a:t>
-            </a:r>
-            <a:r>
-              <a:rPr lang="en-US" sz="3200" b="1" dirty="0" err="1" smtClean="0">
-                <a:latin typeface="Courier New" pitchFamily="49" charset="0"/>
-                <a:cs typeface="Courier New" pitchFamily="49" charset="0"/>
-              </a:rPr>
-              <a:t>ferrary</a:t>
-            </a:r>
-            <a:r>
-              <a:rPr lang="en-US" sz="3200" b="1" dirty="0" smtClean="0">
-                <a:latin typeface="Courier New" pitchFamily="49" charset="0"/>
-                <a:cs typeface="Courier New" pitchFamily="49" charset="0"/>
-              </a:rPr>
-              <a:t>				</a:t>
-            </a:r>
-            <a:r>
-              <a:rPr lang="en-US" sz="3200" b="1" dirty="0">
-                <a:solidFill>
-                  <a:schemeClr val="bg1">
-                    <a:lumMod val="50000"/>
-                  </a:schemeClr>
-                </a:solidFill>
-                <a:latin typeface="Courier New" pitchFamily="49" charset="0"/>
-                <a:cs typeface="Courier New" pitchFamily="49" charset="0"/>
-              </a:rPr>
-              <a:t># </a:t>
-            </a:r>
-            <a:r>
-              <a:rPr lang="ru-RU" sz="3200" b="1" dirty="0">
-                <a:solidFill>
-                  <a:schemeClr val="bg1">
-                    <a:lumMod val="50000"/>
-                  </a:schemeClr>
-                </a:solidFill>
-                <a:latin typeface="Courier New" pitchFamily="49" charset="0"/>
-                <a:cs typeface="Courier New" pitchFamily="49" charset="0"/>
-              </a:rPr>
-              <a:t>Машину утилизировали</a:t>
-            </a:r>
             <a:endParaRPr lang="en-US" sz="3200" b="1" dirty="0">
               <a:latin typeface="Courier New" pitchFamily="49" charset="0"/>
               <a:cs typeface="Courier New" pitchFamily="49" charset="0"/>
@@ -31231,7 +30623,218 @@
                 <a:schemeClr val="tx1"/>
               </a:buClr>
             </a:pPr>
-            <a:endParaRPr lang="en-US" sz="3200" b="1" dirty="0" smtClean="0">
+            <a:r>
+              <a:rPr lang="en-US" sz="3200" b="1" dirty="0" err="1">
+                <a:latin typeface="Courier New" pitchFamily="49" charset="0"/>
+                <a:cs typeface="Courier New" pitchFamily="49" charset="0"/>
+              </a:rPr>
+              <a:t>ferrary</a:t>
+            </a:r>
+            <a:r>
+              <a:rPr lang="en-US" sz="3200" b="1" dirty="0">
+                <a:latin typeface="Courier New" pitchFamily="49" charset="0"/>
+                <a:cs typeface="Courier New" pitchFamily="49" charset="0"/>
+              </a:rPr>
+              <a:t> = </a:t>
+            </a:r>
+            <a:r>
+              <a:rPr lang="en-US" sz="3200" b="1" dirty="0">
+                <a:solidFill>
+                  <a:srgbClr val="00B050"/>
+                </a:solidFill>
+                <a:latin typeface="Courier New" pitchFamily="49" charset="0"/>
+                <a:cs typeface="Courier New" pitchFamily="49" charset="0"/>
+              </a:rPr>
+              <a:t>Car(</a:t>
+            </a:r>
+            <a:r>
+              <a:rPr lang="en-US" sz="3200" b="1" dirty="0">
+                <a:solidFill>
+                  <a:srgbClr val="7030A0"/>
+                </a:solidFill>
+                <a:latin typeface="Courier New" pitchFamily="49" charset="0"/>
+                <a:cs typeface="Courier New" pitchFamily="49" charset="0"/>
+              </a:rPr>
+              <a:t>‘</a:t>
+            </a:r>
+            <a:r>
+              <a:rPr lang="en-US" sz="3200" b="1" dirty="0">
+                <a:solidFill>
+                  <a:srgbClr val="FF0000"/>
+                </a:solidFill>
+                <a:latin typeface="Courier New" pitchFamily="49" charset="0"/>
+                <a:cs typeface="Courier New" pitchFamily="49" charset="0"/>
+              </a:rPr>
+              <a:t>red</a:t>
+            </a:r>
+            <a:r>
+              <a:rPr lang="en-US" sz="3200" b="1" dirty="0">
+                <a:solidFill>
+                  <a:srgbClr val="7030A0"/>
+                </a:solidFill>
+                <a:latin typeface="Courier New" pitchFamily="49" charset="0"/>
+                <a:cs typeface="Courier New" pitchFamily="49" charset="0"/>
+              </a:rPr>
+              <a:t>’</a:t>
+            </a:r>
+            <a:r>
+              <a:rPr lang="en-US" sz="3200" b="1" dirty="0">
+                <a:solidFill>
+                  <a:srgbClr val="00B050"/>
+                </a:solidFill>
+                <a:latin typeface="Courier New" pitchFamily="49" charset="0"/>
+                <a:cs typeface="Courier New" pitchFamily="49" charset="0"/>
+              </a:rPr>
+              <a:t>)</a:t>
+            </a:r>
+            <a:r>
+              <a:rPr lang="ru-RU" sz="3200" b="1" dirty="0">
+                <a:solidFill>
+                  <a:srgbClr val="00B050"/>
+                </a:solidFill>
+                <a:latin typeface="Courier New" pitchFamily="49" charset="0"/>
+                <a:cs typeface="Courier New" pitchFamily="49" charset="0"/>
+              </a:rPr>
+              <a:t> </a:t>
+            </a:r>
+          </a:p>
+          <a:p>
+            <a:pPr marL="82296">
+              <a:buClr>
+                <a:schemeClr val="tx1"/>
+              </a:buClr>
+            </a:pPr>
+            <a:r>
+              <a:rPr lang="en-US" sz="3200" b="1" dirty="0">
+                <a:solidFill>
+                  <a:srgbClr val="F6640A"/>
+                </a:solidFill>
+                <a:latin typeface="Courier New" pitchFamily="49" charset="0"/>
+                <a:cs typeface="Courier New" pitchFamily="49" charset="0"/>
+              </a:rPr>
+              <a:t>print</a:t>
+            </a:r>
+            <a:r>
+              <a:rPr lang="en-US" sz="3200" b="1" dirty="0">
+                <a:latin typeface="Courier New" pitchFamily="49" charset="0"/>
+                <a:cs typeface="Courier New" pitchFamily="49" charset="0"/>
+              </a:rPr>
+              <a:t> (</a:t>
+            </a:r>
+            <a:r>
+              <a:rPr lang="en-US" sz="3200" b="1" dirty="0" err="1">
+                <a:latin typeface="Courier New" pitchFamily="49" charset="0"/>
+                <a:cs typeface="Courier New" pitchFamily="49" charset="0"/>
+              </a:rPr>
+              <a:t>ferrary.</a:t>
+            </a:r>
+            <a:r>
+              <a:rPr lang="en-US" sz="3200" b="1" dirty="0" err="1">
+                <a:solidFill>
+                  <a:srgbClr val="00B050"/>
+                </a:solidFill>
+                <a:latin typeface="Courier New" pitchFamily="49" charset="0"/>
+                <a:cs typeface="Courier New" pitchFamily="49" charset="0"/>
+              </a:rPr>
+              <a:t>color</a:t>
+            </a:r>
+            <a:r>
+              <a:rPr lang="en-US" sz="3200" b="1" dirty="0">
+                <a:latin typeface="Courier New" pitchFamily="49" charset="0"/>
+                <a:cs typeface="Courier New" pitchFamily="49" charset="0"/>
+              </a:rPr>
+              <a:t>) 	</a:t>
+            </a:r>
+            <a:r>
+              <a:rPr lang="ru-RU" sz="3200" b="1" dirty="0">
+                <a:latin typeface="Courier New" pitchFamily="49" charset="0"/>
+                <a:cs typeface="Courier New" pitchFamily="49" charset="0"/>
+              </a:rPr>
+              <a:t>	</a:t>
+            </a:r>
+            <a:r>
+              <a:rPr lang="en-US" sz="3200" b="1" dirty="0">
+                <a:solidFill>
+                  <a:schemeClr val="bg1">
+                    <a:lumMod val="50000"/>
+                  </a:schemeClr>
+                </a:solidFill>
+                <a:latin typeface="Courier New" pitchFamily="49" charset="0"/>
+                <a:cs typeface="Courier New" pitchFamily="49" charset="0"/>
+              </a:rPr>
+              <a:t># red</a:t>
+            </a:r>
+            <a:endParaRPr lang="en-US" sz="3200" b="1" dirty="0">
+              <a:latin typeface="Courier New" pitchFamily="49" charset="0"/>
+              <a:cs typeface="Courier New" pitchFamily="49" charset="0"/>
+            </a:endParaRPr>
+          </a:p>
+          <a:p>
+            <a:pPr marL="82296">
+              <a:buClr>
+                <a:schemeClr val="tx1"/>
+              </a:buClr>
+            </a:pPr>
+            <a:r>
+              <a:rPr lang="en-US" sz="3200" b="1" dirty="0">
+                <a:solidFill>
+                  <a:srgbClr val="F6640A"/>
+                </a:solidFill>
+                <a:latin typeface="Courier New" pitchFamily="49" charset="0"/>
+                <a:cs typeface="Courier New" pitchFamily="49" charset="0"/>
+              </a:rPr>
+              <a:t>del </a:t>
+            </a:r>
+            <a:r>
+              <a:rPr lang="en-US" sz="3200" b="1" dirty="0" err="1">
+                <a:latin typeface="Courier New" pitchFamily="49" charset="0"/>
+                <a:cs typeface="Courier New" pitchFamily="49" charset="0"/>
+              </a:rPr>
+              <a:t>ferrary</a:t>
+            </a:r>
+            <a:r>
+              <a:rPr lang="en-US" sz="3200" b="1" dirty="0">
+                <a:latin typeface="Courier New" pitchFamily="49" charset="0"/>
+                <a:cs typeface="Courier New" pitchFamily="49" charset="0"/>
+              </a:rPr>
+              <a:t>				</a:t>
+            </a:r>
+            <a:r>
+              <a:rPr lang="en-US" sz="3200" b="1" dirty="0">
+                <a:solidFill>
+                  <a:schemeClr val="bg1">
+                    <a:lumMod val="50000"/>
+                  </a:schemeClr>
+                </a:solidFill>
+                <a:latin typeface="Courier New" pitchFamily="49" charset="0"/>
+                <a:cs typeface="Courier New" pitchFamily="49" charset="0"/>
+              </a:rPr>
+              <a:t># </a:t>
+            </a:r>
+            <a:r>
+              <a:rPr lang="ru-RU" sz="3200" b="1" dirty="0">
+                <a:solidFill>
+                  <a:schemeClr val="bg1">
+                    <a:lumMod val="50000"/>
+                  </a:schemeClr>
+                </a:solidFill>
+                <a:latin typeface="Courier New" pitchFamily="49" charset="0"/>
+                <a:cs typeface="Courier New" pitchFamily="49" charset="0"/>
+              </a:rPr>
+              <a:t>Машину утилизировали</a:t>
+            </a:r>
+            <a:endParaRPr lang="en-US" sz="3200" b="1" dirty="0">
+              <a:latin typeface="Courier New" pitchFamily="49" charset="0"/>
+              <a:cs typeface="Courier New" pitchFamily="49" charset="0"/>
+            </a:endParaRPr>
+          </a:p>
+          <a:p>
+            <a:pPr marL="82296">
+              <a:buClr>
+                <a:schemeClr val="tx1"/>
+              </a:buClr>
+            </a:pPr>
+            <a:endParaRPr lang="en-US" sz="3200" b="1" dirty="0">
               <a:solidFill>
                 <a:srgbClr val="F6640A"/>
               </a:solidFill>
@@ -31264,26 +30867,25 @@
           <a:lstStyle/>
           <a:p>
             <a:r>
-              <a:rPr lang="ru-RU" sz="3200" dirty="0" smtClean="0"/>
+              <a:rPr lang="ru-RU" sz="3200" dirty="0"/>
               <a:t>Деструктор – специальный метод класса </a:t>
             </a:r>
             <a:r>
-              <a:rPr lang="en-US" sz="3200" dirty="0" smtClean="0"/>
+              <a:rPr lang="en-US" sz="3200" dirty="0"/>
               <a:t>(__del__)</a:t>
             </a:r>
             <a:r>
-              <a:rPr lang="ru-RU" sz="3200" dirty="0" smtClean="0"/>
+              <a:rPr lang="ru-RU" sz="3200" dirty="0"/>
               <a:t> вызываемый </a:t>
             </a:r>
             <a:r>
-              <a:rPr lang="ru-RU" sz="3200" smtClean="0"/>
+              <a:rPr lang="ru-RU" sz="3200"/>
               <a:t>при разрушении </a:t>
             </a:r>
             <a:r>
-              <a:rPr lang="ru-RU" sz="3200" dirty="0" smtClean="0"/>
+              <a:rPr lang="ru-RU" sz="3200" dirty="0"/>
               <a:t>объектов </a:t>
             </a:r>
-            <a:endParaRPr lang="ru-RU" sz="3200" dirty="0"/>
           </a:p>
         </p:txBody>
       </p:sp>
@@ -31780,7 +31382,7 @@
               <a:t>Классы и </a:t>
             </a:r>
             <a:r>
-              <a:rPr lang="ru-RU" sz="7800" dirty="0" smtClean="0">
+              <a:rPr lang="ru-RU" sz="7800" dirty="0">
                 <a:solidFill>
                   <a:srgbClr val="00FF00"/>
                 </a:solidFill>
@@ -31792,7 +31394,7 @@
               <a:t>__</a:t>
             </a:r>
             <a:r>
-              <a:rPr lang="en-US" sz="7800" dirty="0" smtClean="0">
+              <a:rPr lang="en-US" sz="7800" dirty="0">
                 <a:solidFill>
                   <a:srgbClr val="00FF00"/>
                 </a:solidFill>
@@ -31803,15 +31405,6 @@
               </a:rPr>
               <a:t>slots__</a:t>
             </a:r>
-            <a:endParaRPr lang="en-US" sz="7800" dirty="0">
-              <a:solidFill>
-                <a:srgbClr val="00FF00"/>
-              </a:solidFill>
-              <a:latin typeface="+mn-lt"/>
-              <a:ea typeface="Cabin"/>
-              <a:cs typeface="Cabin"/>
-              <a:sym typeface="Cabin"/>
-            </a:endParaRPr>
           </a:p>
         </p:txBody>
       </p:sp>
@@ -32597,13 +32190,13 @@
               <a:t>__.</a:t>
             </a:r>
             <a:r>
-              <a:rPr lang="en-US" sz="3200" b="1" dirty="0" smtClean="0">
+              <a:rPr lang="en-US" sz="3200" b="1" dirty="0">
                 <a:latin typeface="Courier New" pitchFamily="49" charset="0"/>
                 <a:cs typeface="Courier New" pitchFamily="49" charset="0"/>
               </a:rPr>
               <a:t>			</a:t>
             </a:r>
-            <a:endParaRPr lang="en-US" sz="3200" b="1" dirty="0" smtClean="0">
+            <a:endParaRPr lang="en-US" sz="3200" b="1" dirty="0">
               <a:solidFill>
                 <a:srgbClr val="F6640A"/>
               </a:solidFill>
@@ -34392,13 +33985,13 @@
               <a:t>__?</a:t>
             </a:r>
             <a:r>
-              <a:rPr lang="en-US" sz="3200" b="1" dirty="0" smtClean="0">
+              <a:rPr lang="en-US" sz="3200" b="1" dirty="0">
                 <a:latin typeface="Courier New" pitchFamily="49" charset="0"/>
                 <a:cs typeface="Courier New" pitchFamily="49" charset="0"/>
               </a:rPr>
               <a:t>			</a:t>
             </a:r>
-            <a:endParaRPr lang="en-US" sz="3200" b="1" dirty="0" smtClean="0">
+            <a:endParaRPr lang="en-US" sz="3200" b="1" dirty="0">
               <a:solidFill>
                 <a:srgbClr val="F6640A"/>
               </a:solidFill>
@@ -36279,13 +35872,13 @@
               <a:t>': 42}</a:t>
             </a:r>
             <a:r>
-              <a:rPr lang="en-US" sz="3200" b="1" dirty="0" smtClean="0">
+              <a:rPr lang="en-US" sz="3200" b="1" dirty="0">
                 <a:latin typeface="Courier New" pitchFamily="49" charset="0"/>
                 <a:cs typeface="Courier New" pitchFamily="49" charset="0"/>
               </a:rPr>
               <a:t>			</a:t>
             </a:r>
-            <a:endParaRPr lang="en-US" sz="3200" b="1" dirty="0" smtClean="0">
+            <a:endParaRPr lang="en-US" sz="3200" b="1" dirty="0">
               <a:solidFill>
                 <a:srgbClr val="F6640A"/>
               </a:solidFill>
@@ -37172,7 +36765,7 @@
 </file>
 
 <file path=ppt/slides/slide3.xml><?xml version="1.0" encoding="utf-8"?>
-<p:sld xmlns:a="http://schemas.openxmlformats.org/drawingml/2006/main" xmlns:r="http://schemas.openxmlformats.org/officeDocument/2006/relationships" xmlns:p="http://schemas.openxmlformats.org/presentationml/2006/main">
+<p:sld xmlns:a="http://schemas.openxmlformats.org/drawingml/2006/main" xmlns:r="http://schemas.openxmlformats.org/officeDocument/2006/relationships" xmlns:p="http://schemas.openxmlformats.org/presentationml/2006/main" show="0">
   <p:cSld>
     <p:bg>
       <p:bgPr>
@@ -37217,7 +36810,7 @@
           <a:lstStyle/>
           <a:p>
             <a:r>
-              <a:rPr lang="ru-RU" sz="4400" dirty="0" smtClean="0"/>
+              <a:rPr lang="ru-RU" sz="4400" dirty="0"/>
               <a:t>Задача на повторение</a:t>
             </a:r>
             <a:endParaRPr lang="ru-RU" sz="3600" dirty="0"/>
@@ -37257,18 +36850,18 @@
               <a:buNone/>
             </a:pPr>
             <a:r>
-              <a:rPr lang="ru-RU" sz="2800" dirty="0" smtClean="0"/>
+              <a:rPr lang="ru-RU" sz="2800" dirty="0"/>
               <a:t>Написать регулярное выражения для </a:t>
             </a:r>
             <a:r>
-              <a:rPr lang="en-US" sz="2800" dirty="0" smtClean="0"/>
+              <a:rPr lang="en-US" sz="2800" dirty="0"/>
               <a:t>URL</a:t>
             </a:r>
             <a:r>
-              <a:rPr lang="ru-RU" sz="2800" dirty="0" smtClean="0"/>
+              <a:rPr lang="ru-RU" sz="2800" dirty="0"/>
               <a:t>.</a:t>
             </a:r>
-            <a:endParaRPr lang="en-US" sz="2800" dirty="0" smtClean="0"/>
+            <a:endParaRPr lang="en-US" sz="2800" dirty="0"/>
           </a:p>
           <a:p>
             <a:pPr marL="568706" indent="0">
@@ -37282,23 +36875,19 @@
               <a:buNone/>
             </a:pPr>
             <a:r>
-              <a:rPr lang="en-US" sz="2800" dirty="0" smtClean="0"/>
+              <a:rPr lang="en-US" sz="2800" dirty="0"/>
               <a:t>URL (</a:t>
             </a:r>
             <a:r>
               <a:rPr lang="en-US" sz="2800" i="1" dirty="0"/>
-              <a:t>Uniform Resource </a:t>
-            </a:r>
-            <a:r>
-              <a:rPr lang="en-US" sz="2800" i="1" dirty="0" smtClean="0"/>
-              <a:t>Locator</a:t>
-            </a:r>
-            <a:r>
-              <a:rPr lang="en-US" sz="2800" dirty="0" smtClean="0"/>
+              <a:t>Uniform Resource Locator</a:t>
+            </a:r>
+            <a:r>
+              <a:rPr lang="en-US" sz="2800" dirty="0"/>
               <a:t>) </a:t>
             </a:r>
             <a:r>
-              <a:rPr lang="ru-RU" sz="2800" dirty="0" smtClean="0"/>
+              <a:rPr lang="ru-RU" sz="2800" dirty="0"/>
               <a:t>имеет следующую запись:</a:t>
             </a:r>
           </a:p>
@@ -37313,7 +36902,7 @@
               <a:buClrTx/>
               <a:buNone/>
             </a:pPr>
-            <a:endParaRPr lang="ru-RU" sz="2800" dirty="0" smtClean="0">
+            <a:endParaRPr lang="ru-RU" sz="2800" dirty="0">
               <a:latin typeface="Courier New" panose="02070309020205020404" pitchFamily="49" charset="0"/>
               <a:cs typeface="Courier New" panose="02070309020205020404" pitchFamily="49" charset="0"/>
             </a:endParaRPr>
@@ -37330,18 +36919,11 @@
               <a:buNone/>
             </a:pPr>
             <a:r>
-              <a:rPr lang="ru-RU" sz="2400" dirty="0" smtClean="0">
-                <a:latin typeface="Courier New" panose="02070309020205020404" pitchFamily="49" charset="0"/>
-                <a:cs typeface="Courier New" panose="02070309020205020404" pitchFamily="49" charset="0"/>
-              </a:rPr>
-              <a:t>&lt;</a:t>
-            </a:r>
-            <a:r>
               <a:rPr lang="ru-RU" sz="2400" dirty="0">
                 <a:latin typeface="Courier New" panose="02070309020205020404" pitchFamily="49" charset="0"/>
                 <a:cs typeface="Courier New" panose="02070309020205020404" pitchFamily="49" charset="0"/>
               </a:rPr>
-              <a:t>схема&gt;://&lt;логин&gt;:&lt;пароль&gt;@&lt;хост&gt;:&lt;порт&gt;/&lt;</a:t>
+              <a:t>&lt;схема&gt;://&lt;логин&gt;:&lt;пароль&gt;@&lt;хост&gt;:&lt;порт&gt;/&lt;</a:t>
             </a:r>
             <a:r>
               <a:rPr lang="en-US" sz="2400" dirty="0">
@@ -37369,7 +36951,7 @@
               <a:buClrTx/>
               <a:buNone/>
             </a:pPr>
-            <a:endParaRPr lang="ru-RU" sz="2800" dirty="0" smtClean="0"/>
+            <a:endParaRPr lang="ru-RU" sz="2800" dirty="0"/>
           </a:p>
           <a:p>
             <a:pPr marL="568706" indent="0">
@@ -37383,7 +36965,7 @@
               <a:buNone/>
             </a:pPr>
             <a:r>
-              <a:rPr lang="ru-RU" sz="2800" dirty="0" smtClean="0"/>
+              <a:rPr lang="ru-RU" sz="2800" dirty="0"/>
               <a:t>Пример:</a:t>
             </a:r>
           </a:p>
@@ -37412,40 +36994,27 @@
               <a:buNone/>
             </a:pPr>
             <a:r>
-              <a:rPr lang="en-US" sz="3600" dirty="0" smtClean="0">
-                <a:hlinkClick r:id="rId2"/>
-              </a:rPr>
-              <a:t>https</a:t>
-            </a:r>
-            <a:r>
               <a:rPr lang="en-US" sz="3600" dirty="0">
                 <a:hlinkClick r:id="rId2"/>
               </a:rPr>
-              <a:t>://</a:t>
-            </a:r>
-            <a:r>
-              <a:rPr lang="en-US" sz="3600" dirty="0" smtClean="0">
+              <a:t>https://ru.wikipedia.org/wiki/URL#</a:t>
+            </a:r>
+            <a:r>
+              <a:rPr lang="ru-RU" sz="3600" dirty="0">
                 <a:hlinkClick r:id="rId2"/>
               </a:rPr>
-              <a:t>ru.wikipedia.org/wiki/URL#</a:t>
-            </a:r>
-            <a:r>
-              <a:rPr lang="ru-RU" sz="3600" dirty="0" smtClean="0">
+              <a:t>Структура</a:t>
+            </a:r>
+            <a:r>
+              <a:rPr lang="en-US" sz="3600" dirty="0">
                 <a:hlinkClick r:id="rId2"/>
               </a:rPr>
-              <a:t>Структура</a:t>
-            </a:r>
-            <a:r>
-              <a:rPr lang="en-US" sz="3600" dirty="0" smtClean="0">
-                <a:hlinkClick r:id="rId2"/>
-              </a:rPr>
               <a:t>_URL</a:t>
             </a:r>
             <a:r>
-              <a:rPr lang="ru-RU" sz="3600" dirty="0" smtClean="0"/>
+              <a:rPr lang="ru-RU" sz="3600" dirty="0"/>
               <a:t> </a:t>
             </a:r>
-            <a:endParaRPr lang="ru-RU" sz="3600" dirty="0"/>
           </a:p>
         </p:txBody>
       </p:sp>
@@ -37459,21 +37028,6 @@
   <p:clrMapOvr>
     <a:masterClrMapping/>
   </p:clrMapOvr>
-  <mc:AlternateContent xmlns:mc="http://schemas.openxmlformats.org/markup-compatibility/2006" xmlns:p14="http://schemas.microsoft.com/office/powerpoint/2010/main">
-    <mc:Choice Requires="p14">
-      <p:transition p14:dur="0"/>
-    </mc:Choice>
-    <mc:Fallback xmlns="">
-      <p:transition/>
-    </mc:Fallback>
-  </mc:AlternateContent>
-  <p:timing>
-    <p:tnLst>
-      <p:par>
-        <p:cTn id="1" dur="indefinite" restart="never" nodeType="tmRoot"/>
-      </p:par>
-    </p:tnLst>
-  </p:timing>
 </p:sld>
 </file>
 
@@ -37549,7 +37103,7 @@
               <a:buNone/>
             </a:pPr>
             <a:r>
-              <a:rPr lang="ru-RU" sz="7800" dirty="0" smtClean="0">
+              <a:rPr lang="ru-RU" sz="7800" dirty="0">
                 <a:solidFill>
                   <a:srgbClr val="00FF00"/>
                 </a:solidFill>
@@ -37614,20 +37168,7 @@
                 <a:sym typeface="Cabin"/>
                 <a:hlinkClick r:id="rId3"/>
               </a:rPr>
-              <a:t>https</a:t>
-            </a:r>
-            <a:r>
-              <a:rPr lang="en-US" sz="3200" u="sng" dirty="0" smtClean="0">
-                <a:solidFill>
-                  <a:srgbClr val="FFFF00"/>
-                </a:solidFill>
-                <a:latin typeface="Cabin"/>
-                <a:ea typeface="Cabin"/>
-                <a:cs typeface="Cabin"/>
-                <a:sym typeface="Cabin"/>
-                <a:hlinkClick r:id="rId3"/>
-              </a:rPr>
-              <a:t>://ru.wikipedia.org/wiki</a:t>
+              <a:t>https://ru.wikipedia.org/wiki</a:t>
             </a:r>
             <a:r>
               <a:rPr lang="ru-RU" sz="3200" u="sng" dirty="0">
@@ -37707,7 +37248,7 @@
               <a:defRPr/>
             </a:pPr>
             <a:r>
-              <a:rPr lang="ru-RU" sz="3600" dirty="0" smtClean="0">
+              <a:rPr lang="ru-RU" sz="3600" dirty="0">
                 <a:solidFill>
                   <a:schemeClr val="bg2"/>
                 </a:solidFill>
@@ -37716,31 +37257,7 @@
                 <a:cs typeface="Cabin"/>
                 <a:sym typeface="Cabin"/>
               </a:rPr>
-              <a:t>ООП  - парадигма </a:t>
-            </a:r>
-            <a:r>
-              <a:rPr lang="ru-RU" sz="3600" dirty="0">
-                <a:solidFill>
-                  <a:schemeClr val="bg2"/>
-                </a:solidFill>
-                <a:latin typeface="Cabin"/>
-                <a:ea typeface="Cabin"/>
-                <a:cs typeface="Cabin"/>
-                <a:sym typeface="Cabin"/>
-              </a:rPr>
-              <a:t>программирования, основными концепциями которой являются понятия «класс» и «объект</a:t>
-            </a:r>
-            <a:r>
-              <a:rPr lang="ru-RU" sz="3600" dirty="0" smtClean="0">
-                <a:solidFill>
-                  <a:schemeClr val="bg2"/>
-                </a:solidFill>
-                <a:latin typeface="Cabin"/>
-                <a:ea typeface="Cabin"/>
-                <a:cs typeface="Cabin"/>
-                <a:sym typeface="Cabin"/>
-              </a:rPr>
-              <a:t>».</a:t>
+              <a:t>ООП  - парадигма программирования, основными концепциями которой являются понятия «класс» и «объект».</a:t>
             </a:r>
           </a:p>
           <a:p>
@@ -37770,7 +37287,7 @@
               <a:defRPr/>
             </a:pPr>
             <a:r>
-              <a:rPr lang="ru-RU" sz="3600" dirty="0" smtClean="0">
+              <a:rPr lang="ru-RU" sz="3600" dirty="0">
                 <a:solidFill>
                   <a:schemeClr val="bg2"/>
                 </a:solidFill>
@@ -37779,55 +37296,7 @@
                 <a:cs typeface="Cabin"/>
                 <a:sym typeface="Cabin"/>
               </a:rPr>
-              <a:t>Класс - </a:t>
-            </a:r>
-            <a:r>
-              <a:rPr lang="ru-RU" sz="3600" dirty="0">
-                <a:solidFill>
-                  <a:schemeClr val="bg2"/>
-                </a:solidFill>
-                <a:latin typeface="Cabin"/>
-                <a:ea typeface="Cabin"/>
-                <a:cs typeface="Cabin"/>
-                <a:sym typeface="Cabin"/>
-              </a:rPr>
-              <a:t>пользовательский тип, </a:t>
-            </a:r>
-            <a:r>
-              <a:rPr lang="ru-RU" sz="3600" dirty="0" smtClean="0">
-                <a:solidFill>
-                  <a:schemeClr val="bg2"/>
-                </a:solidFill>
-                <a:latin typeface="Cabin"/>
-                <a:ea typeface="Cabin"/>
-                <a:cs typeface="Cabin"/>
-                <a:sym typeface="Cabin"/>
-              </a:rPr>
-              <a:t>описывающий </a:t>
-            </a:r>
-            <a:r>
-              <a:rPr lang="ru-RU" sz="3600" dirty="0">
-                <a:solidFill>
-                  <a:schemeClr val="bg2"/>
-                </a:solidFill>
-                <a:latin typeface="Cabin"/>
-                <a:ea typeface="Cabin"/>
-                <a:cs typeface="Cabin"/>
-                <a:sym typeface="Cabin"/>
-              </a:rPr>
-              <a:t>устройство </a:t>
-            </a:r>
-            <a:r>
-              <a:rPr lang="ru-RU" sz="3600" dirty="0" smtClean="0">
-                <a:solidFill>
-                  <a:schemeClr val="bg2"/>
-                </a:solidFill>
-                <a:latin typeface="Cabin"/>
-                <a:ea typeface="Cabin"/>
-                <a:cs typeface="Cabin"/>
-                <a:sym typeface="Cabin"/>
-              </a:rPr>
-              <a:t>объекта</a:t>
+              <a:t>Класс - пользовательский тип, описывающий устройство объекта</a:t>
             </a:r>
           </a:p>
           <a:p>
@@ -37866,31 +37335,7 @@
                 <a:cs typeface="Cabin"/>
                 <a:sym typeface="Cabin"/>
               </a:rPr>
-              <a:t>Объект  –  «душа</a:t>
-            </a:r>
-            <a:r>
-              <a:rPr lang="ru-RU" sz="3600" dirty="0" smtClean="0">
-                <a:solidFill>
-                  <a:schemeClr val="bg2"/>
-                </a:solidFill>
-                <a:latin typeface="Cabin"/>
-                <a:ea typeface="Cabin"/>
-                <a:cs typeface="Cabin"/>
-                <a:sym typeface="Cabin"/>
-              </a:rPr>
-              <a:t>», экземпляр, </a:t>
-            </a:r>
-            <a:r>
-              <a:rPr lang="ru-RU" sz="3600" dirty="0">
-                <a:solidFill>
-                  <a:schemeClr val="bg2"/>
-                </a:solidFill>
-                <a:latin typeface="Cabin"/>
-                <a:ea typeface="Cabin"/>
-                <a:cs typeface="Cabin"/>
-                <a:sym typeface="Cabin"/>
-              </a:rPr>
-              <a:t>сущность класса</a:t>
+              <a:t>Объект  –  «душа», экземпляр, сущность класса</a:t>
             </a:r>
           </a:p>
         </p:txBody>
@@ -38203,22 +37648,10 @@
                 <a:cs typeface="Cabin"/>
                 <a:sym typeface="Cabin"/>
               </a:rPr>
-              <a:t>Принципы ООП </a:t>
-            </a:r>
-            <a:r>
-              <a:rPr lang="ru-RU" sz="7800" dirty="0" smtClean="0">
-                <a:solidFill>
-                  <a:srgbClr val="00FF00"/>
-                </a:solidFill>
-                <a:latin typeface="Cabin"/>
-                <a:ea typeface="Cabin"/>
-                <a:cs typeface="Cabin"/>
-                <a:sym typeface="Cabin"/>
-              </a:rPr>
-              <a:t>Алана </a:t>
-            </a:r>
-            <a:r>
-              <a:rPr lang="ru-RU" sz="7800" dirty="0" err="1" smtClean="0">
+              <a:t>Принципы ООП Алана </a:t>
+            </a:r>
+            <a:r>
+              <a:rPr lang="ru-RU" sz="7800" dirty="0" err="1">
                 <a:solidFill>
                   <a:srgbClr val="00FF00"/>
                 </a:solidFill>
@@ -38282,7 +37715,7 @@
               <a:defRPr/>
             </a:pPr>
             <a:r>
-              <a:rPr lang="ru-RU" sz="3600" dirty="0" smtClean="0">
+              <a:rPr lang="ru-RU" sz="3600" dirty="0">
                 <a:solidFill>
                   <a:schemeClr val="bg2"/>
                 </a:solidFill>
@@ -38291,19 +37724,7 @@
                 <a:cs typeface="Cabin"/>
                 <a:sym typeface="Cabin"/>
               </a:rPr>
-              <a:t>Все </a:t>
-            </a:r>
-            <a:r>
-              <a:rPr lang="ru-RU" sz="3600" dirty="0">
-                <a:solidFill>
-                  <a:schemeClr val="bg2"/>
-                </a:solidFill>
-                <a:latin typeface="Cabin"/>
-                <a:ea typeface="Cabin"/>
-                <a:cs typeface="Cabin"/>
-                <a:sym typeface="Cabin"/>
-              </a:rPr>
-              <a:t>данные представляются объектами</a:t>
+              <a:t>Все данные представляются объектами</a:t>
             </a:r>
           </a:p>
           <a:p>
@@ -38323,7 +37744,7 @@
               <a:defRPr/>
             </a:pPr>
             <a:r>
-              <a:rPr lang="ru-RU" sz="3600" dirty="0" smtClean="0">
+              <a:rPr lang="ru-RU" sz="3600" dirty="0">
                 <a:solidFill>
                   <a:schemeClr val="bg2"/>
                 </a:solidFill>
@@ -38332,19 +37753,7 @@
                 <a:cs typeface="Cabin"/>
                 <a:sym typeface="Cabin"/>
               </a:rPr>
-              <a:t>Программа </a:t>
-            </a:r>
-            <a:r>
-              <a:rPr lang="ru-RU" sz="3600" dirty="0">
-                <a:solidFill>
-                  <a:schemeClr val="bg2"/>
-                </a:solidFill>
-                <a:latin typeface="Cabin"/>
-                <a:ea typeface="Cabin"/>
-                <a:cs typeface="Cabin"/>
-                <a:sym typeface="Cabin"/>
-              </a:rPr>
-              <a:t>- набор взаимодействующих объектов, посылающих друг другу сообщения</a:t>
+              <a:t>Программа - набор взаимодействующих объектов, посылающих друг другу сообщения</a:t>
             </a:r>
           </a:p>
           <a:p>
@@ -38364,7 +37773,7 @@
               <a:defRPr/>
             </a:pPr>
             <a:r>
-              <a:rPr lang="ru-RU" sz="3600" dirty="0" smtClean="0">
+              <a:rPr lang="ru-RU" sz="3600" dirty="0">
                 <a:solidFill>
                   <a:schemeClr val="bg2"/>
                 </a:solidFill>
@@ -38373,19 +37782,7 @@
                 <a:cs typeface="Cabin"/>
                 <a:sym typeface="Cabin"/>
               </a:rPr>
-              <a:t>Каждый </a:t>
-            </a:r>
-            <a:r>
-              <a:rPr lang="ru-RU" sz="3600" dirty="0">
-                <a:solidFill>
-                  <a:schemeClr val="bg2"/>
-                </a:solidFill>
-                <a:latin typeface="Cabin"/>
-                <a:ea typeface="Cabin"/>
-                <a:cs typeface="Cabin"/>
-                <a:sym typeface="Cabin"/>
-              </a:rPr>
-              <a:t>объект имеет собственную часть памяти</a:t>
+              <a:t>Каждый объект имеет собственную часть памяти</a:t>
             </a:r>
           </a:p>
           <a:p>
@@ -38405,7 +37802,7 @@
               <a:defRPr/>
             </a:pPr>
             <a:r>
-              <a:rPr lang="ru-RU" sz="3600" dirty="0" smtClean="0">
+              <a:rPr lang="ru-RU" sz="3600" dirty="0">
                 <a:solidFill>
                   <a:schemeClr val="bg2"/>
                 </a:solidFill>
@@ -38414,19 +37811,7 @@
                 <a:cs typeface="Cabin"/>
                 <a:sym typeface="Cabin"/>
               </a:rPr>
-              <a:t>Каждый </a:t>
-            </a:r>
-            <a:r>
-              <a:rPr lang="ru-RU" sz="3600" dirty="0">
-                <a:solidFill>
-                  <a:schemeClr val="bg2"/>
-                </a:solidFill>
-                <a:latin typeface="Cabin"/>
-                <a:ea typeface="Cabin"/>
-                <a:cs typeface="Cabin"/>
-                <a:sym typeface="Cabin"/>
-              </a:rPr>
-              <a:t>объект имеет свой тип (класс)</a:t>
+              <a:t>Каждый объект имеет свой тип (класс)</a:t>
             </a:r>
           </a:p>
           <a:p>
@@ -38455,43 +37840,7 @@
                 <a:cs typeface="Cabin"/>
                 <a:sym typeface="Cabin"/>
               </a:rPr>
-              <a:t>О</a:t>
-            </a:r>
-            <a:r>
-              <a:rPr lang="ru-RU" sz="3600" dirty="0" smtClean="0">
-                <a:solidFill>
-                  <a:schemeClr val="bg2"/>
-                </a:solidFill>
-                <a:latin typeface="Cabin"/>
-                <a:ea typeface="Cabin"/>
-                <a:cs typeface="Cabin"/>
-                <a:sym typeface="Cabin"/>
-              </a:rPr>
-              <a:t>бъекты </a:t>
-            </a:r>
-            <a:r>
-              <a:rPr lang="ru-RU" sz="3600" dirty="0">
-                <a:solidFill>
-                  <a:schemeClr val="bg2"/>
-                </a:solidFill>
-                <a:latin typeface="Cabin"/>
-                <a:ea typeface="Cabin"/>
-                <a:cs typeface="Cabin"/>
-                <a:sym typeface="Cabin"/>
-              </a:rPr>
-              <a:t>одного типа могут принимать одни и те же </a:t>
-            </a:r>
-            <a:r>
-              <a:rPr lang="ru-RU" sz="3600" dirty="0" smtClean="0">
-                <a:solidFill>
-                  <a:schemeClr val="bg2"/>
-                </a:solidFill>
-                <a:latin typeface="Cabin"/>
-                <a:ea typeface="Cabin"/>
-                <a:cs typeface="Cabin"/>
-                <a:sym typeface="Cabin"/>
-              </a:rPr>
-              <a:t>сообщения</a:t>
+              <a:t>Объекты одного типа могут принимать одни и те же сообщения</a:t>
             </a:r>
           </a:p>
           <a:p>
@@ -38923,7 +38272,7 @@
               <a:buSzPct val="25000"/>
             </a:pPr>
             <a:r>
-              <a:rPr lang="ru-RU" sz="7800" dirty="0" smtClean="0">
+              <a:rPr lang="ru-RU" sz="7800" dirty="0">
                 <a:solidFill>
                   <a:srgbClr val="00FF00"/>
                 </a:solidFill>
@@ -39275,19 +38624,7 @@
                 <a:cs typeface="Cabin"/>
                 <a:sym typeface="Cabin"/>
               </a:rPr>
-              <a:t>Механизмы ООП (принципы</a:t>
-            </a:r>
-            <a:r>
-              <a:rPr lang="ru-RU" sz="7800" dirty="0" smtClean="0">
-                <a:solidFill>
-                  <a:srgbClr val="00FF00"/>
-                </a:solidFill>
-                <a:latin typeface="Cabin"/>
-                <a:ea typeface="Cabin"/>
-                <a:cs typeface="Cabin"/>
-                <a:sym typeface="Cabin"/>
-              </a:rPr>
-              <a:t>)</a:t>
+              <a:t>Механизмы ООП (принципы)</a:t>
             </a:r>
             <a:endParaRPr lang="en-US" sz="7800" dirty="0">
               <a:solidFill>
@@ -39339,7 +38676,7 @@
               <a:defRPr/>
             </a:pPr>
             <a:r>
-              <a:rPr lang="ru-RU" sz="3600" dirty="0" smtClean="0">
+              <a:rPr lang="ru-RU" sz="3600" dirty="0">
                 <a:solidFill>
                   <a:srgbClr val="00B0F0"/>
                 </a:solidFill>
@@ -39351,7 +38688,7 @@
               <a:t>Инкапсуляция</a:t>
             </a:r>
             <a:r>
-              <a:rPr lang="ru-RU" sz="3600" dirty="0" smtClean="0">
+              <a:rPr lang="ru-RU" sz="3600" dirty="0">
                 <a:solidFill>
                   <a:schemeClr val="bg2"/>
                 </a:solidFill>
@@ -39360,101 +38697,7 @@
                 <a:cs typeface="Cabin"/>
                 <a:sym typeface="Cabin"/>
               </a:rPr>
-              <a:t> </a:t>
-            </a:r>
-            <a:r>
-              <a:rPr lang="ru-RU" sz="3600" dirty="0">
-                <a:solidFill>
-                  <a:schemeClr val="bg2"/>
-                </a:solidFill>
-                <a:latin typeface="Cabin"/>
-                <a:ea typeface="Cabin"/>
-                <a:cs typeface="Cabin"/>
-                <a:sym typeface="Cabin"/>
-              </a:rPr>
-              <a:t>- можно скрыть ненужные внутренние подробности работы объекта от окружающего мира (алгоритмы работы с данными хранятся вместе с данными). </a:t>
-            </a:r>
-            <a:endParaRPr lang="ru-RU" sz="3600" dirty="0" smtClean="0">
-              <a:solidFill>
-                <a:schemeClr val="bg2"/>
-              </a:solidFill>
-              <a:latin typeface="Cabin"/>
-              <a:ea typeface="Cabin"/>
-              <a:cs typeface="Cabin"/>
-              <a:sym typeface="Cabin"/>
-            </a:endParaRPr>
-          </a:p>
-          <a:p>
-            <a:pPr marL="742950" lvl="0" indent="-742950">
-              <a:spcAft>
-                <a:spcPts val="600"/>
-              </a:spcAft>
-              <a:buClr>
-                <a:schemeClr val="bg2"/>
-              </a:buClr>
-              <a:buSzPct val="100000"/>
-              <a:buFont typeface="+mj-lt"/>
-              <a:buAutoNum type="arabicPeriod"/>
-              <a:defRPr/>
-            </a:pPr>
-            <a:endParaRPr lang="ru-RU" sz="3600" dirty="0" smtClean="0">
-              <a:solidFill>
-                <a:schemeClr val="bg2"/>
-              </a:solidFill>
-              <a:latin typeface="Cabin"/>
-              <a:ea typeface="Cabin"/>
-              <a:cs typeface="Cabin"/>
-              <a:sym typeface="Cabin"/>
-            </a:endParaRPr>
-          </a:p>
-          <a:p>
-            <a:pPr marL="742950" lvl="0" indent="-742950">
-              <a:spcAft>
-                <a:spcPts val="600"/>
-              </a:spcAft>
-              <a:buClr>
-                <a:schemeClr val="bg2"/>
-              </a:buClr>
-              <a:buSzPct val="100000"/>
-              <a:buFont typeface="+mj-lt"/>
-              <a:buAutoNum type="arabicPeriod"/>
-              <a:defRPr/>
-            </a:pPr>
-            <a:r>
-              <a:rPr lang="ru-RU" sz="3600" dirty="0">
-                <a:solidFill>
-                  <a:srgbClr val="00B0F0"/>
-                </a:solidFill>
-                <a:latin typeface="Cabin"/>
-                <a:ea typeface="Cabin"/>
-                <a:cs typeface="Cabin"/>
-                <a:sym typeface="Cabin"/>
-              </a:rPr>
-              <a:t>Наследование</a:t>
-            </a:r>
-            <a:r>
-              <a:rPr lang="ru-RU" sz="3600" dirty="0">
-                <a:solidFill>
-                  <a:schemeClr val="bg2"/>
-                </a:solidFill>
-                <a:latin typeface="Cabin"/>
-                <a:ea typeface="Cabin"/>
-                <a:cs typeface="Cabin"/>
-                <a:sym typeface="Cabin"/>
-              </a:rPr>
-              <a:t> - можно создавать специализированные классы на основе базовых (позволяет избегать написания повторного кода</a:t>
-            </a:r>
-            <a:r>
-              <a:rPr lang="ru-RU" sz="3600" dirty="0" smtClean="0">
-                <a:solidFill>
-                  <a:schemeClr val="bg2"/>
-                </a:solidFill>
-                <a:latin typeface="Cabin"/>
-                <a:ea typeface="Cabin"/>
-                <a:cs typeface="Cabin"/>
-                <a:sym typeface="Cabin"/>
-              </a:rPr>
-              <a:t>)</a:t>
+              <a:t> - можно скрыть ненужные внутренние подробности работы объекта от окружающего мира (алгоритмы работы с данными хранятся вместе с данными). </a:t>
             </a:r>
           </a:p>
           <a:p>
@@ -39503,7 +38746,7 @@
                 <a:cs typeface="Cabin"/>
                 <a:sym typeface="Cabin"/>
               </a:rPr>
-              <a:t>Полиморфизм</a:t>
+              <a:t>Наследование</a:t>
             </a:r>
             <a:r>
               <a:rPr lang="ru-RU" sz="3600" dirty="0">
@@ -39515,20 +38758,22 @@
                 <a:cs typeface="Cabin"/>
                 <a:sym typeface="Cabin"/>
               </a:rPr>
-              <a:t> - в разных объектах одна и та же операция   может выполнять различные </a:t>
-            </a:r>
-            <a:r>
-              <a:rPr lang="ru-RU" sz="3600" dirty="0" smtClean="0">
-                <a:solidFill>
-                  <a:schemeClr val="bg2"/>
-                </a:solidFill>
-                <a:latin typeface="Cabin"/>
-                <a:ea typeface="Cabin"/>
-                <a:cs typeface="Cabin"/>
-                <a:sym typeface="Cabin"/>
-              </a:rPr>
-              <a:t>функции</a:t>
-            </a:r>
+              <a:t> - можно создавать специализированные классы на основе базовых (позволяет избегать написания повторного кода)</a:t>
+            </a:r>
+          </a:p>
+          <a:p>
+            <a:pPr marL="742950" lvl="0" indent="-742950">
+              <a:spcAft>
+                <a:spcPts val="600"/>
+              </a:spcAft>
+              <a:buClr>
+                <a:schemeClr val="bg2"/>
+              </a:buClr>
+              <a:buSzPct val="100000"/>
+              <a:buFont typeface="+mj-lt"/>
+              <a:buAutoNum type="arabicPeriod"/>
+              <a:defRPr/>
+            </a:pPr>
             <a:endParaRPr lang="ru-RU" sz="3600" dirty="0">
               <a:solidFill>
                 <a:schemeClr val="bg2"/>
@@ -39552,7 +38797,45 @@
               <a:buAutoNum type="arabicPeriod"/>
               <a:defRPr/>
             </a:pPr>
-            <a:endParaRPr lang="ru-RU" sz="3600" dirty="0" smtClean="0">
+            <a:r>
+              <a:rPr lang="ru-RU" sz="3600" dirty="0">
+                <a:solidFill>
+                  <a:srgbClr val="00B0F0"/>
+                </a:solidFill>
+                <a:latin typeface="Cabin"/>
+                <a:ea typeface="Cabin"/>
+                <a:cs typeface="Cabin"/>
+                <a:sym typeface="Cabin"/>
+              </a:rPr>
+              <a:t>Полиморфизм</a:t>
+            </a:r>
+            <a:r>
+              <a:rPr lang="ru-RU" sz="3600" dirty="0">
+                <a:solidFill>
+                  <a:schemeClr val="bg2"/>
+                </a:solidFill>
+                <a:latin typeface="Cabin"/>
+                <a:ea typeface="Cabin"/>
+                <a:cs typeface="Cabin"/>
+                <a:sym typeface="Cabin"/>
+              </a:rPr>
+              <a:t> - в разных объектах одна и та же операция   может выполнять различные функции</a:t>
+            </a:r>
+          </a:p>
+          <a:p>
+            <a:pPr marL="742950" lvl="0" indent="-742950">
+              <a:spcAft>
+                <a:spcPts val="600"/>
+              </a:spcAft>
+              <a:buClr>
+                <a:schemeClr val="bg2"/>
+              </a:buClr>
+              <a:buSzPct val="100000"/>
+              <a:buFont typeface="+mj-lt"/>
+              <a:buAutoNum type="arabicPeriod"/>
+              <a:defRPr/>
+            </a:pPr>
+            <a:endParaRPr lang="ru-RU" sz="3600" dirty="0">
               <a:solidFill>
                 <a:schemeClr val="bg2"/>
               </a:solidFill>
@@ -39815,7 +39098,7 @@
               <a:buSzPct val="25000"/>
             </a:pPr>
             <a:r>
-              <a:rPr lang="ru-RU" sz="7800" dirty="0" smtClean="0">
+              <a:rPr lang="ru-RU" sz="7800" dirty="0">
                 <a:solidFill>
                   <a:srgbClr val="00FF00"/>
                 </a:solidFill>
@@ -39827,7 +39110,7 @@
               <a:t>Классы в </a:t>
             </a:r>
             <a:r>
-              <a:rPr lang="en-US" sz="7800" dirty="0" smtClean="0">
+              <a:rPr lang="en-US" sz="7800" dirty="0">
                 <a:solidFill>
                   <a:srgbClr val="00FF00"/>
                 </a:solidFill>
@@ -39838,15 +39121,6 @@
               </a:rPr>
               <a:t>python</a:t>
             </a:r>
-            <a:endParaRPr lang="en-US" sz="7800" dirty="0">
-              <a:solidFill>
-                <a:srgbClr val="00FF00"/>
-              </a:solidFill>
-              <a:latin typeface="Cabin"/>
-              <a:ea typeface="Cabin"/>
-              <a:cs typeface="Cabin"/>
-              <a:sym typeface="Cabin"/>
-            </a:endParaRPr>
           </a:p>
         </p:txBody>
       </p:sp>
@@ -40124,7 +39398,7 @@
               <a:buNone/>
             </a:pPr>
             <a:r>
-              <a:rPr lang="en-US" sz="3200" b="1" dirty="0" smtClean="0">
+              <a:rPr lang="en-US" sz="3200" b="1" dirty="0">
                 <a:solidFill>
                   <a:srgbClr val="F6640A"/>
                 </a:solidFill>
@@ -40134,7 +39408,7 @@
               <a:t>class</a:t>
             </a:r>
             <a:r>
-              <a:rPr lang="en-US" sz="3200" b="1" dirty="0" smtClean="0">
+              <a:rPr lang="en-US" sz="3200" b="1" dirty="0">
                 <a:solidFill>
                   <a:srgbClr val="FF9900"/>
                 </a:solidFill>
@@ -40144,7 +39418,7 @@
               <a:t> </a:t>
             </a:r>
             <a:r>
-              <a:rPr lang="ru-RU" sz="3200" b="1" dirty="0" smtClean="0">
+              <a:rPr lang="ru-RU" sz="3200" b="1" dirty="0">
                 <a:solidFill>
                   <a:srgbClr val="FF9900"/>
                 </a:solidFill>
@@ -40154,7 +39428,7 @@
               <a:t> </a:t>
             </a:r>
             <a:r>
-              <a:rPr lang="en-US" sz="3200" b="1" dirty="0" smtClean="0">
+              <a:rPr lang="en-US" sz="3200" b="1" dirty="0">
                 <a:solidFill>
                   <a:srgbClr val="00B050"/>
                 </a:solidFill>
@@ -40164,7 +39438,7 @@
               <a:t>&lt;</a:t>
             </a:r>
             <a:r>
-              <a:rPr lang="en-US" sz="3200" b="1" dirty="0" err="1" smtClean="0">
+              <a:rPr lang="en-US" sz="3200" b="1" dirty="0" err="1">
                 <a:solidFill>
                   <a:srgbClr val="00B050"/>
                 </a:solidFill>
@@ -40174,7 +39448,7 @@
               <a:t>class_name</a:t>
             </a:r>
             <a:r>
-              <a:rPr lang="en-US" sz="3200" b="1" dirty="0" smtClean="0">
+              <a:rPr lang="en-US" sz="3200" b="1" dirty="0">
                 <a:solidFill>
                   <a:srgbClr val="00B050"/>
                 </a:solidFill>
@@ -40194,7 +39468,7 @@
               <a:t>[</a:t>
             </a:r>
             <a:r>
-              <a:rPr lang="ru-RU" sz="3200" b="1" dirty="0" smtClean="0">
+              <a:rPr lang="ru-RU" sz="3200" b="1" dirty="0">
                 <a:solidFill>
                   <a:srgbClr val="FFC000"/>
                 </a:solidFill>
@@ -40204,7 +39478,7 @@
               <a:t>(</a:t>
             </a:r>
             <a:r>
-              <a:rPr lang="en-US" sz="3200" b="1" dirty="0" smtClean="0">
+              <a:rPr lang="en-US" sz="3200" b="1" dirty="0">
                 <a:solidFill>
                   <a:srgbClr val="FFC000"/>
                 </a:solidFill>
@@ -40214,7 +39488,7 @@
               <a:t>&lt;</a:t>
             </a:r>
             <a:r>
-              <a:rPr lang="en-US" sz="3200" b="1" dirty="0" err="1" smtClean="0">
+              <a:rPr lang="en-US" sz="3200" b="1" dirty="0" err="1">
                 <a:solidFill>
                   <a:srgbClr val="FFC000"/>
                 </a:solidFill>
@@ -40224,7 +39498,7 @@
               <a:t>base_class</a:t>
             </a:r>
             <a:r>
-              <a:rPr lang="en-US" sz="3200" b="1" dirty="0" smtClean="0">
+              <a:rPr lang="en-US" sz="3200" b="1" dirty="0">
                 <a:solidFill>
                   <a:srgbClr val="FFC000"/>
                 </a:solidFill>
@@ -40234,7 +39508,7 @@
               <a:t>&gt;)]</a:t>
             </a:r>
             <a:r>
-              <a:rPr lang="en-US" sz="3200" b="1" dirty="0" smtClean="0">
+              <a:rPr lang="en-US" sz="3200" b="1" dirty="0">
                 <a:solidFill>
                   <a:schemeClr val="tx2"/>
                 </a:solidFill>
@@ -40255,7 +39529,7 @@
               <a:buNone/>
             </a:pPr>
             <a:r>
-              <a:rPr lang="ru-RU" sz="3200" b="1" dirty="0" smtClean="0">
+              <a:rPr lang="ru-RU" sz="3200" b="1" dirty="0">
                 <a:solidFill>
                   <a:srgbClr val="F6640A"/>
                 </a:solidFill>
@@ -40265,7 +39539,7 @@
               <a:t>	</a:t>
             </a:r>
             <a:r>
-              <a:rPr lang="en-US" sz="3200" b="1" dirty="0" err="1" smtClean="0">
+              <a:rPr lang="en-US" sz="3200" b="1" dirty="0" err="1">
                 <a:solidFill>
                   <a:srgbClr val="F6640A"/>
                 </a:solidFill>
@@ -40275,14 +39549,14 @@
               <a:t>def</a:t>
             </a:r>
             <a:r>
-              <a:rPr lang="en-US" sz="3200" b="1" dirty="0" smtClean="0">
+              <a:rPr lang="en-US" sz="3200" b="1" dirty="0">
                 <a:latin typeface="Courier New" pitchFamily="49" charset="0"/>
                 <a:cs typeface="Courier New" pitchFamily="49" charset="0"/>
               </a:rPr>
               <a:t> </a:t>
             </a:r>
             <a:r>
-              <a:rPr lang="en-US" sz="3200" b="1" dirty="0" smtClean="0">
+              <a:rPr lang="en-US" sz="3200" b="1" dirty="0">
                 <a:solidFill>
                   <a:srgbClr val="00B050"/>
                 </a:solidFill>
@@ -40292,7 +39566,7 @@
               <a:t>&lt;</a:t>
             </a:r>
             <a:r>
-              <a:rPr lang="en-US" sz="3200" b="1" dirty="0" err="1" smtClean="0">
+              <a:rPr lang="en-US" sz="3200" b="1" dirty="0" err="1">
                 <a:solidFill>
                   <a:srgbClr val="00B050"/>
                 </a:solidFill>
@@ -40302,7 +39576,7 @@
               <a:t>method_name</a:t>
             </a:r>
             <a:r>
-              <a:rPr lang="en-US" sz="3200" b="1" dirty="0" smtClean="0">
+              <a:rPr lang="en-US" sz="3200" b="1" dirty="0">
                 <a:solidFill>
                   <a:srgbClr val="00B050"/>
                 </a:solidFill>
@@ -40312,14 +39586,14 @@
               <a:t>&gt; </a:t>
             </a:r>
             <a:r>
-              <a:rPr lang="en-US" sz="3200" b="1" dirty="0" smtClean="0">
+              <a:rPr lang="en-US" sz="3200" b="1" dirty="0">
                 <a:latin typeface="Courier New" pitchFamily="49" charset="0"/>
                 <a:cs typeface="Courier New" pitchFamily="49" charset="0"/>
               </a:rPr>
               <a:t>(</a:t>
             </a:r>
             <a:r>
-              <a:rPr lang="en-US" sz="3200" b="1" dirty="0" smtClean="0">
+              <a:rPr lang="en-US" sz="3200" b="1" dirty="0">
                 <a:solidFill>
                   <a:srgbClr val="7030A0"/>
                 </a:solidFill>
@@ -40329,7 +39603,7 @@
               <a:t>self</a:t>
             </a:r>
             <a:r>
-              <a:rPr lang="en-US" sz="3200" b="1" dirty="0" smtClean="0">
+              <a:rPr lang="en-US" sz="3200" b="1" dirty="0">
                 <a:latin typeface="Courier New" pitchFamily="49" charset="0"/>
                 <a:cs typeface="Courier New" pitchFamily="49" charset="0"/>
               </a:rPr>
@@ -40347,20 +39621,20 @@
               <a:buNone/>
             </a:pPr>
             <a:r>
-              <a:rPr lang="ru-RU" sz="3200" b="1" dirty="0" smtClean="0">
+              <a:rPr lang="ru-RU" sz="3200" b="1" dirty="0">
                 <a:latin typeface="Courier New" pitchFamily="49" charset="0"/>
                 <a:cs typeface="Courier New" pitchFamily="49" charset="0"/>
               </a:rPr>
               <a:t>		</a:t>
             </a:r>
             <a:r>
-              <a:rPr lang="en-US" sz="3200" b="1" dirty="0" smtClean="0">
+              <a:rPr lang="en-US" sz="3200" b="1" dirty="0">
                 <a:latin typeface="Courier New" pitchFamily="49" charset="0"/>
                 <a:cs typeface="Courier New" pitchFamily="49" charset="0"/>
               </a:rPr>
               <a:t>&lt;Function codes&gt;</a:t>
             </a:r>
-            <a:endParaRPr lang="ru-RU" sz="3200" b="1" dirty="0" smtClean="0">
+            <a:endParaRPr lang="ru-RU" sz="3200" b="1" dirty="0">
               <a:latin typeface="Courier New" pitchFamily="49" charset="0"/>
               <a:cs typeface="Courier New" pitchFamily="49" charset="0"/>
             </a:endParaRPr>
@@ -40618,7 +39892,7 @@
               <a:buSzPct val="25000"/>
             </a:pPr>
             <a:r>
-              <a:rPr lang="ru-RU" sz="7800" dirty="0" smtClean="0">
+              <a:rPr lang="ru-RU" sz="7800" dirty="0">
                 <a:solidFill>
                   <a:srgbClr val="00FF00"/>
                 </a:solidFill>
